--- a/PartyBuilding/党建资料/党建演示ppt/党建工作信息化管理平台.pptx
+++ b/PartyBuilding/党建资料/党建演示ppt/党建工作信息化管理平台.pptx
@@ -12,8 +12,8 @@
     <p:sldId id="257" r:id="rId3"/>
     <p:sldId id="258" r:id="rId4"/>
     <p:sldId id="259" r:id="rId5"/>
-    <p:sldId id="260" r:id="rId6"/>
-    <p:sldId id="264" r:id="rId7"/>
+    <p:sldId id="264" r:id="rId6"/>
+    <p:sldId id="260" r:id="rId7"/>
     <p:sldId id="261" r:id="rId8"/>
     <p:sldId id="262" r:id="rId9"/>
     <p:sldId id="263" r:id="rId10"/>
@@ -2471,753 +2471,6 @@
 </file>
 
 <file path=ppt/diagrams/colors4.xml><?xml version="1.0" encoding="utf-8"?>
-<dgm:colorsDef xmlns:dgm="http://schemas.openxmlformats.org/drawingml/2006/diagram" xmlns:a="http://schemas.openxmlformats.org/drawingml/2006/main" uniqueId="urn:microsoft.com/office/officeart/2005/8/colors/accent1_2">
-  <dgm:title val=""/>
-  <dgm:desc val=""/>
-  <dgm:catLst>
-    <dgm:cat type="accent1" pri="11200"/>
-  </dgm:catLst>
-  <dgm:styleLbl name="node0">
-    <dgm:fillClrLst meth="repeat">
-      <a:schemeClr val="accent1"/>
-    </dgm:fillClrLst>
-    <dgm:linClrLst meth="repeat">
-      <a:schemeClr val="lt1"/>
-    </dgm:linClrLst>
-    <dgm:effectClrLst/>
-    <dgm:txLinClrLst/>
-    <dgm:txFillClrLst/>
-    <dgm:txEffectClrLst/>
-  </dgm:styleLbl>
-  <dgm:styleLbl name="alignNode1">
-    <dgm:fillClrLst meth="repeat">
-      <a:schemeClr val="accent1"/>
-    </dgm:fillClrLst>
-    <dgm:linClrLst meth="repeat">
-      <a:schemeClr val="accent1"/>
-    </dgm:linClrLst>
-    <dgm:effectClrLst/>
-    <dgm:txLinClrLst/>
-    <dgm:txFillClrLst/>
-    <dgm:txEffectClrLst/>
-  </dgm:styleLbl>
-  <dgm:styleLbl name="node1">
-    <dgm:fillClrLst meth="repeat">
-      <a:schemeClr val="accent1"/>
-    </dgm:fillClrLst>
-    <dgm:linClrLst meth="repeat">
-      <a:schemeClr val="lt1"/>
-    </dgm:linClrLst>
-    <dgm:effectClrLst/>
-    <dgm:txLinClrLst/>
-    <dgm:txFillClrLst/>
-    <dgm:txEffectClrLst/>
-  </dgm:styleLbl>
-  <dgm:styleLbl name="lnNode1">
-    <dgm:fillClrLst meth="repeat">
-      <a:schemeClr val="accent1"/>
-    </dgm:fillClrLst>
-    <dgm:linClrLst meth="repeat">
-      <a:schemeClr val="lt1"/>
-    </dgm:linClrLst>
-    <dgm:effectClrLst/>
-    <dgm:txLinClrLst/>
-    <dgm:txFillClrLst/>
-    <dgm:txEffectClrLst/>
-  </dgm:styleLbl>
-  <dgm:styleLbl name="vennNode1">
-    <dgm:fillClrLst meth="repeat">
-      <a:schemeClr val="accent1">
-        <a:alpha val="50000"/>
-      </a:schemeClr>
-    </dgm:fillClrLst>
-    <dgm:linClrLst meth="repeat">
-      <a:schemeClr val="lt1"/>
-    </dgm:linClrLst>
-    <dgm:effectClrLst/>
-    <dgm:txLinClrLst/>
-    <dgm:txFillClrLst/>
-    <dgm:txEffectClrLst/>
-  </dgm:styleLbl>
-  <dgm:styleLbl name="node2">
-    <dgm:fillClrLst meth="repeat">
-      <a:schemeClr val="accent1"/>
-    </dgm:fillClrLst>
-    <dgm:linClrLst meth="repeat">
-      <a:schemeClr val="lt1"/>
-    </dgm:linClrLst>
-    <dgm:effectClrLst/>
-    <dgm:txLinClrLst/>
-    <dgm:txFillClrLst/>
-    <dgm:txEffectClrLst/>
-  </dgm:styleLbl>
-  <dgm:styleLbl name="node3">
-    <dgm:fillClrLst meth="repeat">
-      <a:schemeClr val="accent1"/>
-    </dgm:fillClrLst>
-    <dgm:linClrLst meth="repeat">
-      <a:schemeClr val="lt1"/>
-    </dgm:linClrLst>
-    <dgm:effectClrLst/>
-    <dgm:txLinClrLst/>
-    <dgm:txFillClrLst/>
-    <dgm:txEffectClrLst/>
-  </dgm:styleLbl>
-  <dgm:styleLbl name="node4">
-    <dgm:fillClrLst meth="repeat">
-      <a:schemeClr val="accent1"/>
-    </dgm:fillClrLst>
-    <dgm:linClrLst meth="repeat">
-      <a:schemeClr val="lt1"/>
-    </dgm:linClrLst>
-    <dgm:effectClrLst/>
-    <dgm:txLinClrLst/>
-    <dgm:txFillClrLst/>
-    <dgm:txEffectClrLst/>
-  </dgm:styleLbl>
-  <dgm:styleLbl name="fgImgPlace1">
-    <dgm:fillClrLst meth="repeat">
-      <a:schemeClr val="accent1">
-        <a:tint val="50000"/>
-      </a:schemeClr>
-    </dgm:fillClrLst>
-    <dgm:linClrLst meth="repeat">
-      <a:schemeClr val="lt1"/>
-    </dgm:linClrLst>
-    <dgm:effectClrLst/>
-    <dgm:txLinClrLst/>
-    <dgm:txFillClrLst meth="repeat">
-      <a:schemeClr val="lt1"/>
-    </dgm:txFillClrLst>
-    <dgm:txEffectClrLst/>
-  </dgm:styleLbl>
-  <dgm:styleLbl name="alignImgPlace1">
-    <dgm:fillClrLst meth="repeat">
-      <a:schemeClr val="accent1">
-        <a:tint val="50000"/>
-      </a:schemeClr>
-    </dgm:fillClrLst>
-    <dgm:linClrLst meth="repeat">
-      <a:schemeClr val="lt1"/>
-    </dgm:linClrLst>
-    <dgm:effectClrLst/>
-    <dgm:txLinClrLst/>
-    <dgm:txFillClrLst meth="repeat">
-      <a:schemeClr val="lt1"/>
-    </dgm:txFillClrLst>
-    <dgm:txEffectClrLst/>
-  </dgm:styleLbl>
-  <dgm:styleLbl name="bgImgPlace1">
-    <dgm:fillClrLst meth="repeat">
-      <a:schemeClr val="accent1">
-        <a:tint val="50000"/>
-      </a:schemeClr>
-    </dgm:fillClrLst>
-    <dgm:linClrLst meth="repeat">
-      <a:schemeClr val="lt1"/>
-    </dgm:linClrLst>
-    <dgm:effectClrLst/>
-    <dgm:txLinClrLst/>
-    <dgm:txFillClrLst meth="repeat">
-      <a:schemeClr val="lt1"/>
-    </dgm:txFillClrLst>
-    <dgm:txEffectClrLst/>
-  </dgm:styleLbl>
-  <dgm:styleLbl name="sibTrans2D1">
-    <dgm:fillClrLst meth="repeat">
-      <a:schemeClr val="accent1">
-        <a:tint val="60000"/>
-      </a:schemeClr>
-    </dgm:fillClrLst>
-    <dgm:linClrLst meth="repeat">
-      <a:schemeClr val="accent1">
-        <a:tint val="60000"/>
-      </a:schemeClr>
-    </dgm:linClrLst>
-    <dgm:effectClrLst/>
-    <dgm:txLinClrLst/>
-    <dgm:txFillClrLst/>
-    <dgm:txEffectClrLst/>
-  </dgm:styleLbl>
-  <dgm:styleLbl name="fgSibTrans2D1">
-    <dgm:fillClrLst meth="repeat">
-      <a:schemeClr val="accent1">
-        <a:tint val="60000"/>
-      </a:schemeClr>
-    </dgm:fillClrLst>
-    <dgm:linClrLst meth="repeat">
-      <a:schemeClr val="accent1">
-        <a:tint val="60000"/>
-      </a:schemeClr>
-    </dgm:linClrLst>
-    <dgm:effectClrLst/>
-    <dgm:txLinClrLst/>
-    <dgm:txFillClrLst/>
-    <dgm:txEffectClrLst/>
-  </dgm:styleLbl>
-  <dgm:styleLbl name="bgSibTrans2D1">
-    <dgm:fillClrLst meth="repeat">
-      <a:schemeClr val="accent1">
-        <a:tint val="60000"/>
-      </a:schemeClr>
-    </dgm:fillClrLst>
-    <dgm:linClrLst meth="repeat">
-      <a:schemeClr val="accent1">
-        <a:tint val="60000"/>
-      </a:schemeClr>
-    </dgm:linClrLst>
-    <dgm:effectClrLst/>
-    <dgm:txLinClrLst/>
-    <dgm:txFillClrLst/>
-    <dgm:txEffectClrLst/>
-  </dgm:styleLbl>
-  <dgm:styleLbl name="sibTrans1D1">
-    <dgm:fillClrLst meth="repeat">
-      <a:schemeClr val="accent1"/>
-    </dgm:fillClrLst>
-    <dgm:linClrLst meth="repeat">
-      <a:schemeClr val="accent1"/>
-    </dgm:linClrLst>
-    <dgm:effectClrLst/>
-    <dgm:txLinClrLst/>
-    <dgm:txFillClrLst meth="repeat">
-      <a:schemeClr val="tx1"/>
-    </dgm:txFillClrLst>
-    <dgm:txEffectClrLst/>
-  </dgm:styleLbl>
-  <dgm:styleLbl name="callout">
-    <dgm:fillClrLst meth="repeat">
-      <a:schemeClr val="accent1"/>
-    </dgm:fillClrLst>
-    <dgm:linClrLst meth="repeat">
-      <a:schemeClr val="accent1">
-        <a:tint val="50000"/>
-      </a:schemeClr>
-    </dgm:linClrLst>
-    <dgm:effectClrLst/>
-    <dgm:txLinClrLst/>
-    <dgm:txFillClrLst meth="repeat">
-      <a:schemeClr val="tx1"/>
-    </dgm:txFillClrLst>
-    <dgm:txEffectClrLst/>
-  </dgm:styleLbl>
-  <dgm:styleLbl name="asst0">
-    <dgm:fillClrLst meth="repeat">
-      <a:schemeClr val="accent1"/>
-    </dgm:fillClrLst>
-    <dgm:linClrLst meth="repeat">
-      <a:schemeClr val="lt1"/>
-    </dgm:linClrLst>
-    <dgm:effectClrLst/>
-    <dgm:txLinClrLst/>
-    <dgm:txFillClrLst/>
-    <dgm:txEffectClrLst/>
-  </dgm:styleLbl>
-  <dgm:styleLbl name="asst1">
-    <dgm:fillClrLst meth="repeat">
-      <a:schemeClr val="accent1"/>
-    </dgm:fillClrLst>
-    <dgm:linClrLst meth="repeat">
-      <a:schemeClr val="lt1"/>
-    </dgm:linClrLst>
-    <dgm:effectClrLst/>
-    <dgm:txLinClrLst/>
-    <dgm:txFillClrLst/>
-    <dgm:txEffectClrLst/>
-  </dgm:styleLbl>
-  <dgm:styleLbl name="asst2">
-    <dgm:fillClrLst meth="repeat">
-      <a:schemeClr val="accent1"/>
-    </dgm:fillClrLst>
-    <dgm:linClrLst meth="repeat">
-      <a:schemeClr val="lt1"/>
-    </dgm:linClrLst>
-    <dgm:effectClrLst/>
-    <dgm:txLinClrLst/>
-    <dgm:txFillClrLst/>
-    <dgm:txEffectClrLst/>
-  </dgm:styleLbl>
-  <dgm:styleLbl name="asst3">
-    <dgm:fillClrLst meth="repeat">
-      <a:schemeClr val="accent1"/>
-    </dgm:fillClrLst>
-    <dgm:linClrLst meth="repeat">
-      <a:schemeClr val="lt1"/>
-    </dgm:linClrLst>
-    <dgm:effectClrLst/>
-    <dgm:txLinClrLst/>
-    <dgm:txFillClrLst/>
-    <dgm:txEffectClrLst/>
-  </dgm:styleLbl>
-  <dgm:styleLbl name="asst4">
-    <dgm:fillClrLst meth="repeat">
-      <a:schemeClr val="accent1"/>
-    </dgm:fillClrLst>
-    <dgm:linClrLst meth="repeat">
-      <a:schemeClr val="lt1"/>
-    </dgm:linClrLst>
-    <dgm:effectClrLst/>
-    <dgm:txLinClrLst/>
-    <dgm:txFillClrLst/>
-    <dgm:txEffectClrLst/>
-  </dgm:styleLbl>
-  <dgm:styleLbl name="parChTrans2D1">
-    <dgm:fillClrLst meth="repeat">
-      <a:schemeClr val="accent1">
-        <a:tint val="60000"/>
-      </a:schemeClr>
-    </dgm:fillClrLst>
-    <dgm:linClrLst meth="repeat">
-      <a:schemeClr val="accent1">
-        <a:tint val="60000"/>
-      </a:schemeClr>
-    </dgm:linClrLst>
-    <dgm:effectClrLst/>
-    <dgm:txLinClrLst/>
-    <dgm:txFillClrLst meth="repeat">
-      <a:schemeClr val="lt1"/>
-    </dgm:txFillClrLst>
-    <dgm:txEffectClrLst/>
-  </dgm:styleLbl>
-  <dgm:styleLbl name="parChTrans2D2">
-    <dgm:fillClrLst meth="repeat">
-      <a:schemeClr val="accent1"/>
-    </dgm:fillClrLst>
-    <dgm:linClrLst meth="repeat">
-      <a:schemeClr val="accent1"/>
-    </dgm:linClrLst>
-    <dgm:effectClrLst/>
-    <dgm:txLinClrLst/>
-    <dgm:txFillClrLst meth="repeat">
-      <a:schemeClr val="lt1"/>
-    </dgm:txFillClrLst>
-    <dgm:txEffectClrLst/>
-  </dgm:styleLbl>
-  <dgm:styleLbl name="parChTrans2D3">
-    <dgm:fillClrLst meth="repeat">
-      <a:schemeClr val="accent1"/>
-    </dgm:fillClrLst>
-    <dgm:linClrLst meth="repeat">
-      <a:schemeClr val="accent1"/>
-    </dgm:linClrLst>
-    <dgm:effectClrLst/>
-    <dgm:txLinClrLst/>
-    <dgm:txFillClrLst meth="repeat">
-      <a:schemeClr val="lt1"/>
-    </dgm:txFillClrLst>
-    <dgm:txEffectClrLst/>
-  </dgm:styleLbl>
-  <dgm:styleLbl name="parChTrans2D4">
-    <dgm:fillClrLst meth="repeat">
-      <a:schemeClr val="accent1"/>
-    </dgm:fillClrLst>
-    <dgm:linClrLst meth="repeat">
-      <a:schemeClr val="accent1"/>
-    </dgm:linClrLst>
-    <dgm:effectClrLst/>
-    <dgm:txLinClrLst/>
-    <dgm:txFillClrLst meth="repeat">
-      <a:schemeClr val="lt1"/>
-    </dgm:txFillClrLst>
-    <dgm:txEffectClrLst/>
-  </dgm:styleLbl>
-  <dgm:styleLbl name="parChTrans1D1">
-    <dgm:fillClrLst meth="repeat">
-      <a:schemeClr val="accent1"/>
-    </dgm:fillClrLst>
-    <dgm:linClrLst meth="repeat">
-      <a:schemeClr val="accent1">
-        <a:shade val="60000"/>
-      </a:schemeClr>
-    </dgm:linClrLst>
-    <dgm:effectClrLst/>
-    <dgm:txLinClrLst/>
-    <dgm:txFillClrLst meth="repeat">
-      <a:schemeClr val="tx1"/>
-    </dgm:txFillClrLst>
-    <dgm:txEffectClrLst/>
-  </dgm:styleLbl>
-  <dgm:styleLbl name="parChTrans1D2">
-    <dgm:fillClrLst meth="repeat">
-      <a:schemeClr val="accent1"/>
-    </dgm:fillClrLst>
-    <dgm:linClrLst meth="repeat">
-      <a:schemeClr val="accent1">
-        <a:shade val="60000"/>
-      </a:schemeClr>
-    </dgm:linClrLst>
-    <dgm:effectClrLst/>
-    <dgm:txLinClrLst/>
-    <dgm:txFillClrLst meth="repeat">
-      <a:schemeClr val="tx1"/>
-    </dgm:txFillClrLst>
-    <dgm:txEffectClrLst/>
-  </dgm:styleLbl>
-  <dgm:styleLbl name="parChTrans1D3">
-    <dgm:fillClrLst meth="repeat">
-      <a:schemeClr val="accent1"/>
-    </dgm:fillClrLst>
-    <dgm:linClrLst meth="repeat">
-      <a:schemeClr val="accent1">
-        <a:shade val="80000"/>
-      </a:schemeClr>
-    </dgm:linClrLst>
-    <dgm:effectClrLst/>
-    <dgm:txLinClrLst/>
-    <dgm:txFillClrLst meth="repeat">
-      <a:schemeClr val="tx1"/>
-    </dgm:txFillClrLst>
-    <dgm:txEffectClrLst/>
-  </dgm:styleLbl>
-  <dgm:styleLbl name="parChTrans1D4">
-    <dgm:fillClrLst meth="repeat">
-      <a:schemeClr val="accent1"/>
-    </dgm:fillClrLst>
-    <dgm:linClrLst meth="repeat">
-      <a:schemeClr val="accent1">
-        <a:shade val="80000"/>
-      </a:schemeClr>
-    </dgm:linClrLst>
-    <dgm:effectClrLst/>
-    <dgm:txLinClrLst/>
-    <dgm:txFillClrLst meth="repeat">
-      <a:schemeClr val="tx1"/>
-    </dgm:txFillClrLst>
-    <dgm:txEffectClrLst/>
-  </dgm:styleLbl>
-  <dgm:styleLbl name="fgAcc1">
-    <dgm:fillClrLst meth="repeat">
-      <a:schemeClr val="lt1">
-        <a:alpha val="90000"/>
-      </a:schemeClr>
-    </dgm:fillClrLst>
-    <dgm:linClrLst meth="repeat">
-      <a:schemeClr val="accent1"/>
-    </dgm:linClrLst>
-    <dgm:effectClrLst/>
-    <dgm:txLinClrLst/>
-    <dgm:txFillClrLst meth="repeat">
-      <a:schemeClr val="dk1"/>
-    </dgm:txFillClrLst>
-    <dgm:txEffectClrLst/>
-  </dgm:styleLbl>
-  <dgm:styleLbl name="conFgAcc1">
-    <dgm:fillClrLst meth="repeat">
-      <a:schemeClr val="lt1">
-        <a:alpha val="90000"/>
-      </a:schemeClr>
-    </dgm:fillClrLst>
-    <dgm:linClrLst meth="repeat">
-      <a:schemeClr val="accent1"/>
-    </dgm:linClrLst>
-    <dgm:effectClrLst/>
-    <dgm:txLinClrLst/>
-    <dgm:txFillClrLst meth="repeat">
-      <a:schemeClr val="dk1"/>
-    </dgm:txFillClrLst>
-    <dgm:txEffectClrLst/>
-  </dgm:styleLbl>
-  <dgm:styleLbl name="alignAcc1">
-    <dgm:fillClrLst meth="repeat">
-      <a:schemeClr val="lt1">
-        <a:alpha val="90000"/>
-      </a:schemeClr>
-    </dgm:fillClrLst>
-    <dgm:linClrLst meth="repeat">
-      <a:schemeClr val="accent1"/>
-    </dgm:linClrLst>
-    <dgm:effectClrLst/>
-    <dgm:txLinClrLst/>
-    <dgm:txFillClrLst meth="repeat">
-      <a:schemeClr val="dk1"/>
-    </dgm:txFillClrLst>
-    <dgm:txEffectClrLst/>
-  </dgm:styleLbl>
-  <dgm:styleLbl name="trAlignAcc1">
-    <dgm:fillClrLst meth="repeat">
-      <a:schemeClr val="lt1">
-        <a:alpha val="40000"/>
-      </a:schemeClr>
-    </dgm:fillClrLst>
-    <dgm:linClrLst meth="repeat">
-      <a:schemeClr val="accent1"/>
-    </dgm:linClrLst>
-    <dgm:effectClrLst/>
-    <dgm:txLinClrLst/>
-    <dgm:txFillClrLst meth="repeat">
-      <a:schemeClr val="dk1"/>
-    </dgm:txFillClrLst>
-    <dgm:txEffectClrLst/>
-  </dgm:styleLbl>
-  <dgm:styleLbl name="bgAcc1">
-    <dgm:fillClrLst meth="repeat">
-      <a:schemeClr val="lt1">
-        <a:alpha val="90000"/>
-      </a:schemeClr>
-    </dgm:fillClrLst>
-    <dgm:linClrLst meth="repeat">
-      <a:schemeClr val="accent1"/>
-    </dgm:linClrLst>
-    <dgm:effectClrLst/>
-    <dgm:txLinClrLst/>
-    <dgm:txFillClrLst meth="repeat">
-      <a:schemeClr val="dk1"/>
-    </dgm:txFillClrLst>
-    <dgm:txEffectClrLst/>
-  </dgm:styleLbl>
-  <dgm:styleLbl name="solidFgAcc1">
-    <dgm:fillClrLst meth="repeat">
-      <a:schemeClr val="lt1"/>
-    </dgm:fillClrLst>
-    <dgm:linClrLst meth="repeat">
-      <a:schemeClr val="accent1"/>
-    </dgm:linClrLst>
-    <dgm:effectClrLst/>
-    <dgm:txLinClrLst/>
-    <dgm:txFillClrLst meth="repeat">
-      <a:schemeClr val="dk1"/>
-    </dgm:txFillClrLst>
-    <dgm:txEffectClrLst/>
-  </dgm:styleLbl>
-  <dgm:styleLbl name="solidAlignAcc1">
-    <dgm:fillClrLst meth="repeat">
-      <a:schemeClr val="lt1"/>
-    </dgm:fillClrLst>
-    <dgm:linClrLst meth="repeat">
-      <a:schemeClr val="accent1"/>
-    </dgm:linClrLst>
-    <dgm:effectClrLst/>
-    <dgm:txLinClrLst/>
-    <dgm:txFillClrLst meth="repeat">
-      <a:schemeClr val="dk1"/>
-    </dgm:txFillClrLst>
-    <dgm:txEffectClrLst/>
-  </dgm:styleLbl>
-  <dgm:styleLbl name="solidBgAcc1">
-    <dgm:fillClrLst meth="repeat">
-      <a:schemeClr val="lt1"/>
-    </dgm:fillClrLst>
-    <dgm:linClrLst meth="repeat">
-      <a:schemeClr val="accent1"/>
-    </dgm:linClrLst>
-    <dgm:effectClrLst/>
-    <dgm:txLinClrLst/>
-    <dgm:txFillClrLst meth="repeat">
-      <a:schemeClr val="dk1"/>
-    </dgm:txFillClrLst>
-    <dgm:txEffectClrLst/>
-  </dgm:styleLbl>
-  <dgm:styleLbl name="fgAccFollowNode1">
-    <dgm:fillClrLst meth="repeat">
-      <a:schemeClr val="accent1">
-        <a:alpha val="90000"/>
-        <a:tint val="40000"/>
-      </a:schemeClr>
-    </dgm:fillClrLst>
-    <dgm:linClrLst meth="repeat">
-      <a:schemeClr val="accent1">
-        <a:alpha val="90000"/>
-        <a:tint val="40000"/>
-      </a:schemeClr>
-    </dgm:linClrLst>
-    <dgm:effectClrLst/>
-    <dgm:txLinClrLst/>
-    <dgm:txFillClrLst meth="repeat">
-      <a:schemeClr val="dk1"/>
-    </dgm:txFillClrLst>
-    <dgm:txEffectClrLst/>
-  </dgm:styleLbl>
-  <dgm:styleLbl name="alignAccFollowNode1">
-    <dgm:fillClrLst meth="repeat">
-      <a:schemeClr val="accent1">
-        <a:alpha val="90000"/>
-        <a:tint val="40000"/>
-      </a:schemeClr>
-    </dgm:fillClrLst>
-    <dgm:linClrLst meth="repeat">
-      <a:schemeClr val="accent1">
-        <a:alpha val="90000"/>
-        <a:tint val="40000"/>
-      </a:schemeClr>
-    </dgm:linClrLst>
-    <dgm:effectClrLst/>
-    <dgm:txLinClrLst/>
-    <dgm:txFillClrLst meth="repeat">
-      <a:schemeClr val="dk1"/>
-    </dgm:txFillClrLst>
-    <dgm:txEffectClrLst/>
-  </dgm:styleLbl>
-  <dgm:styleLbl name="bgAccFollowNode1">
-    <dgm:fillClrLst meth="repeat">
-      <a:schemeClr val="accent1">
-        <a:alpha val="90000"/>
-        <a:tint val="40000"/>
-      </a:schemeClr>
-    </dgm:fillClrLst>
-    <dgm:linClrLst meth="repeat">
-      <a:schemeClr val="accent1">
-        <a:alpha val="90000"/>
-        <a:tint val="40000"/>
-      </a:schemeClr>
-    </dgm:linClrLst>
-    <dgm:effectClrLst/>
-    <dgm:txLinClrLst/>
-    <dgm:txFillClrLst meth="repeat">
-      <a:schemeClr val="dk1"/>
-    </dgm:txFillClrLst>
-    <dgm:txEffectClrLst/>
-  </dgm:styleLbl>
-  <dgm:styleLbl name="fgAcc0">
-    <dgm:fillClrLst meth="repeat">
-      <a:schemeClr val="lt1">
-        <a:alpha val="90000"/>
-      </a:schemeClr>
-    </dgm:fillClrLst>
-    <dgm:linClrLst meth="repeat">
-      <a:schemeClr val="accent1"/>
-    </dgm:linClrLst>
-    <dgm:effectClrLst/>
-    <dgm:txLinClrLst/>
-    <dgm:txFillClrLst meth="repeat">
-      <a:schemeClr val="dk1"/>
-    </dgm:txFillClrLst>
-    <dgm:txEffectClrLst/>
-  </dgm:styleLbl>
-  <dgm:styleLbl name="fgAcc2">
-    <dgm:fillClrLst meth="repeat">
-      <a:schemeClr val="lt1">
-        <a:alpha val="90000"/>
-      </a:schemeClr>
-    </dgm:fillClrLst>
-    <dgm:linClrLst meth="repeat">
-      <a:schemeClr val="accent1"/>
-    </dgm:linClrLst>
-    <dgm:effectClrLst/>
-    <dgm:txLinClrLst/>
-    <dgm:txFillClrLst meth="repeat">
-      <a:schemeClr val="dk1"/>
-    </dgm:txFillClrLst>
-    <dgm:txEffectClrLst/>
-  </dgm:styleLbl>
-  <dgm:styleLbl name="fgAcc3">
-    <dgm:fillClrLst meth="repeat">
-      <a:schemeClr val="lt1">
-        <a:alpha val="90000"/>
-      </a:schemeClr>
-    </dgm:fillClrLst>
-    <dgm:linClrLst meth="repeat">
-      <a:schemeClr val="accent1"/>
-    </dgm:linClrLst>
-    <dgm:effectClrLst/>
-    <dgm:txLinClrLst/>
-    <dgm:txFillClrLst meth="repeat">
-      <a:schemeClr val="dk1"/>
-    </dgm:txFillClrLst>
-    <dgm:txEffectClrLst/>
-  </dgm:styleLbl>
-  <dgm:styleLbl name="fgAcc4">
-    <dgm:fillClrLst meth="repeat">
-      <a:schemeClr val="lt1">
-        <a:alpha val="90000"/>
-      </a:schemeClr>
-    </dgm:fillClrLst>
-    <dgm:linClrLst meth="repeat">
-      <a:schemeClr val="accent1"/>
-    </dgm:linClrLst>
-    <dgm:effectClrLst/>
-    <dgm:txLinClrLst/>
-    <dgm:txFillClrLst meth="repeat">
-      <a:schemeClr val="dk1"/>
-    </dgm:txFillClrLst>
-    <dgm:txEffectClrLst/>
-  </dgm:styleLbl>
-  <dgm:styleLbl name="bgShp">
-    <dgm:fillClrLst meth="repeat">
-      <a:schemeClr val="accent1">
-        <a:tint val="40000"/>
-      </a:schemeClr>
-    </dgm:fillClrLst>
-    <dgm:linClrLst meth="repeat">
-      <a:schemeClr val="accent1"/>
-    </dgm:linClrLst>
-    <dgm:effectClrLst/>
-    <dgm:txLinClrLst/>
-    <dgm:txFillClrLst meth="repeat">
-      <a:schemeClr val="dk1"/>
-    </dgm:txFillClrLst>
-    <dgm:txEffectClrLst/>
-  </dgm:styleLbl>
-  <dgm:styleLbl name="dkBgShp">
-    <dgm:fillClrLst meth="repeat">
-      <a:schemeClr val="accent1">
-        <a:shade val="80000"/>
-      </a:schemeClr>
-    </dgm:fillClrLst>
-    <dgm:linClrLst meth="repeat">
-      <a:schemeClr val="accent1"/>
-    </dgm:linClrLst>
-    <dgm:effectClrLst/>
-    <dgm:txLinClrLst/>
-    <dgm:txFillClrLst meth="repeat">
-      <a:schemeClr val="lt1"/>
-    </dgm:txFillClrLst>
-    <dgm:txEffectClrLst/>
-  </dgm:styleLbl>
-  <dgm:styleLbl name="trBgShp">
-    <dgm:fillClrLst meth="repeat">
-      <a:schemeClr val="accent1">
-        <a:tint val="50000"/>
-        <a:alpha val="40000"/>
-      </a:schemeClr>
-    </dgm:fillClrLst>
-    <dgm:linClrLst meth="repeat">
-      <a:schemeClr val="accent1"/>
-    </dgm:linClrLst>
-    <dgm:effectClrLst/>
-    <dgm:txLinClrLst/>
-    <dgm:txFillClrLst meth="repeat">
-      <a:schemeClr val="lt1"/>
-    </dgm:txFillClrLst>
-    <dgm:txEffectClrLst/>
-  </dgm:styleLbl>
-  <dgm:styleLbl name="fgShp">
-    <dgm:fillClrLst meth="repeat">
-      <a:schemeClr val="accent1">
-        <a:tint val="60000"/>
-      </a:schemeClr>
-    </dgm:fillClrLst>
-    <dgm:linClrLst meth="repeat">
-      <a:schemeClr val="lt1"/>
-    </dgm:linClrLst>
-    <dgm:effectClrLst/>
-    <dgm:txLinClrLst/>
-    <dgm:txFillClrLst meth="repeat">
-      <a:schemeClr val="dk1"/>
-    </dgm:txFillClrLst>
-    <dgm:txEffectClrLst/>
-  </dgm:styleLbl>
-  <dgm:styleLbl name="revTx">
-    <dgm:fillClrLst meth="repeat">
-      <a:schemeClr val="lt1">
-        <a:alpha val="0"/>
-      </a:schemeClr>
-    </dgm:fillClrLst>
-    <dgm:linClrLst meth="repeat">
-      <a:schemeClr val="dk1">
-        <a:alpha val="0"/>
-      </a:schemeClr>
-    </dgm:linClrLst>
-    <dgm:effectClrLst/>
-    <dgm:txLinClrLst/>
-    <dgm:txFillClrLst meth="repeat">
-      <a:schemeClr val="tx1"/>
-    </dgm:txFillClrLst>
-    <dgm:txEffectClrLst/>
-  </dgm:styleLbl>
-</dgm:colorsDef>
-</file>
-
-<file path=ppt/diagrams/colors5.xml><?xml version="1.0" encoding="utf-8"?>
 <dgm:colorsDef xmlns:dgm="http://schemas.openxmlformats.org/drawingml/2006/diagram" xmlns:a="http://schemas.openxmlformats.org/drawingml/2006/main" uniqueId="urn:microsoft.com/office/officeart/2005/8/colors/colorful5">
   <dgm:title val=""/>
   <dgm:desc val=""/>
@@ -3999,6 +3252,753 @@
 </dgm:colorsDef>
 </file>
 
+<file path=ppt/diagrams/colors5.xml><?xml version="1.0" encoding="utf-8"?>
+<dgm:colorsDef xmlns:dgm="http://schemas.openxmlformats.org/drawingml/2006/diagram" xmlns:a="http://schemas.openxmlformats.org/drawingml/2006/main" uniqueId="urn:microsoft.com/office/officeart/2005/8/colors/accent1_2">
+  <dgm:title val=""/>
+  <dgm:desc val=""/>
+  <dgm:catLst>
+    <dgm:cat type="accent1" pri="11200"/>
+  </dgm:catLst>
+  <dgm:styleLbl name="node0">
+    <dgm:fillClrLst meth="repeat">
+      <a:schemeClr val="accent1"/>
+    </dgm:fillClrLst>
+    <dgm:linClrLst meth="repeat">
+      <a:schemeClr val="lt1"/>
+    </dgm:linClrLst>
+    <dgm:effectClrLst/>
+    <dgm:txLinClrLst/>
+    <dgm:txFillClrLst/>
+    <dgm:txEffectClrLst/>
+  </dgm:styleLbl>
+  <dgm:styleLbl name="alignNode1">
+    <dgm:fillClrLst meth="repeat">
+      <a:schemeClr val="accent1"/>
+    </dgm:fillClrLst>
+    <dgm:linClrLst meth="repeat">
+      <a:schemeClr val="accent1"/>
+    </dgm:linClrLst>
+    <dgm:effectClrLst/>
+    <dgm:txLinClrLst/>
+    <dgm:txFillClrLst/>
+    <dgm:txEffectClrLst/>
+  </dgm:styleLbl>
+  <dgm:styleLbl name="node1">
+    <dgm:fillClrLst meth="repeat">
+      <a:schemeClr val="accent1"/>
+    </dgm:fillClrLst>
+    <dgm:linClrLst meth="repeat">
+      <a:schemeClr val="lt1"/>
+    </dgm:linClrLst>
+    <dgm:effectClrLst/>
+    <dgm:txLinClrLst/>
+    <dgm:txFillClrLst/>
+    <dgm:txEffectClrLst/>
+  </dgm:styleLbl>
+  <dgm:styleLbl name="lnNode1">
+    <dgm:fillClrLst meth="repeat">
+      <a:schemeClr val="accent1"/>
+    </dgm:fillClrLst>
+    <dgm:linClrLst meth="repeat">
+      <a:schemeClr val="lt1"/>
+    </dgm:linClrLst>
+    <dgm:effectClrLst/>
+    <dgm:txLinClrLst/>
+    <dgm:txFillClrLst/>
+    <dgm:txEffectClrLst/>
+  </dgm:styleLbl>
+  <dgm:styleLbl name="vennNode1">
+    <dgm:fillClrLst meth="repeat">
+      <a:schemeClr val="accent1">
+        <a:alpha val="50000"/>
+      </a:schemeClr>
+    </dgm:fillClrLst>
+    <dgm:linClrLst meth="repeat">
+      <a:schemeClr val="lt1"/>
+    </dgm:linClrLst>
+    <dgm:effectClrLst/>
+    <dgm:txLinClrLst/>
+    <dgm:txFillClrLst/>
+    <dgm:txEffectClrLst/>
+  </dgm:styleLbl>
+  <dgm:styleLbl name="node2">
+    <dgm:fillClrLst meth="repeat">
+      <a:schemeClr val="accent1"/>
+    </dgm:fillClrLst>
+    <dgm:linClrLst meth="repeat">
+      <a:schemeClr val="lt1"/>
+    </dgm:linClrLst>
+    <dgm:effectClrLst/>
+    <dgm:txLinClrLst/>
+    <dgm:txFillClrLst/>
+    <dgm:txEffectClrLst/>
+  </dgm:styleLbl>
+  <dgm:styleLbl name="node3">
+    <dgm:fillClrLst meth="repeat">
+      <a:schemeClr val="accent1"/>
+    </dgm:fillClrLst>
+    <dgm:linClrLst meth="repeat">
+      <a:schemeClr val="lt1"/>
+    </dgm:linClrLst>
+    <dgm:effectClrLst/>
+    <dgm:txLinClrLst/>
+    <dgm:txFillClrLst/>
+    <dgm:txEffectClrLst/>
+  </dgm:styleLbl>
+  <dgm:styleLbl name="node4">
+    <dgm:fillClrLst meth="repeat">
+      <a:schemeClr val="accent1"/>
+    </dgm:fillClrLst>
+    <dgm:linClrLst meth="repeat">
+      <a:schemeClr val="lt1"/>
+    </dgm:linClrLst>
+    <dgm:effectClrLst/>
+    <dgm:txLinClrLst/>
+    <dgm:txFillClrLst/>
+    <dgm:txEffectClrLst/>
+  </dgm:styleLbl>
+  <dgm:styleLbl name="fgImgPlace1">
+    <dgm:fillClrLst meth="repeat">
+      <a:schemeClr val="accent1">
+        <a:tint val="50000"/>
+      </a:schemeClr>
+    </dgm:fillClrLst>
+    <dgm:linClrLst meth="repeat">
+      <a:schemeClr val="lt1"/>
+    </dgm:linClrLst>
+    <dgm:effectClrLst/>
+    <dgm:txLinClrLst/>
+    <dgm:txFillClrLst meth="repeat">
+      <a:schemeClr val="lt1"/>
+    </dgm:txFillClrLst>
+    <dgm:txEffectClrLst/>
+  </dgm:styleLbl>
+  <dgm:styleLbl name="alignImgPlace1">
+    <dgm:fillClrLst meth="repeat">
+      <a:schemeClr val="accent1">
+        <a:tint val="50000"/>
+      </a:schemeClr>
+    </dgm:fillClrLst>
+    <dgm:linClrLst meth="repeat">
+      <a:schemeClr val="lt1"/>
+    </dgm:linClrLst>
+    <dgm:effectClrLst/>
+    <dgm:txLinClrLst/>
+    <dgm:txFillClrLst meth="repeat">
+      <a:schemeClr val="lt1"/>
+    </dgm:txFillClrLst>
+    <dgm:txEffectClrLst/>
+  </dgm:styleLbl>
+  <dgm:styleLbl name="bgImgPlace1">
+    <dgm:fillClrLst meth="repeat">
+      <a:schemeClr val="accent1">
+        <a:tint val="50000"/>
+      </a:schemeClr>
+    </dgm:fillClrLst>
+    <dgm:linClrLst meth="repeat">
+      <a:schemeClr val="lt1"/>
+    </dgm:linClrLst>
+    <dgm:effectClrLst/>
+    <dgm:txLinClrLst/>
+    <dgm:txFillClrLst meth="repeat">
+      <a:schemeClr val="lt1"/>
+    </dgm:txFillClrLst>
+    <dgm:txEffectClrLst/>
+  </dgm:styleLbl>
+  <dgm:styleLbl name="sibTrans2D1">
+    <dgm:fillClrLst meth="repeat">
+      <a:schemeClr val="accent1">
+        <a:tint val="60000"/>
+      </a:schemeClr>
+    </dgm:fillClrLst>
+    <dgm:linClrLst meth="repeat">
+      <a:schemeClr val="accent1">
+        <a:tint val="60000"/>
+      </a:schemeClr>
+    </dgm:linClrLst>
+    <dgm:effectClrLst/>
+    <dgm:txLinClrLst/>
+    <dgm:txFillClrLst/>
+    <dgm:txEffectClrLst/>
+  </dgm:styleLbl>
+  <dgm:styleLbl name="fgSibTrans2D1">
+    <dgm:fillClrLst meth="repeat">
+      <a:schemeClr val="accent1">
+        <a:tint val="60000"/>
+      </a:schemeClr>
+    </dgm:fillClrLst>
+    <dgm:linClrLst meth="repeat">
+      <a:schemeClr val="accent1">
+        <a:tint val="60000"/>
+      </a:schemeClr>
+    </dgm:linClrLst>
+    <dgm:effectClrLst/>
+    <dgm:txLinClrLst/>
+    <dgm:txFillClrLst/>
+    <dgm:txEffectClrLst/>
+  </dgm:styleLbl>
+  <dgm:styleLbl name="bgSibTrans2D1">
+    <dgm:fillClrLst meth="repeat">
+      <a:schemeClr val="accent1">
+        <a:tint val="60000"/>
+      </a:schemeClr>
+    </dgm:fillClrLst>
+    <dgm:linClrLst meth="repeat">
+      <a:schemeClr val="accent1">
+        <a:tint val="60000"/>
+      </a:schemeClr>
+    </dgm:linClrLst>
+    <dgm:effectClrLst/>
+    <dgm:txLinClrLst/>
+    <dgm:txFillClrLst/>
+    <dgm:txEffectClrLst/>
+  </dgm:styleLbl>
+  <dgm:styleLbl name="sibTrans1D1">
+    <dgm:fillClrLst meth="repeat">
+      <a:schemeClr val="accent1"/>
+    </dgm:fillClrLst>
+    <dgm:linClrLst meth="repeat">
+      <a:schemeClr val="accent1"/>
+    </dgm:linClrLst>
+    <dgm:effectClrLst/>
+    <dgm:txLinClrLst/>
+    <dgm:txFillClrLst meth="repeat">
+      <a:schemeClr val="tx1"/>
+    </dgm:txFillClrLst>
+    <dgm:txEffectClrLst/>
+  </dgm:styleLbl>
+  <dgm:styleLbl name="callout">
+    <dgm:fillClrLst meth="repeat">
+      <a:schemeClr val="accent1"/>
+    </dgm:fillClrLst>
+    <dgm:linClrLst meth="repeat">
+      <a:schemeClr val="accent1">
+        <a:tint val="50000"/>
+      </a:schemeClr>
+    </dgm:linClrLst>
+    <dgm:effectClrLst/>
+    <dgm:txLinClrLst/>
+    <dgm:txFillClrLst meth="repeat">
+      <a:schemeClr val="tx1"/>
+    </dgm:txFillClrLst>
+    <dgm:txEffectClrLst/>
+  </dgm:styleLbl>
+  <dgm:styleLbl name="asst0">
+    <dgm:fillClrLst meth="repeat">
+      <a:schemeClr val="accent1"/>
+    </dgm:fillClrLst>
+    <dgm:linClrLst meth="repeat">
+      <a:schemeClr val="lt1"/>
+    </dgm:linClrLst>
+    <dgm:effectClrLst/>
+    <dgm:txLinClrLst/>
+    <dgm:txFillClrLst/>
+    <dgm:txEffectClrLst/>
+  </dgm:styleLbl>
+  <dgm:styleLbl name="asst1">
+    <dgm:fillClrLst meth="repeat">
+      <a:schemeClr val="accent1"/>
+    </dgm:fillClrLst>
+    <dgm:linClrLst meth="repeat">
+      <a:schemeClr val="lt1"/>
+    </dgm:linClrLst>
+    <dgm:effectClrLst/>
+    <dgm:txLinClrLst/>
+    <dgm:txFillClrLst/>
+    <dgm:txEffectClrLst/>
+  </dgm:styleLbl>
+  <dgm:styleLbl name="asst2">
+    <dgm:fillClrLst meth="repeat">
+      <a:schemeClr val="accent1"/>
+    </dgm:fillClrLst>
+    <dgm:linClrLst meth="repeat">
+      <a:schemeClr val="lt1"/>
+    </dgm:linClrLst>
+    <dgm:effectClrLst/>
+    <dgm:txLinClrLst/>
+    <dgm:txFillClrLst/>
+    <dgm:txEffectClrLst/>
+  </dgm:styleLbl>
+  <dgm:styleLbl name="asst3">
+    <dgm:fillClrLst meth="repeat">
+      <a:schemeClr val="accent1"/>
+    </dgm:fillClrLst>
+    <dgm:linClrLst meth="repeat">
+      <a:schemeClr val="lt1"/>
+    </dgm:linClrLst>
+    <dgm:effectClrLst/>
+    <dgm:txLinClrLst/>
+    <dgm:txFillClrLst/>
+    <dgm:txEffectClrLst/>
+  </dgm:styleLbl>
+  <dgm:styleLbl name="asst4">
+    <dgm:fillClrLst meth="repeat">
+      <a:schemeClr val="accent1"/>
+    </dgm:fillClrLst>
+    <dgm:linClrLst meth="repeat">
+      <a:schemeClr val="lt1"/>
+    </dgm:linClrLst>
+    <dgm:effectClrLst/>
+    <dgm:txLinClrLst/>
+    <dgm:txFillClrLst/>
+    <dgm:txEffectClrLst/>
+  </dgm:styleLbl>
+  <dgm:styleLbl name="parChTrans2D1">
+    <dgm:fillClrLst meth="repeat">
+      <a:schemeClr val="accent1">
+        <a:tint val="60000"/>
+      </a:schemeClr>
+    </dgm:fillClrLst>
+    <dgm:linClrLst meth="repeat">
+      <a:schemeClr val="accent1">
+        <a:tint val="60000"/>
+      </a:schemeClr>
+    </dgm:linClrLst>
+    <dgm:effectClrLst/>
+    <dgm:txLinClrLst/>
+    <dgm:txFillClrLst meth="repeat">
+      <a:schemeClr val="lt1"/>
+    </dgm:txFillClrLst>
+    <dgm:txEffectClrLst/>
+  </dgm:styleLbl>
+  <dgm:styleLbl name="parChTrans2D2">
+    <dgm:fillClrLst meth="repeat">
+      <a:schemeClr val="accent1"/>
+    </dgm:fillClrLst>
+    <dgm:linClrLst meth="repeat">
+      <a:schemeClr val="accent1"/>
+    </dgm:linClrLst>
+    <dgm:effectClrLst/>
+    <dgm:txLinClrLst/>
+    <dgm:txFillClrLst meth="repeat">
+      <a:schemeClr val="lt1"/>
+    </dgm:txFillClrLst>
+    <dgm:txEffectClrLst/>
+  </dgm:styleLbl>
+  <dgm:styleLbl name="parChTrans2D3">
+    <dgm:fillClrLst meth="repeat">
+      <a:schemeClr val="accent1"/>
+    </dgm:fillClrLst>
+    <dgm:linClrLst meth="repeat">
+      <a:schemeClr val="accent1"/>
+    </dgm:linClrLst>
+    <dgm:effectClrLst/>
+    <dgm:txLinClrLst/>
+    <dgm:txFillClrLst meth="repeat">
+      <a:schemeClr val="lt1"/>
+    </dgm:txFillClrLst>
+    <dgm:txEffectClrLst/>
+  </dgm:styleLbl>
+  <dgm:styleLbl name="parChTrans2D4">
+    <dgm:fillClrLst meth="repeat">
+      <a:schemeClr val="accent1"/>
+    </dgm:fillClrLst>
+    <dgm:linClrLst meth="repeat">
+      <a:schemeClr val="accent1"/>
+    </dgm:linClrLst>
+    <dgm:effectClrLst/>
+    <dgm:txLinClrLst/>
+    <dgm:txFillClrLst meth="repeat">
+      <a:schemeClr val="lt1"/>
+    </dgm:txFillClrLst>
+    <dgm:txEffectClrLst/>
+  </dgm:styleLbl>
+  <dgm:styleLbl name="parChTrans1D1">
+    <dgm:fillClrLst meth="repeat">
+      <a:schemeClr val="accent1"/>
+    </dgm:fillClrLst>
+    <dgm:linClrLst meth="repeat">
+      <a:schemeClr val="accent1">
+        <a:shade val="60000"/>
+      </a:schemeClr>
+    </dgm:linClrLst>
+    <dgm:effectClrLst/>
+    <dgm:txLinClrLst/>
+    <dgm:txFillClrLst meth="repeat">
+      <a:schemeClr val="tx1"/>
+    </dgm:txFillClrLst>
+    <dgm:txEffectClrLst/>
+  </dgm:styleLbl>
+  <dgm:styleLbl name="parChTrans1D2">
+    <dgm:fillClrLst meth="repeat">
+      <a:schemeClr val="accent1"/>
+    </dgm:fillClrLst>
+    <dgm:linClrLst meth="repeat">
+      <a:schemeClr val="accent1">
+        <a:shade val="60000"/>
+      </a:schemeClr>
+    </dgm:linClrLst>
+    <dgm:effectClrLst/>
+    <dgm:txLinClrLst/>
+    <dgm:txFillClrLst meth="repeat">
+      <a:schemeClr val="tx1"/>
+    </dgm:txFillClrLst>
+    <dgm:txEffectClrLst/>
+  </dgm:styleLbl>
+  <dgm:styleLbl name="parChTrans1D3">
+    <dgm:fillClrLst meth="repeat">
+      <a:schemeClr val="accent1"/>
+    </dgm:fillClrLst>
+    <dgm:linClrLst meth="repeat">
+      <a:schemeClr val="accent1">
+        <a:shade val="80000"/>
+      </a:schemeClr>
+    </dgm:linClrLst>
+    <dgm:effectClrLst/>
+    <dgm:txLinClrLst/>
+    <dgm:txFillClrLst meth="repeat">
+      <a:schemeClr val="tx1"/>
+    </dgm:txFillClrLst>
+    <dgm:txEffectClrLst/>
+  </dgm:styleLbl>
+  <dgm:styleLbl name="parChTrans1D4">
+    <dgm:fillClrLst meth="repeat">
+      <a:schemeClr val="accent1"/>
+    </dgm:fillClrLst>
+    <dgm:linClrLst meth="repeat">
+      <a:schemeClr val="accent1">
+        <a:shade val="80000"/>
+      </a:schemeClr>
+    </dgm:linClrLst>
+    <dgm:effectClrLst/>
+    <dgm:txLinClrLst/>
+    <dgm:txFillClrLst meth="repeat">
+      <a:schemeClr val="tx1"/>
+    </dgm:txFillClrLst>
+    <dgm:txEffectClrLst/>
+  </dgm:styleLbl>
+  <dgm:styleLbl name="fgAcc1">
+    <dgm:fillClrLst meth="repeat">
+      <a:schemeClr val="lt1">
+        <a:alpha val="90000"/>
+      </a:schemeClr>
+    </dgm:fillClrLst>
+    <dgm:linClrLst meth="repeat">
+      <a:schemeClr val="accent1"/>
+    </dgm:linClrLst>
+    <dgm:effectClrLst/>
+    <dgm:txLinClrLst/>
+    <dgm:txFillClrLst meth="repeat">
+      <a:schemeClr val="dk1"/>
+    </dgm:txFillClrLst>
+    <dgm:txEffectClrLst/>
+  </dgm:styleLbl>
+  <dgm:styleLbl name="conFgAcc1">
+    <dgm:fillClrLst meth="repeat">
+      <a:schemeClr val="lt1">
+        <a:alpha val="90000"/>
+      </a:schemeClr>
+    </dgm:fillClrLst>
+    <dgm:linClrLst meth="repeat">
+      <a:schemeClr val="accent1"/>
+    </dgm:linClrLst>
+    <dgm:effectClrLst/>
+    <dgm:txLinClrLst/>
+    <dgm:txFillClrLst meth="repeat">
+      <a:schemeClr val="dk1"/>
+    </dgm:txFillClrLst>
+    <dgm:txEffectClrLst/>
+  </dgm:styleLbl>
+  <dgm:styleLbl name="alignAcc1">
+    <dgm:fillClrLst meth="repeat">
+      <a:schemeClr val="lt1">
+        <a:alpha val="90000"/>
+      </a:schemeClr>
+    </dgm:fillClrLst>
+    <dgm:linClrLst meth="repeat">
+      <a:schemeClr val="accent1"/>
+    </dgm:linClrLst>
+    <dgm:effectClrLst/>
+    <dgm:txLinClrLst/>
+    <dgm:txFillClrLst meth="repeat">
+      <a:schemeClr val="dk1"/>
+    </dgm:txFillClrLst>
+    <dgm:txEffectClrLst/>
+  </dgm:styleLbl>
+  <dgm:styleLbl name="trAlignAcc1">
+    <dgm:fillClrLst meth="repeat">
+      <a:schemeClr val="lt1">
+        <a:alpha val="40000"/>
+      </a:schemeClr>
+    </dgm:fillClrLst>
+    <dgm:linClrLst meth="repeat">
+      <a:schemeClr val="accent1"/>
+    </dgm:linClrLst>
+    <dgm:effectClrLst/>
+    <dgm:txLinClrLst/>
+    <dgm:txFillClrLst meth="repeat">
+      <a:schemeClr val="dk1"/>
+    </dgm:txFillClrLst>
+    <dgm:txEffectClrLst/>
+  </dgm:styleLbl>
+  <dgm:styleLbl name="bgAcc1">
+    <dgm:fillClrLst meth="repeat">
+      <a:schemeClr val="lt1">
+        <a:alpha val="90000"/>
+      </a:schemeClr>
+    </dgm:fillClrLst>
+    <dgm:linClrLst meth="repeat">
+      <a:schemeClr val="accent1"/>
+    </dgm:linClrLst>
+    <dgm:effectClrLst/>
+    <dgm:txLinClrLst/>
+    <dgm:txFillClrLst meth="repeat">
+      <a:schemeClr val="dk1"/>
+    </dgm:txFillClrLst>
+    <dgm:txEffectClrLst/>
+  </dgm:styleLbl>
+  <dgm:styleLbl name="solidFgAcc1">
+    <dgm:fillClrLst meth="repeat">
+      <a:schemeClr val="lt1"/>
+    </dgm:fillClrLst>
+    <dgm:linClrLst meth="repeat">
+      <a:schemeClr val="accent1"/>
+    </dgm:linClrLst>
+    <dgm:effectClrLst/>
+    <dgm:txLinClrLst/>
+    <dgm:txFillClrLst meth="repeat">
+      <a:schemeClr val="dk1"/>
+    </dgm:txFillClrLst>
+    <dgm:txEffectClrLst/>
+  </dgm:styleLbl>
+  <dgm:styleLbl name="solidAlignAcc1">
+    <dgm:fillClrLst meth="repeat">
+      <a:schemeClr val="lt1"/>
+    </dgm:fillClrLst>
+    <dgm:linClrLst meth="repeat">
+      <a:schemeClr val="accent1"/>
+    </dgm:linClrLst>
+    <dgm:effectClrLst/>
+    <dgm:txLinClrLst/>
+    <dgm:txFillClrLst meth="repeat">
+      <a:schemeClr val="dk1"/>
+    </dgm:txFillClrLst>
+    <dgm:txEffectClrLst/>
+  </dgm:styleLbl>
+  <dgm:styleLbl name="solidBgAcc1">
+    <dgm:fillClrLst meth="repeat">
+      <a:schemeClr val="lt1"/>
+    </dgm:fillClrLst>
+    <dgm:linClrLst meth="repeat">
+      <a:schemeClr val="accent1"/>
+    </dgm:linClrLst>
+    <dgm:effectClrLst/>
+    <dgm:txLinClrLst/>
+    <dgm:txFillClrLst meth="repeat">
+      <a:schemeClr val="dk1"/>
+    </dgm:txFillClrLst>
+    <dgm:txEffectClrLst/>
+  </dgm:styleLbl>
+  <dgm:styleLbl name="fgAccFollowNode1">
+    <dgm:fillClrLst meth="repeat">
+      <a:schemeClr val="accent1">
+        <a:alpha val="90000"/>
+        <a:tint val="40000"/>
+      </a:schemeClr>
+    </dgm:fillClrLst>
+    <dgm:linClrLst meth="repeat">
+      <a:schemeClr val="accent1">
+        <a:alpha val="90000"/>
+        <a:tint val="40000"/>
+      </a:schemeClr>
+    </dgm:linClrLst>
+    <dgm:effectClrLst/>
+    <dgm:txLinClrLst/>
+    <dgm:txFillClrLst meth="repeat">
+      <a:schemeClr val="dk1"/>
+    </dgm:txFillClrLst>
+    <dgm:txEffectClrLst/>
+  </dgm:styleLbl>
+  <dgm:styleLbl name="alignAccFollowNode1">
+    <dgm:fillClrLst meth="repeat">
+      <a:schemeClr val="accent1">
+        <a:alpha val="90000"/>
+        <a:tint val="40000"/>
+      </a:schemeClr>
+    </dgm:fillClrLst>
+    <dgm:linClrLst meth="repeat">
+      <a:schemeClr val="accent1">
+        <a:alpha val="90000"/>
+        <a:tint val="40000"/>
+      </a:schemeClr>
+    </dgm:linClrLst>
+    <dgm:effectClrLst/>
+    <dgm:txLinClrLst/>
+    <dgm:txFillClrLst meth="repeat">
+      <a:schemeClr val="dk1"/>
+    </dgm:txFillClrLst>
+    <dgm:txEffectClrLst/>
+  </dgm:styleLbl>
+  <dgm:styleLbl name="bgAccFollowNode1">
+    <dgm:fillClrLst meth="repeat">
+      <a:schemeClr val="accent1">
+        <a:alpha val="90000"/>
+        <a:tint val="40000"/>
+      </a:schemeClr>
+    </dgm:fillClrLst>
+    <dgm:linClrLst meth="repeat">
+      <a:schemeClr val="accent1">
+        <a:alpha val="90000"/>
+        <a:tint val="40000"/>
+      </a:schemeClr>
+    </dgm:linClrLst>
+    <dgm:effectClrLst/>
+    <dgm:txLinClrLst/>
+    <dgm:txFillClrLst meth="repeat">
+      <a:schemeClr val="dk1"/>
+    </dgm:txFillClrLst>
+    <dgm:txEffectClrLst/>
+  </dgm:styleLbl>
+  <dgm:styleLbl name="fgAcc0">
+    <dgm:fillClrLst meth="repeat">
+      <a:schemeClr val="lt1">
+        <a:alpha val="90000"/>
+      </a:schemeClr>
+    </dgm:fillClrLst>
+    <dgm:linClrLst meth="repeat">
+      <a:schemeClr val="accent1"/>
+    </dgm:linClrLst>
+    <dgm:effectClrLst/>
+    <dgm:txLinClrLst/>
+    <dgm:txFillClrLst meth="repeat">
+      <a:schemeClr val="dk1"/>
+    </dgm:txFillClrLst>
+    <dgm:txEffectClrLst/>
+  </dgm:styleLbl>
+  <dgm:styleLbl name="fgAcc2">
+    <dgm:fillClrLst meth="repeat">
+      <a:schemeClr val="lt1">
+        <a:alpha val="90000"/>
+      </a:schemeClr>
+    </dgm:fillClrLst>
+    <dgm:linClrLst meth="repeat">
+      <a:schemeClr val="accent1"/>
+    </dgm:linClrLst>
+    <dgm:effectClrLst/>
+    <dgm:txLinClrLst/>
+    <dgm:txFillClrLst meth="repeat">
+      <a:schemeClr val="dk1"/>
+    </dgm:txFillClrLst>
+    <dgm:txEffectClrLst/>
+  </dgm:styleLbl>
+  <dgm:styleLbl name="fgAcc3">
+    <dgm:fillClrLst meth="repeat">
+      <a:schemeClr val="lt1">
+        <a:alpha val="90000"/>
+      </a:schemeClr>
+    </dgm:fillClrLst>
+    <dgm:linClrLst meth="repeat">
+      <a:schemeClr val="accent1"/>
+    </dgm:linClrLst>
+    <dgm:effectClrLst/>
+    <dgm:txLinClrLst/>
+    <dgm:txFillClrLst meth="repeat">
+      <a:schemeClr val="dk1"/>
+    </dgm:txFillClrLst>
+    <dgm:txEffectClrLst/>
+  </dgm:styleLbl>
+  <dgm:styleLbl name="fgAcc4">
+    <dgm:fillClrLst meth="repeat">
+      <a:schemeClr val="lt1">
+        <a:alpha val="90000"/>
+      </a:schemeClr>
+    </dgm:fillClrLst>
+    <dgm:linClrLst meth="repeat">
+      <a:schemeClr val="accent1"/>
+    </dgm:linClrLst>
+    <dgm:effectClrLst/>
+    <dgm:txLinClrLst/>
+    <dgm:txFillClrLst meth="repeat">
+      <a:schemeClr val="dk1"/>
+    </dgm:txFillClrLst>
+    <dgm:txEffectClrLst/>
+  </dgm:styleLbl>
+  <dgm:styleLbl name="bgShp">
+    <dgm:fillClrLst meth="repeat">
+      <a:schemeClr val="accent1">
+        <a:tint val="40000"/>
+      </a:schemeClr>
+    </dgm:fillClrLst>
+    <dgm:linClrLst meth="repeat">
+      <a:schemeClr val="accent1"/>
+    </dgm:linClrLst>
+    <dgm:effectClrLst/>
+    <dgm:txLinClrLst/>
+    <dgm:txFillClrLst meth="repeat">
+      <a:schemeClr val="dk1"/>
+    </dgm:txFillClrLst>
+    <dgm:txEffectClrLst/>
+  </dgm:styleLbl>
+  <dgm:styleLbl name="dkBgShp">
+    <dgm:fillClrLst meth="repeat">
+      <a:schemeClr val="accent1">
+        <a:shade val="80000"/>
+      </a:schemeClr>
+    </dgm:fillClrLst>
+    <dgm:linClrLst meth="repeat">
+      <a:schemeClr val="accent1"/>
+    </dgm:linClrLst>
+    <dgm:effectClrLst/>
+    <dgm:txLinClrLst/>
+    <dgm:txFillClrLst meth="repeat">
+      <a:schemeClr val="lt1"/>
+    </dgm:txFillClrLst>
+    <dgm:txEffectClrLst/>
+  </dgm:styleLbl>
+  <dgm:styleLbl name="trBgShp">
+    <dgm:fillClrLst meth="repeat">
+      <a:schemeClr val="accent1">
+        <a:tint val="50000"/>
+        <a:alpha val="40000"/>
+      </a:schemeClr>
+    </dgm:fillClrLst>
+    <dgm:linClrLst meth="repeat">
+      <a:schemeClr val="accent1"/>
+    </dgm:linClrLst>
+    <dgm:effectClrLst/>
+    <dgm:txLinClrLst/>
+    <dgm:txFillClrLst meth="repeat">
+      <a:schemeClr val="lt1"/>
+    </dgm:txFillClrLst>
+    <dgm:txEffectClrLst/>
+  </dgm:styleLbl>
+  <dgm:styleLbl name="fgShp">
+    <dgm:fillClrLst meth="repeat">
+      <a:schemeClr val="accent1">
+        <a:tint val="60000"/>
+      </a:schemeClr>
+    </dgm:fillClrLst>
+    <dgm:linClrLst meth="repeat">
+      <a:schemeClr val="lt1"/>
+    </dgm:linClrLst>
+    <dgm:effectClrLst/>
+    <dgm:txLinClrLst/>
+    <dgm:txFillClrLst meth="repeat">
+      <a:schemeClr val="dk1"/>
+    </dgm:txFillClrLst>
+    <dgm:txEffectClrLst/>
+  </dgm:styleLbl>
+  <dgm:styleLbl name="revTx">
+    <dgm:fillClrLst meth="repeat">
+      <a:schemeClr val="lt1">
+        <a:alpha val="0"/>
+      </a:schemeClr>
+    </dgm:fillClrLst>
+    <dgm:linClrLst meth="repeat">
+      <a:schemeClr val="dk1">
+        <a:alpha val="0"/>
+      </a:schemeClr>
+    </dgm:linClrLst>
+    <dgm:effectClrLst/>
+    <dgm:txLinClrLst/>
+    <dgm:txFillClrLst meth="repeat">
+      <a:schemeClr val="tx1"/>
+    </dgm:txFillClrLst>
+    <dgm:txEffectClrLst/>
+  </dgm:styleLbl>
+</dgm:colorsDef>
+</file>
+
 <file path=ppt/diagrams/colors6.xml><?xml version="1.0" encoding="utf-8"?>
 <dgm:colorsDef xmlns:dgm="http://schemas.openxmlformats.org/drawingml/2006/diagram" xmlns:a="http://schemas.openxmlformats.org/drawingml/2006/main" uniqueId="urn:microsoft.com/office/officeart/2005/8/colors/colorful5">
   <dgm:title val=""/>
@@ -6333,7 +6333,7 @@
         <a:p>
           <a:r>
             <a:rPr lang="zh-CN" altLang="en-US" sz="2700" dirty="0" smtClean="0"/>
-            <a:t>系统架构</a:t>
+            <a:t>功能模块</a:t>
           </a:r>
           <a:endParaRPr lang="zh-CN" altLang="en-US" sz="2700" dirty="0"/>
         </a:p>
@@ -6574,7 +6574,7 @@
       <dgm:spPr/>
     </dgm:pt>
     <dgm:pt modelId="{BD2D27B2-8C6A-48BA-A634-75EF55A8435F}" type="pres">
-      <dgm:prSet presAssocID="{3BA0B63D-BEC1-42B7-BB20-2AC70C6CAAFD}" presName="LevelOneTextNode" presStyleLbl="node0" presStyleIdx="0" presStyleCnt="1" custScaleX="89465" custScaleY="53823">
+      <dgm:prSet presAssocID="{3BA0B63D-BEC1-42B7-BB20-2AC70C6CAAFD}" presName="LevelOneTextNode" presStyleLbl="node0" presStyleIdx="0" presStyleCnt="1" custAng="5400000" custScaleX="89465" custScaleY="53823" custLinFactX="-66057" custLinFactNeighborX="-100000" custLinFactNeighborY="83">
         <dgm:presLayoutVars>
           <dgm:chPref val="3"/>
         </dgm:presLayoutVars>
@@ -6896,17 +6896,17 @@
       </dgm:t>
     </dgm:pt>
     <dgm:pt modelId="{1B9A2618-7870-4EF3-9987-C34472647D2D}">
-      <dgm:prSet/>
+      <dgm:prSet custT="1"/>
       <dgm:spPr/>
       <dgm:t>
         <a:bodyPr/>
         <a:lstStyle/>
         <a:p>
           <a:r>
-            <a:rPr lang="zh-CN" altLang="en-US" dirty="0" smtClean="0"/>
+            <a:rPr lang="zh-CN" altLang="en-US" sz="1800" dirty="0" smtClean="0"/>
             <a:t>党组织管理</a:t>
           </a:r>
-          <a:endParaRPr lang="zh-CN" altLang="en-US" dirty="0"/>
+          <a:endParaRPr lang="zh-CN" altLang="en-US" sz="1800" dirty="0"/>
         </a:p>
       </dgm:t>
     </dgm:pt>
@@ -6933,17 +6933,17 @@
       </dgm:t>
     </dgm:pt>
     <dgm:pt modelId="{93DA9D1A-CAD6-4D08-9512-E8A00FF00FAB}">
-      <dgm:prSet/>
+      <dgm:prSet custT="1"/>
       <dgm:spPr/>
       <dgm:t>
         <a:bodyPr/>
         <a:lstStyle/>
         <a:p>
           <a:r>
-            <a:rPr lang="zh-CN" altLang="en-US" dirty="0" smtClean="0"/>
+            <a:rPr lang="zh-CN" altLang="en-US" sz="1800" dirty="0" smtClean="0"/>
             <a:t>组织架构</a:t>
           </a:r>
-          <a:endParaRPr lang="zh-CN" altLang="en-US" dirty="0"/>
+          <a:endParaRPr lang="zh-CN" altLang="en-US" sz="1800" dirty="0"/>
         </a:p>
       </dgm:t>
     </dgm:pt>
@@ -6970,17 +6970,17 @@
       </dgm:t>
     </dgm:pt>
     <dgm:pt modelId="{0D29BB5D-940E-4CCF-8DA5-77CD5F0E2305}">
-      <dgm:prSet/>
+      <dgm:prSet custT="1"/>
       <dgm:spPr/>
       <dgm:t>
         <a:bodyPr/>
         <a:lstStyle/>
         <a:p>
           <a:r>
-            <a:rPr lang="zh-CN" altLang="en-US" dirty="0" smtClean="0"/>
+            <a:rPr lang="zh-CN" altLang="en-US" sz="1800" dirty="0" smtClean="0"/>
             <a:t>两新组织</a:t>
           </a:r>
-          <a:endParaRPr lang="zh-CN" altLang="en-US" dirty="0"/>
+          <a:endParaRPr lang="zh-CN" altLang="en-US" sz="1800" dirty="0"/>
         </a:p>
       </dgm:t>
     </dgm:pt>
@@ -7007,17 +7007,17 @@
       </dgm:t>
     </dgm:pt>
     <dgm:pt modelId="{D8BDA5DF-F35D-4EF0-9434-F195A8F0EBEF}">
-      <dgm:prSet/>
+      <dgm:prSet custT="1"/>
       <dgm:spPr/>
       <dgm:t>
         <a:bodyPr/>
         <a:lstStyle/>
         <a:p>
           <a:r>
-            <a:rPr lang="zh-CN" altLang="en-US" dirty="0" smtClean="0"/>
+            <a:rPr lang="zh-CN" altLang="en-US" sz="1800" dirty="0" smtClean="0"/>
             <a:t>党员管理</a:t>
           </a:r>
-          <a:endParaRPr lang="zh-CN" altLang="en-US" dirty="0"/>
+          <a:endParaRPr lang="zh-CN" altLang="en-US" sz="1800" dirty="0"/>
         </a:p>
       </dgm:t>
     </dgm:pt>
@@ -7044,17 +7044,17 @@
       </dgm:t>
     </dgm:pt>
     <dgm:pt modelId="{D371503C-80CA-4B8F-959B-059CFE249AA3}">
-      <dgm:prSet/>
+      <dgm:prSet custT="1"/>
       <dgm:spPr/>
       <dgm:t>
         <a:bodyPr/>
         <a:lstStyle/>
         <a:p>
           <a:r>
-            <a:rPr lang="zh-CN" altLang="en-US" dirty="0" smtClean="0"/>
+            <a:rPr lang="zh-CN" altLang="en-US" sz="1800" dirty="0" smtClean="0"/>
             <a:t>党员通讯录</a:t>
           </a:r>
-          <a:endParaRPr lang="zh-CN" altLang="en-US" dirty="0"/>
+          <a:endParaRPr lang="zh-CN" altLang="en-US" sz="1800" dirty="0"/>
         </a:p>
       </dgm:t>
     </dgm:pt>
@@ -7081,17 +7081,17 @@
       </dgm:t>
     </dgm:pt>
     <dgm:pt modelId="{184C861B-ACF6-4DA1-990D-22945BBD850E}">
-      <dgm:prSet/>
+      <dgm:prSet custT="1"/>
       <dgm:spPr/>
       <dgm:t>
         <a:bodyPr/>
         <a:lstStyle/>
         <a:p>
           <a:r>
-            <a:rPr lang="zh-CN" altLang="en-US" dirty="0" smtClean="0"/>
+            <a:rPr lang="zh-CN" altLang="en-US" sz="1800" dirty="0" smtClean="0"/>
             <a:t>组织活动场所</a:t>
           </a:r>
-          <a:endParaRPr lang="zh-CN" altLang="en-US" dirty="0"/>
+          <a:endParaRPr lang="zh-CN" altLang="en-US" sz="1800" dirty="0"/>
         </a:p>
       </dgm:t>
     </dgm:pt>
@@ -7118,17 +7118,17 @@
       </dgm:t>
     </dgm:pt>
     <dgm:pt modelId="{4696549E-C7AD-453E-AB73-6099123CB824}">
-      <dgm:prSet/>
+      <dgm:prSet custT="1"/>
       <dgm:spPr/>
       <dgm:t>
         <a:bodyPr/>
         <a:lstStyle/>
         <a:p>
           <a:r>
-            <a:rPr lang="zh-CN" altLang="en-US" dirty="0" smtClean="0"/>
+            <a:rPr lang="zh-CN" altLang="en-US" sz="1800" dirty="0" smtClean="0"/>
             <a:t>党费管理</a:t>
           </a:r>
-          <a:endParaRPr lang="zh-CN" altLang="en-US" dirty="0"/>
+          <a:endParaRPr lang="zh-CN" altLang="en-US" sz="1800" dirty="0"/>
         </a:p>
       </dgm:t>
     </dgm:pt>
@@ -7155,7 +7155,7 @@
       </dgm:t>
     </dgm:pt>
     <dgm:pt modelId="{5BF5DE9F-5069-4B1D-ADED-21CED8CBA330}">
-      <dgm:prSet/>
+      <dgm:prSet custT="1"/>
       <dgm:spPr>
         <a:gradFill rotWithShape="0">
           <a:gsLst>
@@ -7192,10 +7192,10 @@
         <a:lstStyle/>
         <a:p>
           <a:r>
-            <a:rPr lang="zh-CN" altLang="en-US" dirty="0" smtClean="0"/>
+            <a:rPr lang="zh-CN" altLang="en-US" sz="1800" dirty="0" smtClean="0"/>
             <a:t>村干部管理</a:t>
           </a:r>
-          <a:endParaRPr lang="zh-CN" altLang="en-US" dirty="0"/>
+          <a:endParaRPr lang="zh-CN" altLang="en-US" sz="1800" dirty="0"/>
         </a:p>
       </dgm:t>
     </dgm:pt>
@@ -7222,7 +7222,7 @@
       </dgm:t>
     </dgm:pt>
     <dgm:pt modelId="{8D5B400C-ABC0-4009-829E-3F1BD69D446F}">
-      <dgm:prSet/>
+      <dgm:prSet custT="1"/>
       <dgm:spPr>
         <a:gradFill rotWithShape="0">
           <a:gsLst>
@@ -7259,10 +7259,10 @@
         <a:lstStyle/>
         <a:p>
           <a:r>
-            <a:rPr lang="zh-CN" altLang="en-US" dirty="0" smtClean="0"/>
+            <a:rPr lang="zh-CN" altLang="en-US" sz="1800" dirty="0" smtClean="0"/>
             <a:t>大学生村官管理</a:t>
           </a:r>
-          <a:endParaRPr lang="zh-CN" altLang="en-US" dirty="0"/>
+          <a:endParaRPr lang="zh-CN" altLang="en-US" sz="1800" dirty="0"/>
         </a:p>
       </dgm:t>
     </dgm:pt>
@@ -7289,7 +7289,7 @@
       </dgm:t>
     </dgm:pt>
     <dgm:pt modelId="{FF28ABCC-D05F-4C18-BD77-FC723022FE9E}">
-      <dgm:prSet/>
+      <dgm:prSet custT="1"/>
       <dgm:spPr>
         <a:gradFill rotWithShape="0">
           <a:gsLst>
@@ -7326,10 +7326,10 @@
         <a:lstStyle/>
         <a:p>
           <a:r>
-            <a:rPr lang="zh-CN" altLang="en-US" dirty="0" smtClean="0"/>
+            <a:rPr lang="zh-CN" altLang="en-US" sz="1800" dirty="0" smtClean="0"/>
             <a:t>第一书记管理</a:t>
           </a:r>
-          <a:endParaRPr lang="zh-CN" altLang="en-US" dirty="0"/>
+          <a:endParaRPr lang="zh-CN" altLang="en-US" sz="1800" dirty="0"/>
         </a:p>
       </dgm:t>
     </dgm:pt>
@@ -7726,7 +7726,7 @@
       <dgm:spPr/>
     </dgm:pt>
     <dgm:pt modelId="{7CB8CCD9-49BB-441B-BC26-FA2B32C8159B}" type="pres">
-      <dgm:prSet presAssocID="{184C861B-ACF6-4DA1-990D-22945BBD850E}" presName="rootText" presStyleLbl="node2" presStyleIdx="5" presStyleCnt="6">
+      <dgm:prSet presAssocID="{184C861B-ACF6-4DA1-990D-22945BBD850E}" presName="rootText" presStyleLbl="node2" presStyleIdx="5" presStyleCnt="6" custScaleX="100011">
         <dgm:presLayoutVars>
           <dgm:chPref val="3"/>
         </dgm:presLayoutVars>
@@ -7776,7 +7776,7 @@
       <dgm:spPr/>
     </dgm:pt>
     <dgm:pt modelId="{EBA2DCF0-50E0-4100-ACF5-1C4076BEAFCE}" type="pres">
-      <dgm:prSet presAssocID="{5BF5DE9F-5069-4B1D-ADED-21CED8CBA330}" presName="rootText1" presStyleLbl="node0" presStyleIdx="1" presStyleCnt="4" custLinFactX="100000" custLinFactY="-100000" custLinFactNeighborX="154430" custLinFactNeighborY="-173847">
+      <dgm:prSet presAssocID="{5BF5DE9F-5069-4B1D-ADED-21CED8CBA330}" presName="rootText1" presStyleLbl="node0" presStyleIdx="1" presStyleCnt="4" custScaleX="100011" custLinFactX="100000" custLinFactY="-100000" custLinFactNeighborX="166354" custLinFactNeighborY="-172586">
         <dgm:presLayoutVars>
           <dgm:chPref val="3"/>
         </dgm:presLayoutVars>
@@ -7822,7 +7822,7 @@
       <dgm:spPr/>
     </dgm:pt>
     <dgm:pt modelId="{B5ADEAEA-42BF-48E8-81CF-975850C4C907}" type="pres">
-      <dgm:prSet presAssocID="{8D5B400C-ABC0-4009-829E-3F1BD69D446F}" presName="rootText1" presStyleLbl="node0" presStyleIdx="2" presStyleCnt="4" custLinFactX="100000" custLinFactY="-100000" custLinFactNeighborX="154195" custLinFactNeighborY="-179214">
+      <dgm:prSet presAssocID="{8D5B400C-ABC0-4009-829E-3F1BD69D446F}" presName="rootText1" presStyleLbl="node0" presStyleIdx="2" presStyleCnt="4" custLinFactX="100000" custLinFactY="-100000" custLinFactNeighborX="166119" custLinFactNeighborY="-177953">
         <dgm:presLayoutVars>
           <dgm:chPref val="3"/>
         </dgm:presLayoutVars>
@@ -7868,7 +7868,7 @@
       <dgm:spPr/>
     </dgm:pt>
     <dgm:pt modelId="{B4B77F49-21D0-4D77-8743-B95725E5C395}" type="pres">
-      <dgm:prSet presAssocID="{FF28ABCC-D05F-4C18-BD77-FC723022FE9E}" presName="rootText1" presStyleLbl="node0" presStyleIdx="3" presStyleCnt="4" custLinFactX="100000" custLinFactY="-100000" custLinFactNeighborX="154195" custLinFactNeighborY="-179214">
+      <dgm:prSet presAssocID="{FF28ABCC-D05F-4C18-BD77-FC723022FE9E}" presName="rootText1" presStyleLbl="node0" presStyleIdx="3" presStyleCnt="4" custLinFactX="100000" custLinFactY="-100000" custLinFactNeighborX="166119" custLinFactNeighborY="-177953">
         <dgm:presLayoutVars>
           <dgm:chPref val="3"/>
         </dgm:presLayoutVars>
@@ -8606,30 +8606,30 @@
     </dgm:pt>
   </dgm:ptLst>
   <dgm:cxnLst>
+    <dgm:cxn modelId="{F040C27B-566A-4518-82AC-E7F3162567CA}" type="presOf" srcId="{E52EC24B-1E56-444B-A7B6-09049CB2F3C7}" destId="{C663ED54-3A86-49B6-A4DB-BDEB5028A85D}" srcOrd="1" destOrd="0" presId="urn:microsoft.com/office/officeart/2009/3/layout/HorizontalOrganizationChart"/>
     <dgm:cxn modelId="{CF6AA404-9AAE-454A-B129-61BA1905432D}" type="presOf" srcId="{AD34BD70-02A6-4E40-8360-11C1E89855CB}" destId="{7B8EC3F6-F7B4-4835-ADA5-FD133F2ED6C4}" srcOrd="0" destOrd="0" presId="urn:microsoft.com/office/officeart/2009/3/layout/HorizontalOrganizationChart"/>
+    <dgm:cxn modelId="{88D2C746-B694-4C99-916D-0F513B31422D}" type="presOf" srcId="{203A6113-FB74-4D2D-B45B-14604FBC208C}" destId="{1452C569-61EF-4CFB-B261-DBF64EA3E221}" srcOrd="0" destOrd="0" presId="urn:microsoft.com/office/officeart/2009/3/layout/HorizontalOrganizationChart"/>
+    <dgm:cxn modelId="{797098BC-16E4-4BDC-B815-62A668822243}" type="presOf" srcId="{6F8375BA-46E4-4A89-B9EA-A47C12F8BBDF}" destId="{C68C0FCD-33A4-43E1-B09F-97A37DD41CDB}" srcOrd="1" destOrd="0" presId="urn:microsoft.com/office/officeart/2009/3/layout/HorizontalOrganizationChart"/>
+    <dgm:cxn modelId="{6BFBD0B2-2BFE-4095-840F-E570D84585CA}" type="presOf" srcId="{AD34BD70-02A6-4E40-8360-11C1E89855CB}" destId="{7B49D507-72D6-4385-A093-74C7F442B880}" srcOrd="1" destOrd="0" presId="urn:microsoft.com/office/officeart/2009/3/layout/HorizontalOrganizationChart"/>
+    <dgm:cxn modelId="{4CD54996-6846-47A7-9E2E-D62BE7DB9E2E}" type="presOf" srcId="{A88ECD30-5834-4DEC-B146-65B1B78CD966}" destId="{B38EC5EF-5D1A-4DDA-BD89-70BAB63094ED}" srcOrd="0" destOrd="0" presId="urn:microsoft.com/office/officeart/2009/3/layout/HorizontalOrganizationChart"/>
+    <dgm:cxn modelId="{C95EBF74-56C5-4CB6-9ECF-4E8BEDDC5093}" srcId="{D8068114-AFAA-418E-9A5D-BA1EC342D7E1}" destId="{AD34BD70-02A6-4E40-8360-11C1E89855CB}" srcOrd="1" destOrd="0" parTransId="{66625F6D-AF8A-439A-97D9-27539467AC7A}" sibTransId="{7A2C37A6-494A-410B-A5FD-325CE418C428}"/>
+    <dgm:cxn modelId="{9E05926D-D18E-41F5-9A1D-6A2DE977D080}" type="presOf" srcId="{6F8375BA-46E4-4A89-B9EA-A47C12F8BBDF}" destId="{E81EE3E3-B0E4-4930-9C9D-16465DE77C05}" srcOrd="0" destOrd="0" presId="urn:microsoft.com/office/officeart/2009/3/layout/HorizontalOrganizationChart"/>
+    <dgm:cxn modelId="{8579780B-3923-41A0-916D-F075AE756F9E}" type="presOf" srcId="{8834ECA2-2D47-4A59-A85D-8535D3E1FE4C}" destId="{0CC6D45A-E085-49EA-B9A0-6EBF3A8E63F6}" srcOrd="0" destOrd="0" presId="urn:microsoft.com/office/officeart/2009/3/layout/HorizontalOrganizationChart"/>
+    <dgm:cxn modelId="{415C74CC-0173-4E31-8DD8-9CD923C6CEA7}" type="presOf" srcId="{46E89E59-A1AD-4BDC-8E7E-B26A88D59396}" destId="{632FFA02-E5C4-4264-BDFD-B78AFF46912A}" srcOrd="0" destOrd="0" presId="urn:microsoft.com/office/officeart/2009/3/layout/HorizontalOrganizationChart"/>
+    <dgm:cxn modelId="{9A7AA0D5-42F7-4684-A688-3AB79753A4C7}" srcId="{D8068114-AFAA-418E-9A5D-BA1EC342D7E1}" destId="{59FD27CA-9E8B-4D5C-83E0-45294D8B4136}" srcOrd="3" destOrd="0" parTransId="{8834ECA2-2D47-4A59-A85D-8535D3E1FE4C}" sibTransId="{37D061C8-43FB-42C0-9BB3-7E88DDBF5472}"/>
+    <dgm:cxn modelId="{E6F13B46-8A7F-4779-95A8-0FA142163106}" type="presOf" srcId="{D8068114-AFAA-418E-9A5D-BA1EC342D7E1}" destId="{4094FC65-2A56-4793-9193-9804319EB4F0}" srcOrd="0" destOrd="0" presId="urn:microsoft.com/office/officeart/2009/3/layout/HorizontalOrganizationChart"/>
+    <dgm:cxn modelId="{1E9871AB-8787-4107-AC5E-05A8F07BC753}" type="presOf" srcId="{E52EC24B-1E56-444B-A7B6-09049CB2F3C7}" destId="{82AE423E-FE1C-4E50-B9BC-002E51ED8311}" srcOrd="0" destOrd="0" presId="urn:microsoft.com/office/officeart/2009/3/layout/HorizontalOrganizationChart"/>
+    <dgm:cxn modelId="{D92289DD-2618-42AD-B137-B01B0E1F7E3C}" srcId="{D8068114-AFAA-418E-9A5D-BA1EC342D7E1}" destId="{6F8375BA-46E4-4A89-B9EA-A47C12F8BBDF}" srcOrd="2" destOrd="0" parTransId="{6C4506BD-4B5D-4333-A38B-5F53715F0D36}" sibTransId="{8CA827DA-86DB-43F8-8EC1-EB4E45DEACB3}"/>
+    <dgm:cxn modelId="{3ED19C5A-FDE5-4F5C-844F-662E4E2A2723}" srcId="{D8068114-AFAA-418E-9A5D-BA1EC342D7E1}" destId="{E52EC24B-1E56-444B-A7B6-09049CB2F3C7}" srcOrd="4" destOrd="0" parTransId="{866AC632-7EC1-4952-A59C-B6A8C769E4C0}" sibTransId="{C45F52A4-6FB6-4AD1-9569-414721D994E7}"/>
+    <dgm:cxn modelId="{B485035C-0CB2-4188-8410-957D2CAC8BE8}" srcId="{46E89E59-A1AD-4BDC-8E7E-B26A88D59396}" destId="{D8068114-AFAA-418E-9A5D-BA1EC342D7E1}" srcOrd="0" destOrd="0" parTransId="{4C1026BC-F12B-4452-A506-B431A0CC728A}" sibTransId="{CCD190AA-E436-4A0E-A721-98D958A11E76}"/>
+    <dgm:cxn modelId="{0C2C4AF0-AC26-4A2E-9146-9F9CA2CB69E5}" type="presOf" srcId="{866AC632-7EC1-4952-A59C-B6A8C769E4C0}" destId="{584D1301-C80A-4294-983D-A3621D839992}" srcOrd="0" destOrd="0" presId="urn:microsoft.com/office/officeart/2009/3/layout/HorizontalOrganizationChart"/>
+    <dgm:cxn modelId="{CDF9FC38-B4C5-4874-964D-C582CCC851DA}" type="presOf" srcId="{D8068114-AFAA-418E-9A5D-BA1EC342D7E1}" destId="{344021F2-55D4-47E7-8CDE-46D1E9396E8E}" srcOrd="1" destOrd="0" presId="urn:microsoft.com/office/officeart/2009/3/layout/HorizontalOrganizationChart"/>
+    <dgm:cxn modelId="{A6F465EA-8C5A-4442-A7AA-D8CD89FCB5BB}" type="presOf" srcId="{6C4506BD-4B5D-4333-A38B-5F53715F0D36}" destId="{E82993D2-B8DD-48AC-A8ED-020502DD51ED}" srcOrd="0" destOrd="0" presId="urn:microsoft.com/office/officeart/2009/3/layout/HorizontalOrganizationChart"/>
     <dgm:cxn modelId="{F7767AF4-7957-4C5B-962F-0015E0AB5026}" type="presOf" srcId="{59FD27CA-9E8B-4D5C-83E0-45294D8B4136}" destId="{EBA4003B-57CB-48A1-A179-BE54AE6CF2F2}" srcOrd="1" destOrd="0" presId="urn:microsoft.com/office/officeart/2009/3/layout/HorizontalOrganizationChart"/>
-    <dgm:cxn modelId="{F040C27B-566A-4518-82AC-E7F3162567CA}" type="presOf" srcId="{E52EC24B-1E56-444B-A7B6-09049CB2F3C7}" destId="{C663ED54-3A86-49B6-A4DB-BDEB5028A85D}" srcOrd="1" destOrd="0" presId="urn:microsoft.com/office/officeart/2009/3/layout/HorizontalOrganizationChart"/>
-    <dgm:cxn modelId="{3ED19C5A-FDE5-4F5C-844F-662E4E2A2723}" srcId="{D8068114-AFAA-418E-9A5D-BA1EC342D7E1}" destId="{E52EC24B-1E56-444B-A7B6-09049CB2F3C7}" srcOrd="4" destOrd="0" parTransId="{866AC632-7EC1-4952-A59C-B6A8C769E4C0}" sibTransId="{C45F52A4-6FB6-4AD1-9569-414721D994E7}"/>
-    <dgm:cxn modelId="{1E9871AB-8787-4107-AC5E-05A8F07BC753}" type="presOf" srcId="{E52EC24B-1E56-444B-A7B6-09049CB2F3C7}" destId="{82AE423E-FE1C-4E50-B9BC-002E51ED8311}" srcOrd="0" destOrd="0" presId="urn:microsoft.com/office/officeart/2009/3/layout/HorizontalOrganizationChart"/>
-    <dgm:cxn modelId="{6BFBD0B2-2BFE-4095-840F-E570D84585CA}" type="presOf" srcId="{AD34BD70-02A6-4E40-8360-11C1E89855CB}" destId="{7B49D507-72D6-4385-A093-74C7F442B880}" srcOrd="1" destOrd="0" presId="urn:microsoft.com/office/officeart/2009/3/layout/HorizontalOrganizationChart"/>
+    <dgm:cxn modelId="{C82E841F-BB06-46EF-89D5-A3E99B23855A}" type="presOf" srcId="{A88ECD30-5834-4DEC-B146-65B1B78CD966}" destId="{C7DE402C-42CC-43BA-A128-E5D80B2FF317}" srcOrd="1" destOrd="0" presId="urn:microsoft.com/office/officeart/2009/3/layout/HorizontalOrganizationChart"/>
+    <dgm:cxn modelId="{069ECFFB-E7A2-4002-9979-D1DF4E6B3C00}" type="presOf" srcId="{59FD27CA-9E8B-4D5C-83E0-45294D8B4136}" destId="{6A6969D6-5A24-4D88-922F-BD4889DBC9C9}" srcOrd="0" destOrd="0" presId="urn:microsoft.com/office/officeart/2009/3/layout/HorizontalOrganizationChart"/>
     <dgm:cxn modelId="{DB19D24F-F2B3-4E50-85E2-8665DE7E44D8}" srcId="{D8068114-AFAA-418E-9A5D-BA1EC342D7E1}" destId="{A88ECD30-5834-4DEC-B146-65B1B78CD966}" srcOrd="0" destOrd="0" parTransId="{203A6113-FB74-4D2D-B45B-14604FBC208C}" sibTransId="{D312EE41-0A98-4CF8-A65E-8C20D2C881E0}"/>
-    <dgm:cxn modelId="{C95EBF74-56C5-4CB6-9ECF-4E8BEDDC5093}" srcId="{D8068114-AFAA-418E-9A5D-BA1EC342D7E1}" destId="{AD34BD70-02A6-4E40-8360-11C1E89855CB}" srcOrd="1" destOrd="0" parTransId="{66625F6D-AF8A-439A-97D9-27539467AC7A}" sibTransId="{7A2C37A6-494A-410B-A5FD-325CE418C428}"/>
-    <dgm:cxn modelId="{9A7AA0D5-42F7-4684-A688-3AB79753A4C7}" srcId="{D8068114-AFAA-418E-9A5D-BA1EC342D7E1}" destId="{59FD27CA-9E8B-4D5C-83E0-45294D8B4136}" srcOrd="3" destOrd="0" parTransId="{8834ECA2-2D47-4A59-A85D-8535D3E1FE4C}" sibTransId="{37D061C8-43FB-42C0-9BB3-7E88DDBF5472}"/>
     <dgm:cxn modelId="{8BFB16B7-306A-4B59-85EF-2F3956BDF922}" type="presOf" srcId="{66625F6D-AF8A-439A-97D9-27539467AC7A}" destId="{993CE3AB-99E5-4FD9-B275-C84063D75A1F}" srcOrd="0" destOrd="0" presId="urn:microsoft.com/office/officeart/2009/3/layout/HorizontalOrganizationChart"/>
-    <dgm:cxn modelId="{E6F13B46-8A7F-4779-95A8-0FA142163106}" type="presOf" srcId="{D8068114-AFAA-418E-9A5D-BA1EC342D7E1}" destId="{4094FC65-2A56-4793-9193-9804319EB4F0}" srcOrd="0" destOrd="0" presId="urn:microsoft.com/office/officeart/2009/3/layout/HorizontalOrganizationChart"/>
-    <dgm:cxn modelId="{D92289DD-2618-42AD-B137-B01B0E1F7E3C}" srcId="{D8068114-AFAA-418E-9A5D-BA1EC342D7E1}" destId="{6F8375BA-46E4-4A89-B9EA-A47C12F8BBDF}" srcOrd="2" destOrd="0" parTransId="{6C4506BD-4B5D-4333-A38B-5F53715F0D36}" sibTransId="{8CA827DA-86DB-43F8-8EC1-EB4E45DEACB3}"/>
-    <dgm:cxn modelId="{797098BC-16E4-4BDC-B815-62A668822243}" type="presOf" srcId="{6F8375BA-46E4-4A89-B9EA-A47C12F8BBDF}" destId="{C68C0FCD-33A4-43E1-B09F-97A37DD41CDB}" srcOrd="1" destOrd="0" presId="urn:microsoft.com/office/officeart/2009/3/layout/HorizontalOrganizationChart"/>
-    <dgm:cxn modelId="{0C2C4AF0-AC26-4A2E-9146-9F9CA2CB69E5}" type="presOf" srcId="{866AC632-7EC1-4952-A59C-B6A8C769E4C0}" destId="{584D1301-C80A-4294-983D-A3621D839992}" srcOrd="0" destOrd="0" presId="urn:microsoft.com/office/officeart/2009/3/layout/HorizontalOrganizationChart"/>
-    <dgm:cxn modelId="{A6F465EA-8C5A-4442-A7AA-D8CD89FCB5BB}" type="presOf" srcId="{6C4506BD-4B5D-4333-A38B-5F53715F0D36}" destId="{E82993D2-B8DD-48AC-A8ED-020502DD51ED}" srcOrd="0" destOrd="0" presId="urn:microsoft.com/office/officeart/2009/3/layout/HorizontalOrganizationChart"/>
-    <dgm:cxn modelId="{B485035C-0CB2-4188-8410-957D2CAC8BE8}" srcId="{46E89E59-A1AD-4BDC-8E7E-B26A88D59396}" destId="{D8068114-AFAA-418E-9A5D-BA1EC342D7E1}" srcOrd="0" destOrd="0" parTransId="{4C1026BC-F12B-4452-A506-B431A0CC728A}" sibTransId="{CCD190AA-E436-4A0E-A721-98D958A11E76}"/>
-    <dgm:cxn modelId="{8579780B-3923-41A0-916D-F075AE756F9E}" type="presOf" srcId="{8834ECA2-2D47-4A59-A85D-8535D3E1FE4C}" destId="{0CC6D45A-E085-49EA-B9A0-6EBF3A8E63F6}" srcOrd="0" destOrd="0" presId="urn:microsoft.com/office/officeart/2009/3/layout/HorizontalOrganizationChart"/>
-    <dgm:cxn modelId="{C82E841F-BB06-46EF-89D5-A3E99B23855A}" type="presOf" srcId="{A88ECD30-5834-4DEC-B146-65B1B78CD966}" destId="{C7DE402C-42CC-43BA-A128-E5D80B2FF317}" srcOrd="1" destOrd="0" presId="urn:microsoft.com/office/officeart/2009/3/layout/HorizontalOrganizationChart"/>
-    <dgm:cxn modelId="{9E05926D-D18E-41F5-9A1D-6A2DE977D080}" type="presOf" srcId="{6F8375BA-46E4-4A89-B9EA-A47C12F8BBDF}" destId="{E81EE3E3-B0E4-4930-9C9D-16465DE77C05}" srcOrd="0" destOrd="0" presId="urn:microsoft.com/office/officeart/2009/3/layout/HorizontalOrganizationChart"/>
-    <dgm:cxn modelId="{CDF9FC38-B4C5-4874-964D-C582CCC851DA}" type="presOf" srcId="{D8068114-AFAA-418E-9A5D-BA1EC342D7E1}" destId="{344021F2-55D4-47E7-8CDE-46D1E9396E8E}" srcOrd="1" destOrd="0" presId="urn:microsoft.com/office/officeart/2009/3/layout/HorizontalOrganizationChart"/>
-    <dgm:cxn modelId="{88D2C746-B694-4C99-916D-0F513B31422D}" type="presOf" srcId="{203A6113-FB74-4D2D-B45B-14604FBC208C}" destId="{1452C569-61EF-4CFB-B261-DBF64EA3E221}" srcOrd="0" destOrd="0" presId="urn:microsoft.com/office/officeart/2009/3/layout/HorizontalOrganizationChart"/>
-    <dgm:cxn modelId="{4CD54996-6846-47A7-9E2E-D62BE7DB9E2E}" type="presOf" srcId="{A88ECD30-5834-4DEC-B146-65B1B78CD966}" destId="{B38EC5EF-5D1A-4DDA-BD89-70BAB63094ED}" srcOrd="0" destOrd="0" presId="urn:microsoft.com/office/officeart/2009/3/layout/HorizontalOrganizationChart"/>
-    <dgm:cxn modelId="{069ECFFB-E7A2-4002-9979-D1DF4E6B3C00}" type="presOf" srcId="{59FD27CA-9E8B-4D5C-83E0-45294D8B4136}" destId="{6A6969D6-5A24-4D88-922F-BD4889DBC9C9}" srcOrd="0" destOrd="0" presId="urn:microsoft.com/office/officeart/2009/3/layout/HorizontalOrganizationChart"/>
-    <dgm:cxn modelId="{415C74CC-0173-4E31-8DD8-9CD923C6CEA7}" type="presOf" srcId="{46E89E59-A1AD-4BDC-8E7E-B26A88D59396}" destId="{632FFA02-E5C4-4264-BDFD-B78AFF46912A}" srcOrd="0" destOrd="0" presId="urn:microsoft.com/office/officeart/2009/3/layout/HorizontalOrganizationChart"/>
     <dgm:cxn modelId="{52759424-7B6C-4383-B14F-7F0BAA169A71}" type="presParOf" srcId="{632FFA02-E5C4-4264-BDFD-B78AFF46912A}" destId="{551AB008-3605-4B88-BF9B-3BA4DB0C135D}" srcOrd="0" destOrd="0" presId="urn:microsoft.com/office/officeart/2009/3/layout/HorizontalOrganizationChart"/>
     <dgm:cxn modelId="{F627DB97-3435-4330-BCDC-3F275369DC50}" type="presParOf" srcId="{551AB008-3605-4B88-BF9B-3BA4DB0C135D}" destId="{7A04EE34-DC95-483B-9E41-D05C39A0916E}" srcOrd="0" destOrd="0" presId="urn:microsoft.com/office/officeart/2009/3/layout/HorizontalOrganizationChart"/>
     <dgm:cxn modelId="{3F07A9BC-E8DD-4B44-AC63-B2C432A81E46}" type="presParOf" srcId="{7A04EE34-DC95-483B-9E41-D05C39A0916E}" destId="{4094FC65-2A56-4793-9193-9804319EB4F0}" srcOrd="0" destOrd="0" presId="urn:microsoft.com/office/officeart/2009/3/layout/HorizontalOrganizationChart"/>
@@ -8685,301 +8685,6 @@
 <file path=ppt/diagrams/data4.xml><?xml version="1.0" encoding="utf-8"?>
 <dgm:dataModel xmlns:dgm="http://schemas.openxmlformats.org/drawingml/2006/diagram" xmlns:a="http://schemas.openxmlformats.org/drawingml/2006/main">
   <dgm:ptLst>
-    <dgm:pt modelId="{41A8D85E-8A64-4688-989B-22555B5C5610}" type="doc">
-      <dgm:prSet loTypeId="urn:microsoft.com/office/officeart/2005/8/layout/process5" loCatId="process" qsTypeId="urn:microsoft.com/office/officeart/2005/8/quickstyle/simple1" qsCatId="simple" csTypeId="urn:microsoft.com/office/officeart/2005/8/colors/accent1_2" csCatId="accent1" phldr="1"/>
-      <dgm:spPr/>
-      <dgm:t>
-        <a:bodyPr/>
-        <a:lstStyle/>
-        <a:p>
-          <a:endParaRPr lang="zh-CN" altLang="en-US"/>
-        </a:p>
-      </dgm:t>
-    </dgm:pt>
-    <dgm:pt modelId="{34AEE8AF-0DD3-429B-82DA-8952C84600B4}">
-      <dgm:prSet phldrT="[文本]" custT="1"/>
-      <dgm:spPr>
-        <a:solidFill>
-          <a:schemeClr val="accent6"/>
-        </a:solidFill>
-      </dgm:spPr>
-      <dgm:t>
-        <a:bodyPr/>
-        <a:lstStyle/>
-        <a:p>
-          <a:r>
-            <a:rPr lang="zh-CN" altLang="en-US" sz="2200" dirty="0" smtClean="0"/>
-            <a:t>上级党组织编制并分配考核项目</a:t>
-          </a:r>
-          <a:endParaRPr lang="zh-CN" altLang="en-US" sz="2200" dirty="0"/>
-        </a:p>
-      </dgm:t>
-    </dgm:pt>
-    <dgm:pt modelId="{C83EE1EF-77F6-4B57-A89F-1164C3E40BD4}" type="parTrans" cxnId="{F49B95C4-F67F-4882-8D27-348774D28403}">
-      <dgm:prSet/>
-      <dgm:spPr/>
-      <dgm:t>
-        <a:bodyPr/>
-        <a:lstStyle/>
-        <a:p>
-          <a:endParaRPr lang="zh-CN" altLang="en-US"/>
-        </a:p>
-      </dgm:t>
-    </dgm:pt>
-    <dgm:pt modelId="{5CA40485-F723-4C0A-A730-CF43503EE9FE}" type="sibTrans" cxnId="{F49B95C4-F67F-4882-8D27-348774D28403}">
-      <dgm:prSet/>
-      <dgm:spPr/>
-      <dgm:t>
-        <a:bodyPr/>
-        <a:lstStyle/>
-        <a:p>
-          <a:endParaRPr lang="zh-CN" altLang="en-US"/>
-        </a:p>
-      </dgm:t>
-    </dgm:pt>
-    <dgm:pt modelId="{1D317126-4C3D-45BA-8664-9AB0EC7ED5CF}">
-      <dgm:prSet phldrT="[文本]" custT="1"/>
-      <dgm:spPr>
-        <a:solidFill>
-          <a:schemeClr val="accent6"/>
-        </a:solidFill>
-      </dgm:spPr>
-      <dgm:t>
-        <a:bodyPr/>
-        <a:lstStyle/>
-        <a:p>
-          <a:r>
-            <a:rPr lang="zh-CN" altLang="en-US" sz="2200" dirty="0" smtClean="0"/>
-            <a:t>下级党组织上传考核资料，提交考核</a:t>
-          </a:r>
-          <a:endParaRPr lang="zh-CN" altLang="en-US" sz="2200" dirty="0"/>
-        </a:p>
-      </dgm:t>
-    </dgm:pt>
-    <dgm:pt modelId="{BF6ABBD9-F069-4E5C-B931-0210C145370D}" type="parTrans" cxnId="{C78B131C-1CE5-4AEC-86D5-D3F68C82E22D}">
-      <dgm:prSet/>
-      <dgm:spPr/>
-      <dgm:t>
-        <a:bodyPr/>
-        <a:lstStyle/>
-        <a:p>
-          <a:endParaRPr lang="zh-CN" altLang="en-US"/>
-        </a:p>
-      </dgm:t>
-    </dgm:pt>
-    <dgm:pt modelId="{524F3E05-B385-4263-8BEC-8BA90FB1A0C7}" type="sibTrans" cxnId="{C78B131C-1CE5-4AEC-86D5-D3F68C82E22D}">
-      <dgm:prSet/>
-      <dgm:spPr/>
-      <dgm:t>
-        <a:bodyPr/>
-        <a:lstStyle/>
-        <a:p>
-          <a:endParaRPr lang="zh-CN" altLang="en-US"/>
-        </a:p>
-      </dgm:t>
-    </dgm:pt>
-    <dgm:pt modelId="{D989E021-928C-4C8D-8768-905C82077DC3}">
-      <dgm:prSet phldrT="[文本]" custT="1"/>
-      <dgm:spPr>
-        <a:solidFill>
-          <a:schemeClr val="accent6"/>
-        </a:solidFill>
-      </dgm:spPr>
-      <dgm:t>
-        <a:bodyPr/>
-        <a:lstStyle/>
-        <a:p>
-          <a:r>
-            <a:rPr lang="zh-CN" altLang="en-US" sz="2200" dirty="0" smtClean="0"/>
-            <a:t>上级考核并发表考核意见</a:t>
-          </a:r>
-          <a:endParaRPr lang="zh-CN" altLang="en-US" sz="2200" dirty="0"/>
-        </a:p>
-      </dgm:t>
-    </dgm:pt>
-    <dgm:pt modelId="{EFEFB13C-CF78-402E-AC28-4CD3812F2B3F}" type="parTrans" cxnId="{2AF18CF1-731A-450B-8879-E5779B35B79B}">
-      <dgm:prSet/>
-      <dgm:spPr/>
-      <dgm:t>
-        <a:bodyPr/>
-        <a:lstStyle/>
-        <a:p>
-          <a:endParaRPr lang="zh-CN" altLang="en-US"/>
-        </a:p>
-      </dgm:t>
-    </dgm:pt>
-    <dgm:pt modelId="{A07E9E93-A3FF-437F-A957-6F4B5ED76E3A}" type="sibTrans" cxnId="{2AF18CF1-731A-450B-8879-E5779B35B79B}">
-      <dgm:prSet/>
-      <dgm:spPr/>
-      <dgm:t>
-        <a:bodyPr/>
-        <a:lstStyle/>
-        <a:p>
-          <a:endParaRPr lang="zh-CN" altLang="en-US"/>
-        </a:p>
-      </dgm:t>
-    </dgm:pt>
-    <dgm:pt modelId="{7F148969-87C7-47C3-A1D2-BEAC18730707}">
-      <dgm:prSet phldrT="[文本]" custT="1"/>
-      <dgm:spPr>
-        <a:solidFill>
-          <a:schemeClr val="accent6"/>
-        </a:solidFill>
-      </dgm:spPr>
-      <dgm:t>
-        <a:bodyPr/>
-        <a:lstStyle/>
-        <a:p>
-          <a:r>
-            <a:rPr lang="zh-CN" altLang="en-US" sz="2200" dirty="0" smtClean="0"/>
-            <a:t>考核结束</a:t>
-          </a:r>
-          <a:endParaRPr lang="zh-CN" altLang="en-US" sz="2200" dirty="0"/>
-        </a:p>
-      </dgm:t>
-    </dgm:pt>
-    <dgm:pt modelId="{547DD173-6935-46DF-AF66-D3674F1EA8D1}" type="parTrans" cxnId="{5BB213BD-A14D-4BA3-A734-8BAFF8794ACF}">
-      <dgm:prSet/>
-      <dgm:spPr/>
-      <dgm:t>
-        <a:bodyPr/>
-        <a:lstStyle/>
-        <a:p>
-          <a:endParaRPr lang="zh-CN" altLang="en-US"/>
-        </a:p>
-      </dgm:t>
-    </dgm:pt>
-    <dgm:pt modelId="{6AE01D79-CA19-448D-9411-61E47A5D1416}" type="sibTrans" cxnId="{5BB213BD-A14D-4BA3-A734-8BAFF8794ACF}">
-      <dgm:prSet/>
-      <dgm:spPr/>
-      <dgm:t>
-        <a:bodyPr/>
-        <a:lstStyle/>
-        <a:p>
-          <a:endParaRPr lang="zh-CN" altLang="en-US"/>
-        </a:p>
-      </dgm:t>
-    </dgm:pt>
-    <dgm:pt modelId="{334C5238-9006-46C1-8885-98B278BD63D4}" type="pres">
-      <dgm:prSet presAssocID="{41A8D85E-8A64-4688-989B-22555B5C5610}" presName="diagram" presStyleCnt="0">
-        <dgm:presLayoutVars>
-          <dgm:dir/>
-          <dgm:resizeHandles val="exact"/>
-        </dgm:presLayoutVars>
-      </dgm:prSet>
-      <dgm:spPr/>
-    </dgm:pt>
-    <dgm:pt modelId="{87A29EB0-CB49-45AF-9F92-15496A5B5D47}" type="pres">
-      <dgm:prSet presAssocID="{34AEE8AF-0DD3-429B-82DA-8952C84600B4}" presName="node" presStyleLbl="node1" presStyleIdx="0" presStyleCnt="4">
-        <dgm:presLayoutVars>
-          <dgm:bulletEnabled val="1"/>
-        </dgm:presLayoutVars>
-      </dgm:prSet>
-      <dgm:spPr/>
-      <dgm:t>
-        <a:bodyPr/>
-        <a:lstStyle/>
-        <a:p>
-          <a:endParaRPr lang="zh-CN" altLang="en-US"/>
-        </a:p>
-      </dgm:t>
-    </dgm:pt>
-    <dgm:pt modelId="{CDCAC530-CF05-4373-8869-F3BC36CC80CB}" type="pres">
-      <dgm:prSet presAssocID="{5CA40485-F723-4C0A-A730-CF43503EE9FE}" presName="sibTrans" presStyleLbl="sibTrans2D1" presStyleIdx="0" presStyleCnt="3"/>
-      <dgm:spPr/>
-    </dgm:pt>
-    <dgm:pt modelId="{80815D09-DB6C-4BD7-A60B-FBD2F01C2BAA}" type="pres">
-      <dgm:prSet presAssocID="{5CA40485-F723-4C0A-A730-CF43503EE9FE}" presName="connectorText" presStyleLbl="sibTrans2D1" presStyleIdx="0" presStyleCnt="3"/>
-      <dgm:spPr/>
-    </dgm:pt>
-    <dgm:pt modelId="{3107A5B3-41FC-4B48-9197-B2052AB57E99}" type="pres">
-      <dgm:prSet presAssocID="{1D317126-4C3D-45BA-8664-9AB0EC7ED5CF}" presName="node" presStyleLbl="node1" presStyleIdx="1" presStyleCnt="4" custLinFactNeighborX="-19340" custLinFactNeighborY="-8447">
-        <dgm:presLayoutVars>
-          <dgm:bulletEnabled val="1"/>
-        </dgm:presLayoutVars>
-      </dgm:prSet>
-      <dgm:spPr/>
-    </dgm:pt>
-    <dgm:pt modelId="{793F8260-4E5F-48F4-A53B-CE84A044F541}" type="pres">
-      <dgm:prSet presAssocID="{524F3E05-B385-4263-8BEC-8BA90FB1A0C7}" presName="sibTrans" presStyleLbl="sibTrans2D1" presStyleIdx="1" presStyleCnt="3" custLinFactNeighborX="-29097" custLinFactNeighborY="-5776"/>
-      <dgm:spPr/>
-    </dgm:pt>
-    <dgm:pt modelId="{C8ACEAB7-681D-46C9-A2F3-F609964B16B9}" type="pres">
-      <dgm:prSet presAssocID="{524F3E05-B385-4263-8BEC-8BA90FB1A0C7}" presName="connectorText" presStyleLbl="sibTrans2D1" presStyleIdx="1" presStyleCnt="3"/>
-      <dgm:spPr/>
-    </dgm:pt>
-    <dgm:pt modelId="{D2A1FB13-EA4F-441F-906D-395B9D184EC1}" type="pres">
-      <dgm:prSet presAssocID="{D989E021-928C-4C8D-8768-905C82077DC3}" presName="node" presStyleLbl="node1" presStyleIdx="2" presStyleCnt="4" custLinFactX="-60445" custLinFactY="39673" custLinFactNeighborX="-100000" custLinFactNeighborY="100000">
-        <dgm:presLayoutVars>
-          <dgm:bulletEnabled val="1"/>
-        </dgm:presLayoutVars>
-      </dgm:prSet>
-      <dgm:spPr/>
-      <dgm:t>
-        <a:bodyPr/>
-        <a:lstStyle/>
-        <a:p>
-          <a:endParaRPr lang="zh-CN" altLang="en-US"/>
-        </a:p>
-      </dgm:t>
-    </dgm:pt>
-    <dgm:pt modelId="{88F79D06-1ECC-4AE9-8DD7-69991A3A15CB}" type="pres">
-      <dgm:prSet presAssocID="{A07E9E93-A3FF-437F-A957-6F4B5ED76E3A}" presName="sibTrans" presStyleLbl="sibTrans2D1" presStyleIdx="2" presStyleCnt="3" custLinFactNeighborX="12538" custLinFactNeighborY="11553"/>
-      <dgm:spPr/>
-    </dgm:pt>
-    <dgm:pt modelId="{C7AE773D-4FED-40E3-A4A8-B734D383FA9F}" type="pres">
-      <dgm:prSet presAssocID="{A07E9E93-A3FF-437F-A957-6F4B5ED76E3A}" presName="connectorText" presStyleLbl="sibTrans2D1" presStyleIdx="2" presStyleCnt="3"/>
-      <dgm:spPr/>
-    </dgm:pt>
-    <dgm:pt modelId="{34FB6C62-139F-4EC9-911D-6EB547233410}" type="pres">
-      <dgm:prSet presAssocID="{7F148969-87C7-47C3-A1D2-BEAC18730707}" presName="node" presStyleLbl="node1" presStyleIdx="3" presStyleCnt="4" custLinFactNeighborX="-4644" custLinFactNeighborY="-22515">
-        <dgm:presLayoutVars>
-          <dgm:bulletEnabled val="1"/>
-        </dgm:presLayoutVars>
-      </dgm:prSet>
-      <dgm:spPr/>
-    </dgm:pt>
-  </dgm:ptLst>
-  <dgm:cxnLst>
-    <dgm:cxn modelId="{580EF413-12C4-4701-914A-E09DC30135D8}" type="presOf" srcId="{A07E9E93-A3FF-437F-A957-6F4B5ED76E3A}" destId="{88F79D06-1ECC-4AE9-8DD7-69991A3A15CB}" srcOrd="0" destOrd="0" presId="urn:microsoft.com/office/officeart/2005/8/layout/process5"/>
-    <dgm:cxn modelId="{9E9FE131-571D-4E4B-9D8C-0AE489B6490C}" type="presOf" srcId="{5CA40485-F723-4C0A-A730-CF43503EE9FE}" destId="{80815D09-DB6C-4BD7-A60B-FBD2F01C2BAA}" srcOrd="1" destOrd="0" presId="urn:microsoft.com/office/officeart/2005/8/layout/process5"/>
-    <dgm:cxn modelId="{5BB213BD-A14D-4BA3-A734-8BAFF8794ACF}" srcId="{41A8D85E-8A64-4688-989B-22555B5C5610}" destId="{7F148969-87C7-47C3-A1D2-BEAC18730707}" srcOrd="3" destOrd="0" parTransId="{547DD173-6935-46DF-AF66-D3674F1EA8D1}" sibTransId="{6AE01D79-CA19-448D-9411-61E47A5D1416}"/>
-    <dgm:cxn modelId="{C27E2EF8-A15D-42A3-93B6-C9C6DCFE41F4}" type="presOf" srcId="{34AEE8AF-0DD3-429B-82DA-8952C84600B4}" destId="{87A29EB0-CB49-45AF-9F92-15496A5B5D47}" srcOrd="0" destOrd="0" presId="urn:microsoft.com/office/officeart/2005/8/layout/process5"/>
-    <dgm:cxn modelId="{00031C90-384A-4584-BC50-4CD4D5760C65}" type="presOf" srcId="{7F148969-87C7-47C3-A1D2-BEAC18730707}" destId="{34FB6C62-139F-4EC9-911D-6EB547233410}" srcOrd="0" destOrd="0" presId="urn:microsoft.com/office/officeart/2005/8/layout/process5"/>
-    <dgm:cxn modelId="{D16B8EFD-BBA9-48C0-9175-32C040BEF851}" type="presOf" srcId="{5CA40485-F723-4C0A-A730-CF43503EE9FE}" destId="{CDCAC530-CF05-4373-8869-F3BC36CC80CB}" srcOrd="0" destOrd="0" presId="urn:microsoft.com/office/officeart/2005/8/layout/process5"/>
-    <dgm:cxn modelId="{7D5B2A5F-E251-4D77-B57F-1FA00A6D6CE9}" type="presOf" srcId="{524F3E05-B385-4263-8BEC-8BA90FB1A0C7}" destId="{C8ACEAB7-681D-46C9-A2F3-F609964B16B9}" srcOrd="1" destOrd="0" presId="urn:microsoft.com/office/officeart/2005/8/layout/process5"/>
-    <dgm:cxn modelId="{1A53CE89-D059-4729-9E31-5DEB5B7D7D74}" type="presOf" srcId="{1D317126-4C3D-45BA-8664-9AB0EC7ED5CF}" destId="{3107A5B3-41FC-4B48-9197-B2052AB57E99}" srcOrd="0" destOrd="0" presId="urn:microsoft.com/office/officeart/2005/8/layout/process5"/>
-    <dgm:cxn modelId="{C76C2330-7A88-48DC-A4FE-81488101C7AE}" type="presOf" srcId="{A07E9E93-A3FF-437F-A957-6F4B5ED76E3A}" destId="{C7AE773D-4FED-40E3-A4A8-B734D383FA9F}" srcOrd="1" destOrd="0" presId="urn:microsoft.com/office/officeart/2005/8/layout/process5"/>
-    <dgm:cxn modelId="{F49B95C4-F67F-4882-8D27-348774D28403}" srcId="{41A8D85E-8A64-4688-989B-22555B5C5610}" destId="{34AEE8AF-0DD3-429B-82DA-8952C84600B4}" srcOrd="0" destOrd="0" parTransId="{C83EE1EF-77F6-4B57-A89F-1164C3E40BD4}" sibTransId="{5CA40485-F723-4C0A-A730-CF43503EE9FE}"/>
-    <dgm:cxn modelId="{130CE7FB-D6F7-474F-B40E-082387D6B09F}" type="presOf" srcId="{524F3E05-B385-4263-8BEC-8BA90FB1A0C7}" destId="{793F8260-4E5F-48F4-A53B-CE84A044F541}" srcOrd="0" destOrd="0" presId="urn:microsoft.com/office/officeart/2005/8/layout/process5"/>
-    <dgm:cxn modelId="{C78B131C-1CE5-4AEC-86D5-D3F68C82E22D}" srcId="{41A8D85E-8A64-4688-989B-22555B5C5610}" destId="{1D317126-4C3D-45BA-8664-9AB0EC7ED5CF}" srcOrd="1" destOrd="0" parTransId="{BF6ABBD9-F069-4E5C-B931-0210C145370D}" sibTransId="{524F3E05-B385-4263-8BEC-8BA90FB1A0C7}"/>
-    <dgm:cxn modelId="{2AF18CF1-731A-450B-8879-E5779B35B79B}" srcId="{41A8D85E-8A64-4688-989B-22555B5C5610}" destId="{D989E021-928C-4C8D-8768-905C82077DC3}" srcOrd="2" destOrd="0" parTransId="{EFEFB13C-CF78-402E-AC28-4CD3812F2B3F}" sibTransId="{A07E9E93-A3FF-437F-A957-6F4B5ED76E3A}"/>
-    <dgm:cxn modelId="{03D23E1F-045B-4DC8-AA60-A5B9BAC03512}" type="presOf" srcId="{41A8D85E-8A64-4688-989B-22555B5C5610}" destId="{334C5238-9006-46C1-8885-98B278BD63D4}" srcOrd="0" destOrd="0" presId="urn:microsoft.com/office/officeart/2005/8/layout/process5"/>
-    <dgm:cxn modelId="{E63C0B47-958B-4DDA-87AD-E93611480F3D}" type="presOf" srcId="{D989E021-928C-4C8D-8768-905C82077DC3}" destId="{D2A1FB13-EA4F-441F-906D-395B9D184EC1}" srcOrd="0" destOrd="0" presId="urn:microsoft.com/office/officeart/2005/8/layout/process5"/>
-    <dgm:cxn modelId="{DB3EF1AD-860B-446A-8D89-1675D17DAE5A}" type="presParOf" srcId="{334C5238-9006-46C1-8885-98B278BD63D4}" destId="{87A29EB0-CB49-45AF-9F92-15496A5B5D47}" srcOrd="0" destOrd="0" presId="urn:microsoft.com/office/officeart/2005/8/layout/process5"/>
-    <dgm:cxn modelId="{72D04B3C-59B1-4D2F-AD63-C78541B75349}" type="presParOf" srcId="{334C5238-9006-46C1-8885-98B278BD63D4}" destId="{CDCAC530-CF05-4373-8869-F3BC36CC80CB}" srcOrd="1" destOrd="0" presId="urn:microsoft.com/office/officeart/2005/8/layout/process5"/>
-    <dgm:cxn modelId="{F4422A44-0B54-49D0-B3C8-DB3CA9D361A3}" type="presParOf" srcId="{CDCAC530-CF05-4373-8869-F3BC36CC80CB}" destId="{80815D09-DB6C-4BD7-A60B-FBD2F01C2BAA}" srcOrd="0" destOrd="0" presId="urn:microsoft.com/office/officeart/2005/8/layout/process5"/>
-    <dgm:cxn modelId="{F626FD12-E720-485A-BC5D-7D8CB3CB3F0E}" type="presParOf" srcId="{334C5238-9006-46C1-8885-98B278BD63D4}" destId="{3107A5B3-41FC-4B48-9197-B2052AB57E99}" srcOrd="2" destOrd="0" presId="urn:microsoft.com/office/officeart/2005/8/layout/process5"/>
-    <dgm:cxn modelId="{911382C1-FAAF-4338-BA53-85AF7334A3F2}" type="presParOf" srcId="{334C5238-9006-46C1-8885-98B278BD63D4}" destId="{793F8260-4E5F-48F4-A53B-CE84A044F541}" srcOrd="3" destOrd="0" presId="urn:microsoft.com/office/officeart/2005/8/layout/process5"/>
-    <dgm:cxn modelId="{68114D7E-66FA-4970-B1AC-15FE0E36EF29}" type="presParOf" srcId="{793F8260-4E5F-48F4-A53B-CE84A044F541}" destId="{C8ACEAB7-681D-46C9-A2F3-F609964B16B9}" srcOrd="0" destOrd="0" presId="urn:microsoft.com/office/officeart/2005/8/layout/process5"/>
-    <dgm:cxn modelId="{76E9D2B7-6D4E-4844-B981-103D5926919E}" type="presParOf" srcId="{334C5238-9006-46C1-8885-98B278BD63D4}" destId="{D2A1FB13-EA4F-441F-906D-395B9D184EC1}" srcOrd="4" destOrd="0" presId="urn:microsoft.com/office/officeart/2005/8/layout/process5"/>
-    <dgm:cxn modelId="{7978E189-D514-4ACD-9756-36D932DDCBD9}" type="presParOf" srcId="{334C5238-9006-46C1-8885-98B278BD63D4}" destId="{88F79D06-1ECC-4AE9-8DD7-69991A3A15CB}" srcOrd="5" destOrd="0" presId="urn:microsoft.com/office/officeart/2005/8/layout/process5"/>
-    <dgm:cxn modelId="{E17BFD7D-A2EC-4808-A1B4-76A36979D308}" type="presParOf" srcId="{88F79D06-1ECC-4AE9-8DD7-69991A3A15CB}" destId="{C7AE773D-4FED-40E3-A4A8-B734D383FA9F}" srcOrd="0" destOrd="0" presId="urn:microsoft.com/office/officeart/2005/8/layout/process5"/>
-    <dgm:cxn modelId="{AC2C7477-608F-4742-8432-8B6D58BDC885}" type="presParOf" srcId="{334C5238-9006-46C1-8885-98B278BD63D4}" destId="{34FB6C62-139F-4EC9-911D-6EB547233410}" srcOrd="6" destOrd="0" presId="urn:microsoft.com/office/officeart/2005/8/layout/process5"/>
-  </dgm:cxnLst>
-  <dgm:bg/>
-  <dgm:whole/>
-  <dgm:extLst>
-    <a:ext uri="http://schemas.microsoft.com/office/drawing/2008/diagram">
-      <dsp:dataModelExt xmlns:dsp="http://schemas.microsoft.com/office/drawing/2008/diagram" relId="rId7" minVer="http://schemas.openxmlformats.org/drawingml/2006/diagram"/>
-    </a:ext>
-  </dgm:extLst>
-</dgm:dataModel>
-</file>
-
-<file path=ppt/diagrams/data5.xml><?xml version="1.0" encoding="utf-8"?>
-<dgm:dataModel xmlns:dgm="http://schemas.openxmlformats.org/drawingml/2006/diagram" xmlns:a="http://schemas.openxmlformats.org/drawingml/2006/main">
-  <dgm:ptLst>
     <dgm:pt modelId="{46E89E59-A1AD-4BDC-8E7E-B26A88D59396}" type="doc">
       <dgm:prSet loTypeId="urn:microsoft.com/office/officeart/2009/3/layout/HorizontalOrganizationChart" loCatId="hierarchy" qsTypeId="urn:microsoft.com/office/officeart/2005/8/quickstyle/simple5" qsCatId="simple" csTypeId="urn:microsoft.com/office/officeart/2005/8/colors/colorful5" csCatId="colorful" phldr="1"/>
       <dgm:spPr/>
@@ -9660,34 +9365,34 @@
     </dgm:pt>
   </dgm:ptLst>
   <dgm:cxnLst>
+    <dgm:cxn modelId="{59ABEBE0-3C9D-443E-872A-C570DF775169}" type="presOf" srcId="{8834ECA2-2D47-4A59-A85D-8535D3E1FE4C}" destId="{0CC6D45A-E085-49EA-B9A0-6EBF3A8E63F6}" srcOrd="0" destOrd="0" presId="urn:microsoft.com/office/officeart/2009/3/layout/HorizontalOrganizationChart"/>
+    <dgm:cxn modelId="{F91F66A8-993E-4B45-A882-55674C6BD534}" type="presOf" srcId="{59FD27CA-9E8B-4D5C-83E0-45294D8B4136}" destId="{6A6969D6-5A24-4D88-922F-BD4889DBC9C9}" srcOrd="0" destOrd="0" presId="urn:microsoft.com/office/officeart/2009/3/layout/HorizontalOrganizationChart"/>
+    <dgm:cxn modelId="{AA0A2B2F-BE07-4DCE-9865-D80EAFBE8423}" type="presOf" srcId="{CF90BBDA-A654-4B1B-BC0E-D9EA74BCB2B3}" destId="{1BBE496F-0EF8-4C4D-93D8-E61FAFD6E1BA}" srcOrd="0" destOrd="0" presId="urn:microsoft.com/office/officeart/2009/3/layout/HorizontalOrganizationChart"/>
+    <dgm:cxn modelId="{080BA414-8350-4472-A7E8-F4989D96A9E3}" srcId="{D8068114-AFAA-418E-9A5D-BA1EC342D7E1}" destId="{E2E90970-8668-4D24-B292-8E28B98C01D2}" srcOrd="4" destOrd="0" parTransId="{0940A83D-9F9F-4205-AC32-CEAF02F24581}" sibTransId="{EADE24B3-9525-453E-9241-0CDEB0EFDAB7}"/>
+    <dgm:cxn modelId="{999EDBA7-6AA1-4FD2-ABCC-76ED4BE6A34E}" type="presOf" srcId="{46E89E59-A1AD-4BDC-8E7E-B26A88D59396}" destId="{632FFA02-E5C4-4264-BDFD-B78AFF46912A}" srcOrd="0" destOrd="0" presId="urn:microsoft.com/office/officeart/2009/3/layout/HorizontalOrganizationChart"/>
+    <dgm:cxn modelId="{18316135-9609-4BCB-8DA6-968E9ECA8CB5}" type="presOf" srcId="{6C4506BD-4B5D-4333-A38B-5F53715F0D36}" destId="{E82993D2-B8DD-48AC-A8ED-020502DD51ED}" srcOrd="0" destOrd="0" presId="urn:microsoft.com/office/officeart/2009/3/layout/HorizontalOrganizationChart"/>
     <dgm:cxn modelId="{71816888-3752-4807-84A0-D7A5E3B73276}" type="presOf" srcId="{AD34BD70-02A6-4E40-8360-11C1E89855CB}" destId="{7B49D507-72D6-4385-A093-74C7F442B880}" srcOrd="1" destOrd="0" presId="urn:microsoft.com/office/officeart/2009/3/layout/HorizontalOrganizationChart"/>
-    <dgm:cxn modelId="{DE98243A-2542-458D-A785-019A5EF99ECE}" type="presOf" srcId="{6F8375BA-46E4-4A89-B9EA-A47C12F8BBDF}" destId="{E81EE3E3-B0E4-4930-9C9D-16465DE77C05}" srcOrd="0" destOrd="0" presId="urn:microsoft.com/office/officeart/2009/3/layout/HorizontalOrganizationChart"/>
+    <dgm:cxn modelId="{A0E9EA93-6F66-4166-AE4D-90862C58CC11}" type="presOf" srcId="{59FD27CA-9E8B-4D5C-83E0-45294D8B4136}" destId="{EBA4003B-57CB-48A1-A179-BE54AE6CF2F2}" srcOrd="1" destOrd="0" presId="urn:microsoft.com/office/officeart/2009/3/layout/HorizontalOrganizationChart"/>
+    <dgm:cxn modelId="{0C89E55F-98F1-4384-B18A-71A34C6B2E62}" type="presOf" srcId="{E2E90970-8668-4D24-B292-8E28B98C01D2}" destId="{7EA1129F-CB55-4D9E-9EE8-77AE7CB69E4A}" srcOrd="0" destOrd="0" presId="urn:microsoft.com/office/officeart/2009/3/layout/HorizontalOrganizationChart"/>
+    <dgm:cxn modelId="{686135AA-0259-4842-9156-F9681E320CDA}" type="presOf" srcId="{203A6113-FB74-4D2D-B45B-14604FBC208C}" destId="{1452C569-61EF-4CFB-B261-DBF64EA3E221}" srcOrd="0" destOrd="0" presId="urn:microsoft.com/office/officeart/2009/3/layout/HorizontalOrganizationChart"/>
+    <dgm:cxn modelId="{9DB1A351-9F24-4D63-B68B-0F0D4C982414}" type="presOf" srcId="{E2E90970-8668-4D24-B292-8E28B98C01D2}" destId="{A8C669B4-85E5-4A9A-91D6-AFAC28DBC398}" srcOrd="1" destOrd="0" presId="urn:microsoft.com/office/officeart/2009/3/layout/HorizontalOrganizationChart"/>
+    <dgm:cxn modelId="{5E37DD17-68C4-4C5D-BA5A-F64CD71D10A8}" type="presOf" srcId="{A88ECD30-5834-4DEC-B146-65B1B78CD966}" destId="{C7DE402C-42CC-43BA-A128-E5D80B2FF317}" srcOrd="1" destOrd="0" presId="urn:microsoft.com/office/officeart/2009/3/layout/HorizontalOrganizationChart"/>
+    <dgm:cxn modelId="{CB9FE4E2-824D-44F0-ADA9-4AEA6B80741F}" type="presOf" srcId="{D8068114-AFAA-418E-9A5D-BA1EC342D7E1}" destId="{4094FC65-2A56-4793-9193-9804319EB4F0}" srcOrd="0" destOrd="0" presId="urn:microsoft.com/office/officeart/2009/3/layout/HorizontalOrganizationChart"/>
+    <dgm:cxn modelId="{0F101D70-BFBF-494D-BCA1-8DF58FCD1087}" type="presOf" srcId="{D8068114-AFAA-418E-9A5D-BA1EC342D7E1}" destId="{344021F2-55D4-47E7-8CDE-46D1E9396E8E}" srcOrd="1" destOrd="0" presId="urn:microsoft.com/office/officeart/2009/3/layout/HorizontalOrganizationChart"/>
+    <dgm:cxn modelId="{DB19D24F-F2B3-4E50-85E2-8665DE7E44D8}" srcId="{D8068114-AFAA-418E-9A5D-BA1EC342D7E1}" destId="{A88ECD30-5834-4DEC-B146-65B1B78CD966}" srcOrd="0" destOrd="0" parTransId="{203A6113-FB74-4D2D-B45B-14604FBC208C}" sibTransId="{D312EE41-0A98-4CF8-A65E-8C20D2C881E0}"/>
+    <dgm:cxn modelId="{C95EBF74-56C5-4CB6-9ECF-4E8BEDDC5093}" srcId="{D8068114-AFAA-418E-9A5D-BA1EC342D7E1}" destId="{AD34BD70-02A6-4E40-8360-11C1E89855CB}" srcOrd="1" destOrd="0" parTransId="{66625F6D-AF8A-439A-97D9-27539467AC7A}" sibTransId="{7A2C37A6-494A-410B-A5FD-325CE418C428}"/>
+    <dgm:cxn modelId="{9A7AA0D5-42F7-4684-A688-3AB79753A4C7}" srcId="{D8068114-AFAA-418E-9A5D-BA1EC342D7E1}" destId="{59FD27CA-9E8B-4D5C-83E0-45294D8B4136}" srcOrd="3" destOrd="0" parTransId="{8834ECA2-2D47-4A59-A85D-8535D3E1FE4C}" sibTransId="{37D061C8-43FB-42C0-9BB3-7E88DDBF5472}"/>
     <dgm:cxn modelId="{F7BBF7E0-5C1E-4214-98F5-CC7056CC2A4D}" type="presOf" srcId="{66625F6D-AF8A-439A-97D9-27539467AC7A}" destId="{993CE3AB-99E5-4FD9-B275-C84063D75A1F}" srcOrd="0" destOrd="0" presId="urn:microsoft.com/office/officeart/2009/3/layout/HorizontalOrganizationChart"/>
-    <dgm:cxn modelId="{999EDBA7-6AA1-4FD2-ABCC-76ED4BE6A34E}" type="presOf" srcId="{46E89E59-A1AD-4BDC-8E7E-B26A88D59396}" destId="{632FFA02-E5C4-4264-BDFD-B78AFF46912A}" srcOrd="0" destOrd="0" presId="urn:microsoft.com/office/officeart/2009/3/layout/HorizontalOrganizationChart"/>
-    <dgm:cxn modelId="{5E37DD17-68C4-4C5D-BA5A-F64CD71D10A8}" type="presOf" srcId="{A88ECD30-5834-4DEC-B146-65B1B78CD966}" destId="{C7DE402C-42CC-43BA-A128-E5D80B2FF317}" srcOrd="1" destOrd="0" presId="urn:microsoft.com/office/officeart/2009/3/layout/HorizontalOrganizationChart"/>
-    <dgm:cxn modelId="{A0E9EA93-6F66-4166-AE4D-90862C58CC11}" type="presOf" srcId="{59FD27CA-9E8B-4D5C-83E0-45294D8B4136}" destId="{EBA4003B-57CB-48A1-A179-BE54AE6CF2F2}" srcOrd="1" destOrd="0" presId="urn:microsoft.com/office/officeart/2009/3/layout/HorizontalOrganizationChart"/>
-    <dgm:cxn modelId="{DDFB1A52-BC2D-40DA-97E1-37F95C69BFB8}" type="presOf" srcId="{6F8375BA-46E4-4A89-B9EA-A47C12F8BBDF}" destId="{C68C0FCD-33A4-43E1-B09F-97A37DD41CDB}" srcOrd="1" destOrd="0" presId="urn:microsoft.com/office/officeart/2009/3/layout/HorizontalOrganizationChart"/>
-    <dgm:cxn modelId="{C95EBF74-56C5-4CB6-9ECF-4E8BEDDC5093}" srcId="{D8068114-AFAA-418E-9A5D-BA1EC342D7E1}" destId="{AD34BD70-02A6-4E40-8360-11C1E89855CB}" srcOrd="1" destOrd="0" parTransId="{66625F6D-AF8A-439A-97D9-27539467AC7A}" sibTransId="{7A2C37A6-494A-410B-A5FD-325CE418C428}"/>
-    <dgm:cxn modelId="{0C89E55F-98F1-4384-B18A-71A34C6B2E62}" type="presOf" srcId="{E2E90970-8668-4D24-B292-8E28B98C01D2}" destId="{7EA1129F-CB55-4D9E-9EE8-77AE7CB69E4A}" srcOrd="0" destOrd="0" presId="urn:microsoft.com/office/officeart/2009/3/layout/HorizontalOrganizationChart"/>
-    <dgm:cxn modelId="{5904C134-7122-4783-8C01-7D051D72DB3D}" type="presOf" srcId="{AD34BD70-02A6-4E40-8360-11C1E89855CB}" destId="{7B8EC3F6-F7B4-4835-ADA5-FD133F2ED6C4}" srcOrd="0" destOrd="0" presId="urn:microsoft.com/office/officeart/2009/3/layout/HorizontalOrganizationChart"/>
-    <dgm:cxn modelId="{080BA414-8350-4472-A7E8-F4989D96A9E3}" srcId="{D8068114-AFAA-418E-9A5D-BA1EC342D7E1}" destId="{E2E90970-8668-4D24-B292-8E28B98C01D2}" srcOrd="4" destOrd="0" parTransId="{0940A83D-9F9F-4205-AC32-CEAF02F24581}" sibTransId="{EADE24B3-9525-453E-9241-0CDEB0EFDAB7}"/>
-    <dgm:cxn modelId="{DB19D24F-F2B3-4E50-85E2-8665DE7E44D8}" srcId="{D8068114-AFAA-418E-9A5D-BA1EC342D7E1}" destId="{A88ECD30-5834-4DEC-B146-65B1B78CD966}" srcOrd="0" destOrd="0" parTransId="{203A6113-FB74-4D2D-B45B-14604FBC208C}" sibTransId="{D312EE41-0A98-4CF8-A65E-8C20D2C881E0}"/>
-    <dgm:cxn modelId="{9A7AA0D5-42F7-4684-A688-3AB79753A4C7}" srcId="{D8068114-AFAA-418E-9A5D-BA1EC342D7E1}" destId="{59FD27CA-9E8B-4D5C-83E0-45294D8B4136}" srcOrd="3" destOrd="0" parTransId="{8834ECA2-2D47-4A59-A85D-8535D3E1FE4C}" sibTransId="{37D061C8-43FB-42C0-9BB3-7E88DDBF5472}"/>
-    <dgm:cxn modelId="{CB9FE4E2-824D-44F0-ADA9-4AEA6B80741F}" type="presOf" srcId="{D8068114-AFAA-418E-9A5D-BA1EC342D7E1}" destId="{4094FC65-2A56-4793-9193-9804319EB4F0}" srcOrd="0" destOrd="0" presId="urn:microsoft.com/office/officeart/2009/3/layout/HorizontalOrganizationChart"/>
-    <dgm:cxn modelId="{9DB1A351-9F24-4D63-B68B-0F0D4C982414}" type="presOf" srcId="{E2E90970-8668-4D24-B292-8E28B98C01D2}" destId="{A8C669B4-85E5-4A9A-91D6-AFAC28DBC398}" srcOrd="1" destOrd="0" presId="urn:microsoft.com/office/officeart/2009/3/layout/HorizontalOrganizationChart"/>
-    <dgm:cxn modelId="{F91F66A8-993E-4B45-A882-55674C6BD534}" type="presOf" srcId="{59FD27CA-9E8B-4D5C-83E0-45294D8B4136}" destId="{6A6969D6-5A24-4D88-922F-BD4889DBC9C9}" srcOrd="0" destOrd="0" presId="urn:microsoft.com/office/officeart/2009/3/layout/HorizontalOrganizationChart"/>
-    <dgm:cxn modelId="{30CFC948-C018-4CAE-BFDD-3F3080198E0C}" type="presOf" srcId="{FFF8ACF7-0AF6-4CE1-9756-D24663A6D403}" destId="{6EE5E6E8-B076-4530-8E5F-DD036599D6C9}" srcOrd="0" destOrd="0" presId="urn:microsoft.com/office/officeart/2009/3/layout/HorizontalOrganizationChart"/>
-    <dgm:cxn modelId="{26379557-B148-4D61-9678-B4734DDCDA99}" srcId="{D8068114-AFAA-418E-9A5D-BA1EC342D7E1}" destId="{CF90BBDA-A654-4B1B-BC0E-D9EA74BCB2B3}" srcOrd="5" destOrd="0" parTransId="{FFF8ACF7-0AF6-4CE1-9756-D24663A6D403}" sibTransId="{BF3E3640-4FEA-40D6-80BD-289B10E0622B}"/>
-    <dgm:cxn modelId="{AA0A2B2F-BE07-4DCE-9865-D80EAFBE8423}" type="presOf" srcId="{CF90BBDA-A654-4B1B-BC0E-D9EA74BCB2B3}" destId="{1BBE496F-0EF8-4C4D-93D8-E61FAFD6E1BA}" srcOrd="0" destOrd="0" presId="urn:microsoft.com/office/officeart/2009/3/layout/HorizontalOrganizationChart"/>
-    <dgm:cxn modelId="{B485035C-0CB2-4188-8410-957D2CAC8BE8}" srcId="{46E89E59-A1AD-4BDC-8E7E-B26A88D59396}" destId="{D8068114-AFAA-418E-9A5D-BA1EC342D7E1}" srcOrd="0" destOrd="0" parTransId="{4C1026BC-F12B-4452-A506-B431A0CC728A}" sibTransId="{CCD190AA-E436-4A0E-A721-98D958A11E76}"/>
-    <dgm:cxn modelId="{18316135-9609-4BCB-8DA6-968E9ECA8CB5}" type="presOf" srcId="{6C4506BD-4B5D-4333-A38B-5F53715F0D36}" destId="{E82993D2-B8DD-48AC-A8ED-020502DD51ED}" srcOrd="0" destOrd="0" presId="urn:microsoft.com/office/officeart/2009/3/layout/HorizontalOrganizationChart"/>
-    <dgm:cxn modelId="{934D14E2-3E3F-4240-BCD9-18AE24840B9F}" type="presOf" srcId="{CF90BBDA-A654-4B1B-BC0E-D9EA74BCB2B3}" destId="{467B9E74-7479-4AB8-A2E8-2DC435678AF1}" srcOrd="1" destOrd="0" presId="urn:microsoft.com/office/officeart/2009/3/layout/HorizontalOrganizationChart"/>
-    <dgm:cxn modelId="{686135AA-0259-4842-9156-F9681E320CDA}" type="presOf" srcId="{203A6113-FB74-4D2D-B45B-14604FBC208C}" destId="{1452C569-61EF-4CFB-B261-DBF64EA3E221}" srcOrd="0" destOrd="0" presId="urn:microsoft.com/office/officeart/2009/3/layout/HorizontalOrganizationChart"/>
-    <dgm:cxn modelId="{59ABEBE0-3C9D-443E-872A-C570DF775169}" type="presOf" srcId="{8834ECA2-2D47-4A59-A85D-8535D3E1FE4C}" destId="{0CC6D45A-E085-49EA-B9A0-6EBF3A8E63F6}" srcOrd="0" destOrd="0" presId="urn:microsoft.com/office/officeart/2009/3/layout/HorizontalOrganizationChart"/>
     <dgm:cxn modelId="{8B5AD49C-1483-4EB5-B158-AB68BEF10F5D}" type="presOf" srcId="{0940A83D-9F9F-4205-AC32-CEAF02F24581}" destId="{F92DA6D8-989A-474B-9FB5-0EC9EE67F719}" srcOrd="0" destOrd="0" presId="urn:microsoft.com/office/officeart/2009/3/layout/HorizontalOrganizationChart"/>
     <dgm:cxn modelId="{D92289DD-2618-42AD-B137-B01B0E1F7E3C}" srcId="{D8068114-AFAA-418E-9A5D-BA1EC342D7E1}" destId="{6F8375BA-46E4-4A89-B9EA-A47C12F8BBDF}" srcOrd="2" destOrd="0" parTransId="{6C4506BD-4B5D-4333-A38B-5F53715F0D36}" sibTransId="{8CA827DA-86DB-43F8-8EC1-EB4E45DEACB3}"/>
+    <dgm:cxn modelId="{26379557-B148-4D61-9678-B4734DDCDA99}" srcId="{D8068114-AFAA-418E-9A5D-BA1EC342D7E1}" destId="{CF90BBDA-A654-4B1B-BC0E-D9EA74BCB2B3}" srcOrd="5" destOrd="0" parTransId="{FFF8ACF7-0AF6-4CE1-9756-D24663A6D403}" sibTransId="{BF3E3640-4FEA-40D6-80BD-289B10E0622B}"/>
+    <dgm:cxn modelId="{B485035C-0CB2-4188-8410-957D2CAC8BE8}" srcId="{46E89E59-A1AD-4BDC-8E7E-B26A88D59396}" destId="{D8068114-AFAA-418E-9A5D-BA1EC342D7E1}" srcOrd="0" destOrd="0" parTransId="{4C1026BC-F12B-4452-A506-B431A0CC728A}" sibTransId="{CCD190AA-E436-4A0E-A721-98D958A11E76}"/>
+    <dgm:cxn modelId="{5904C134-7122-4783-8C01-7D051D72DB3D}" type="presOf" srcId="{AD34BD70-02A6-4E40-8360-11C1E89855CB}" destId="{7B8EC3F6-F7B4-4835-ADA5-FD133F2ED6C4}" srcOrd="0" destOrd="0" presId="urn:microsoft.com/office/officeart/2009/3/layout/HorizontalOrganizationChart"/>
+    <dgm:cxn modelId="{DDFB1A52-BC2D-40DA-97E1-37F95C69BFB8}" type="presOf" srcId="{6F8375BA-46E4-4A89-B9EA-A47C12F8BBDF}" destId="{C68C0FCD-33A4-43E1-B09F-97A37DD41CDB}" srcOrd="1" destOrd="0" presId="urn:microsoft.com/office/officeart/2009/3/layout/HorizontalOrganizationChart"/>
+    <dgm:cxn modelId="{934D14E2-3E3F-4240-BCD9-18AE24840B9F}" type="presOf" srcId="{CF90BBDA-A654-4B1B-BC0E-D9EA74BCB2B3}" destId="{467B9E74-7479-4AB8-A2E8-2DC435678AF1}" srcOrd="1" destOrd="0" presId="urn:microsoft.com/office/officeart/2009/3/layout/HorizontalOrganizationChart"/>
+    <dgm:cxn modelId="{DE98243A-2542-458D-A785-019A5EF99ECE}" type="presOf" srcId="{6F8375BA-46E4-4A89-B9EA-A47C12F8BBDF}" destId="{E81EE3E3-B0E4-4930-9C9D-16465DE77C05}" srcOrd="0" destOrd="0" presId="urn:microsoft.com/office/officeart/2009/3/layout/HorizontalOrganizationChart"/>
     <dgm:cxn modelId="{971776F4-10AC-4BDA-ACF4-55051789EDDE}" type="presOf" srcId="{A88ECD30-5834-4DEC-B146-65B1B78CD966}" destId="{B38EC5EF-5D1A-4DDA-BD89-70BAB63094ED}" srcOrd="0" destOrd="0" presId="urn:microsoft.com/office/officeart/2009/3/layout/HorizontalOrganizationChart"/>
-    <dgm:cxn modelId="{0F101D70-BFBF-494D-BCA1-8DF58FCD1087}" type="presOf" srcId="{D8068114-AFAA-418E-9A5D-BA1EC342D7E1}" destId="{344021F2-55D4-47E7-8CDE-46D1E9396E8E}" srcOrd="1" destOrd="0" presId="urn:microsoft.com/office/officeart/2009/3/layout/HorizontalOrganizationChart"/>
+    <dgm:cxn modelId="{30CFC948-C018-4CAE-BFDD-3F3080198E0C}" type="presOf" srcId="{FFF8ACF7-0AF6-4CE1-9756-D24663A6D403}" destId="{6EE5E6E8-B076-4530-8E5F-DD036599D6C9}" srcOrd="0" destOrd="0" presId="urn:microsoft.com/office/officeart/2009/3/layout/HorizontalOrganizationChart"/>
     <dgm:cxn modelId="{48589BEC-9321-4149-8684-B770098DE06E}" type="presParOf" srcId="{632FFA02-E5C4-4264-BDFD-B78AFF46912A}" destId="{551AB008-3605-4B88-BF9B-3BA4DB0C135D}" srcOrd="0" destOrd="0" presId="urn:microsoft.com/office/officeart/2009/3/layout/HorizontalOrganizationChart"/>
     <dgm:cxn modelId="{04C8A424-6D47-4524-B85F-F86DFC00CFB0}" type="presParOf" srcId="{551AB008-3605-4B88-BF9B-3BA4DB0C135D}" destId="{7A04EE34-DC95-483B-9E41-D05C39A0916E}" srcOrd="0" destOrd="0" presId="urn:microsoft.com/office/officeart/2009/3/layout/HorizontalOrganizationChart"/>
     <dgm:cxn modelId="{53B41441-8480-4E83-B20C-519C234FF7E7}" type="presParOf" srcId="{7A04EE34-DC95-483B-9E41-D05C39A0916E}" destId="{4094FC65-2A56-4793-9193-9804319EB4F0}" srcOrd="0" destOrd="0" presId="urn:microsoft.com/office/officeart/2009/3/layout/HorizontalOrganizationChart"/>
@@ -9747,6 +9452,364 @@
 </dgm:dataModel>
 </file>
 
+<file path=ppt/diagrams/data5.xml><?xml version="1.0" encoding="utf-8"?>
+<dgm:dataModel xmlns:dgm="http://schemas.openxmlformats.org/drawingml/2006/diagram" xmlns:a="http://schemas.openxmlformats.org/drawingml/2006/main">
+  <dgm:ptLst>
+    <dgm:pt modelId="{41A8D85E-8A64-4688-989B-22555B5C5610}" type="doc">
+      <dgm:prSet loTypeId="urn:microsoft.com/office/officeart/2005/8/layout/process5" loCatId="process" qsTypeId="urn:microsoft.com/office/officeart/2005/8/quickstyle/simple1" qsCatId="simple" csTypeId="urn:microsoft.com/office/officeart/2005/8/colors/accent1_2" csCatId="accent1" phldr="1"/>
+      <dgm:spPr/>
+      <dgm:t>
+        <a:bodyPr/>
+        <a:lstStyle/>
+        <a:p>
+          <a:endParaRPr lang="zh-CN" altLang="en-US"/>
+        </a:p>
+      </dgm:t>
+    </dgm:pt>
+    <dgm:pt modelId="{34AEE8AF-0DD3-429B-82DA-8952C84600B4}">
+      <dgm:prSet phldrT="[文本]" custT="1"/>
+      <dgm:spPr>
+        <a:solidFill>
+          <a:schemeClr val="accent6"/>
+        </a:solidFill>
+      </dgm:spPr>
+      <dgm:t>
+        <a:bodyPr/>
+        <a:lstStyle/>
+        <a:p>
+          <a:r>
+            <a:rPr lang="zh-CN" altLang="en-US" sz="2200" dirty="0" smtClean="0"/>
+            <a:t>上级党组织编制并分配考核项目</a:t>
+          </a:r>
+          <a:endParaRPr lang="zh-CN" altLang="en-US" sz="2200" dirty="0"/>
+        </a:p>
+      </dgm:t>
+    </dgm:pt>
+    <dgm:pt modelId="{C83EE1EF-77F6-4B57-A89F-1164C3E40BD4}" type="parTrans" cxnId="{F49B95C4-F67F-4882-8D27-348774D28403}">
+      <dgm:prSet/>
+      <dgm:spPr/>
+      <dgm:t>
+        <a:bodyPr/>
+        <a:lstStyle/>
+        <a:p>
+          <a:endParaRPr lang="zh-CN" altLang="en-US"/>
+        </a:p>
+      </dgm:t>
+    </dgm:pt>
+    <dgm:pt modelId="{5CA40485-F723-4C0A-A730-CF43503EE9FE}" type="sibTrans" cxnId="{F49B95C4-F67F-4882-8D27-348774D28403}">
+      <dgm:prSet/>
+      <dgm:spPr/>
+      <dgm:t>
+        <a:bodyPr/>
+        <a:lstStyle/>
+        <a:p>
+          <a:endParaRPr lang="zh-CN" altLang="en-US"/>
+        </a:p>
+      </dgm:t>
+    </dgm:pt>
+    <dgm:pt modelId="{1D317126-4C3D-45BA-8664-9AB0EC7ED5CF}">
+      <dgm:prSet phldrT="[文本]" custT="1"/>
+      <dgm:spPr>
+        <a:solidFill>
+          <a:schemeClr val="accent6"/>
+        </a:solidFill>
+      </dgm:spPr>
+      <dgm:t>
+        <a:bodyPr/>
+        <a:lstStyle/>
+        <a:p>
+          <a:r>
+            <a:rPr lang="zh-CN" altLang="en-US" sz="2200" dirty="0" smtClean="0"/>
+            <a:t>下级党组织上传考核资料，提交考核</a:t>
+          </a:r>
+          <a:endParaRPr lang="zh-CN" altLang="en-US" sz="2200" dirty="0"/>
+        </a:p>
+      </dgm:t>
+    </dgm:pt>
+    <dgm:pt modelId="{BF6ABBD9-F069-4E5C-B931-0210C145370D}" type="parTrans" cxnId="{C78B131C-1CE5-4AEC-86D5-D3F68C82E22D}">
+      <dgm:prSet/>
+      <dgm:spPr/>
+      <dgm:t>
+        <a:bodyPr/>
+        <a:lstStyle/>
+        <a:p>
+          <a:endParaRPr lang="zh-CN" altLang="en-US"/>
+        </a:p>
+      </dgm:t>
+    </dgm:pt>
+    <dgm:pt modelId="{524F3E05-B385-4263-8BEC-8BA90FB1A0C7}" type="sibTrans" cxnId="{C78B131C-1CE5-4AEC-86D5-D3F68C82E22D}">
+      <dgm:prSet/>
+      <dgm:spPr/>
+      <dgm:t>
+        <a:bodyPr/>
+        <a:lstStyle/>
+        <a:p>
+          <a:endParaRPr lang="zh-CN" altLang="en-US"/>
+        </a:p>
+      </dgm:t>
+    </dgm:pt>
+    <dgm:pt modelId="{D989E021-928C-4C8D-8768-905C82077DC3}">
+      <dgm:prSet phldrT="[文本]" custT="1"/>
+      <dgm:spPr>
+        <a:solidFill>
+          <a:schemeClr val="accent6"/>
+        </a:solidFill>
+      </dgm:spPr>
+      <dgm:t>
+        <a:bodyPr/>
+        <a:lstStyle/>
+        <a:p>
+          <a:r>
+            <a:rPr lang="zh-CN" altLang="en-US" sz="2200" dirty="0" smtClean="0"/>
+            <a:t>上级考核并发表考核意见</a:t>
+          </a:r>
+          <a:endParaRPr lang="zh-CN" altLang="en-US" sz="2200" dirty="0"/>
+        </a:p>
+      </dgm:t>
+    </dgm:pt>
+    <dgm:pt modelId="{EFEFB13C-CF78-402E-AC28-4CD3812F2B3F}" type="parTrans" cxnId="{2AF18CF1-731A-450B-8879-E5779B35B79B}">
+      <dgm:prSet/>
+      <dgm:spPr/>
+      <dgm:t>
+        <a:bodyPr/>
+        <a:lstStyle/>
+        <a:p>
+          <a:endParaRPr lang="zh-CN" altLang="en-US"/>
+        </a:p>
+      </dgm:t>
+    </dgm:pt>
+    <dgm:pt modelId="{A07E9E93-A3FF-437F-A957-6F4B5ED76E3A}" type="sibTrans" cxnId="{2AF18CF1-731A-450B-8879-E5779B35B79B}">
+      <dgm:prSet/>
+      <dgm:spPr/>
+      <dgm:t>
+        <a:bodyPr/>
+        <a:lstStyle/>
+        <a:p>
+          <a:endParaRPr lang="zh-CN" altLang="en-US"/>
+        </a:p>
+      </dgm:t>
+    </dgm:pt>
+    <dgm:pt modelId="{7F148969-87C7-47C3-A1D2-BEAC18730707}">
+      <dgm:prSet phldrT="[文本]" custT="1"/>
+      <dgm:spPr>
+        <a:solidFill>
+          <a:schemeClr val="accent6"/>
+        </a:solidFill>
+      </dgm:spPr>
+      <dgm:t>
+        <a:bodyPr/>
+        <a:lstStyle/>
+        <a:p>
+          <a:r>
+            <a:rPr lang="zh-CN" altLang="en-US" sz="2200" dirty="0" smtClean="0"/>
+            <a:t>考核结束</a:t>
+          </a:r>
+          <a:endParaRPr lang="zh-CN" altLang="en-US" sz="2200" dirty="0"/>
+        </a:p>
+      </dgm:t>
+    </dgm:pt>
+    <dgm:pt modelId="{547DD173-6935-46DF-AF66-D3674F1EA8D1}" type="parTrans" cxnId="{5BB213BD-A14D-4BA3-A734-8BAFF8794ACF}">
+      <dgm:prSet/>
+      <dgm:spPr/>
+      <dgm:t>
+        <a:bodyPr/>
+        <a:lstStyle/>
+        <a:p>
+          <a:endParaRPr lang="zh-CN" altLang="en-US"/>
+        </a:p>
+      </dgm:t>
+    </dgm:pt>
+    <dgm:pt modelId="{6AE01D79-CA19-448D-9411-61E47A5D1416}" type="sibTrans" cxnId="{5BB213BD-A14D-4BA3-A734-8BAFF8794ACF}">
+      <dgm:prSet/>
+      <dgm:spPr/>
+      <dgm:t>
+        <a:bodyPr/>
+        <a:lstStyle/>
+        <a:p>
+          <a:endParaRPr lang="zh-CN" altLang="en-US"/>
+        </a:p>
+      </dgm:t>
+    </dgm:pt>
+    <dgm:pt modelId="{334C5238-9006-46C1-8885-98B278BD63D4}" type="pres">
+      <dgm:prSet presAssocID="{41A8D85E-8A64-4688-989B-22555B5C5610}" presName="diagram" presStyleCnt="0">
+        <dgm:presLayoutVars>
+          <dgm:dir/>
+          <dgm:resizeHandles val="exact"/>
+        </dgm:presLayoutVars>
+      </dgm:prSet>
+      <dgm:spPr/>
+      <dgm:t>
+        <a:bodyPr/>
+        <a:lstStyle/>
+        <a:p>
+          <a:endParaRPr lang="zh-CN" altLang="en-US"/>
+        </a:p>
+      </dgm:t>
+    </dgm:pt>
+    <dgm:pt modelId="{87A29EB0-CB49-45AF-9F92-15496A5B5D47}" type="pres">
+      <dgm:prSet presAssocID="{34AEE8AF-0DD3-429B-82DA-8952C84600B4}" presName="node" presStyleLbl="node1" presStyleIdx="0" presStyleCnt="4">
+        <dgm:presLayoutVars>
+          <dgm:bulletEnabled val="1"/>
+        </dgm:presLayoutVars>
+      </dgm:prSet>
+      <dgm:spPr/>
+      <dgm:t>
+        <a:bodyPr/>
+        <a:lstStyle/>
+        <a:p>
+          <a:endParaRPr lang="zh-CN" altLang="en-US"/>
+        </a:p>
+      </dgm:t>
+    </dgm:pt>
+    <dgm:pt modelId="{CDCAC530-CF05-4373-8869-F3BC36CC80CB}" type="pres">
+      <dgm:prSet presAssocID="{5CA40485-F723-4C0A-A730-CF43503EE9FE}" presName="sibTrans" presStyleLbl="sibTrans2D1" presStyleIdx="0" presStyleCnt="3"/>
+      <dgm:spPr/>
+      <dgm:t>
+        <a:bodyPr/>
+        <a:lstStyle/>
+        <a:p>
+          <a:endParaRPr lang="zh-CN" altLang="en-US"/>
+        </a:p>
+      </dgm:t>
+    </dgm:pt>
+    <dgm:pt modelId="{80815D09-DB6C-4BD7-A60B-FBD2F01C2BAA}" type="pres">
+      <dgm:prSet presAssocID="{5CA40485-F723-4C0A-A730-CF43503EE9FE}" presName="connectorText" presStyleLbl="sibTrans2D1" presStyleIdx="0" presStyleCnt="3"/>
+      <dgm:spPr/>
+      <dgm:t>
+        <a:bodyPr/>
+        <a:lstStyle/>
+        <a:p>
+          <a:endParaRPr lang="zh-CN" altLang="en-US"/>
+        </a:p>
+      </dgm:t>
+    </dgm:pt>
+    <dgm:pt modelId="{3107A5B3-41FC-4B48-9197-B2052AB57E99}" type="pres">
+      <dgm:prSet presAssocID="{1D317126-4C3D-45BA-8664-9AB0EC7ED5CF}" presName="node" presStyleLbl="node1" presStyleIdx="1" presStyleCnt="4" custLinFactNeighborX="-19340" custLinFactNeighborY="-8447">
+        <dgm:presLayoutVars>
+          <dgm:bulletEnabled val="1"/>
+        </dgm:presLayoutVars>
+      </dgm:prSet>
+      <dgm:spPr/>
+      <dgm:t>
+        <a:bodyPr/>
+        <a:lstStyle/>
+        <a:p>
+          <a:endParaRPr lang="zh-CN" altLang="en-US"/>
+        </a:p>
+      </dgm:t>
+    </dgm:pt>
+    <dgm:pt modelId="{793F8260-4E5F-48F4-A53B-CE84A044F541}" type="pres">
+      <dgm:prSet presAssocID="{524F3E05-B385-4263-8BEC-8BA90FB1A0C7}" presName="sibTrans" presStyleLbl="sibTrans2D1" presStyleIdx="1" presStyleCnt="3" custLinFactNeighborX="-29097" custLinFactNeighborY="-5776"/>
+      <dgm:spPr/>
+      <dgm:t>
+        <a:bodyPr/>
+        <a:lstStyle/>
+        <a:p>
+          <a:endParaRPr lang="zh-CN" altLang="en-US"/>
+        </a:p>
+      </dgm:t>
+    </dgm:pt>
+    <dgm:pt modelId="{C8ACEAB7-681D-46C9-A2F3-F609964B16B9}" type="pres">
+      <dgm:prSet presAssocID="{524F3E05-B385-4263-8BEC-8BA90FB1A0C7}" presName="connectorText" presStyleLbl="sibTrans2D1" presStyleIdx="1" presStyleCnt="3"/>
+      <dgm:spPr/>
+      <dgm:t>
+        <a:bodyPr/>
+        <a:lstStyle/>
+        <a:p>
+          <a:endParaRPr lang="zh-CN" altLang="en-US"/>
+        </a:p>
+      </dgm:t>
+    </dgm:pt>
+    <dgm:pt modelId="{D2A1FB13-EA4F-441F-906D-395B9D184EC1}" type="pres">
+      <dgm:prSet presAssocID="{D989E021-928C-4C8D-8768-905C82077DC3}" presName="node" presStyleLbl="node1" presStyleIdx="2" presStyleCnt="4" custLinFactX="-63155" custLinFactY="28245" custLinFactNeighborX="-100000" custLinFactNeighborY="100000">
+        <dgm:presLayoutVars>
+          <dgm:bulletEnabled val="1"/>
+        </dgm:presLayoutVars>
+      </dgm:prSet>
+      <dgm:spPr/>
+      <dgm:t>
+        <a:bodyPr/>
+        <a:lstStyle/>
+        <a:p>
+          <a:endParaRPr lang="zh-CN" altLang="en-US"/>
+        </a:p>
+      </dgm:t>
+    </dgm:pt>
+    <dgm:pt modelId="{88F79D06-1ECC-4AE9-8DD7-69991A3A15CB}" type="pres">
+      <dgm:prSet presAssocID="{A07E9E93-A3FF-437F-A957-6F4B5ED76E3A}" presName="sibTrans" presStyleLbl="sibTrans2D1" presStyleIdx="2" presStyleCnt="3" custLinFactNeighborX="12538" custLinFactNeighborY="11553"/>
+      <dgm:spPr/>
+      <dgm:t>
+        <a:bodyPr/>
+        <a:lstStyle/>
+        <a:p>
+          <a:endParaRPr lang="zh-CN" altLang="en-US"/>
+        </a:p>
+      </dgm:t>
+    </dgm:pt>
+    <dgm:pt modelId="{C7AE773D-4FED-40E3-A4A8-B734D383FA9F}" type="pres">
+      <dgm:prSet presAssocID="{A07E9E93-A3FF-437F-A957-6F4B5ED76E3A}" presName="connectorText" presStyleLbl="sibTrans2D1" presStyleIdx="2" presStyleCnt="3"/>
+      <dgm:spPr/>
+      <dgm:t>
+        <a:bodyPr/>
+        <a:lstStyle/>
+        <a:p>
+          <a:endParaRPr lang="zh-CN" altLang="en-US"/>
+        </a:p>
+      </dgm:t>
+    </dgm:pt>
+    <dgm:pt modelId="{34FB6C62-139F-4EC9-911D-6EB547233410}" type="pres">
+      <dgm:prSet presAssocID="{7F148969-87C7-47C3-A1D2-BEAC18730707}" presName="node" presStyleLbl="node1" presStyleIdx="3" presStyleCnt="4" custLinFactNeighborX="-4644" custLinFactNeighborY="-22515">
+        <dgm:presLayoutVars>
+          <dgm:bulletEnabled val="1"/>
+        </dgm:presLayoutVars>
+      </dgm:prSet>
+      <dgm:spPr/>
+      <dgm:t>
+        <a:bodyPr/>
+        <a:lstStyle/>
+        <a:p>
+          <a:endParaRPr lang="zh-CN" altLang="en-US"/>
+        </a:p>
+      </dgm:t>
+    </dgm:pt>
+  </dgm:ptLst>
+  <dgm:cxnLst>
+    <dgm:cxn modelId="{580EF413-12C4-4701-914A-E09DC30135D8}" type="presOf" srcId="{A07E9E93-A3FF-437F-A957-6F4B5ED76E3A}" destId="{88F79D06-1ECC-4AE9-8DD7-69991A3A15CB}" srcOrd="0" destOrd="0" presId="urn:microsoft.com/office/officeart/2005/8/layout/process5"/>
+    <dgm:cxn modelId="{9E9FE131-571D-4E4B-9D8C-0AE489B6490C}" type="presOf" srcId="{5CA40485-F723-4C0A-A730-CF43503EE9FE}" destId="{80815D09-DB6C-4BD7-A60B-FBD2F01C2BAA}" srcOrd="1" destOrd="0" presId="urn:microsoft.com/office/officeart/2005/8/layout/process5"/>
+    <dgm:cxn modelId="{5BB213BD-A14D-4BA3-A734-8BAFF8794ACF}" srcId="{41A8D85E-8A64-4688-989B-22555B5C5610}" destId="{7F148969-87C7-47C3-A1D2-BEAC18730707}" srcOrd="3" destOrd="0" parTransId="{547DD173-6935-46DF-AF66-D3674F1EA8D1}" sibTransId="{6AE01D79-CA19-448D-9411-61E47A5D1416}"/>
+    <dgm:cxn modelId="{C27E2EF8-A15D-42A3-93B6-C9C6DCFE41F4}" type="presOf" srcId="{34AEE8AF-0DD3-429B-82DA-8952C84600B4}" destId="{87A29EB0-CB49-45AF-9F92-15496A5B5D47}" srcOrd="0" destOrd="0" presId="urn:microsoft.com/office/officeart/2005/8/layout/process5"/>
+    <dgm:cxn modelId="{00031C90-384A-4584-BC50-4CD4D5760C65}" type="presOf" srcId="{7F148969-87C7-47C3-A1D2-BEAC18730707}" destId="{34FB6C62-139F-4EC9-911D-6EB547233410}" srcOrd="0" destOrd="0" presId="urn:microsoft.com/office/officeart/2005/8/layout/process5"/>
+    <dgm:cxn modelId="{D16B8EFD-BBA9-48C0-9175-32C040BEF851}" type="presOf" srcId="{5CA40485-F723-4C0A-A730-CF43503EE9FE}" destId="{CDCAC530-CF05-4373-8869-F3BC36CC80CB}" srcOrd="0" destOrd="0" presId="urn:microsoft.com/office/officeart/2005/8/layout/process5"/>
+    <dgm:cxn modelId="{7D5B2A5F-E251-4D77-B57F-1FA00A6D6CE9}" type="presOf" srcId="{524F3E05-B385-4263-8BEC-8BA90FB1A0C7}" destId="{C8ACEAB7-681D-46C9-A2F3-F609964B16B9}" srcOrd="1" destOrd="0" presId="urn:microsoft.com/office/officeart/2005/8/layout/process5"/>
+    <dgm:cxn modelId="{1A53CE89-D059-4729-9E31-5DEB5B7D7D74}" type="presOf" srcId="{1D317126-4C3D-45BA-8664-9AB0EC7ED5CF}" destId="{3107A5B3-41FC-4B48-9197-B2052AB57E99}" srcOrd="0" destOrd="0" presId="urn:microsoft.com/office/officeart/2005/8/layout/process5"/>
+    <dgm:cxn modelId="{C76C2330-7A88-48DC-A4FE-81488101C7AE}" type="presOf" srcId="{A07E9E93-A3FF-437F-A957-6F4B5ED76E3A}" destId="{C7AE773D-4FED-40E3-A4A8-B734D383FA9F}" srcOrd="1" destOrd="0" presId="urn:microsoft.com/office/officeart/2005/8/layout/process5"/>
+    <dgm:cxn modelId="{F49B95C4-F67F-4882-8D27-348774D28403}" srcId="{41A8D85E-8A64-4688-989B-22555B5C5610}" destId="{34AEE8AF-0DD3-429B-82DA-8952C84600B4}" srcOrd="0" destOrd="0" parTransId="{C83EE1EF-77F6-4B57-A89F-1164C3E40BD4}" sibTransId="{5CA40485-F723-4C0A-A730-CF43503EE9FE}"/>
+    <dgm:cxn modelId="{130CE7FB-D6F7-474F-B40E-082387D6B09F}" type="presOf" srcId="{524F3E05-B385-4263-8BEC-8BA90FB1A0C7}" destId="{793F8260-4E5F-48F4-A53B-CE84A044F541}" srcOrd="0" destOrd="0" presId="urn:microsoft.com/office/officeart/2005/8/layout/process5"/>
+    <dgm:cxn modelId="{C78B131C-1CE5-4AEC-86D5-D3F68C82E22D}" srcId="{41A8D85E-8A64-4688-989B-22555B5C5610}" destId="{1D317126-4C3D-45BA-8664-9AB0EC7ED5CF}" srcOrd="1" destOrd="0" parTransId="{BF6ABBD9-F069-4E5C-B931-0210C145370D}" sibTransId="{524F3E05-B385-4263-8BEC-8BA90FB1A0C7}"/>
+    <dgm:cxn modelId="{2AF18CF1-731A-450B-8879-E5779B35B79B}" srcId="{41A8D85E-8A64-4688-989B-22555B5C5610}" destId="{D989E021-928C-4C8D-8768-905C82077DC3}" srcOrd="2" destOrd="0" parTransId="{EFEFB13C-CF78-402E-AC28-4CD3812F2B3F}" sibTransId="{A07E9E93-A3FF-437F-A957-6F4B5ED76E3A}"/>
+    <dgm:cxn modelId="{03D23E1F-045B-4DC8-AA60-A5B9BAC03512}" type="presOf" srcId="{41A8D85E-8A64-4688-989B-22555B5C5610}" destId="{334C5238-9006-46C1-8885-98B278BD63D4}" srcOrd="0" destOrd="0" presId="urn:microsoft.com/office/officeart/2005/8/layout/process5"/>
+    <dgm:cxn modelId="{E63C0B47-958B-4DDA-87AD-E93611480F3D}" type="presOf" srcId="{D989E021-928C-4C8D-8768-905C82077DC3}" destId="{D2A1FB13-EA4F-441F-906D-395B9D184EC1}" srcOrd="0" destOrd="0" presId="urn:microsoft.com/office/officeart/2005/8/layout/process5"/>
+    <dgm:cxn modelId="{DB3EF1AD-860B-446A-8D89-1675D17DAE5A}" type="presParOf" srcId="{334C5238-9006-46C1-8885-98B278BD63D4}" destId="{87A29EB0-CB49-45AF-9F92-15496A5B5D47}" srcOrd="0" destOrd="0" presId="urn:microsoft.com/office/officeart/2005/8/layout/process5"/>
+    <dgm:cxn modelId="{72D04B3C-59B1-4D2F-AD63-C78541B75349}" type="presParOf" srcId="{334C5238-9006-46C1-8885-98B278BD63D4}" destId="{CDCAC530-CF05-4373-8869-F3BC36CC80CB}" srcOrd="1" destOrd="0" presId="urn:microsoft.com/office/officeart/2005/8/layout/process5"/>
+    <dgm:cxn modelId="{F4422A44-0B54-49D0-B3C8-DB3CA9D361A3}" type="presParOf" srcId="{CDCAC530-CF05-4373-8869-F3BC36CC80CB}" destId="{80815D09-DB6C-4BD7-A60B-FBD2F01C2BAA}" srcOrd="0" destOrd="0" presId="urn:microsoft.com/office/officeart/2005/8/layout/process5"/>
+    <dgm:cxn modelId="{F626FD12-E720-485A-BC5D-7D8CB3CB3F0E}" type="presParOf" srcId="{334C5238-9006-46C1-8885-98B278BD63D4}" destId="{3107A5B3-41FC-4B48-9197-B2052AB57E99}" srcOrd="2" destOrd="0" presId="urn:microsoft.com/office/officeart/2005/8/layout/process5"/>
+    <dgm:cxn modelId="{911382C1-FAAF-4338-BA53-85AF7334A3F2}" type="presParOf" srcId="{334C5238-9006-46C1-8885-98B278BD63D4}" destId="{793F8260-4E5F-48F4-A53B-CE84A044F541}" srcOrd="3" destOrd="0" presId="urn:microsoft.com/office/officeart/2005/8/layout/process5"/>
+    <dgm:cxn modelId="{68114D7E-66FA-4970-B1AC-15FE0E36EF29}" type="presParOf" srcId="{793F8260-4E5F-48F4-A53B-CE84A044F541}" destId="{C8ACEAB7-681D-46C9-A2F3-F609964B16B9}" srcOrd="0" destOrd="0" presId="urn:microsoft.com/office/officeart/2005/8/layout/process5"/>
+    <dgm:cxn modelId="{76E9D2B7-6D4E-4844-B981-103D5926919E}" type="presParOf" srcId="{334C5238-9006-46C1-8885-98B278BD63D4}" destId="{D2A1FB13-EA4F-441F-906D-395B9D184EC1}" srcOrd="4" destOrd="0" presId="urn:microsoft.com/office/officeart/2005/8/layout/process5"/>
+    <dgm:cxn modelId="{7978E189-D514-4ACD-9756-36D932DDCBD9}" type="presParOf" srcId="{334C5238-9006-46C1-8885-98B278BD63D4}" destId="{88F79D06-1ECC-4AE9-8DD7-69991A3A15CB}" srcOrd="5" destOrd="0" presId="urn:microsoft.com/office/officeart/2005/8/layout/process5"/>
+    <dgm:cxn modelId="{E17BFD7D-A2EC-4808-A1B4-76A36979D308}" type="presParOf" srcId="{88F79D06-1ECC-4AE9-8DD7-69991A3A15CB}" destId="{C7AE773D-4FED-40E3-A4A8-B734D383FA9F}" srcOrd="0" destOrd="0" presId="urn:microsoft.com/office/officeart/2005/8/layout/process5"/>
+    <dgm:cxn modelId="{AC2C7477-608F-4742-8432-8B6D58BDC885}" type="presParOf" srcId="{334C5238-9006-46C1-8885-98B278BD63D4}" destId="{34FB6C62-139F-4EC9-911D-6EB547233410}" srcOrd="6" destOrd="0" presId="urn:microsoft.com/office/officeart/2005/8/layout/process5"/>
+  </dgm:cxnLst>
+  <dgm:bg/>
+  <dgm:whole/>
+  <dgm:extLst>
+    <a:ext uri="http://schemas.microsoft.com/office/drawing/2008/diagram">
+      <dsp:dataModelExt xmlns:dsp="http://schemas.microsoft.com/office/drawing/2008/diagram" relId="rId7" minVer="http://schemas.openxmlformats.org/drawingml/2006/diagram"/>
+    </a:ext>
+  </dgm:extLst>
+</dgm:dataModel>
+</file>
+
 <file path=ppt/diagrams/data6.xml><?xml version="1.0" encoding="utf-8"?>
 <dgm:dataModel xmlns:dgm="http://schemas.openxmlformats.org/drawingml/2006/diagram" xmlns:a="http://schemas.openxmlformats.org/drawingml/2006/main">
   <dgm:ptLst>
@@ -10430,34 +10493,34 @@
     </dgm:pt>
   </dgm:ptLst>
   <dgm:cxnLst>
-    <dgm:cxn modelId="{DB19D24F-F2B3-4E50-85E2-8665DE7E44D8}" srcId="{D8068114-AFAA-418E-9A5D-BA1EC342D7E1}" destId="{A88ECD30-5834-4DEC-B146-65B1B78CD966}" srcOrd="0" destOrd="0" parTransId="{203A6113-FB74-4D2D-B45B-14604FBC208C}" sibTransId="{D312EE41-0A98-4CF8-A65E-8C20D2C881E0}"/>
-    <dgm:cxn modelId="{5AA46317-C54E-4B44-8559-BBC13EC82ADA}" type="presOf" srcId="{D8068114-AFAA-418E-9A5D-BA1EC342D7E1}" destId="{344021F2-55D4-47E7-8CDE-46D1E9396E8E}" srcOrd="1" destOrd="0" presId="urn:microsoft.com/office/officeart/2009/3/layout/HorizontalOrganizationChart"/>
+    <dgm:cxn modelId="{A0B1E745-E097-4DE5-839D-991F3620E9BC}" type="presOf" srcId="{A88ECD30-5834-4DEC-B146-65B1B78CD966}" destId="{C7DE402C-42CC-43BA-A128-E5D80B2FF317}" srcOrd="1" destOrd="0" presId="urn:microsoft.com/office/officeart/2009/3/layout/HorizontalOrganizationChart"/>
+    <dgm:cxn modelId="{3ED19C5A-FDE5-4F5C-844F-662E4E2A2723}" srcId="{D8068114-AFAA-418E-9A5D-BA1EC342D7E1}" destId="{E52EC24B-1E56-444B-A7B6-09049CB2F3C7}" srcOrd="4" destOrd="0" parTransId="{866AC632-7EC1-4952-A59C-B6A8C769E4C0}" sibTransId="{C45F52A4-6FB6-4AD1-9569-414721D994E7}"/>
+    <dgm:cxn modelId="{1361DA43-31B9-417D-941E-2D031B409CDE}" type="presOf" srcId="{AD34BD70-02A6-4E40-8360-11C1E89855CB}" destId="{7B49D507-72D6-4385-A093-74C7F442B880}" srcOrd="1" destOrd="0" presId="urn:microsoft.com/office/officeart/2009/3/layout/HorizontalOrganizationChart"/>
+    <dgm:cxn modelId="{890FB74C-DBE9-4B6B-B74E-E23ACFD58376}" type="presOf" srcId="{6C4506BD-4B5D-4333-A38B-5F53715F0D36}" destId="{E82993D2-B8DD-48AC-A8ED-020502DD51ED}" srcOrd="0" destOrd="0" presId="urn:microsoft.com/office/officeart/2009/3/layout/HorizontalOrganizationChart"/>
+    <dgm:cxn modelId="{E983E26B-2234-4F23-9DAA-BB859DE3DCD2}" type="presOf" srcId="{0940A83D-9F9F-4205-AC32-CEAF02F24581}" destId="{F92DA6D8-989A-474B-9FB5-0EC9EE67F719}" srcOrd="0" destOrd="0" presId="urn:microsoft.com/office/officeart/2009/3/layout/HorizontalOrganizationChart"/>
+    <dgm:cxn modelId="{080BA414-8350-4472-A7E8-F4989D96A9E3}" srcId="{D8068114-AFAA-418E-9A5D-BA1EC342D7E1}" destId="{E2E90970-8668-4D24-B292-8E28B98C01D2}" srcOrd="5" destOrd="0" parTransId="{0940A83D-9F9F-4205-AC32-CEAF02F24581}" sibTransId="{EADE24B3-9525-453E-9241-0CDEB0EFDAB7}"/>
+    <dgm:cxn modelId="{D603EC77-424F-4B6F-9F0B-7907B93294E7}" type="presOf" srcId="{66625F6D-AF8A-439A-97D9-27539467AC7A}" destId="{993CE3AB-99E5-4FD9-B275-C84063D75A1F}" srcOrd="0" destOrd="0" presId="urn:microsoft.com/office/officeart/2009/3/layout/HorizontalOrganizationChart"/>
+    <dgm:cxn modelId="{30904315-2FBC-43AF-A06D-AAE4C9F1134E}" type="presOf" srcId="{203A6113-FB74-4D2D-B45B-14604FBC208C}" destId="{1452C569-61EF-4CFB-B261-DBF64EA3E221}" srcOrd="0" destOrd="0" presId="urn:microsoft.com/office/officeart/2009/3/layout/HorizontalOrganizationChart"/>
     <dgm:cxn modelId="{64ECCA79-2CA7-49A0-9F15-3725FC9C1C06}" type="presOf" srcId="{E2E90970-8668-4D24-B292-8E28B98C01D2}" destId="{A8C669B4-85E5-4A9A-91D6-AFAC28DBC398}" srcOrd="1" destOrd="0" presId="urn:microsoft.com/office/officeart/2009/3/layout/HorizontalOrganizationChart"/>
-    <dgm:cxn modelId="{F244CA6C-ABAB-4A4D-9741-4A243B052A09}" type="presOf" srcId="{866AC632-7EC1-4952-A59C-B6A8C769E4C0}" destId="{584D1301-C80A-4294-983D-A3621D839992}" srcOrd="0" destOrd="0" presId="urn:microsoft.com/office/officeart/2009/3/layout/HorizontalOrganizationChart"/>
-    <dgm:cxn modelId="{890FB74C-DBE9-4B6B-B74E-E23ACFD58376}" type="presOf" srcId="{6C4506BD-4B5D-4333-A38B-5F53715F0D36}" destId="{E82993D2-B8DD-48AC-A8ED-020502DD51ED}" srcOrd="0" destOrd="0" presId="urn:microsoft.com/office/officeart/2009/3/layout/HorizontalOrganizationChart"/>
-    <dgm:cxn modelId="{2BE877B7-C263-4D4C-A8C9-EA804300FAD3}" type="presOf" srcId="{59FD27CA-9E8B-4D5C-83E0-45294D8B4136}" destId="{6A6969D6-5A24-4D88-922F-BD4889DBC9C9}" srcOrd="0" destOrd="0" presId="urn:microsoft.com/office/officeart/2009/3/layout/HorizontalOrganizationChart"/>
-    <dgm:cxn modelId="{D603EC77-424F-4B6F-9F0B-7907B93294E7}" type="presOf" srcId="{66625F6D-AF8A-439A-97D9-27539467AC7A}" destId="{993CE3AB-99E5-4FD9-B275-C84063D75A1F}" srcOrd="0" destOrd="0" presId="urn:microsoft.com/office/officeart/2009/3/layout/HorizontalOrganizationChart"/>
-    <dgm:cxn modelId="{BC967834-8D52-408C-AFE6-C5C023FF8F93}" type="presOf" srcId="{D8068114-AFAA-418E-9A5D-BA1EC342D7E1}" destId="{4094FC65-2A56-4793-9193-9804319EB4F0}" srcOrd="0" destOrd="0" presId="urn:microsoft.com/office/officeart/2009/3/layout/HorizontalOrganizationChart"/>
-    <dgm:cxn modelId="{1DAEDAAB-CF9F-4CCD-BF46-77DAC0D33F88}" type="presOf" srcId="{59FD27CA-9E8B-4D5C-83E0-45294D8B4136}" destId="{EBA4003B-57CB-48A1-A179-BE54AE6CF2F2}" srcOrd="1" destOrd="0" presId="urn:microsoft.com/office/officeart/2009/3/layout/HorizontalOrganizationChart"/>
-    <dgm:cxn modelId="{9A7AA0D5-42F7-4684-A688-3AB79753A4C7}" srcId="{D8068114-AFAA-418E-9A5D-BA1EC342D7E1}" destId="{59FD27CA-9E8B-4D5C-83E0-45294D8B4136}" srcOrd="3" destOrd="0" parTransId="{8834ECA2-2D47-4A59-A85D-8535D3E1FE4C}" sibTransId="{37D061C8-43FB-42C0-9BB3-7E88DDBF5472}"/>
-    <dgm:cxn modelId="{542E1BF9-100C-4F93-8259-B9A8504C6E19}" type="presOf" srcId="{E2E90970-8668-4D24-B292-8E28B98C01D2}" destId="{7EA1129F-CB55-4D9E-9EE8-77AE7CB69E4A}" srcOrd="0" destOrd="0" presId="urn:microsoft.com/office/officeart/2009/3/layout/HorizontalOrganizationChart"/>
-    <dgm:cxn modelId="{76685DD4-FEBF-49F7-9CD4-7ABDF8222637}" type="presOf" srcId="{46E89E59-A1AD-4BDC-8E7E-B26A88D59396}" destId="{632FFA02-E5C4-4264-BDFD-B78AFF46912A}" srcOrd="0" destOrd="0" presId="urn:microsoft.com/office/officeart/2009/3/layout/HorizontalOrganizationChart"/>
-    <dgm:cxn modelId="{D92289DD-2618-42AD-B137-B01B0E1F7E3C}" srcId="{D8068114-AFAA-418E-9A5D-BA1EC342D7E1}" destId="{6F8375BA-46E4-4A89-B9EA-A47C12F8BBDF}" srcOrd="2" destOrd="0" parTransId="{6C4506BD-4B5D-4333-A38B-5F53715F0D36}" sibTransId="{8CA827DA-86DB-43F8-8EC1-EB4E45DEACB3}"/>
-    <dgm:cxn modelId="{D180C568-3A00-4B77-88D6-77218D489D52}" type="presOf" srcId="{E52EC24B-1E56-444B-A7B6-09049CB2F3C7}" destId="{82AE423E-FE1C-4E50-B9BC-002E51ED8311}" srcOrd="0" destOrd="0" presId="urn:microsoft.com/office/officeart/2009/3/layout/HorizontalOrganizationChart"/>
-    <dgm:cxn modelId="{B485035C-0CB2-4188-8410-957D2CAC8BE8}" srcId="{46E89E59-A1AD-4BDC-8E7E-B26A88D59396}" destId="{D8068114-AFAA-418E-9A5D-BA1EC342D7E1}" srcOrd="0" destOrd="0" parTransId="{4C1026BC-F12B-4452-A506-B431A0CC728A}" sibTransId="{CCD190AA-E436-4A0E-A721-98D958A11E76}"/>
-    <dgm:cxn modelId="{A0B1E745-E097-4DE5-839D-991F3620E9BC}" type="presOf" srcId="{A88ECD30-5834-4DEC-B146-65B1B78CD966}" destId="{C7DE402C-42CC-43BA-A128-E5D80B2FF317}" srcOrd="1" destOrd="0" presId="urn:microsoft.com/office/officeart/2009/3/layout/HorizontalOrganizationChart"/>
-    <dgm:cxn modelId="{080BA414-8350-4472-A7E8-F4989D96A9E3}" srcId="{D8068114-AFAA-418E-9A5D-BA1EC342D7E1}" destId="{E2E90970-8668-4D24-B292-8E28B98C01D2}" srcOrd="5" destOrd="0" parTransId="{0940A83D-9F9F-4205-AC32-CEAF02F24581}" sibTransId="{EADE24B3-9525-453E-9241-0CDEB0EFDAB7}"/>
-    <dgm:cxn modelId="{F492ED88-90A3-4D94-B74B-5DD13ED28586}" type="presOf" srcId="{AD34BD70-02A6-4E40-8360-11C1E89855CB}" destId="{7B8EC3F6-F7B4-4835-ADA5-FD133F2ED6C4}" srcOrd="0" destOrd="0" presId="urn:microsoft.com/office/officeart/2009/3/layout/HorizontalOrganizationChart"/>
-    <dgm:cxn modelId="{1361DA43-31B9-417D-941E-2D031B409CDE}" type="presOf" srcId="{AD34BD70-02A6-4E40-8360-11C1E89855CB}" destId="{7B49D507-72D6-4385-A093-74C7F442B880}" srcOrd="1" destOrd="0" presId="urn:microsoft.com/office/officeart/2009/3/layout/HorizontalOrganizationChart"/>
-    <dgm:cxn modelId="{E983E26B-2234-4F23-9DAA-BB859DE3DCD2}" type="presOf" srcId="{0940A83D-9F9F-4205-AC32-CEAF02F24581}" destId="{F92DA6D8-989A-474B-9FB5-0EC9EE67F719}" srcOrd="0" destOrd="0" presId="urn:microsoft.com/office/officeart/2009/3/layout/HorizontalOrganizationChart"/>
-    <dgm:cxn modelId="{F5E54BFE-CAAC-4D12-94EB-42C7567374AE}" type="presOf" srcId="{6F8375BA-46E4-4A89-B9EA-A47C12F8BBDF}" destId="{C68C0FCD-33A4-43E1-B09F-97A37DD41CDB}" srcOrd="1" destOrd="0" presId="urn:microsoft.com/office/officeart/2009/3/layout/HorizontalOrganizationChart"/>
-    <dgm:cxn modelId="{FE31EC4F-8ED6-4E44-9FEC-261917F2D537}" type="presOf" srcId="{8834ECA2-2D47-4A59-A85D-8535D3E1FE4C}" destId="{0CC6D45A-E085-49EA-B9A0-6EBF3A8E63F6}" srcOrd="0" destOrd="0" presId="urn:microsoft.com/office/officeart/2009/3/layout/HorizontalOrganizationChart"/>
-    <dgm:cxn modelId="{D3EDAA18-262B-4F8B-AE42-F43648670015}" type="presOf" srcId="{6F8375BA-46E4-4A89-B9EA-A47C12F8BBDF}" destId="{E81EE3E3-B0E4-4930-9C9D-16465DE77C05}" srcOrd="0" destOrd="0" presId="urn:microsoft.com/office/officeart/2009/3/layout/HorizontalOrganizationChart"/>
-    <dgm:cxn modelId="{30904315-2FBC-43AF-A06D-AAE4C9F1134E}" type="presOf" srcId="{203A6113-FB74-4D2D-B45B-14604FBC208C}" destId="{1452C569-61EF-4CFB-B261-DBF64EA3E221}" srcOrd="0" destOrd="0" presId="urn:microsoft.com/office/officeart/2009/3/layout/HorizontalOrganizationChart"/>
-    <dgm:cxn modelId="{C95EBF74-56C5-4CB6-9ECF-4E8BEDDC5093}" srcId="{D8068114-AFAA-418E-9A5D-BA1EC342D7E1}" destId="{AD34BD70-02A6-4E40-8360-11C1E89855CB}" srcOrd="1" destOrd="0" parTransId="{66625F6D-AF8A-439A-97D9-27539467AC7A}" sibTransId="{7A2C37A6-494A-410B-A5FD-325CE418C428}"/>
     <dgm:cxn modelId="{5A902C6C-02F1-433F-99F4-48BE4A6633FB}" type="presOf" srcId="{A88ECD30-5834-4DEC-B146-65B1B78CD966}" destId="{B38EC5EF-5D1A-4DDA-BD89-70BAB63094ED}" srcOrd="0" destOrd="0" presId="urn:microsoft.com/office/officeart/2009/3/layout/HorizontalOrganizationChart"/>
     <dgm:cxn modelId="{1E5290A9-70C9-4A31-89FB-A1339ACA4600}" type="presOf" srcId="{E52EC24B-1E56-444B-A7B6-09049CB2F3C7}" destId="{C663ED54-3A86-49B6-A4DB-BDEB5028A85D}" srcOrd="1" destOrd="0" presId="urn:microsoft.com/office/officeart/2009/3/layout/HorizontalOrganizationChart"/>
-    <dgm:cxn modelId="{3ED19C5A-FDE5-4F5C-844F-662E4E2A2723}" srcId="{D8068114-AFAA-418E-9A5D-BA1EC342D7E1}" destId="{E52EC24B-1E56-444B-A7B6-09049CB2F3C7}" srcOrd="4" destOrd="0" parTransId="{866AC632-7EC1-4952-A59C-B6A8C769E4C0}" sibTransId="{C45F52A4-6FB6-4AD1-9569-414721D994E7}"/>
+    <dgm:cxn modelId="{DB19D24F-F2B3-4E50-85E2-8665DE7E44D8}" srcId="{D8068114-AFAA-418E-9A5D-BA1EC342D7E1}" destId="{A88ECD30-5834-4DEC-B146-65B1B78CD966}" srcOrd="0" destOrd="0" parTransId="{203A6113-FB74-4D2D-B45B-14604FBC208C}" sibTransId="{D312EE41-0A98-4CF8-A65E-8C20D2C881E0}"/>
+    <dgm:cxn modelId="{C95EBF74-56C5-4CB6-9ECF-4E8BEDDC5093}" srcId="{D8068114-AFAA-418E-9A5D-BA1EC342D7E1}" destId="{AD34BD70-02A6-4E40-8360-11C1E89855CB}" srcOrd="1" destOrd="0" parTransId="{66625F6D-AF8A-439A-97D9-27539467AC7A}" sibTransId="{7A2C37A6-494A-410B-A5FD-325CE418C428}"/>
+    <dgm:cxn modelId="{9A7AA0D5-42F7-4684-A688-3AB79753A4C7}" srcId="{D8068114-AFAA-418E-9A5D-BA1EC342D7E1}" destId="{59FD27CA-9E8B-4D5C-83E0-45294D8B4136}" srcOrd="3" destOrd="0" parTransId="{8834ECA2-2D47-4A59-A85D-8535D3E1FE4C}" sibTransId="{37D061C8-43FB-42C0-9BB3-7E88DDBF5472}"/>
+    <dgm:cxn modelId="{D180C568-3A00-4B77-88D6-77218D489D52}" type="presOf" srcId="{E52EC24B-1E56-444B-A7B6-09049CB2F3C7}" destId="{82AE423E-FE1C-4E50-B9BC-002E51ED8311}" srcOrd="0" destOrd="0" presId="urn:microsoft.com/office/officeart/2009/3/layout/HorizontalOrganizationChart"/>
+    <dgm:cxn modelId="{76685DD4-FEBF-49F7-9CD4-7ABDF8222637}" type="presOf" srcId="{46E89E59-A1AD-4BDC-8E7E-B26A88D59396}" destId="{632FFA02-E5C4-4264-BDFD-B78AFF46912A}" srcOrd="0" destOrd="0" presId="urn:microsoft.com/office/officeart/2009/3/layout/HorizontalOrganizationChart"/>
+    <dgm:cxn modelId="{F492ED88-90A3-4D94-B74B-5DD13ED28586}" type="presOf" srcId="{AD34BD70-02A6-4E40-8360-11C1E89855CB}" destId="{7B8EC3F6-F7B4-4835-ADA5-FD133F2ED6C4}" srcOrd="0" destOrd="0" presId="urn:microsoft.com/office/officeart/2009/3/layout/HorizontalOrganizationChart"/>
+    <dgm:cxn modelId="{D92289DD-2618-42AD-B137-B01B0E1F7E3C}" srcId="{D8068114-AFAA-418E-9A5D-BA1EC342D7E1}" destId="{6F8375BA-46E4-4A89-B9EA-A47C12F8BBDF}" srcOrd="2" destOrd="0" parTransId="{6C4506BD-4B5D-4333-A38B-5F53715F0D36}" sibTransId="{8CA827DA-86DB-43F8-8EC1-EB4E45DEACB3}"/>
+    <dgm:cxn modelId="{FE31EC4F-8ED6-4E44-9FEC-261917F2D537}" type="presOf" srcId="{8834ECA2-2D47-4A59-A85D-8535D3E1FE4C}" destId="{0CC6D45A-E085-49EA-B9A0-6EBF3A8E63F6}" srcOrd="0" destOrd="0" presId="urn:microsoft.com/office/officeart/2009/3/layout/HorizontalOrganizationChart"/>
+    <dgm:cxn modelId="{1DAEDAAB-CF9F-4CCD-BF46-77DAC0D33F88}" type="presOf" srcId="{59FD27CA-9E8B-4D5C-83E0-45294D8B4136}" destId="{EBA4003B-57CB-48A1-A179-BE54AE6CF2F2}" srcOrd="1" destOrd="0" presId="urn:microsoft.com/office/officeart/2009/3/layout/HorizontalOrganizationChart"/>
+    <dgm:cxn modelId="{B485035C-0CB2-4188-8410-957D2CAC8BE8}" srcId="{46E89E59-A1AD-4BDC-8E7E-B26A88D59396}" destId="{D8068114-AFAA-418E-9A5D-BA1EC342D7E1}" srcOrd="0" destOrd="0" parTransId="{4C1026BC-F12B-4452-A506-B431A0CC728A}" sibTransId="{CCD190AA-E436-4A0E-A721-98D958A11E76}"/>
+    <dgm:cxn modelId="{5AA46317-C54E-4B44-8559-BBC13EC82ADA}" type="presOf" srcId="{D8068114-AFAA-418E-9A5D-BA1EC342D7E1}" destId="{344021F2-55D4-47E7-8CDE-46D1E9396E8E}" srcOrd="1" destOrd="0" presId="urn:microsoft.com/office/officeart/2009/3/layout/HorizontalOrganizationChart"/>
+    <dgm:cxn modelId="{BC967834-8D52-408C-AFE6-C5C023FF8F93}" type="presOf" srcId="{D8068114-AFAA-418E-9A5D-BA1EC342D7E1}" destId="{4094FC65-2A56-4793-9193-9804319EB4F0}" srcOrd="0" destOrd="0" presId="urn:microsoft.com/office/officeart/2009/3/layout/HorizontalOrganizationChart"/>
+    <dgm:cxn modelId="{542E1BF9-100C-4F93-8259-B9A8504C6E19}" type="presOf" srcId="{E2E90970-8668-4D24-B292-8E28B98C01D2}" destId="{7EA1129F-CB55-4D9E-9EE8-77AE7CB69E4A}" srcOrd="0" destOrd="0" presId="urn:microsoft.com/office/officeart/2009/3/layout/HorizontalOrganizationChart"/>
+    <dgm:cxn modelId="{2BE877B7-C263-4D4C-A8C9-EA804300FAD3}" type="presOf" srcId="{59FD27CA-9E8B-4D5C-83E0-45294D8B4136}" destId="{6A6969D6-5A24-4D88-922F-BD4889DBC9C9}" srcOrd="0" destOrd="0" presId="urn:microsoft.com/office/officeart/2009/3/layout/HorizontalOrganizationChart"/>
+    <dgm:cxn modelId="{F5E54BFE-CAAC-4D12-94EB-42C7567374AE}" type="presOf" srcId="{6F8375BA-46E4-4A89-B9EA-A47C12F8BBDF}" destId="{C68C0FCD-33A4-43E1-B09F-97A37DD41CDB}" srcOrd="1" destOrd="0" presId="urn:microsoft.com/office/officeart/2009/3/layout/HorizontalOrganizationChart"/>
+    <dgm:cxn modelId="{F244CA6C-ABAB-4A4D-9741-4A243B052A09}" type="presOf" srcId="{866AC632-7EC1-4952-A59C-B6A8C769E4C0}" destId="{584D1301-C80A-4294-983D-A3621D839992}" srcOrd="0" destOrd="0" presId="urn:microsoft.com/office/officeart/2009/3/layout/HorizontalOrganizationChart"/>
+    <dgm:cxn modelId="{D3EDAA18-262B-4F8B-AE42-F43648670015}" type="presOf" srcId="{6F8375BA-46E4-4A89-B9EA-A47C12F8BBDF}" destId="{E81EE3E3-B0E4-4930-9C9D-16465DE77C05}" srcOrd="0" destOrd="0" presId="urn:microsoft.com/office/officeart/2009/3/layout/HorizontalOrganizationChart"/>
     <dgm:cxn modelId="{23A05856-35E1-4BB3-B975-75C25FBB7298}" type="presParOf" srcId="{632FFA02-E5C4-4264-BDFD-B78AFF46912A}" destId="{551AB008-3605-4B88-BF9B-3BA4DB0C135D}" srcOrd="0" destOrd="0" presId="urn:microsoft.com/office/officeart/2009/3/layout/HorizontalOrganizationChart"/>
     <dgm:cxn modelId="{AA067344-738C-4983-9DF2-A61AEF116448}" type="presParOf" srcId="{551AB008-3605-4B88-BF9B-3BA4DB0C135D}" destId="{7A04EE34-DC95-483B-9E41-D05C39A0916E}" srcOrd="0" destOrd="0" presId="urn:microsoft.com/office/officeart/2009/3/layout/HorizontalOrganizationChart"/>
     <dgm:cxn modelId="{02E221F7-D61C-4942-9BF9-06B241CC6D74}" type="presParOf" srcId="{7A04EE34-DC95-483B-9E41-D05C39A0916E}" destId="{4094FC65-2A56-4793-9193-9804319EB4F0}" srcOrd="0" destOrd="0" presId="urn:microsoft.com/office/officeart/2009/3/layout/HorizontalOrganizationChart"/>
@@ -11608,14 +11671,6 @@
     <dgm:pt modelId="{F328BC7C-DBAE-4951-A81C-04DF3E6E5CFE}" type="pres">
       <dgm:prSet presAssocID="{781B117C-DA9E-4F00-A01D-0D41207D506C}" presName="connectorText" presStyleLbl="sibTrans2D1" presStyleIdx="0" presStyleCnt="4"/>
       <dgm:spPr/>
-    </dgm:pt>
-    <dgm:pt modelId="{E6BDF776-8AA7-4386-A81E-E0E711CA91CF}" type="pres">
-      <dgm:prSet presAssocID="{7B9E52E7-AC0F-4F2B-8A39-B2850C83EB4C}" presName="node" presStyleLbl="node1" presStyleIdx="1" presStyleCnt="5" custScaleX="45776" custScaleY="24810">
-        <dgm:presLayoutVars>
-          <dgm:bulletEnabled val="1"/>
-        </dgm:presLayoutVars>
-      </dgm:prSet>
-      <dgm:spPr/>
       <dgm:t>
         <a:bodyPr/>
         <a:lstStyle/>
@@ -11624,8 +11679,12 @@
         </a:p>
       </dgm:t>
     </dgm:pt>
-    <dgm:pt modelId="{8DDA4B5B-CD68-46A2-9D0C-4368F33CDF5A}" type="pres">
-      <dgm:prSet presAssocID="{F55FC8FC-6009-444D-AF74-1DB9C485B7B2}" presName="sibTrans" presStyleLbl="sibTrans2D1" presStyleIdx="1" presStyleCnt="4" custScaleX="56174" custScaleY="36014"/>
+    <dgm:pt modelId="{E6BDF776-8AA7-4386-A81E-E0E711CA91CF}" type="pres">
+      <dgm:prSet presAssocID="{7B9E52E7-AC0F-4F2B-8A39-B2850C83EB4C}" presName="node" presStyleLbl="node1" presStyleIdx="1" presStyleCnt="5" custScaleX="45776" custScaleY="24810">
+        <dgm:presLayoutVars>
+          <dgm:bulletEnabled val="1"/>
+        </dgm:presLayoutVars>
+      </dgm:prSet>
       <dgm:spPr/>
       <dgm:t>
         <a:bodyPr/>
@@ -11635,16 +11694,8 @@
         </a:p>
       </dgm:t>
     </dgm:pt>
-    <dgm:pt modelId="{372AE39E-E05E-4A21-A433-D4E06A639EF3}" type="pres">
-      <dgm:prSet presAssocID="{F55FC8FC-6009-444D-AF74-1DB9C485B7B2}" presName="connectorText" presStyleLbl="sibTrans2D1" presStyleIdx="1" presStyleCnt="4"/>
-      <dgm:spPr/>
-    </dgm:pt>
-    <dgm:pt modelId="{56C51EBB-37AC-4368-BDE6-9BE19F6E63BB}" type="pres">
-      <dgm:prSet presAssocID="{5486D52D-6CDB-4B67-B59D-1207033C86D8}" presName="node" presStyleLbl="node1" presStyleIdx="2" presStyleCnt="5" custScaleX="45776" custScaleY="24810" custLinFactNeighborX="-1749" custLinFactNeighborY="-457">
-        <dgm:presLayoutVars>
-          <dgm:bulletEnabled val="1"/>
-        </dgm:presLayoutVars>
-      </dgm:prSet>
+    <dgm:pt modelId="{8DDA4B5B-CD68-46A2-9D0C-4368F33CDF5A}" type="pres">
+      <dgm:prSet presAssocID="{F55FC8FC-6009-444D-AF74-1DB9C485B7B2}" presName="sibTrans" presStyleLbl="sibTrans2D1" presStyleIdx="1" presStyleCnt="4" custScaleX="56174" custScaleY="36014"/>
       <dgm:spPr/>
       <dgm:t>
         <a:bodyPr/>
@@ -11654,8 +11705,8 @@
         </a:p>
       </dgm:t>
     </dgm:pt>
-    <dgm:pt modelId="{D08F2F73-4D92-4A80-AFDA-A061192B3A1A}" type="pres">
-      <dgm:prSet presAssocID="{A1AC787A-C08D-4552-9E7B-C9F2CD856748}" presName="sibTrans" presStyleLbl="sibTrans2D1" presStyleIdx="2" presStyleCnt="4" custScaleX="45016" custScaleY="36014"/>
+    <dgm:pt modelId="{372AE39E-E05E-4A21-A433-D4E06A639EF3}" type="pres">
+      <dgm:prSet presAssocID="{F55FC8FC-6009-444D-AF74-1DB9C485B7B2}" presName="connectorText" presStyleLbl="sibTrans2D1" presStyleIdx="1" presStyleCnt="4"/>
       <dgm:spPr/>
       <dgm:t>
         <a:bodyPr/>
@@ -11665,12 +11716,8 @@
         </a:p>
       </dgm:t>
     </dgm:pt>
-    <dgm:pt modelId="{83E23266-229C-45C0-B087-8A942BB334F7}" type="pres">
-      <dgm:prSet presAssocID="{A1AC787A-C08D-4552-9E7B-C9F2CD856748}" presName="connectorText" presStyleLbl="sibTrans2D1" presStyleIdx="2" presStyleCnt="4"/>
-      <dgm:spPr/>
-    </dgm:pt>
-    <dgm:pt modelId="{BA549E35-BF04-4001-AA87-A52C919E103C}" type="pres">
-      <dgm:prSet presAssocID="{32B88082-C18C-4BB8-BE1A-27E8CAB445A2}" presName="node" presStyleLbl="node1" presStyleIdx="3" presStyleCnt="5" custScaleX="45776" custScaleY="24810" custLinFactNeighborX="-35494" custLinFactNeighborY="-5480">
+    <dgm:pt modelId="{56C51EBB-37AC-4368-BDE6-9BE19F6E63BB}" type="pres">
+      <dgm:prSet presAssocID="{5486D52D-6CDB-4B67-B59D-1207033C86D8}" presName="node" presStyleLbl="node1" presStyleIdx="2" presStyleCnt="5" custScaleX="45776" custScaleY="24810" custLinFactNeighborX="-1749" custLinFactNeighborY="-457">
         <dgm:presLayoutVars>
           <dgm:bulletEnabled val="1"/>
         </dgm:presLayoutVars>
@@ -11684,8 +11731,8 @@
         </a:p>
       </dgm:t>
     </dgm:pt>
-    <dgm:pt modelId="{D101B541-A65E-4EF0-9583-FD544CD26B64}" type="pres">
-      <dgm:prSet presAssocID="{92D16C6F-A1A8-41F9-91C4-1513FD6939C0}" presName="sibTrans" presStyleLbl="sibTrans2D1" presStyleIdx="3" presStyleCnt="4" custScaleX="56174" custScaleY="36014"/>
+    <dgm:pt modelId="{D08F2F73-4D92-4A80-AFDA-A061192B3A1A}" type="pres">
+      <dgm:prSet presAssocID="{A1AC787A-C08D-4552-9E7B-C9F2CD856748}" presName="sibTrans" presStyleLbl="sibTrans2D1" presStyleIdx="2" presStyleCnt="4" custScaleX="45016" custScaleY="36014"/>
       <dgm:spPr/>
       <dgm:t>
         <a:bodyPr/>
@@ -11695,16 +11742,8 @@
         </a:p>
       </dgm:t>
     </dgm:pt>
-    <dgm:pt modelId="{29FEE422-4D46-4F72-A2E9-923E29AFBDE7}" type="pres">
-      <dgm:prSet presAssocID="{92D16C6F-A1A8-41F9-91C4-1513FD6939C0}" presName="connectorText" presStyleLbl="sibTrans2D1" presStyleIdx="3" presStyleCnt="4"/>
-      <dgm:spPr/>
-    </dgm:pt>
-    <dgm:pt modelId="{F440A517-A363-4151-87EC-DC4689C7B907}" type="pres">
-      <dgm:prSet presAssocID="{44284FE7-79FA-4F40-A313-27D1D2641B9A}" presName="node" presStyleLbl="node1" presStyleIdx="4" presStyleCnt="5" custScaleX="45776" custScaleY="24810" custLinFactNeighborX="-56975" custLinFactNeighborY="-5610">
-        <dgm:presLayoutVars>
-          <dgm:bulletEnabled val="1"/>
-        </dgm:presLayoutVars>
-      </dgm:prSet>
+    <dgm:pt modelId="{83E23266-229C-45C0-B087-8A942BB334F7}" type="pres">
+      <dgm:prSet presAssocID="{A1AC787A-C08D-4552-9E7B-C9F2CD856748}" presName="connectorText" presStyleLbl="sibTrans2D1" presStyleIdx="2" presStyleCnt="4"/>
       <dgm:spPr/>
       <dgm:t>
         <a:bodyPr/>
@@ -11714,27 +11753,79 @@
         </a:p>
       </dgm:t>
     </dgm:pt>
+    <dgm:pt modelId="{BA549E35-BF04-4001-AA87-A52C919E103C}" type="pres">
+      <dgm:prSet presAssocID="{32B88082-C18C-4BB8-BE1A-27E8CAB445A2}" presName="node" presStyleLbl="node1" presStyleIdx="3" presStyleCnt="5" custScaleX="45776" custScaleY="24810" custLinFactNeighborX="-35494" custLinFactNeighborY="-5480">
+        <dgm:presLayoutVars>
+          <dgm:bulletEnabled val="1"/>
+        </dgm:presLayoutVars>
+      </dgm:prSet>
+      <dgm:spPr/>
+      <dgm:t>
+        <a:bodyPr/>
+        <a:lstStyle/>
+        <a:p>
+          <a:endParaRPr lang="zh-CN" altLang="en-US"/>
+        </a:p>
+      </dgm:t>
+    </dgm:pt>
+    <dgm:pt modelId="{D101B541-A65E-4EF0-9583-FD544CD26B64}" type="pres">
+      <dgm:prSet presAssocID="{92D16C6F-A1A8-41F9-91C4-1513FD6939C0}" presName="sibTrans" presStyleLbl="sibTrans2D1" presStyleIdx="3" presStyleCnt="4" custScaleX="56174" custScaleY="36014"/>
+      <dgm:spPr/>
+      <dgm:t>
+        <a:bodyPr/>
+        <a:lstStyle/>
+        <a:p>
+          <a:endParaRPr lang="zh-CN" altLang="en-US"/>
+        </a:p>
+      </dgm:t>
+    </dgm:pt>
+    <dgm:pt modelId="{29FEE422-4D46-4F72-A2E9-923E29AFBDE7}" type="pres">
+      <dgm:prSet presAssocID="{92D16C6F-A1A8-41F9-91C4-1513FD6939C0}" presName="connectorText" presStyleLbl="sibTrans2D1" presStyleIdx="3" presStyleCnt="4"/>
+      <dgm:spPr/>
+      <dgm:t>
+        <a:bodyPr/>
+        <a:lstStyle/>
+        <a:p>
+          <a:endParaRPr lang="zh-CN" altLang="en-US"/>
+        </a:p>
+      </dgm:t>
+    </dgm:pt>
+    <dgm:pt modelId="{F440A517-A363-4151-87EC-DC4689C7B907}" type="pres">
+      <dgm:prSet presAssocID="{44284FE7-79FA-4F40-A313-27D1D2641B9A}" presName="node" presStyleLbl="node1" presStyleIdx="4" presStyleCnt="5" custScaleX="45776" custScaleY="24810" custLinFactNeighborX="-56975" custLinFactNeighborY="-5610">
+        <dgm:presLayoutVars>
+          <dgm:bulletEnabled val="1"/>
+        </dgm:presLayoutVars>
+      </dgm:prSet>
+      <dgm:spPr/>
+      <dgm:t>
+        <a:bodyPr/>
+        <a:lstStyle/>
+        <a:p>
+          <a:endParaRPr lang="zh-CN" altLang="en-US"/>
+        </a:p>
+      </dgm:t>
+    </dgm:pt>
   </dgm:ptLst>
   <dgm:cxnLst>
+    <dgm:cxn modelId="{EF948A30-B5AA-4AD6-9826-A138D235C88F}" type="presOf" srcId="{92D16C6F-A1A8-41F9-91C4-1513FD6939C0}" destId="{29FEE422-4D46-4F72-A2E9-923E29AFBDE7}" srcOrd="1" destOrd="0" presId="urn:microsoft.com/office/officeart/2005/8/layout/process5"/>
+    <dgm:cxn modelId="{BAC33DC0-7C9E-4F41-B144-D01251EE2BED}" type="presOf" srcId="{7B9E52E7-AC0F-4F2B-8A39-B2850C83EB4C}" destId="{E6BDF776-8AA7-4386-A81E-E0E711CA91CF}" srcOrd="0" destOrd="0" presId="urn:microsoft.com/office/officeart/2005/8/layout/process5"/>
+    <dgm:cxn modelId="{06D4BE3E-A93B-4A65-A0D6-78A6AB6FDD11}" type="presOf" srcId="{5486D52D-6CDB-4B67-B59D-1207033C86D8}" destId="{56C51EBB-37AC-4368-BDE6-9BE19F6E63BB}" srcOrd="0" destOrd="0" presId="urn:microsoft.com/office/officeart/2005/8/layout/process5"/>
+    <dgm:cxn modelId="{19DDC20E-CFD6-43C6-8769-D1341DDEAE88}" type="presOf" srcId="{781B117C-DA9E-4F00-A01D-0D41207D506C}" destId="{48EFD68F-B368-40B4-BFCA-F45F5F773985}" srcOrd="0" destOrd="0" presId="urn:microsoft.com/office/officeart/2005/8/layout/process5"/>
+    <dgm:cxn modelId="{97287760-3172-41D9-B72E-45B98B5CFCE2}" type="presOf" srcId="{92D16C6F-A1A8-41F9-91C4-1513FD6939C0}" destId="{D101B541-A65E-4EF0-9583-FD544CD26B64}" srcOrd="0" destOrd="0" presId="urn:microsoft.com/office/officeart/2005/8/layout/process5"/>
+    <dgm:cxn modelId="{73D15663-B1F2-4747-92B8-70627BD52076}" type="presOf" srcId="{32B88082-C18C-4BB8-BE1A-27E8CAB445A2}" destId="{BA549E35-BF04-4001-AA87-A52C919E103C}" srcOrd="0" destOrd="0" presId="urn:microsoft.com/office/officeart/2005/8/layout/process5"/>
+    <dgm:cxn modelId="{A099852E-AEAF-4859-A0B9-E47EE0BA7656}" type="presOf" srcId="{A1AC787A-C08D-4552-9E7B-C9F2CD856748}" destId="{D08F2F73-4D92-4A80-AFDA-A061192B3A1A}" srcOrd="0" destOrd="0" presId="urn:microsoft.com/office/officeart/2005/8/layout/process5"/>
+    <dgm:cxn modelId="{E9CF7480-55EC-484A-993F-2677D5E3477D}" type="presOf" srcId="{A1AC787A-C08D-4552-9E7B-C9F2CD856748}" destId="{83E23266-229C-45C0-B087-8A942BB334F7}" srcOrd="1" destOrd="0" presId="urn:microsoft.com/office/officeart/2005/8/layout/process5"/>
+    <dgm:cxn modelId="{0128FE4D-A4DE-46A2-B3A4-C98557D07DE1}" type="presOf" srcId="{F55FC8FC-6009-444D-AF74-1DB9C485B7B2}" destId="{8DDA4B5B-CD68-46A2-9D0C-4368F33CDF5A}" srcOrd="0" destOrd="0" presId="urn:microsoft.com/office/officeart/2005/8/layout/process5"/>
+    <dgm:cxn modelId="{0A581202-B01D-44C6-ADB3-AFFBDA5300B4}" srcId="{BE93F3A4-46A6-4932-952B-4A077416DDB0}" destId="{7B9E52E7-AC0F-4F2B-8A39-B2850C83EB4C}" srcOrd="1" destOrd="0" parTransId="{DED66830-C3EB-4458-88D7-B1ACE06C6061}" sibTransId="{F55FC8FC-6009-444D-AF74-1DB9C485B7B2}"/>
+    <dgm:cxn modelId="{2616EECA-8641-49BE-9B8A-CFB3BA971C38}" srcId="{BE93F3A4-46A6-4932-952B-4A077416DDB0}" destId="{D5467AE0-8420-4160-8612-000A34F0B946}" srcOrd="0" destOrd="0" parTransId="{F9D339E5-A136-401A-9303-78A7F31F78B3}" sibTransId="{781B117C-DA9E-4F00-A01D-0D41207D506C}"/>
+    <dgm:cxn modelId="{87D746D8-3EA7-4AC7-8F07-441767D7A545}" type="presOf" srcId="{BE93F3A4-46A6-4932-952B-4A077416DDB0}" destId="{EFB6B93F-9BEC-43AD-B3E9-D1CA85B178FB}" srcOrd="0" destOrd="0" presId="urn:microsoft.com/office/officeart/2005/8/layout/process5"/>
+    <dgm:cxn modelId="{3B2F3B03-B2B6-4848-A874-9C108E904192}" type="presOf" srcId="{781B117C-DA9E-4F00-A01D-0D41207D506C}" destId="{F328BC7C-DBAE-4951-A81C-04DF3E6E5CFE}" srcOrd="1" destOrd="0" presId="urn:microsoft.com/office/officeart/2005/8/layout/process5"/>
     <dgm:cxn modelId="{6C159FB7-E364-4BBA-A253-40845CFEBD67}" srcId="{BE93F3A4-46A6-4932-952B-4A077416DDB0}" destId="{32B88082-C18C-4BB8-BE1A-27E8CAB445A2}" srcOrd="3" destOrd="0" parTransId="{5056B160-15C1-4F57-86E0-B6AE514BE4CF}" sibTransId="{92D16C6F-A1A8-41F9-91C4-1513FD6939C0}"/>
-    <dgm:cxn modelId="{19DDC20E-CFD6-43C6-8769-D1341DDEAE88}" type="presOf" srcId="{781B117C-DA9E-4F00-A01D-0D41207D506C}" destId="{48EFD68F-B368-40B4-BFCA-F45F5F773985}" srcOrd="0" destOrd="0" presId="urn:microsoft.com/office/officeart/2005/8/layout/process5"/>
-    <dgm:cxn modelId="{E9CF7480-55EC-484A-993F-2677D5E3477D}" type="presOf" srcId="{A1AC787A-C08D-4552-9E7B-C9F2CD856748}" destId="{83E23266-229C-45C0-B087-8A942BB334F7}" srcOrd="1" destOrd="0" presId="urn:microsoft.com/office/officeart/2005/8/layout/process5"/>
-    <dgm:cxn modelId="{EF948A30-B5AA-4AD6-9826-A138D235C88F}" type="presOf" srcId="{92D16C6F-A1A8-41F9-91C4-1513FD6939C0}" destId="{29FEE422-4D46-4F72-A2E9-923E29AFBDE7}" srcOrd="1" destOrd="0" presId="urn:microsoft.com/office/officeart/2005/8/layout/process5"/>
-    <dgm:cxn modelId="{3B2F3B03-B2B6-4848-A874-9C108E904192}" type="presOf" srcId="{781B117C-DA9E-4F00-A01D-0D41207D506C}" destId="{F328BC7C-DBAE-4951-A81C-04DF3E6E5CFE}" srcOrd="1" destOrd="0" presId="urn:microsoft.com/office/officeart/2005/8/layout/process5"/>
-    <dgm:cxn modelId="{2616EECA-8641-49BE-9B8A-CFB3BA971C38}" srcId="{BE93F3A4-46A6-4932-952B-4A077416DDB0}" destId="{D5467AE0-8420-4160-8612-000A34F0B946}" srcOrd="0" destOrd="0" parTransId="{F9D339E5-A136-401A-9303-78A7F31F78B3}" sibTransId="{781B117C-DA9E-4F00-A01D-0D41207D506C}"/>
-    <dgm:cxn modelId="{C789E4CE-DFA2-4DA1-903F-110A54CBBF40}" srcId="{BE93F3A4-46A6-4932-952B-4A077416DDB0}" destId="{44284FE7-79FA-4F40-A313-27D1D2641B9A}" srcOrd="4" destOrd="0" parTransId="{3D156D33-60F6-449C-B9E4-FB64586B6576}" sibTransId="{68C59552-9051-4283-8005-96DFB173FB4C}"/>
-    <dgm:cxn modelId="{A099852E-AEAF-4859-A0B9-E47EE0BA7656}" type="presOf" srcId="{A1AC787A-C08D-4552-9E7B-C9F2CD856748}" destId="{D08F2F73-4D92-4A80-AFDA-A061192B3A1A}" srcOrd="0" destOrd="0" presId="urn:microsoft.com/office/officeart/2005/8/layout/process5"/>
-    <dgm:cxn modelId="{06D4BE3E-A93B-4A65-A0D6-78A6AB6FDD11}" type="presOf" srcId="{5486D52D-6CDB-4B67-B59D-1207033C86D8}" destId="{56C51EBB-37AC-4368-BDE6-9BE19F6E63BB}" srcOrd="0" destOrd="0" presId="urn:microsoft.com/office/officeart/2005/8/layout/process5"/>
+    <dgm:cxn modelId="{682749D2-0918-4283-897F-6CCB98D67F71}" type="presOf" srcId="{D5467AE0-8420-4160-8612-000A34F0B946}" destId="{4D7805E8-C1EA-46AB-91ED-F8C44D9CFF69}" srcOrd="0" destOrd="0" presId="urn:microsoft.com/office/officeart/2005/8/layout/process5"/>
     <dgm:cxn modelId="{2D7EF477-F77F-43F4-A9B5-BE0147F25C68}" srcId="{BE93F3A4-46A6-4932-952B-4A077416DDB0}" destId="{5486D52D-6CDB-4B67-B59D-1207033C86D8}" srcOrd="2" destOrd="0" parTransId="{A4114DC7-9057-451B-AA3E-5E9128538FA1}" sibTransId="{A1AC787A-C08D-4552-9E7B-C9F2CD856748}"/>
     <dgm:cxn modelId="{FED2DB1D-D055-4EED-906E-F066FD11E23C}" type="presOf" srcId="{F55FC8FC-6009-444D-AF74-1DB9C485B7B2}" destId="{372AE39E-E05E-4A21-A433-D4E06A639EF3}" srcOrd="1" destOrd="0" presId="urn:microsoft.com/office/officeart/2005/8/layout/process5"/>
+    <dgm:cxn modelId="{C789E4CE-DFA2-4DA1-903F-110A54CBBF40}" srcId="{BE93F3A4-46A6-4932-952B-4A077416DDB0}" destId="{44284FE7-79FA-4F40-A313-27D1D2641B9A}" srcOrd="4" destOrd="0" parTransId="{3D156D33-60F6-449C-B9E4-FB64586B6576}" sibTransId="{68C59552-9051-4283-8005-96DFB173FB4C}"/>
     <dgm:cxn modelId="{95317BA4-0B1C-4019-863B-07EC35B3BA0C}" type="presOf" srcId="{44284FE7-79FA-4F40-A313-27D1D2641B9A}" destId="{F440A517-A363-4151-87EC-DC4689C7B907}" srcOrd="0" destOrd="0" presId="urn:microsoft.com/office/officeart/2005/8/layout/process5"/>
-    <dgm:cxn modelId="{682749D2-0918-4283-897F-6CCB98D67F71}" type="presOf" srcId="{D5467AE0-8420-4160-8612-000A34F0B946}" destId="{4D7805E8-C1EA-46AB-91ED-F8C44D9CFF69}" srcOrd="0" destOrd="0" presId="urn:microsoft.com/office/officeart/2005/8/layout/process5"/>
-    <dgm:cxn modelId="{0128FE4D-A4DE-46A2-B3A4-C98557D07DE1}" type="presOf" srcId="{F55FC8FC-6009-444D-AF74-1DB9C485B7B2}" destId="{8DDA4B5B-CD68-46A2-9D0C-4368F33CDF5A}" srcOrd="0" destOrd="0" presId="urn:microsoft.com/office/officeart/2005/8/layout/process5"/>
-    <dgm:cxn modelId="{97287760-3172-41D9-B72E-45B98B5CFCE2}" type="presOf" srcId="{92D16C6F-A1A8-41F9-91C4-1513FD6939C0}" destId="{D101B541-A65E-4EF0-9583-FD544CD26B64}" srcOrd="0" destOrd="0" presId="urn:microsoft.com/office/officeart/2005/8/layout/process5"/>
-    <dgm:cxn modelId="{73D15663-B1F2-4747-92B8-70627BD52076}" type="presOf" srcId="{32B88082-C18C-4BB8-BE1A-27E8CAB445A2}" destId="{BA549E35-BF04-4001-AA87-A52C919E103C}" srcOrd="0" destOrd="0" presId="urn:microsoft.com/office/officeart/2005/8/layout/process5"/>
-    <dgm:cxn modelId="{87D746D8-3EA7-4AC7-8F07-441767D7A545}" type="presOf" srcId="{BE93F3A4-46A6-4932-952B-4A077416DDB0}" destId="{EFB6B93F-9BEC-43AD-B3E9-D1CA85B178FB}" srcOrd="0" destOrd="0" presId="urn:microsoft.com/office/officeart/2005/8/layout/process5"/>
-    <dgm:cxn modelId="{BAC33DC0-7C9E-4F41-B144-D01251EE2BED}" type="presOf" srcId="{7B9E52E7-AC0F-4F2B-8A39-B2850C83EB4C}" destId="{E6BDF776-8AA7-4386-A81E-E0E711CA91CF}" srcOrd="0" destOrd="0" presId="urn:microsoft.com/office/officeart/2005/8/layout/process5"/>
-    <dgm:cxn modelId="{0A581202-B01D-44C6-ADB3-AFFBDA5300B4}" srcId="{BE93F3A4-46A6-4932-952B-4A077416DDB0}" destId="{7B9E52E7-AC0F-4F2B-8A39-B2850C83EB4C}" srcOrd="1" destOrd="0" parTransId="{DED66830-C3EB-4458-88D7-B1ACE06C6061}" sibTransId="{F55FC8FC-6009-444D-AF74-1DB9C485B7B2}"/>
     <dgm:cxn modelId="{D83A7F22-6B86-4517-AA12-513F978094BB}" type="presParOf" srcId="{EFB6B93F-9BEC-43AD-B3E9-D1CA85B178FB}" destId="{4D7805E8-C1EA-46AB-91ED-F8C44D9CFF69}" srcOrd="0" destOrd="0" presId="urn:microsoft.com/office/officeart/2005/8/layout/process5"/>
     <dgm:cxn modelId="{96813E3E-AE51-4792-BF32-1BCFAEF2FE99}" type="presParOf" srcId="{EFB6B93F-9BEC-43AD-B3E9-D1CA85B178FB}" destId="{48EFD68F-B368-40B4-BFCA-F45F5F773985}" srcOrd="1" destOrd="0" presId="urn:microsoft.com/office/officeart/2005/8/layout/process5"/>
     <dgm:cxn modelId="{8EDB30E7-6D8A-4D89-8D6F-68A8D8FCAD20}" type="presParOf" srcId="{48EFD68F-B368-40B4-BFCA-F45F5F773985}" destId="{F328BC7C-DBAE-4951-A81C-04DF3E6E5CFE}" srcOrd="0" destOrd="0" presId="urn:microsoft.com/office/officeart/2005/8/layout/process5"/>
@@ -11774,8 +11865,8 @@
       </dsp:nvSpPr>
       <dsp:spPr>
         <a:xfrm>
-          <a:off x="4371855" y="2175669"/>
-          <a:ext cx="542350" cy="1611906"/>
+          <a:off x="2998972" y="2179280"/>
+          <a:ext cx="1915234" cy="1608294"/>
         </a:xfrm>
         <a:custGeom>
           <a:avLst/>
@@ -11789,13 +11880,183 @@
                 <a:pt x="0" y="0"/>
               </a:moveTo>
               <a:lnTo>
-                <a:pt x="271175" y="0"/>
+                <a:pt x="957617" y="0"/>
               </a:lnTo>
               <a:lnTo>
-                <a:pt x="271175" y="1611906"/>
+                <a:pt x="957617" y="1608294"/>
               </a:lnTo>
               <a:lnTo>
-                <a:pt x="542350" y="1611906"/>
+                <a:pt x="1915234" y="1608294"/>
+              </a:lnTo>
+            </a:path>
+          </a:pathLst>
+        </a:custGeom>
+        <a:noFill/>
+        <a:ln w="12700" cap="flat" cmpd="sng" algn="ctr">
+          <a:solidFill>
+            <a:schemeClr val="accent6">
+              <a:hueOff val="0"/>
+              <a:satOff val="0"/>
+              <a:lumOff val="0"/>
+              <a:alphaOff val="0"/>
+            </a:schemeClr>
+          </a:solidFill>
+          <a:prstDash val="solid"/>
+          <a:miter lim="800000"/>
+        </a:ln>
+        <a:effectLst/>
+      </dsp:spPr>
+      <dsp:style>
+        <a:lnRef idx="2">
+          <a:scrgbClr r="0" g="0" b="0"/>
+        </a:lnRef>
+        <a:fillRef idx="0">
+          <a:scrgbClr r="0" g="0" b="0"/>
+        </a:fillRef>
+        <a:effectRef idx="0">
+          <a:scrgbClr r="0" g="0" b="0"/>
+        </a:effectRef>
+        <a:fontRef idx="minor"/>
+      </dsp:style>
+      <dsp:txBody>
+        <a:bodyPr spcFirstLastPara="0" vert="horz" wrap="square" lIns="12700" tIns="0" rIns="12700" bIns="0" numCol="1" spcCol="1270" anchor="ctr" anchorCtr="0">
+          <a:noAutofit/>
+        </a:bodyPr>
+        <a:lstStyle/>
+        <a:p>
+          <a:pPr lvl="0" algn="ctr" defTabSz="355600">
+            <a:lnSpc>
+              <a:spcPct val="90000"/>
+            </a:lnSpc>
+            <a:spcBef>
+              <a:spcPct val="0"/>
+            </a:spcBef>
+            <a:spcAft>
+              <a:spcPct val="35000"/>
+            </a:spcAft>
+          </a:pPr>
+          <a:endParaRPr lang="zh-CN" altLang="en-US" sz="800" kern="1200"/>
+        </a:p>
+      </dsp:txBody>
+      <dsp:txXfrm>
+        <a:off x="3894065" y="2920904"/>
+        <a:ext cx="125047" cy="125047"/>
+      </dsp:txXfrm>
+    </dsp:sp>
+    <dsp:sp modelId="{EA405C40-8F29-41F2-9FAF-2E180BE663D4}">
+      <dsp:nvSpPr>
+        <dsp:cNvPr id="0" name=""/>
+        <dsp:cNvSpPr/>
+      </dsp:nvSpPr>
+      <dsp:spPr>
+        <a:xfrm>
+          <a:off x="2998972" y="2179280"/>
+          <a:ext cx="1915234" cy="801374"/>
+        </a:xfrm>
+        <a:custGeom>
+          <a:avLst/>
+          <a:gdLst/>
+          <a:ahLst/>
+          <a:cxnLst/>
+          <a:rect l="0" t="0" r="0" b="0"/>
+          <a:pathLst>
+            <a:path>
+              <a:moveTo>
+                <a:pt x="0" y="0"/>
+              </a:moveTo>
+              <a:lnTo>
+                <a:pt x="957617" y="0"/>
+              </a:lnTo>
+              <a:lnTo>
+                <a:pt x="957617" y="801374"/>
+              </a:lnTo>
+              <a:lnTo>
+                <a:pt x="1915234" y="801374"/>
+              </a:lnTo>
+            </a:path>
+          </a:pathLst>
+        </a:custGeom>
+        <a:noFill/>
+        <a:ln w="12700" cap="flat" cmpd="sng" algn="ctr">
+          <a:solidFill>
+            <a:schemeClr val="accent6">
+              <a:hueOff val="0"/>
+              <a:satOff val="0"/>
+              <a:lumOff val="0"/>
+              <a:alphaOff val="0"/>
+            </a:schemeClr>
+          </a:solidFill>
+          <a:prstDash val="solid"/>
+          <a:miter lim="800000"/>
+        </a:ln>
+        <a:effectLst/>
+      </dsp:spPr>
+      <dsp:style>
+        <a:lnRef idx="2">
+          <a:scrgbClr r="0" g="0" b="0"/>
+        </a:lnRef>
+        <a:fillRef idx="0">
+          <a:scrgbClr r="0" g="0" b="0"/>
+        </a:fillRef>
+        <a:effectRef idx="0">
+          <a:scrgbClr r="0" g="0" b="0"/>
+        </a:effectRef>
+        <a:fontRef idx="minor"/>
+      </dsp:style>
+      <dsp:txBody>
+        <a:bodyPr spcFirstLastPara="0" vert="horz" wrap="square" lIns="12700" tIns="0" rIns="12700" bIns="0" numCol="1" spcCol="1270" anchor="ctr" anchorCtr="0">
+          <a:noAutofit/>
+        </a:bodyPr>
+        <a:lstStyle/>
+        <a:p>
+          <a:pPr lvl="0" algn="ctr" defTabSz="311150">
+            <a:lnSpc>
+              <a:spcPct val="90000"/>
+            </a:lnSpc>
+            <a:spcBef>
+              <a:spcPct val="0"/>
+            </a:spcBef>
+            <a:spcAft>
+              <a:spcPct val="35000"/>
+            </a:spcAft>
+          </a:pPr>
+          <a:endParaRPr lang="zh-CN" altLang="en-US" sz="700" kern="1200"/>
+        </a:p>
+      </dsp:txBody>
+      <dsp:txXfrm>
+        <a:off x="3904685" y="2528064"/>
+        <a:ext cx="103806" cy="103806"/>
+      </dsp:txXfrm>
+    </dsp:sp>
+    <dsp:sp modelId="{9A7C5667-96D5-48D0-8E65-26E0B749F8D1}">
+      <dsp:nvSpPr>
+        <dsp:cNvPr id="0" name=""/>
+        <dsp:cNvSpPr/>
+      </dsp:nvSpPr>
+      <dsp:spPr>
+        <a:xfrm>
+          <a:off x="2998972" y="2128981"/>
+          <a:ext cx="1915234" cy="91440"/>
+        </a:xfrm>
+        <a:custGeom>
+          <a:avLst/>
+          <a:gdLst/>
+          <a:ahLst/>
+          <a:cxnLst/>
+          <a:rect l="0" t="0" r="0" b="0"/>
+          <a:pathLst>
+            <a:path>
+              <a:moveTo>
+                <a:pt x="0" y="50298"/>
+              </a:moveTo>
+              <a:lnTo>
+                <a:pt x="957617" y="50298"/>
+              </a:lnTo>
+              <a:lnTo>
+                <a:pt x="957617" y="45720"/>
+              </a:lnTo>
+              <a:lnTo>
+                <a:pt x="1915234" y="45720"/>
               </a:lnTo>
             </a:path>
           </a:pathLst>
@@ -11848,19 +12109,19 @@
         </a:p>
       </dsp:txBody>
       <dsp:txXfrm>
-        <a:off x="4600513" y="2939104"/>
-        <a:ext cx="85035" cy="85035"/>
+        <a:off x="3908708" y="2126820"/>
+        <a:ext cx="95761" cy="95761"/>
       </dsp:txXfrm>
     </dsp:sp>
-    <dsp:sp modelId="{EA405C40-8F29-41F2-9FAF-2E180BE663D4}">
+    <dsp:sp modelId="{E5F91F07-BAC3-4CDD-ACDE-C3D487D03CFF}">
       <dsp:nvSpPr>
         <dsp:cNvPr id="0" name=""/>
         <dsp:cNvSpPr/>
       </dsp:nvSpPr>
       <dsp:spPr>
         <a:xfrm>
-          <a:off x="4371855" y="2175669"/>
-          <a:ext cx="542350" cy="804985"/>
+          <a:off x="2998972" y="1368748"/>
+          <a:ext cx="1915234" cy="810531"/>
         </a:xfrm>
         <a:custGeom>
           <a:avLst/>
@@ -11871,16 +12132,16 @@
           <a:pathLst>
             <a:path>
               <a:moveTo>
-                <a:pt x="0" y="0"/>
+                <a:pt x="0" y="810531"/>
               </a:moveTo>
               <a:lnTo>
-                <a:pt x="271175" y="0"/>
+                <a:pt x="957617" y="810531"/>
               </a:lnTo>
               <a:lnTo>
-                <a:pt x="271175" y="804985"/>
+                <a:pt x="957617" y="0"/>
               </a:lnTo>
               <a:lnTo>
-                <a:pt x="542350" y="804985"/>
+                <a:pt x="1915234" y="0"/>
               </a:lnTo>
             </a:path>
           </a:pathLst>
@@ -11918,7 +12179,7 @@
         </a:bodyPr>
         <a:lstStyle/>
         <a:p>
-          <a:pPr lvl="0" algn="ctr" defTabSz="222250">
+          <a:pPr lvl="0" algn="ctr" defTabSz="311150">
             <a:lnSpc>
               <a:spcPct val="90000"/>
             </a:lnSpc>
@@ -11929,23 +12190,23 @@
               <a:spcPct val="35000"/>
             </a:spcAft>
           </a:pPr>
-          <a:endParaRPr lang="zh-CN" altLang="en-US" sz="500" kern="1200"/>
+          <a:endParaRPr lang="zh-CN" altLang="en-US" sz="700" kern="1200"/>
         </a:p>
       </dsp:txBody>
       <dsp:txXfrm>
-        <a:off x="4618764" y="2553895"/>
-        <a:ext cx="48532" cy="48532"/>
+        <a:off x="3904596" y="1722022"/>
+        <a:ext cx="103984" cy="103984"/>
       </dsp:txXfrm>
     </dsp:sp>
-    <dsp:sp modelId="{9A7C5667-96D5-48D0-8E65-26E0B749F8D1}">
+    <dsp:sp modelId="{141E9042-475D-4294-96E1-C836A674C601}">
       <dsp:nvSpPr>
         <dsp:cNvPr id="0" name=""/>
         <dsp:cNvSpPr/>
       </dsp:nvSpPr>
       <dsp:spPr>
         <a:xfrm>
-          <a:off x="4371855" y="2128981"/>
-          <a:ext cx="542350" cy="91440"/>
+          <a:off x="2998972" y="562795"/>
+          <a:ext cx="1915234" cy="1616485"/>
         </a:xfrm>
         <a:custGeom>
           <a:avLst/>
@@ -11956,16 +12217,16 @@
           <a:pathLst>
             <a:path>
               <a:moveTo>
-                <a:pt x="0" y="46687"/>
+                <a:pt x="0" y="1616485"/>
               </a:moveTo>
               <a:lnTo>
-                <a:pt x="271175" y="46687"/>
+                <a:pt x="957617" y="1616485"/>
               </a:lnTo>
               <a:lnTo>
-                <a:pt x="271175" y="45720"/>
+                <a:pt x="957617" y="0"/>
               </a:lnTo>
               <a:lnTo>
-                <a:pt x="542350" y="45720"/>
+                <a:pt x="1915234" y="0"/>
               </a:lnTo>
             </a:path>
           </a:pathLst>
@@ -12003,7 +12264,7 @@
         </a:bodyPr>
         <a:lstStyle/>
         <a:p>
-          <a:pPr lvl="0" algn="ctr" defTabSz="222250">
+          <a:pPr lvl="0" algn="ctr" defTabSz="355600">
             <a:lnSpc>
               <a:spcPct val="90000"/>
             </a:lnSpc>
@@ -12014,182 +12275,12 @@
               <a:spcPct val="35000"/>
             </a:spcAft>
           </a:pPr>
-          <a:endParaRPr lang="zh-CN" altLang="en-US" sz="500" kern="1200"/>
+          <a:endParaRPr lang="zh-CN" altLang="en-US" sz="800" kern="1200"/>
         </a:p>
       </dsp:txBody>
       <dsp:txXfrm>
-        <a:off x="4629471" y="2161142"/>
-        <a:ext cx="27117" cy="27117"/>
-      </dsp:txXfrm>
-    </dsp:sp>
-    <dsp:sp modelId="{E5F91F07-BAC3-4CDD-ACDE-C3D487D03CFF}">
-      <dsp:nvSpPr>
-        <dsp:cNvPr id="0" name=""/>
-        <dsp:cNvSpPr/>
-      </dsp:nvSpPr>
-      <dsp:spPr>
-        <a:xfrm>
-          <a:off x="4371855" y="1368748"/>
-          <a:ext cx="542350" cy="806920"/>
-        </a:xfrm>
-        <a:custGeom>
-          <a:avLst/>
-          <a:gdLst/>
-          <a:ahLst/>
-          <a:cxnLst/>
-          <a:rect l="0" t="0" r="0" b="0"/>
-          <a:pathLst>
-            <a:path>
-              <a:moveTo>
-                <a:pt x="0" y="806920"/>
-              </a:moveTo>
-              <a:lnTo>
-                <a:pt x="271175" y="806920"/>
-              </a:lnTo>
-              <a:lnTo>
-                <a:pt x="271175" y="0"/>
-              </a:lnTo>
-              <a:lnTo>
-                <a:pt x="542350" y="0"/>
-              </a:lnTo>
-            </a:path>
-          </a:pathLst>
-        </a:custGeom>
-        <a:noFill/>
-        <a:ln w="12700" cap="flat" cmpd="sng" algn="ctr">
-          <a:solidFill>
-            <a:schemeClr val="accent6">
-              <a:hueOff val="0"/>
-              <a:satOff val="0"/>
-              <a:lumOff val="0"/>
-              <a:alphaOff val="0"/>
-            </a:schemeClr>
-          </a:solidFill>
-          <a:prstDash val="solid"/>
-          <a:miter lim="800000"/>
-        </a:ln>
-        <a:effectLst/>
-      </dsp:spPr>
-      <dsp:style>
-        <a:lnRef idx="2">
-          <a:scrgbClr r="0" g="0" b="0"/>
-        </a:lnRef>
-        <a:fillRef idx="0">
-          <a:scrgbClr r="0" g="0" b="0"/>
-        </a:fillRef>
-        <a:effectRef idx="0">
-          <a:scrgbClr r="0" g="0" b="0"/>
-        </a:effectRef>
-        <a:fontRef idx="minor"/>
-      </dsp:style>
-      <dsp:txBody>
-        <a:bodyPr spcFirstLastPara="0" vert="horz" wrap="square" lIns="12700" tIns="0" rIns="12700" bIns="0" numCol="1" spcCol="1270" anchor="ctr" anchorCtr="0">
-          <a:noAutofit/>
-        </a:bodyPr>
-        <a:lstStyle/>
-        <a:p>
-          <a:pPr lvl="0" algn="ctr" defTabSz="222250">
-            <a:lnSpc>
-              <a:spcPct val="90000"/>
-            </a:lnSpc>
-            <a:spcBef>
-              <a:spcPct val="0"/>
-            </a:spcBef>
-            <a:spcAft>
-              <a:spcPct val="35000"/>
-            </a:spcAft>
-          </a:pPr>
-          <a:endParaRPr lang="zh-CN" altLang="en-US" sz="500" kern="1200"/>
-        </a:p>
-      </dsp:txBody>
-      <dsp:txXfrm>
-        <a:off x="4618724" y="1747902"/>
-        <a:ext cx="48612" cy="48612"/>
-      </dsp:txXfrm>
-    </dsp:sp>
-    <dsp:sp modelId="{141E9042-475D-4294-96E1-C836A674C601}">
-      <dsp:nvSpPr>
-        <dsp:cNvPr id="0" name=""/>
-        <dsp:cNvSpPr/>
-      </dsp:nvSpPr>
-      <dsp:spPr>
-        <a:xfrm>
-          <a:off x="4371855" y="562795"/>
-          <a:ext cx="542350" cy="1612873"/>
-        </a:xfrm>
-        <a:custGeom>
-          <a:avLst/>
-          <a:gdLst/>
-          <a:ahLst/>
-          <a:cxnLst/>
-          <a:rect l="0" t="0" r="0" b="0"/>
-          <a:pathLst>
-            <a:path>
-              <a:moveTo>
-                <a:pt x="0" y="1612873"/>
-              </a:moveTo>
-              <a:lnTo>
-                <a:pt x="271175" y="1612873"/>
-              </a:lnTo>
-              <a:lnTo>
-                <a:pt x="271175" y="0"/>
-              </a:lnTo>
-              <a:lnTo>
-                <a:pt x="542350" y="0"/>
-              </a:lnTo>
-            </a:path>
-          </a:pathLst>
-        </a:custGeom>
-        <a:noFill/>
-        <a:ln w="12700" cap="flat" cmpd="sng" algn="ctr">
-          <a:solidFill>
-            <a:schemeClr val="accent6">
-              <a:hueOff val="0"/>
-              <a:satOff val="0"/>
-              <a:lumOff val="0"/>
-              <a:alphaOff val="0"/>
-            </a:schemeClr>
-          </a:solidFill>
-          <a:prstDash val="solid"/>
-          <a:miter lim="800000"/>
-        </a:ln>
-        <a:effectLst/>
-      </dsp:spPr>
-      <dsp:style>
-        <a:lnRef idx="2">
-          <a:scrgbClr r="0" g="0" b="0"/>
-        </a:lnRef>
-        <a:fillRef idx="0">
-          <a:scrgbClr r="0" g="0" b="0"/>
-        </a:fillRef>
-        <a:effectRef idx="0">
-          <a:scrgbClr r="0" g="0" b="0"/>
-        </a:effectRef>
-        <a:fontRef idx="minor"/>
-      </dsp:style>
-      <dsp:txBody>
-        <a:bodyPr spcFirstLastPara="0" vert="horz" wrap="square" lIns="12700" tIns="0" rIns="12700" bIns="0" numCol="1" spcCol="1270" anchor="ctr" anchorCtr="0">
-          <a:noAutofit/>
-        </a:bodyPr>
-        <a:lstStyle/>
-        <a:p>
-          <a:pPr lvl="0" algn="ctr" defTabSz="266700">
-            <a:lnSpc>
-              <a:spcPct val="90000"/>
-            </a:lnSpc>
-            <a:spcBef>
-              <a:spcPct val="0"/>
-            </a:spcBef>
-            <a:spcAft>
-              <a:spcPct val="35000"/>
-            </a:spcAft>
-          </a:pPr>
-          <a:endParaRPr lang="zh-CN" altLang="en-US" sz="600" kern="1200"/>
-        </a:p>
-      </dsp:txBody>
-      <dsp:txXfrm>
-        <a:off x="4600490" y="1326691"/>
-        <a:ext cx="85080" cy="85080"/>
+        <a:off x="3893933" y="1308382"/>
+        <a:ext cx="125311" cy="125311"/>
       </dsp:txXfrm>
     </dsp:sp>
     <dsp:sp modelId="{BD2D27B2-8C6A-48BA-A634-75EF55A8435F}">
@@ -12198,8 +12289,8 @@
         <dsp:cNvSpPr/>
       </dsp:nvSpPr>
       <dsp:spPr>
-        <a:xfrm rot="16200000">
-          <a:off x="2831017" y="1805841"/>
+        <a:xfrm>
+          <a:off x="1458133" y="1809452"/>
           <a:ext cx="2342020" cy="739655"/>
         </a:xfrm>
         <a:prstGeom prst="rect">
@@ -12287,13 +12378,13 @@
           </a:pPr>
           <a:r>
             <a:rPr lang="zh-CN" altLang="en-US" sz="2700" kern="1200" dirty="0" smtClean="0"/>
-            <a:t>系统架构</a:t>
+            <a:t>功能模块</a:t>
           </a:r>
           <a:endParaRPr lang="zh-CN" altLang="en-US" sz="2700" kern="1200" dirty="0"/>
         </a:p>
       </dsp:txBody>
       <dsp:txXfrm>
-        <a:off x="2831017" y="1805841"/>
+        <a:off x="1458133" y="1809452"/>
         <a:ext cx="2342020" cy="739655"/>
       </dsp:txXfrm>
     </dsp:sp>
@@ -12845,7 +12936,7 @@
       </dsp:nvSpPr>
       <dsp:spPr>
         <a:xfrm>
-          <a:off x="5095098" y="1997811"/>
+          <a:off x="5095008" y="1997811"/>
           <a:ext cx="325403" cy="1749043"/>
         </a:xfrm>
         <a:custGeom>
@@ -12906,7 +12997,7 @@
       </dsp:nvSpPr>
       <dsp:spPr>
         <a:xfrm>
-          <a:off x="5095098" y="1997811"/>
+          <a:off x="5095008" y="1997811"/>
           <a:ext cx="325403" cy="1049425"/>
         </a:xfrm>
         <a:custGeom>
@@ -12967,7 +13058,7 @@
       </dsp:nvSpPr>
       <dsp:spPr>
         <a:xfrm>
-          <a:off x="5095098" y="1997811"/>
+          <a:off x="5095008" y="1997811"/>
           <a:ext cx="325403" cy="349808"/>
         </a:xfrm>
         <a:custGeom>
@@ -13028,7 +13119,7 @@
       </dsp:nvSpPr>
       <dsp:spPr>
         <a:xfrm>
-          <a:off x="5095098" y="1648003"/>
+          <a:off x="5095008" y="1648003"/>
           <a:ext cx="325403" cy="349808"/>
         </a:xfrm>
         <a:custGeom>
@@ -13089,7 +13180,7 @@
       </dsp:nvSpPr>
       <dsp:spPr>
         <a:xfrm>
-          <a:off x="5095098" y="948385"/>
+          <a:off x="5095008" y="948385"/>
           <a:ext cx="325403" cy="1049425"/>
         </a:xfrm>
         <a:custGeom>
@@ -13150,7 +13241,7 @@
       </dsp:nvSpPr>
       <dsp:spPr>
         <a:xfrm>
-          <a:off x="5095098" y="248768"/>
+          <a:off x="5095008" y="248768"/>
           <a:ext cx="325403" cy="1749043"/>
         </a:xfrm>
         <a:custGeom>
@@ -13211,7 +13302,7 @@
       </dsp:nvSpPr>
       <dsp:spPr>
         <a:xfrm>
-          <a:off x="3468081" y="1749691"/>
+          <a:off x="3467991" y="1749691"/>
           <a:ext cx="1627016" cy="496240"/>
         </a:xfrm>
         <a:prstGeom prst="rect">
@@ -13305,7 +13396,7 @@
         </a:p>
       </dsp:txBody>
       <dsp:txXfrm>
-        <a:off x="3468081" y="1749691"/>
+        <a:off x="3467991" y="1749691"/>
         <a:ext cx="1627016" cy="496240"/>
       </dsp:txXfrm>
     </dsp:sp>
@@ -13316,7 +13407,7 @@
       </dsp:nvSpPr>
       <dsp:spPr>
         <a:xfrm>
-          <a:off x="5420501" y="648"/>
+          <a:off x="5420412" y="648"/>
           <a:ext cx="1627016" cy="496240"/>
         </a:xfrm>
         <a:prstGeom prst="rect">
@@ -13410,7 +13501,7 @@
         </a:p>
       </dsp:txBody>
       <dsp:txXfrm>
-        <a:off x="5420501" y="648"/>
+        <a:off x="5420412" y="648"/>
         <a:ext cx="1627016" cy="496240"/>
       </dsp:txXfrm>
     </dsp:sp>
@@ -13421,7 +13512,7 @@
       </dsp:nvSpPr>
       <dsp:spPr>
         <a:xfrm>
-          <a:off x="5420501" y="700265"/>
+          <a:off x="5420412" y="700265"/>
           <a:ext cx="1627016" cy="496240"/>
         </a:xfrm>
         <a:prstGeom prst="rect">
@@ -13515,7 +13606,7 @@
         </a:p>
       </dsp:txBody>
       <dsp:txXfrm>
-        <a:off x="5420501" y="700265"/>
+        <a:off x="5420412" y="700265"/>
         <a:ext cx="1627016" cy="496240"/>
       </dsp:txXfrm>
     </dsp:sp>
@@ -13526,7 +13617,7 @@
       </dsp:nvSpPr>
       <dsp:spPr>
         <a:xfrm>
-          <a:off x="5420501" y="1399882"/>
+          <a:off x="5420412" y="1399882"/>
           <a:ext cx="1627016" cy="496240"/>
         </a:xfrm>
         <a:prstGeom prst="rect">
@@ -13620,7 +13711,7 @@
         </a:p>
       </dsp:txBody>
       <dsp:txXfrm>
-        <a:off x="5420501" y="1399882"/>
+        <a:off x="5420412" y="1399882"/>
         <a:ext cx="1627016" cy="496240"/>
       </dsp:txXfrm>
     </dsp:sp>
@@ -13631,7 +13722,7 @@
       </dsp:nvSpPr>
       <dsp:spPr>
         <a:xfrm>
-          <a:off x="5420501" y="2099500"/>
+          <a:off x="5420412" y="2099500"/>
           <a:ext cx="1627016" cy="496240"/>
         </a:xfrm>
         <a:prstGeom prst="rect">
@@ -13725,7 +13816,7 @@
         </a:p>
       </dsp:txBody>
       <dsp:txXfrm>
-        <a:off x="5420501" y="2099500"/>
+        <a:off x="5420412" y="2099500"/>
         <a:ext cx="1627016" cy="496240"/>
       </dsp:txXfrm>
     </dsp:sp>
@@ -13736,7 +13827,7 @@
       </dsp:nvSpPr>
       <dsp:spPr>
         <a:xfrm>
-          <a:off x="5420501" y="2799117"/>
+          <a:off x="5420412" y="2799117"/>
           <a:ext cx="1627016" cy="496240"/>
         </a:xfrm>
         <a:prstGeom prst="rect">
@@ -13830,7 +13921,7 @@
         </a:p>
       </dsp:txBody>
       <dsp:txXfrm>
-        <a:off x="5420501" y="2799117"/>
+        <a:off x="5420412" y="2799117"/>
         <a:ext cx="1627016" cy="496240"/>
       </dsp:txXfrm>
     </dsp:sp>
@@ -13841,8 +13932,8 @@
       </dsp:nvSpPr>
       <dsp:spPr>
         <a:xfrm>
-          <a:off x="5420501" y="3498734"/>
-          <a:ext cx="1627016" cy="496240"/>
+          <a:off x="5420412" y="3498734"/>
+          <a:ext cx="1627195" cy="496240"/>
         </a:xfrm>
         <a:prstGeom prst="rect">
           <a:avLst/>
@@ -13935,8 +14026,8 @@
         </a:p>
       </dsp:txBody>
       <dsp:txXfrm>
-        <a:off x="5420501" y="3498734"/>
-        <a:ext cx="1627016" cy="496240"/>
+        <a:off x="5420412" y="3498734"/>
+        <a:ext cx="1627195" cy="496240"/>
       </dsp:txXfrm>
     </dsp:sp>
     <dsp:sp modelId="{EBA2DCF0-50E0-4100-ACF5-1C4076BEAFCE}">
@@ -13946,8 +14037,8 @@
       </dsp:nvSpPr>
       <dsp:spPr>
         <a:xfrm>
-          <a:off x="7607700" y="1090370"/>
-          <a:ext cx="1627016" cy="496240"/>
+          <a:off x="7801616" y="1096627"/>
+          <a:ext cx="1627195" cy="496240"/>
         </a:xfrm>
         <a:prstGeom prst="rect">
           <a:avLst/>
@@ -14032,8 +14123,8 @@
         </a:p>
       </dsp:txBody>
       <dsp:txXfrm>
-        <a:off x="7607700" y="1090370"/>
-        <a:ext cx="1627016" cy="496240"/>
+        <a:off x="7801616" y="1096627"/>
+        <a:ext cx="1627195" cy="496240"/>
       </dsp:txXfrm>
     </dsp:sp>
     <dsp:sp modelId="{B5ADEAEA-42BF-48E8-81CF-975850C4C907}">
@@ -14043,7 +14134,7 @@
       </dsp:nvSpPr>
       <dsp:spPr>
         <a:xfrm>
-          <a:off x="7603877" y="1763354"/>
+          <a:off x="7797793" y="1769611"/>
           <a:ext cx="1627016" cy="496240"/>
         </a:xfrm>
         <a:prstGeom prst="rect">
@@ -14129,7 +14220,7 @@
         </a:p>
       </dsp:txBody>
       <dsp:txXfrm>
-        <a:off x="7603877" y="1763354"/>
+        <a:off x="7797793" y="1769611"/>
         <a:ext cx="1627016" cy="496240"/>
       </dsp:txXfrm>
     </dsp:sp>
@@ -14140,7 +14231,7 @@
       </dsp:nvSpPr>
       <dsp:spPr>
         <a:xfrm>
-          <a:off x="7603877" y="2462971"/>
+          <a:off x="7797793" y="2469229"/>
           <a:ext cx="1627016" cy="496240"/>
         </a:xfrm>
         <a:prstGeom prst="rect">
@@ -14226,7 +14317,7 @@
         </a:p>
       </dsp:txBody>
       <dsp:txXfrm>
-        <a:off x="7603877" y="2462971"/>
+        <a:off x="7797793" y="2469229"/>
         <a:ext cx="1627016" cy="496240"/>
       </dsp:txXfrm>
     </dsp:sp>
@@ -15176,525 +15267,6 @@
 </file>
 
 <file path=ppt/diagrams/drawing4.xml><?xml version="1.0" encoding="utf-8"?>
-<dsp:drawing xmlns:dgm="http://schemas.openxmlformats.org/drawingml/2006/diagram" xmlns:dsp="http://schemas.microsoft.com/office/drawing/2008/diagram" xmlns:a="http://schemas.openxmlformats.org/drawingml/2006/main">
-  <dsp:spTree>
-    <dsp:nvGrpSpPr>
-      <dsp:cNvPr id="0" name=""/>
-      <dsp:cNvGrpSpPr/>
-    </dsp:nvGrpSpPr>
-    <dsp:grpSpPr/>
-    <dsp:sp modelId="{87A29EB0-CB49-45AF-9F92-15496A5B5D47}">
-      <dsp:nvSpPr>
-        <dsp:cNvPr id="0" name=""/>
-        <dsp:cNvSpPr/>
-      </dsp:nvSpPr>
-      <dsp:spPr>
-        <a:xfrm>
-          <a:off x="97043" y="2718"/>
-          <a:ext cx="2716187" cy="1629712"/>
-        </a:xfrm>
-        <a:prstGeom prst="roundRect">
-          <a:avLst>
-            <a:gd name="adj" fmla="val 10000"/>
-          </a:avLst>
-        </a:prstGeom>
-        <a:solidFill>
-          <a:schemeClr val="accent6"/>
-        </a:solidFill>
-        <a:ln w="12700" cap="flat" cmpd="sng" algn="ctr">
-          <a:solidFill>
-            <a:schemeClr val="lt1">
-              <a:hueOff val="0"/>
-              <a:satOff val="0"/>
-              <a:lumOff val="0"/>
-              <a:alphaOff val="0"/>
-            </a:schemeClr>
-          </a:solidFill>
-          <a:prstDash val="solid"/>
-          <a:miter lim="800000"/>
-        </a:ln>
-        <a:effectLst/>
-      </dsp:spPr>
-      <dsp:style>
-        <a:lnRef idx="2">
-          <a:scrgbClr r="0" g="0" b="0"/>
-        </a:lnRef>
-        <a:fillRef idx="1">
-          <a:scrgbClr r="0" g="0" b="0"/>
-        </a:fillRef>
-        <a:effectRef idx="0">
-          <a:scrgbClr r="0" g="0" b="0"/>
-        </a:effectRef>
-        <a:fontRef idx="minor">
-          <a:schemeClr val="lt1"/>
-        </a:fontRef>
-      </dsp:style>
-      <dsp:txBody>
-        <a:bodyPr spcFirstLastPara="0" vert="horz" wrap="square" lIns="83820" tIns="83820" rIns="83820" bIns="83820" numCol="1" spcCol="1270" anchor="ctr" anchorCtr="0">
-          <a:noAutofit/>
-        </a:bodyPr>
-        <a:lstStyle/>
-        <a:p>
-          <a:pPr lvl="0" algn="ctr" defTabSz="977900">
-            <a:lnSpc>
-              <a:spcPct val="90000"/>
-            </a:lnSpc>
-            <a:spcBef>
-              <a:spcPct val="0"/>
-            </a:spcBef>
-            <a:spcAft>
-              <a:spcPct val="35000"/>
-            </a:spcAft>
-          </a:pPr>
-          <a:r>
-            <a:rPr lang="zh-CN" altLang="en-US" sz="2200" kern="1200" dirty="0" smtClean="0"/>
-            <a:t>上级党组织编制并分配考核项目</a:t>
-          </a:r>
-          <a:endParaRPr lang="zh-CN" altLang="en-US" sz="2200" kern="1200" dirty="0"/>
-        </a:p>
-      </dsp:txBody>
-      <dsp:txXfrm>
-        <a:off x="144776" y="50451"/>
-        <a:ext cx="2620721" cy="1534246"/>
-      </dsp:txXfrm>
-    </dsp:sp>
-    <dsp:sp modelId="{CDCAC530-CF05-4373-8869-F3BC36CC80CB}">
-      <dsp:nvSpPr>
-        <dsp:cNvPr id="0" name=""/>
-        <dsp:cNvSpPr/>
-      </dsp:nvSpPr>
-      <dsp:spPr>
-        <a:xfrm rot="21597148">
-          <a:off x="2936687" y="479415"/>
-          <a:ext cx="297417" cy="673614"/>
-        </a:xfrm>
-        <a:prstGeom prst="rightArrow">
-          <a:avLst>
-            <a:gd name="adj1" fmla="val 60000"/>
-            <a:gd name="adj2" fmla="val 50000"/>
-          </a:avLst>
-        </a:prstGeom>
-        <a:solidFill>
-          <a:schemeClr val="accent1">
-            <a:tint val="60000"/>
-            <a:hueOff val="0"/>
-            <a:satOff val="0"/>
-            <a:lumOff val="0"/>
-            <a:alphaOff val="0"/>
-          </a:schemeClr>
-        </a:solidFill>
-        <a:ln>
-          <a:noFill/>
-        </a:ln>
-        <a:effectLst/>
-      </dsp:spPr>
-      <dsp:style>
-        <a:lnRef idx="0">
-          <a:scrgbClr r="0" g="0" b="0"/>
-        </a:lnRef>
-        <a:fillRef idx="1">
-          <a:scrgbClr r="0" g="0" b="0"/>
-        </a:fillRef>
-        <a:effectRef idx="0">
-          <a:scrgbClr r="0" g="0" b="0"/>
-        </a:effectRef>
-        <a:fontRef idx="minor">
-          <a:schemeClr val="lt1"/>
-        </a:fontRef>
-      </dsp:style>
-      <dsp:txBody>
-        <a:bodyPr spcFirstLastPara="0" vert="horz" wrap="square" lIns="0" tIns="0" rIns="0" bIns="0" numCol="1" spcCol="1270" anchor="ctr" anchorCtr="0">
-          <a:noAutofit/>
-        </a:bodyPr>
-        <a:lstStyle/>
-        <a:p>
-          <a:pPr lvl="0" algn="ctr" defTabSz="1244600">
-            <a:lnSpc>
-              <a:spcPct val="90000"/>
-            </a:lnSpc>
-            <a:spcBef>
-              <a:spcPct val="0"/>
-            </a:spcBef>
-            <a:spcAft>
-              <a:spcPct val="35000"/>
-            </a:spcAft>
-          </a:pPr>
-          <a:endParaRPr lang="zh-CN" altLang="en-US" sz="2800" kern="1200"/>
-        </a:p>
-      </dsp:txBody>
-      <dsp:txXfrm>
-        <a:off x="2936687" y="614175"/>
-        <a:ext cx="208192" cy="404168"/>
-      </dsp:txXfrm>
-    </dsp:sp>
-    <dsp:sp modelId="{3107A5B3-41FC-4B48-9197-B2052AB57E99}">
-      <dsp:nvSpPr>
-        <dsp:cNvPr id="0" name=""/>
-        <dsp:cNvSpPr/>
-      </dsp:nvSpPr>
-      <dsp:spPr>
-        <a:xfrm>
-          <a:off x="3374395" y="0"/>
-          <a:ext cx="2716187" cy="1629712"/>
-        </a:xfrm>
-        <a:prstGeom prst="roundRect">
-          <a:avLst>
-            <a:gd name="adj" fmla="val 10000"/>
-          </a:avLst>
-        </a:prstGeom>
-        <a:solidFill>
-          <a:schemeClr val="accent6"/>
-        </a:solidFill>
-        <a:ln w="12700" cap="flat" cmpd="sng" algn="ctr">
-          <a:solidFill>
-            <a:schemeClr val="lt1">
-              <a:hueOff val="0"/>
-              <a:satOff val="0"/>
-              <a:lumOff val="0"/>
-              <a:alphaOff val="0"/>
-            </a:schemeClr>
-          </a:solidFill>
-          <a:prstDash val="solid"/>
-          <a:miter lim="800000"/>
-        </a:ln>
-        <a:effectLst/>
-      </dsp:spPr>
-      <dsp:style>
-        <a:lnRef idx="2">
-          <a:scrgbClr r="0" g="0" b="0"/>
-        </a:lnRef>
-        <a:fillRef idx="1">
-          <a:scrgbClr r="0" g="0" b="0"/>
-        </a:fillRef>
-        <a:effectRef idx="0">
-          <a:scrgbClr r="0" g="0" b="0"/>
-        </a:effectRef>
-        <a:fontRef idx="minor">
-          <a:schemeClr val="lt1"/>
-        </a:fontRef>
-      </dsp:style>
-      <dsp:txBody>
-        <a:bodyPr spcFirstLastPara="0" vert="horz" wrap="square" lIns="83820" tIns="83820" rIns="83820" bIns="83820" numCol="1" spcCol="1270" anchor="ctr" anchorCtr="0">
-          <a:noAutofit/>
-        </a:bodyPr>
-        <a:lstStyle/>
-        <a:p>
-          <a:pPr lvl="0" algn="ctr" defTabSz="977900">
-            <a:lnSpc>
-              <a:spcPct val="90000"/>
-            </a:lnSpc>
-            <a:spcBef>
-              <a:spcPct val="0"/>
-            </a:spcBef>
-            <a:spcAft>
-              <a:spcPct val="35000"/>
-            </a:spcAft>
-          </a:pPr>
-          <a:r>
-            <a:rPr lang="zh-CN" altLang="en-US" sz="2200" kern="1200" dirty="0" smtClean="0"/>
-            <a:t>下级党组织上传考核资料，提交考核</a:t>
-          </a:r>
-          <a:endParaRPr lang="zh-CN" altLang="en-US" sz="2200" kern="1200" dirty="0"/>
-        </a:p>
-      </dsp:txBody>
-      <dsp:txXfrm>
-        <a:off x="3422128" y="47733"/>
-        <a:ext cx="2620721" cy="1534246"/>
-      </dsp:txXfrm>
-    </dsp:sp>
-    <dsp:sp modelId="{793F8260-4E5F-48F4-A53B-CE84A044F541}">
-      <dsp:nvSpPr>
-        <dsp:cNvPr id="0" name=""/>
-        <dsp:cNvSpPr/>
-      </dsp:nvSpPr>
-      <dsp:spPr>
-        <a:xfrm rot="5445272">
-          <a:off x="4445401" y="1568895"/>
-          <a:ext cx="344145" cy="673614"/>
-        </a:xfrm>
-        <a:prstGeom prst="rightArrow">
-          <a:avLst>
-            <a:gd name="adj1" fmla="val 60000"/>
-            <a:gd name="adj2" fmla="val 50000"/>
-          </a:avLst>
-        </a:prstGeom>
-        <a:solidFill>
-          <a:schemeClr val="accent1">
-            <a:tint val="60000"/>
-            <a:hueOff val="0"/>
-            <a:satOff val="0"/>
-            <a:lumOff val="0"/>
-            <a:alphaOff val="0"/>
-          </a:schemeClr>
-        </a:solidFill>
-        <a:ln>
-          <a:noFill/>
-        </a:ln>
-        <a:effectLst/>
-      </dsp:spPr>
-      <dsp:style>
-        <a:lnRef idx="0">
-          <a:scrgbClr r="0" g="0" b="0"/>
-        </a:lnRef>
-        <a:fillRef idx="1">
-          <a:scrgbClr r="0" g="0" b="0"/>
-        </a:fillRef>
-        <a:effectRef idx="0">
-          <a:scrgbClr r="0" g="0" b="0"/>
-        </a:effectRef>
-        <a:fontRef idx="minor">
-          <a:schemeClr val="lt1"/>
-        </a:fontRef>
-      </dsp:style>
-      <dsp:txBody>
-        <a:bodyPr spcFirstLastPara="0" vert="horz" wrap="square" lIns="0" tIns="0" rIns="0" bIns="0" numCol="1" spcCol="1270" anchor="ctr" anchorCtr="0">
-          <a:noAutofit/>
-        </a:bodyPr>
-        <a:lstStyle/>
-        <a:p>
-          <a:pPr lvl="0" algn="ctr" defTabSz="755650">
-            <a:lnSpc>
-              <a:spcPct val="90000"/>
-            </a:lnSpc>
-            <a:spcBef>
-              <a:spcPct val="0"/>
-            </a:spcBef>
-            <a:spcAft>
-              <a:spcPct val="35000"/>
-            </a:spcAft>
-          </a:pPr>
-          <a:endParaRPr lang="zh-CN" altLang="en-US" sz="1700" kern="1200"/>
-        </a:p>
-      </dsp:txBody>
-      <dsp:txXfrm rot="-5400000">
-        <a:off x="4416069" y="1733634"/>
-        <a:ext cx="404168" cy="240902"/>
-      </dsp:txXfrm>
-    </dsp:sp>
-    <dsp:sp modelId="{D2A1FB13-EA4F-441F-906D-395B9D184EC1}">
-      <dsp:nvSpPr>
-        <dsp:cNvPr id="0" name=""/>
-        <dsp:cNvSpPr/>
-      </dsp:nvSpPr>
-      <dsp:spPr>
-        <a:xfrm>
-          <a:off x="3344381" y="2278987"/>
-          <a:ext cx="2716187" cy="1629712"/>
-        </a:xfrm>
-        <a:prstGeom prst="roundRect">
-          <a:avLst>
-            <a:gd name="adj" fmla="val 10000"/>
-          </a:avLst>
-        </a:prstGeom>
-        <a:solidFill>
-          <a:schemeClr val="accent6"/>
-        </a:solidFill>
-        <a:ln w="12700" cap="flat" cmpd="sng" algn="ctr">
-          <a:solidFill>
-            <a:schemeClr val="lt1">
-              <a:hueOff val="0"/>
-              <a:satOff val="0"/>
-              <a:lumOff val="0"/>
-              <a:alphaOff val="0"/>
-            </a:schemeClr>
-          </a:solidFill>
-          <a:prstDash val="solid"/>
-          <a:miter lim="800000"/>
-        </a:ln>
-        <a:effectLst/>
-      </dsp:spPr>
-      <dsp:style>
-        <a:lnRef idx="2">
-          <a:scrgbClr r="0" g="0" b="0"/>
-        </a:lnRef>
-        <a:fillRef idx="1">
-          <a:scrgbClr r="0" g="0" b="0"/>
-        </a:fillRef>
-        <a:effectRef idx="0">
-          <a:scrgbClr r="0" g="0" b="0"/>
-        </a:effectRef>
-        <a:fontRef idx="minor">
-          <a:schemeClr val="lt1"/>
-        </a:fontRef>
-      </dsp:style>
-      <dsp:txBody>
-        <a:bodyPr spcFirstLastPara="0" vert="horz" wrap="square" lIns="83820" tIns="83820" rIns="83820" bIns="83820" numCol="1" spcCol="1270" anchor="ctr" anchorCtr="0">
-          <a:noAutofit/>
-        </a:bodyPr>
-        <a:lstStyle/>
-        <a:p>
-          <a:pPr lvl="0" algn="ctr" defTabSz="977900">
-            <a:lnSpc>
-              <a:spcPct val="90000"/>
-            </a:lnSpc>
-            <a:spcBef>
-              <a:spcPct val="0"/>
-            </a:spcBef>
-            <a:spcAft>
-              <a:spcPct val="35000"/>
-            </a:spcAft>
-          </a:pPr>
-          <a:r>
-            <a:rPr lang="zh-CN" altLang="en-US" sz="2200" kern="1200" dirty="0" smtClean="0"/>
-            <a:t>上级考核并发表考核意见</a:t>
-          </a:r>
-          <a:endParaRPr lang="zh-CN" altLang="en-US" sz="2200" kern="1200" dirty="0"/>
-        </a:p>
-      </dsp:txBody>
-      <dsp:txXfrm>
-        <a:off x="3392114" y="2326720"/>
-        <a:ext cx="2620721" cy="1534246"/>
-      </dsp:txXfrm>
-    </dsp:sp>
-    <dsp:sp modelId="{88F79D06-1ECC-4AE9-8DD7-69991A3A15CB}">
-      <dsp:nvSpPr>
-        <dsp:cNvPr id="0" name=""/>
-        <dsp:cNvSpPr/>
-      </dsp:nvSpPr>
-      <dsp:spPr>
-        <a:xfrm rot="59287">
-          <a:off x="6494687" y="2870961"/>
-          <a:ext cx="803419" cy="673614"/>
-        </a:xfrm>
-        <a:prstGeom prst="rightArrow">
-          <a:avLst>
-            <a:gd name="adj1" fmla="val 60000"/>
-            <a:gd name="adj2" fmla="val 50000"/>
-          </a:avLst>
-        </a:prstGeom>
-        <a:solidFill>
-          <a:schemeClr val="accent1">
-            <a:tint val="60000"/>
-            <a:hueOff val="0"/>
-            <a:satOff val="0"/>
-            <a:lumOff val="0"/>
-            <a:alphaOff val="0"/>
-          </a:schemeClr>
-        </a:solidFill>
-        <a:ln>
-          <a:noFill/>
-        </a:ln>
-        <a:effectLst/>
-      </dsp:spPr>
-      <dsp:style>
-        <a:lnRef idx="0">
-          <a:scrgbClr r="0" g="0" b="0"/>
-        </a:lnRef>
-        <a:fillRef idx="1">
-          <a:scrgbClr r="0" g="0" b="0"/>
-        </a:fillRef>
-        <a:effectRef idx="0">
-          <a:scrgbClr r="0" g="0" b="0"/>
-        </a:effectRef>
-        <a:fontRef idx="minor">
-          <a:schemeClr val="lt1"/>
-        </a:fontRef>
-      </dsp:style>
-      <dsp:txBody>
-        <a:bodyPr spcFirstLastPara="0" vert="horz" wrap="square" lIns="0" tIns="0" rIns="0" bIns="0" numCol="1" spcCol="1270" anchor="ctr" anchorCtr="0">
-          <a:noAutofit/>
-        </a:bodyPr>
-        <a:lstStyle/>
-        <a:p>
-          <a:pPr lvl="0" algn="ctr" defTabSz="1244600">
-            <a:lnSpc>
-              <a:spcPct val="90000"/>
-            </a:lnSpc>
-            <a:spcBef>
-              <a:spcPct val="0"/>
-            </a:spcBef>
-            <a:spcAft>
-              <a:spcPct val="35000"/>
-            </a:spcAft>
-          </a:pPr>
-          <a:endParaRPr lang="zh-CN" altLang="en-US" sz="2800" kern="1200"/>
-        </a:p>
-      </dsp:txBody>
-      <dsp:txXfrm>
-        <a:off x="6494702" y="3003942"/>
-        <a:ext cx="601335" cy="404168"/>
-      </dsp:txXfrm>
-    </dsp:sp>
-    <dsp:sp modelId="{34FB6C62-139F-4EC9-911D-6EB547233410}">
-      <dsp:nvSpPr>
-        <dsp:cNvPr id="0" name=""/>
-        <dsp:cNvSpPr/>
-      </dsp:nvSpPr>
-      <dsp:spPr>
-        <a:xfrm>
-          <a:off x="7576229" y="2351976"/>
-          <a:ext cx="2716187" cy="1629712"/>
-        </a:xfrm>
-        <a:prstGeom prst="roundRect">
-          <a:avLst>
-            <a:gd name="adj" fmla="val 10000"/>
-          </a:avLst>
-        </a:prstGeom>
-        <a:solidFill>
-          <a:schemeClr val="accent6"/>
-        </a:solidFill>
-        <a:ln w="12700" cap="flat" cmpd="sng" algn="ctr">
-          <a:solidFill>
-            <a:schemeClr val="lt1">
-              <a:hueOff val="0"/>
-              <a:satOff val="0"/>
-              <a:lumOff val="0"/>
-              <a:alphaOff val="0"/>
-            </a:schemeClr>
-          </a:solidFill>
-          <a:prstDash val="solid"/>
-          <a:miter lim="800000"/>
-        </a:ln>
-        <a:effectLst/>
-      </dsp:spPr>
-      <dsp:style>
-        <a:lnRef idx="2">
-          <a:scrgbClr r="0" g="0" b="0"/>
-        </a:lnRef>
-        <a:fillRef idx="1">
-          <a:scrgbClr r="0" g="0" b="0"/>
-        </a:fillRef>
-        <a:effectRef idx="0">
-          <a:scrgbClr r="0" g="0" b="0"/>
-        </a:effectRef>
-        <a:fontRef idx="minor">
-          <a:schemeClr val="lt1"/>
-        </a:fontRef>
-      </dsp:style>
-      <dsp:txBody>
-        <a:bodyPr spcFirstLastPara="0" vert="horz" wrap="square" lIns="83820" tIns="83820" rIns="83820" bIns="83820" numCol="1" spcCol="1270" anchor="ctr" anchorCtr="0">
-          <a:noAutofit/>
-        </a:bodyPr>
-        <a:lstStyle/>
-        <a:p>
-          <a:pPr lvl="0" algn="ctr" defTabSz="977900">
-            <a:lnSpc>
-              <a:spcPct val="90000"/>
-            </a:lnSpc>
-            <a:spcBef>
-              <a:spcPct val="0"/>
-            </a:spcBef>
-            <a:spcAft>
-              <a:spcPct val="35000"/>
-            </a:spcAft>
-          </a:pPr>
-          <a:r>
-            <a:rPr lang="zh-CN" altLang="en-US" sz="2200" kern="1200" dirty="0" smtClean="0"/>
-            <a:t>考核结束</a:t>
-          </a:r>
-          <a:endParaRPr lang="zh-CN" altLang="en-US" sz="2200" kern="1200" dirty="0"/>
-        </a:p>
-      </dsp:txBody>
-      <dsp:txXfrm>
-        <a:off x="7623962" y="2399709"/>
-        <a:ext cx="2620721" cy="1534246"/>
-      </dsp:txXfrm>
-    </dsp:sp>
-  </dsp:spTree>
-</dsp:drawing>
-</file>
-
-<file path=ppt/diagrams/drawing5.xml><?xml version="1.0" encoding="utf-8"?>
 <dsp:drawing xmlns:dgm="http://schemas.openxmlformats.org/drawingml/2006/diagram" xmlns:dsp="http://schemas.microsoft.com/office/drawing/2008/diagram" xmlns:a="http://schemas.openxmlformats.org/drawingml/2006/main">
   <dsp:spTree>
     <dsp:nvGrpSpPr>
@@ -16801,6 +16373,525 @@
       <dsp:txXfrm>
         <a:off x="5434621" y="3803896"/>
         <a:ext cx="1768217" cy="539306"/>
+      </dsp:txXfrm>
+    </dsp:sp>
+  </dsp:spTree>
+</dsp:drawing>
+</file>
+
+<file path=ppt/diagrams/drawing5.xml><?xml version="1.0" encoding="utf-8"?>
+<dsp:drawing xmlns:dgm="http://schemas.openxmlformats.org/drawingml/2006/diagram" xmlns:dsp="http://schemas.microsoft.com/office/drawing/2008/diagram" xmlns:a="http://schemas.openxmlformats.org/drawingml/2006/main">
+  <dsp:spTree>
+    <dsp:nvGrpSpPr>
+      <dsp:cNvPr id="0" name=""/>
+      <dsp:cNvGrpSpPr/>
+    </dsp:nvGrpSpPr>
+    <dsp:grpSpPr/>
+    <dsp:sp modelId="{87A29EB0-CB49-45AF-9F92-15496A5B5D47}">
+      <dsp:nvSpPr>
+        <dsp:cNvPr id="0" name=""/>
+        <dsp:cNvSpPr/>
+      </dsp:nvSpPr>
+      <dsp:spPr>
+        <a:xfrm>
+          <a:off x="97043" y="2718"/>
+          <a:ext cx="2716187" cy="1629712"/>
+        </a:xfrm>
+        <a:prstGeom prst="roundRect">
+          <a:avLst>
+            <a:gd name="adj" fmla="val 10000"/>
+          </a:avLst>
+        </a:prstGeom>
+        <a:solidFill>
+          <a:schemeClr val="accent6"/>
+        </a:solidFill>
+        <a:ln w="12700" cap="flat" cmpd="sng" algn="ctr">
+          <a:solidFill>
+            <a:schemeClr val="lt1">
+              <a:hueOff val="0"/>
+              <a:satOff val="0"/>
+              <a:lumOff val="0"/>
+              <a:alphaOff val="0"/>
+            </a:schemeClr>
+          </a:solidFill>
+          <a:prstDash val="solid"/>
+          <a:miter lim="800000"/>
+        </a:ln>
+        <a:effectLst/>
+      </dsp:spPr>
+      <dsp:style>
+        <a:lnRef idx="2">
+          <a:scrgbClr r="0" g="0" b="0"/>
+        </a:lnRef>
+        <a:fillRef idx="1">
+          <a:scrgbClr r="0" g="0" b="0"/>
+        </a:fillRef>
+        <a:effectRef idx="0">
+          <a:scrgbClr r="0" g="0" b="0"/>
+        </a:effectRef>
+        <a:fontRef idx="minor">
+          <a:schemeClr val="lt1"/>
+        </a:fontRef>
+      </dsp:style>
+      <dsp:txBody>
+        <a:bodyPr spcFirstLastPara="0" vert="horz" wrap="square" lIns="83820" tIns="83820" rIns="83820" bIns="83820" numCol="1" spcCol="1270" anchor="ctr" anchorCtr="0">
+          <a:noAutofit/>
+        </a:bodyPr>
+        <a:lstStyle/>
+        <a:p>
+          <a:pPr lvl="0" algn="ctr" defTabSz="977900">
+            <a:lnSpc>
+              <a:spcPct val="90000"/>
+            </a:lnSpc>
+            <a:spcBef>
+              <a:spcPct val="0"/>
+            </a:spcBef>
+            <a:spcAft>
+              <a:spcPct val="35000"/>
+            </a:spcAft>
+          </a:pPr>
+          <a:r>
+            <a:rPr lang="zh-CN" altLang="en-US" sz="2200" kern="1200" dirty="0" smtClean="0"/>
+            <a:t>上级党组织编制并分配考核项目</a:t>
+          </a:r>
+          <a:endParaRPr lang="zh-CN" altLang="en-US" sz="2200" kern="1200" dirty="0"/>
+        </a:p>
+      </dsp:txBody>
+      <dsp:txXfrm>
+        <a:off x="144776" y="50451"/>
+        <a:ext cx="2620721" cy="1534246"/>
+      </dsp:txXfrm>
+    </dsp:sp>
+    <dsp:sp modelId="{CDCAC530-CF05-4373-8869-F3BC36CC80CB}">
+      <dsp:nvSpPr>
+        <dsp:cNvPr id="0" name=""/>
+        <dsp:cNvSpPr/>
+      </dsp:nvSpPr>
+      <dsp:spPr>
+        <a:xfrm rot="21597148">
+          <a:off x="2936687" y="479415"/>
+          <a:ext cx="297417" cy="673614"/>
+        </a:xfrm>
+        <a:prstGeom prst="rightArrow">
+          <a:avLst>
+            <a:gd name="adj1" fmla="val 60000"/>
+            <a:gd name="adj2" fmla="val 50000"/>
+          </a:avLst>
+        </a:prstGeom>
+        <a:solidFill>
+          <a:schemeClr val="accent1">
+            <a:tint val="60000"/>
+            <a:hueOff val="0"/>
+            <a:satOff val="0"/>
+            <a:lumOff val="0"/>
+            <a:alphaOff val="0"/>
+          </a:schemeClr>
+        </a:solidFill>
+        <a:ln>
+          <a:noFill/>
+        </a:ln>
+        <a:effectLst/>
+      </dsp:spPr>
+      <dsp:style>
+        <a:lnRef idx="0">
+          <a:scrgbClr r="0" g="0" b="0"/>
+        </a:lnRef>
+        <a:fillRef idx="1">
+          <a:scrgbClr r="0" g="0" b="0"/>
+        </a:fillRef>
+        <a:effectRef idx="0">
+          <a:scrgbClr r="0" g="0" b="0"/>
+        </a:effectRef>
+        <a:fontRef idx="minor">
+          <a:schemeClr val="lt1"/>
+        </a:fontRef>
+      </dsp:style>
+      <dsp:txBody>
+        <a:bodyPr spcFirstLastPara="0" vert="horz" wrap="square" lIns="0" tIns="0" rIns="0" bIns="0" numCol="1" spcCol="1270" anchor="ctr" anchorCtr="0">
+          <a:noAutofit/>
+        </a:bodyPr>
+        <a:lstStyle/>
+        <a:p>
+          <a:pPr lvl="0" algn="ctr" defTabSz="1244600">
+            <a:lnSpc>
+              <a:spcPct val="90000"/>
+            </a:lnSpc>
+            <a:spcBef>
+              <a:spcPct val="0"/>
+            </a:spcBef>
+            <a:spcAft>
+              <a:spcPct val="35000"/>
+            </a:spcAft>
+          </a:pPr>
+          <a:endParaRPr lang="zh-CN" altLang="en-US" sz="2800" kern="1200"/>
+        </a:p>
+      </dsp:txBody>
+      <dsp:txXfrm>
+        <a:off x="2936687" y="614175"/>
+        <a:ext cx="208192" cy="404168"/>
+      </dsp:txXfrm>
+    </dsp:sp>
+    <dsp:sp modelId="{3107A5B3-41FC-4B48-9197-B2052AB57E99}">
+      <dsp:nvSpPr>
+        <dsp:cNvPr id="0" name=""/>
+        <dsp:cNvSpPr/>
+      </dsp:nvSpPr>
+      <dsp:spPr>
+        <a:xfrm>
+          <a:off x="3374395" y="0"/>
+          <a:ext cx="2716187" cy="1629712"/>
+        </a:xfrm>
+        <a:prstGeom prst="roundRect">
+          <a:avLst>
+            <a:gd name="adj" fmla="val 10000"/>
+          </a:avLst>
+        </a:prstGeom>
+        <a:solidFill>
+          <a:schemeClr val="accent6"/>
+        </a:solidFill>
+        <a:ln w="12700" cap="flat" cmpd="sng" algn="ctr">
+          <a:solidFill>
+            <a:schemeClr val="lt1">
+              <a:hueOff val="0"/>
+              <a:satOff val="0"/>
+              <a:lumOff val="0"/>
+              <a:alphaOff val="0"/>
+            </a:schemeClr>
+          </a:solidFill>
+          <a:prstDash val="solid"/>
+          <a:miter lim="800000"/>
+        </a:ln>
+        <a:effectLst/>
+      </dsp:spPr>
+      <dsp:style>
+        <a:lnRef idx="2">
+          <a:scrgbClr r="0" g="0" b="0"/>
+        </a:lnRef>
+        <a:fillRef idx="1">
+          <a:scrgbClr r="0" g="0" b="0"/>
+        </a:fillRef>
+        <a:effectRef idx="0">
+          <a:scrgbClr r="0" g="0" b="0"/>
+        </a:effectRef>
+        <a:fontRef idx="minor">
+          <a:schemeClr val="lt1"/>
+        </a:fontRef>
+      </dsp:style>
+      <dsp:txBody>
+        <a:bodyPr spcFirstLastPara="0" vert="horz" wrap="square" lIns="83820" tIns="83820" rIns="83820" bIns="83820" numCol="1" spcCol="1270" anchor="ctr" anchorCtr="0">
+          <a:noAutofit/>
+        </a:bodyPr>
+        <a:lstStyle/>
+        <a:p>
+          <a:pPr lvl="0" algn="ctr" defTabSz="977900">
+            <a:lnSpc>
+              <a:spcPct val="90000"/>
+            </a:lnSpc>
+            <a:spcBef>
+              <a:spcPct val="0"/>
+            </a:spcBef>
+            <a:spcAft>
+              <a:spcPct val="35000"/>
+            </a:spcAft>
+          </a:pPr>
+          <a:r>
+            <a:rPr lang="zh-CN" altLang="en-US" sz="2200" kern="1200" dirty="0" smtClean="0"/>
+            <a:t>下级党组织上传考核资料，提交考核</a:t>
+          </a:r>
+          <a:endParaRPr lang="zh-CN" altLang="en-US" sz="2200" kern="1200" dirty="0"/>
+        </a:p>
+      </dsp:txBody>
+      <dsp:txXfrm>
+        <a:off x="3422128" y="47733"/>
+        <a:ext cx="2620721" cy="1534246"/>
+      </dsp:txXfrm>
+    </dsp:sp>
+    <dsp:sp modelId="{793F8260-4E5F-48F4-A53B-CE84A044F541}">
+      <dsp:nvSpPr>
+        <dsp:cNvPr id="0" name=""/>
+        <dsp:cNvSpPr/>
+      </dsp:nvSpPr>
+      <dsp:spPr>
+        <a:xfrm rot="5570082">
+          <a:off x="4486674" y="1478567"/>
+          <a:ext cx="245707" cy="673614"/>
+        </a:xfrm>
+        <a:prstGeom prst="rightArrow">
+          <a:avLst>
+            <a:gd name="adj1" fmla="val 60000"/>
+            <a:gd name="adj2" fmla="val 50000"/>
+          </a:avLst>
+        </a:prstGeom>
+        <a:solidFill>
+          <a:schemeClr val="accent1">
+            <a:tint val="60000"/>
+            <a:hueOff val="0"/>
+            <a:satOff val="0"/>
+            <a:lumOff val="0"/>
+            <a:alphaOff val="0"/>
+          </a:schemeClr>
+        </a:solidFill>
+        <a:ln>
+          <a:noFill/>
+        </a:ln>
+        <a:effectLst/>
+      </dsp:spPr>
+      <dsp:style>
+        <a:lnRef idx="0">
+          <a:scrgbClr r="0" g="0" b="0"/>
+        </a:lnRef>
+        <a:fillRef idx="1">
+          <a:scrgbClr r="0" g="0" b="0"/>
+        </a:fillRef>
+        <a:effectRef idx="0">
+          <a:scrgbClr r="0" g="0" b="0"/>
+        </a:effectRef>
+        <a:fontRef idx="minor">
+          <a:schemeClr val="lt1"/>
+        </a:fontRef>
+      </dsp:style>
+      <dsp:txBody>
+        <a:bodyPr spcFirstLastPara="0" vert="horz" wrap="square" lIns="0" tIns="0" rIns="0" bIns="0" numCol="1" spcCol="1270" anchor="ctr" anchorCtr="0">
+          <a:noAutofit/>
+        </a:bodyPr>
+        <a:lstStyle/>
+        <a:p>
+          <a:pPr lvl="0" algn="ctr" defTabSz="533400">
+            <a:lnSpc>
+              <a:spcPct val="90000"/>
+            </a:lnSpc>
+            <a:spcBef>
+              <a:spcPct val="0"/>
+            </a:spcBef>
+            <a:spcAft>
+              <a:spcPct val="35000"/>
+            </a:spcAft>
+          </a:pPr>
+          <a:endParaRPr lang="zh-CN" altLang="en-US" sz="1200" kern="1200"/>
+        </a:p>
+      </dsp:txBody>
+      <dsp:txXfrm rot="-5400000">
+        <a:off x="4409267" y="1692565"/>
+        <a:ext cx="404168" cy="171995"/>
+      </dsp:txXfrm>
+    </dsp:sp>
+    <dsp:sp modelId="{D2A1FB13-EA4F-441F-906D-395B9D184EC1}">
+      <dsp:nvSpPr>
+        <dsp:cNvPr id="0" name=""/>
+        <dsp:cNvSpPr/>
+      </dsp:nvSpPr>
+      <dsp:spPr>
+        <a:xfrm>
+          <a:off x="3270772" y="2092743"/>
+          <a:ext cx="2716187" cy="1629712"/>
+        </a:xfrm>
+        <a:prstGeom prst="roundRect">
+          <a:avLst>
+            <a:gd name="adj" fmla="val 10000"/>
+          </a:avLst>
+        </a:prstGeom>
+        <a:solidFill>
+          <a:schemeClr val="accent6"/>
+        </a:solidFill>
+        <a:ln w="12700" cap="flat" cmpd="sng" algn="ctr">
+          <a:solidFill>
+            <a:schemeClr val="lt1">
+              <a:hueOff val="0"/>
+              <a:satOff val="0"/>
+              <a:lumOff val="0"/>
+              <a:alphaOff val="0"/>
+            </a:schemeClr>
+          </a:solidFill>
+          <a:prstDash val="solid"/>
+          <a:miter lim="800000"/>
+        </a:ln>
+        <a:effectLst/>
+      </dsp:spPr>
+      <dsp:style>
+        <a:lnRef idx="2">
+          <a:scrgbClr r="0" g="0" b="0"/>
+        </a:lnRef>
+        <a:fillRef idx="1">
+          <a:scrgbClr r="0" g="0" b="0"/>
+        </a:fillRef>
+        <a:effectRef idx="0">
+          <a:scrgbClr r="0" g="0" b="0"/>
+        </a:effectRef>
+        <a:fontRef idx="minor">
+          <a:schemeClr val="lt1"/>
+        </a:fontRef>
+      </dsp:style>
+      <dsp:txBody>
+        <a:bodyPr spcFirstLastPara="0" vert="horz" wrap="square" lIns="83820" tIns="83820" rIns="83820" bIns="83820" numCol="1" spcCol="1270" anchor="ctr" anchorCtr="0">
+          <a:noAutofit/>
+        </a:bodyPr>
+        <a:lstStyle/>
+        <a:p>
+          <a:pPr lvl="0" algn="ctr" defTabSz="977900">
+            <a:lnSpc>
+              <a:spcPct val="90000"/>
+            </a:lnSpc>
+            <a:spcBef>
+              <a:spcPct val="0"/>
+            </a:spcBef>
+            <a:spcAft>
+              <a:spcPct val="35000"/>
+            </a:spcAft>
+          </a:pPr>
+          <a:r>
+            <a:rPr lang="zh-CN" altLang="en-US" sz="2200" kern="1200" dirty="0" smtClean="0"/>
+            <a:t>上级考核并发表考核意见</a:t>
+          </a:r>
+          <a:endParaRPr lang="zh-CN" altLang="en-US" sz="2200" kern="1200" dirty="0"/>
+        </a:p>
+      </dsp:txBody>
+      <dsp:txXfrm>
+        <a:off x="3318505" y="2140476"/>
+        <a:ext cx="2620721" cy="1534246"/>
+      </dsp:txXfrm>
+    </dsp:sp>
+    <dsp:sp modelId="{88F79D06-1ECC-4AE9-8DD7-69991A3A15CB}">
+      <dsp:nvSpPr>
+        <dsp:cNvPr id="0" name=""/>
+        <dsp:cNvSpPr/>
+      </dsp:nvSpPr>
+      <dsp:spPr>
+        <a:xfrm rot="206738">
+          <a:off x="6441637" y="2776796"/>
+          <a:ext cx="843837" cy="673614"/>
+        </a:xfrm>
+        <a:prstGeom prst="rightArrow">
+          <a:avLst>
+            <a:gd name="adj1" fmla="val 60000"/>
+            <a:gd name="adj2" fmla="val 50000"/>
+          </a:avLst>
+        </a:prstGeom>
+        <a:solidFill>
+          <a:schemeClr val="accent1">
+            <a:tint val="60000"/>
+            <a:hueOff val="0"/>
+            <a:satOff val="0"/>
+            <a:lumOff val="0"/>
+            <a:alphaOff val="0"/>
+          </a:schemeClr>
+        </a:solidFill>
+        <a:ln>
+          <a:noFill/>
+        </a:ln>
+        <a:effectLst/>
+      </dsp:spPr>
+      <dsp:style>
+        <a:lnRef idx="0">
+          <a:scrgbClr r="0" g="0" b="0"/>
+        </a:lnRef>
+        <a:fillRef idx="1">
+          <a:scrgbClr r="0" g="0" b="0"/>
+        </a:fillRef>
+        <a:effectRef idx="0">
+          <a:scrgbClr r="0" g="0" b="0"/>
+        </a:effectRef>
+        <a:fontRef idx="minor">
+          <a:schemeClr val="lt1"/>
+        </a:fontRef>
+      </dsp:style>
+      <dsp:txBody>
+        <a:bodyPr spcFirstLastPara="0" vert="horz" wrap="square" lIns="0" tIns="0" rIns="0" bIns="0" numCol="1" spcCol="1270" anchor="ctr" anchorCtr="0">
+          <a:noAutofit/>
+        </a:bodyPr>
+        <a:lstStyle/>
+        <a:p>
+          <a:pPr lvl="0" algn="ctr" defTabSz="1244600">
+            <a:lnSpc>
+              <a:spcPct val="90000"/>
+            </a:lnSpc>
+            <a:spcBef>
+              <a:spcPct val="0"/>
+            </a:spcBef>
+            <a:spcAft>
+              <a:spcPct val="35000"/>
+            </a:spcAft>
+          </a:pPr>
+          <a:endParaRPr lang="zh-CN" altLang="en-US" sz="2800" kern="1200"/>
+        </a:p>
+      </dsp:txBody>
+      <dsp:txXfrm>
+        <a:off x="6441820" y="2905446"/>
+        <a:ext cx="641753" cy="404168"/>
+      </dsp:txXfrm>
+    </dsp:sp>
+    <dsp:sp modelId="{34FB6C62-139F-4EC9-911D-6EB547233410}">
+      <dsp:nvSpPr>
+        <dsp:cNvPr id="0" name=""/>
+        <dsp:cNvSpPr/>
+      </dsp:nvSpPr>
+      <dsp:spPr>
+        <a:xfrm>
+          <a:off x="7576229" y="2351976"/>
+          <a:ext cx="2716187" cy="1629712"/>
+        </a:xfrm>
+        <a:prstGeom prst="roundRect">
+          <a:avLst>
+            <a:gd name="adj" fmla="val 10000"/>
+          </a:avLst>
+        </a:prstGeom>
+        <a:solidFill>
+          <a:schemeClr val="accent6"/>
+        </a:solidFill>
+        <a:ln w="12700" cap="flat" cmpd="sng" algn="ctr">
+          <a:solidFill>
+            <a:schemeClr val="lt1">
+              <a:hueOff val="0"/>
+              <a:satOff val="0"/>
+              <a:lumOff val="0"/>
+              <a:alphaOff val="0"/>
+            </a:schemeClr>
+          </a:solidFill>
+          <a:prstDash val="solid"/>
+          <a:miter lim="800000"/>
+        </a:ln>
+        <a:effectLst/>
+      </dsp:spPr>
+      <dsp:style>
+        <a:lnRef idx="2">
+          <a:scrgbClr r="0" g="0" b="0"/>
+        </a:lnRef>
+        <a:fillRef idx="1">
+          <a:scrgbClr r="0" g="0" b="0"/>
+        </a:fillRef>
+        <a:effectRef idx="0">
+          <a:scrgbClr r="0" g="0" b="0"/>
+        </a:effectRef>
+        <a:fontRef idx="minor">
+          <a:schemeClr val="lt1"/>
+        </a:fontRef>
+      </dsp:style>
+      <dsp:txBody>
+        <a:bodyPr spcFirstLastPara="0" vert="horz" wrap="square" lIns="83820" tIns="83820" rIns="83820" bIns="83820" numCol="1" spcCol="1270" anchor="ctr" anchorCtr="0">
+          <a:noAutofit/>
+        </a:bodyPr>
+        <a:lstStyle/>
+        <a:p>
+          <a:pPr lvl="0" algn="ctr" defTabSz="977900">
+            <a:lnSpc>
+              <a:spcPct val="90000"/>
+            </a:lnSpc>
+            <a:spcBef>
+              <a:spcPct val="0"/>
+            </a:spcBef>
+            <a:spcAft>
+              <a:spcPct val="35000"/>
+            </a:spcAft>
+          </a:pPr>
+          <a:r>
+            <a:rPr lang="zh-CN" altLang="en-US" sz="2200" kern="1200" dirty="0" smtClean="0"/>
+            <a:t>考核结束</a:t>
+          </a:r>
+          <a:endParaRPr lang="zh-CN" altLang="en-US" sz="2200" kern="1200" dirty="0"/>
+        </a:p>
+      </dsp:txBody>
+      <dsp:txXfrm>
+        <a:off x="7623962" y="2399709"/>
+        <a:ext cx="2620721" cy="1534246"/>
       </dsp:txXfrm>
     </dsp:sp>
   </dsp:spTree>
@@ -22615,177 +22706,6 @@
 </file>
 
 <file path=ppt/diagrams/layout4.xml><?xml version="1.0" encoding="utf-8"?>
-<dgm:layoutDef xmlns:dgm="http://schemas.openxmlformats.org/drawingml/2006/diagram" xmlns:a="http://schemas.openxmlformats.org/drawingml/2006/main" uniqueId="urn:microsoft.com/office/officeart/2005/8/layout/process5">
-  <dgm:title val=""/>
-  <dgm:desc val=""/>
-  <dgm:catLst>
-    <dgm:cat type="process" pri="17000"/>
-  </dgm:catLst>
-  <dgm:sampData>
-    <dgm:dataModel>
-      <dgm:ptLst>
-        <dgm:pt modelId="0" type="doc"/>
-        <dgm:pt modelId="1">
-          <dgm:prSet phldr="1"/>
-        </dgm:pt>
-        <dgm:pt modelId="2">
-          <dgm:prSet phldr="1"/>
-        </dgm:pt>
-        <dgm:pt modelId="3">
-          <dgm:prSet phldr="1"/>
-        </dgm:pt>
-        <dgm:pt modelId="4">
-          <dgm:prSet phldr="1"/>
-        </dgm:pt>
-        <dgm:pt modelId="5">
-          <dgm:prSet phldr="1"/>
-        </dgm:pt>
-      </dgm:ptLst>
-      <dgm:cxnLst>
-        <dgm:cxn modelId="7" srcId="0" destId="1" srcOrd="0" destOrd="0"/>
-        <dgm:cxn modelId="8" srcId="0" destId="2" srcOrd="1" destOrd="0"/>
-        <dgm:cxn modelId="9" srcId="0" destId="3" srcOrd="2" destOrd="0"/>
-        <dgm:cxn modelId="10" srcId="0" destId="4" srcOrd="3" destOrd="0"/>
-        <dgm:cxn modelId="11" srcId="0" destId="5" srcOrd="4" destOrd="0"/>
-      </dgm:cxnLst>
-      <dgm:bg/>
-      <dgm:whole/>
-    </dgm:dataModel>
-  </dgm:sampData>
-  <dgm:styleData>
-    <dgm:dataModel>
-      <dgm:ptLst>
-        <dgm:pt modelId="0" type="doc"/>
-        <dgm:pt modelId="1"/>
-        <dgm:pt modelId="2"/>
-      </dgm:ptLst>
-      <dgm:cxnLst>
-        <dgm:cxn modelId="3" srcId="0" destId="1" srcOrd="0" destOrd="0"/>
-        <dgm:cxn modelId="4" srcId="0" destId="2" srcOrd="1" destOrd="0"/>
-      </dgm:cxnLst>
-      <dgm:bg/>
-      <dgm:whole/>
-    </dgm:dataModel>
-  </dgm:styleData>
-  <dgm:clrData>
-    <dgm:dataModel>
-      <dgm:ptLst>
-        <dgm:pt modelId="0" type="doc"/>
-        <dgm:pt modelId="1"/>
-        <dgm:pt modelId="2"/>
-        <dgm:pt modelId="3"/>
-        <dgm:pt modelId="4"/>
-      </dgm:ptLst>
-      <dgm:cxnLst>
-        <dgm:cxn modelId="5" srcId="0" destId="1" srcOrd="0" destOrd="0"/>
-        <dgm:cxn modelId="6" srcId="0" destId="2" srcOrd="1" destOrd="0"/>
-        <dgm:cxn modelId="7" srcId="0" destId="3" srcOrd="2" destOrd="0"/>
-        <dgm:cxn modelId="8" srcId="0" destId="4" srcOrd="3" destOrd="0"/>
-      </dgm:cxnLst>
-      <dgm:bg/>
-      <dgm:whole/>
-    </dgm:dataModel>
-  </dgm:clrData>
-  <dgm:layoutNode name="diagram">
-    <dgm:varLst>
-      <dgm:dir/>
-      <dgm:resizeHandles val="exact"/>
-    </dgm:varLst>
-    <dgm:choose name="Name0">
-      <dgm:if name="Name1" axis="self" func="var" arg="dir" op="equ" val="norm">
-        <dgm:alg type="snake">
-          <dgm:param type="grDir" val="tL"/>
-          <dgm:param type="flowDir" val="row"/>
-          <dgm:param type="contDir" val="revDir"/>
-          <dgm:param type="bkpt" val="endCnv"/>
-        </dgm:alg>
-      </dgm:if>
-      <dgm:else name="Name2">
-        <dgm:alg type="snake">
-          <dgm:param type="grDir" val="tR"/>
-          <dgm:param type="flowDir" val="row"/>
-          <dgm:param type="contDir" val="revDir"/>
-          <dgm:param type="bkpt" val="endCnv"/>
-        </dgm:alg>
-      </dgm:else>
-    </dgm:choose>
-    <dgm:shape xmlns:r="http://schemas.openxmlformats.org/officeDocument/2006/relationships" r:blip="">
-      <dgm:adjLst/>
-    </dgm:shape>
-    <dgm:presOf/>
-    <dgm:constrLst>
-      <dgm:constr type="w" for="ch" ptType="node" refType="w"/>
-      <dgm:constr type="w" for="ch" forName="sibTrans" refType="w" refFor="ch" refPtType="node" op="equ" fact="0.4"/>
-      <dgm:constr type="sp" refType="w" refFor="ch" refForName="sibTrans" op="equ"/>
-      <dgm:constr type="primFontSz" for="ch" ptType="node" op="equ" val="65"/>
-      <dgm:constr type="primFontSz" for="des" forName="connectorText" op="equ" val="55"/>
-      <dgm:constr type="primFontSz" for="des" forName="connectorText" refType="primFontSz" refFor="ch" refPtType="node" op="lte" fact="0.8"/>
-    </dgm:constrLst>
-    <dgm:ruleLst/>
-    <dgm:forEach name="nodesForEach" axis="ch" ptType="node">
-      <dgm:layoutNode name="node">
-        <dgm:varLst>
-          <dgm:bulletEnabled val="1"/>
-        </dgm:varLst>
-        <dgm:alg type="tx"/>
-        <dgm:shape xmlns:r="http://schemas.openxmlformats.org/officeDocument/2006/relationships" type="roundRect" r:blip="">
-          <dgm:adjLst>
-            <dgm:adj idx="1" val="0.1"/>
-          </dgm:adjLst>
-        </dgm:shape>
-        <dgm:presOf axis="desOrSelf" ptType="node"/>
-        <dgm:constrLst>
-          <dgm:constr type="h" refType="w" fact="0.6"/>
-          <dgm:constr type="tMarg" refType="primFontSz" fact="0.3"/>
-          <dgm:constr type="bMarg" refType="primFontSz" fact="0.3"/>
-          <dgm:constr type="lMarg" refType="primFontSz" fact="0.3"/>
-          <dgm:constr type="rMarg" refType="primFontSz" fact="0.3"/>
-        </dgm:constrLst>
-        <dgm:ruleLst>
-          <dgm:rule type="primFontSz" val="5" fact="NaN" max="NaN"/>
-        </dgm:ruleLst>
-      </dgm:layoutNode>
-      <dgm:forEach name="sibTransForEach" axis="followSib" ptType="sibTrans" cnt="1">
-        <dgm:layoutNode name="sibTrans">
-          <dgm:alg type="conn">
-            <dgm:param type="begPts" val="auto"/>
-            <dgm:param type="endPts" val="auto"/>
-          </dgm:alg>
-          <dgm:shape xmlns:r="http://schemas.openxmlformats.org/officeDocument/2006/relationships" type="conn" r:blip="">
-            <dgm:adjLst/>
-          </dgm:shape>
-          <dgm:presOf axis="self"/>
-          <dgm:constrLst>
-            <dgm:constr type="h" refType="w" fact="0.62"/>
-            <dgm:constr type="connDist"/>
-          </dgm:constrLst>
-          <dgm:ruleLst/>
-          <dgm:layoutNode name="connectorText">
-            <dgm:alg type="tx">
-              <dgm:param type="autoTxRot" val="upr"/>
-            </dgm:alg>
-            <dgm:shape xmlns:r="http://schemas.openxmlformats.org/officeDocument/2006/relationships" type="conn" r:blip="" hideGeom="1">
-              <dgm:adjLst/>
-            </dgm:shape>
-            <dgm:presOf axis="self"/>
-            <dgm:constrLst>
-              <dgm:constr type="lMarg"/>
-              <dgm:constr type="rMarg"/>
-              <dgm:constr type="tMarg"/>
-              <dgm:constr type="bMarg"/>
-            </dgm:constrLst>
-            <dgm:ruleLst>
-              <dgm:rule type="primFontSz" val="5" fact="NaN" max="NaN"/>
-            </dgm:ruleLst>
-          </dgm:layoutNode>
-        </dgm:layoutNode>
-      </dgm:forEach>
-    </dgm:forEach>
-  </dgm:layoutNode>
-</dgm:layoutDef>
-</file>
-
-<file path=ppt/diagrams/layout5.xml><?xml version="1.0" encoding="utf-8"?>
 <dgm:layoutDef xmlns:dgm="http://schemas.openxmlformats.org/drawingml/2006/diagram" xmlns:a="http://schemas.openxmlformats.org/drawingml/2006/main" uniqueId="urn:microsoft.com/office/officeart/2009/3/layout/HorizontalOrganizationChart">
   <dgm:title val=""/>
   <dgm:desc val=""/>
@@ -23961,6 +23881,177 @@
                 </dgm:layoutNode>
               </dgm:layoutNode>
             </dgm:forEach>
+          </dgm:layoutNode>
+        </dgm:layoutNode>
+      </dgm:forEach>
+    </dgm:forEach>
+  </dgm:layoutNode>
+</dgm:layoutDef>
+</file>
+
+<file path=ppt/diagrams/layout5.xml><?xml version="1.0" encoding="utf-8"?>
+<dgm:layoutDef xmlns:dgm="http://schemas.openxmlformats.org/drawingml/2006/diagram" xmlns:a="http://schemas.openxmlformats.org/drawingml/2006/main" uniqueId="urn:microsoft.com/office/officeart/2005/8/layout/process5">
+  <dgm:title val=""/>
+  <dgm:desc val=""/>
+  <dgm:catLst>
+    <dgm:cat type="process" pri="17000"/>
+  </dgm:catLst>
+  <dgm:sampData>
+    <dgm:dataModel>
+      <dgm:ptLst>
+        <dgm:pt modelId="0" type="doc"/>
+        <dgm:pt modelId="1">
+          <dgm:prSet phldr="1"/>
+        </dgm:pt>
+        <dgm:pt modelId="2">
+          <dgm:prSet phldr="1"/>
+        </dgm:pt>
+        <dgm:pt modelId="3">
+          <dgm:prSet phldr="1"/>
+        </dgm:pt>
+        <dgm:pt modelId="4">
+          <dgm:prSet phldr="1"/>
+        </dgm:pt>
+        <dgm:pt modelId="5">
+          <dgm:prSet phldr="1"/>
+        </dgm:pt>
+      </dgm:ptLst>
+      <dgm:cxnLst>
+        <dgm:cxn modelId="7" srcId="0" destId="1" srcOrd="0" destOrd="0"/>
+        <dgm:cxn modelId="8" srcId="0" destId="2" srcOrd="1" destOrd="0"/>
+        <dgm:cxn modelId="9" srcId="0" destId="3" srcOrd="2" destOrd="0"/>
+        <dgm:cxn modelId="10" srcId="0" destId="4" srcOrd="3" destOrd="0"/>
+        <dgm:cxn modelId="11" srcId="0" destId="5" srcOrd="4" destOrd="0"/>
+      </dgm:cxnLst>
+      <dgm:bg/>
+      <dgm:whole/>
+    </dgm:dataModel>
+  </dgm:sampData>
+  <dgm:styleData>
+    <dgm:dataModel>
+      <dgm:ptLst>
+        <dgm:pt modelId="0" type="doc"/>
+        <dgm:pt modelId="1"/>
+        <dgm:pt modelId="2"/>
+      </dgm:ptLst>
+      <dgm:cxnLst>
+        <dgm:cxn modelId="3" srcId="0" destId="1" srcOrd="0" destOrd="0"/>
+        <dgm:cxn modelId="4" srcId="0" destId="2" srcOrd="1" destOrd="0"/>
+      </dgm:cxnLst>
+      <dgm:bg/>
+      <dgm:whole/>
+    </dgm:dataModel>
+  </dgm:styleData>
+  <dgm:clrData>
+    <dgm:dataModel>
+      <dgm:ptLst>
+        <dgm:pt modelId="0" type="doc"/>
+        <dgm:pt modelId="1"/>
+        <dgm:pt modelId="2"/>
+        <dgm:pt modelId="3"/>
+        <dgm:pt modelId="4"/>
+      </dgm:ptLst>
+      <dgm:cxnLst>
+        <dgm:cxn modelId="5" srcId="0" destId="1" srcOrd="0" destOrd="0"/>
+        <dgm:cxn modelId="6" srcId="0" destId="2" srcOrd="1" destOrd="0"/>
+        <dgm:cxn modelId="7" srcId="0" destId="3" srcOrd="2" destOrd="0"/>
+        <dgm:cxn modelId="8" srcId="0" destId="4" srcOrd="3" destOrd="0"/>
+      </dgm:cxnLst>
+      <dgm:bg/>
+      <dgm:whole/>
+    </dgm:dataModel>
+  </dgm:clrData>
+  <dgm:layoutNode name="diagram">
+    <dgm:varLst>
+      <dgm:dir/>
+      <dgm:resizeHandles val="exact"/>
+    </dgm:varLst>
+    <dgm:choose name="Name0">
+      <dgm:if name="Name1" axis="self" func="var" arg="dir" op="equ" val="norm">
+        <dgm:alg type="snake">
+          <dgm:param type="grDir" val="tL"/>
+          <dgm:param type="flowDir" val="row"/>
+          <dgm:param type="contDir" val="revDir"/>
+          <dgm:param type="bkpt" val="endCnv"/>
+        </dgm:alg>
+      </dgm:if>
+      <dgm:else name="Name2">
+        <dgm:alg type="snake">
+          <dgm:param type="grDir" val="tR"/>
+          <dgm:param type="flowDir" val="row"/>
+          <dgm:param type="contDir" val="revDir"/>
+          <dgm:param type="bkpt" val="endCnv"/>
+        </dgm:alg>
+      </dgm:else>
+    </dgm:choose>
+    <dgm:shape xmlns:r="http://schemas.openxmlformats.org/officeDocument/2006/relationships" r:blip="">
+      <dgm:adjLst/>
+    </dgm:shape>
+    <dgm:presOf/>
+    <dgm:constrLst>
+      <dgm:constr type="w" for="ch" ptType="node" refType="w"/>
+      <dgm:constr type="w" for="ch" forName="sibTrans" refType="w" refFor="ch" refPtType="node" op="equ" fact="0.4"/>
+      <dgm:constr type="sp" refType="w" refFor="ch" refForName="sibTrans" op="equ"/>
+      <dgm:constr type="primFontSz" for="ch" ptType="node" op="equ" val="65"/>
+      <dgm:constr type="primFontSz" for="des" forName="connectorText" op="equ" val="55"/>
+      <dgm:constr type="primFontSz" for="des" forName="connectorText" refType="primFontSz" refFor="ch" refPtType="node" op="lte" fact="0.8"/>
+    </dgm:constrLst>
+    <dgm:ruleLst/>
+    <dgm:forEach name="nodesForEach" axis="ch" ptType="node">
+      <dgm:layoutNode name="node">
+        <dgm:varLst>
+          <dgm:bulletEnabled val="1"/>
+        </dgm:varLst>
+        <dgm:alg type="tx"/>
+        <dgm:shape xmlns:r="http://schemas.openxmlformats.org/officeDocument/2006/relationships" type="roundRect" r:blip="">
+          <dgm:adjLst>
+            <dgm:adj idx="1" val="0.1"/>
+          </dgm:adjLst>
+        </dgm:shape>
+        <dgm:presOf axis="desOrSelf" ptType="node"/>
+        <dgm:constrLst>
+          <dgm:constr type="h" refType="w" fact="0.6"/>
+          <dgm:constr type="tMarg" refType="primFontSz" fact="0.3"/>
+          <dgm:constr type="bMarg" refType="primFontSz" fact="0.3"/>
+          <dgm:constr type="lMarg" refType="primFontSz" fact="0.3"/>
+          <dgm:constr type="rMarg" refType="primFontSz" fact="0.3"/>
+        </dgm:constrLst>
+        <dgm:ruleLst>
+          <dgm:rule type="primFontSz" val="5" fact="NaN" max="NaN"/>
+        </dgm:ruleLst>
+      </dgm:layoutNode>
+      <dgm:forEach name="sibTransForEach" axis="followSib" ptType="sibTrans" cnt="1">
+        <dgm:layoutNode name="sibTrans">
+          <dgm:alg type="conn">
+            <dgm:param type="begPts" val="auto"/>
+            <dgm:param type="endPts" val="auto"/>
+          </dgm:alg>
+          <dgm:shape xmlns:r="http://schemas.openxmlformats.org/officeDocument/2006/relationships" type="conn" r:blip="">
+            <dgm:adjLst/>
+          </dgm:shape>
+          <dgm:presOf axis="self"/>
+          <dgm:constrLst>
+            <dgm:constr type="h" refType="w" fact="0.62"/>
+            <dgm:constr type="connDist"/>
+          </dgm:constrLst>
+          <dgm:ruleLst/>
+          <dgm:layoutNode name="connectorText">
+            <dgm:alg type="tx">
+              <dgm:param type="autoTxRot" val="upr"/>
+            </dgm:alg>
+            <dgm:shape xmlns:r="http://schemas.openxmlformats.org/officeDocument/2006/relationships" type="conn" r:blip="" hideGeom="1">
+              <dgm:adjLst/>
+            </dgm:shape>
+            <dgm:presOf axis="self"/>
+            <dgm:constrLst>
+              <dgm:constr type="lMarg"/>
+              <dgm:constr type="rMarg"/>
+              <dgm:constr type="tMarg"/>
+              <dgm:constr type="bMarg"/>
+            </dgm:constrLst>
+            <dgm:ruleLst>
+              <dgm:rule type="primFontSz" val="5" fact="NaN" max="NaN"/>
+            </dgm:ruleLst>
           </dgm:layoutNode>
         </dgm:layoutNode>
       </dgm:forEach>
@@ -29611,6 +29702,1040 @@
 </file>
 
 <file path=ppt/diagrams/quickStyle4.xml><?xml version="1.0" encoding="utf-8"?>
+<dgm:styleDef xmlns:dgm="http://schemas.openxmlformats.org/drawingml/2006/diagram" xmlns:a="http://schemas.openxmlformats.org/drawingml/2006/main" uniqueId="urn:microsoft.com/office/officeart/2005/8/quickstyle/simple5">
+  <dgm:title val=""/>
+  <dgm:desc val=""/>
+  <dgm:catLst>
+    <dgm:cat type="simple" pri="10500"/>
+  </dgm:catLst>
+  <dgm:scene3d>
+    <a:camera prst="orthographicFront"/>
+    <a:lightRig rig="threePt" dir="t"/>
+  </dgm:scene3d>
+  <dgm:styleLbl name="node0">
+    <dgm:scene3d>
+      <a:camera prst="orthographicFront"/>
+      <a:lightRig rig="threePt" dir="t"/>
+    </dgm:scene3d>
+    <dgm:sp3d/>
+    <dgm:txPr/>
+    <dgm:style>
+      <a:lnRef idx="0">
+        <a:scrgbClr r="0" g="0" b="0"/>
+      </a:lnRef>
+      <a:fillRef idx="3">
+        <a:scrgbClr r="0" g="0" b="0"/>
+      </a:fillRef>
+      <a:effectRef idx="3">
+        <a:scrgbClr r="0" g="0" b="0"/>
+      </a:effectRef>
+      <a:fontRef idx="minor">
+        <a:schemeClr val="lt1"/>
+      </a:fontRef>
+    </dgm:style>
+  </dgm:styleLbl>
+  <dgm:styleLbl name="lnNode1">
+    <dgm:scene3d>
+      <a:camera prst="orthographicFront"/>
+      <a:lightRig rig="threePt" dir="t"/>
+    </dgm:scene3d>
+    <dgm:sp3d/>
+    <dgm:txPr/>
+    <dgm:style>
+      <a:lnRef idx="0">
+        <a:scrgbClr r="0" g="0" b="0"/>
+      </a:lnRef>
+      <a:fillRef idx="3">
+        <a:scrgbClr r="0" g="0" b="0"/>
+      </a:fillRef>
+      <a:effectRef idx="3">
+        <a:scrgbClr r="0" g="0" b="0"/>
+      </a:effectRef>
+      <a:fontRef idx="minor">
+        <a:schemeClr val="lt1"/>
+      </a:fontRef>
+    </dgm:style>
+  </dgm:styleLbl>
+  <dgm:styleLbl name="vennNode1">
+    <dgm:scene3d>
+      <a:camera prst="orthographicFront"/>
+      <a:lightRig rig="threePt" dir="t"/>
+    </dgm:scene3d>
+    <dgm:sp3d/>
+    <dgm:txPr/>
+    <dgm:style>
+      <a:lnRef idx="0">
+        <a:scrgbClr r="0" g="0" b="0"/>
+      </a:lnRef>
+      <a:fillRef idx="3">
+        <a:scrgbClr r="0" g="0" b="0"/>
+      </a:fillRef>
+      <a:effectRef idx="3">
+        <a:scrgbClr r="0" g="0" b="0"/>
+      </a:effectRef>
+      <a:fontRef idx="minor">
+        <a:schemeClr val="tx1"/>
+      </a:fontRef>
+    </dgm:style>
+  </dgm:styleLbl>
+  <dgm:styleLbl name="alignNode1">
+    <dgm:scene3d>
+      <a:camera prst="orthographicFront"/>
+      <a:lightRig rig="threePt" dir="t"/>
+    </dgm:scene3d>
+    <dgm:sp3d/>
+    <dgm:txPr/>
+    <dgm:style>
+      <a:lnRef idx="1">
+        <a:scrgbClr r="0" g="0" b="0"/>
+      </a:lnRef>
+      <a:fillRef idx="3">
+        <a:scrgbClr r="0" g="0" b="0"/>
+      </a:fillRef>
+      <a:effectRef idx="3">
+        <a:scrgbClr r="0" g="0" b="0"/>
+      </a:effectRef>
+      <a:fontRef idx="minor">
+        <a:schemeClr val="lt1"/>
+      </a:fontRef>
+    </dgm:style>
+  </dgm:styleLbl>
+  <dgm:styleLbl name="node1">
+    <dgm:scene3d>
+      <a:camera prst="orthographicFront"/>
+      <a:lightRig rig="threePt" dir="t"/>
+    </dgm:scene3d>
+    <dgm:sp3d/>
+    <dgm:txPr/>
+    <dgm:style>
+      <a:lnRef idx="0">
+        <a:scrgbClr r="0" g="0" b="0"/>
+      </a:lnRef>
+      <a:fillRef idx="3">
+        <a:scrgbClr r="0" g="0" b="0"/>
+      </a:fillRef>
+      <a:effectRef idx="3">
+        <a:scrgbClr r="0" g="0" b="0"/>
+      </a:effectRef>
+      <a:fontRef idx="minor">
+        <a:schemeClr val="lt1"/>
+      </a:fontRef>
+    </dgm:style>
+  </dgm:styleLbl>
+  <dgm:styleLbl name="node2">
+    <dgm:scene3d>
+      <a:camera prst="orthographicFront"/>
+      <a:lightRig rig="threePt" dir="t"/>
+    </dgm:scene3d>
+    <dgm:sp3d/>
+    <dgm:txPr/>
+    <dgm:style>
+      <a:lnRef idx="0">
+        <a:scrgbClr r="0" g="0" b="0"/>
+      </a:lnRef>
+      <a:fillRef idx="3">
+        <a:scrgbClr r="0" g="0" b="0"/>
+      </a:fillRef>
+      <a:effectRef idx="3">
+        <a:scrgbClr r="0" g="0" b="0"/>
+      </a:effectRef>
+      <a:fontRef idx="minor">
+        <a:schemeClr val="lt1"/>
+      </a:fontRef>
+    </dgm:style>
+  </dgm:styleLbl>
+  <dgm:styleLbl name="node3">
+    <dgm:scene3d>
+      <a:camera prst="orthographicFront"/>
+      <a:lightRig rig="threePt" dir="t"/>
+    </dgm:scene3d>
+    <dgm:sp3d/>
+    <dgm:txPr/>
+    <dgm:style>
+      <a:lnRef idx="0">
+        <a:scrgbClr r="0" g="0" b="0"/>
+      </a:lnRef>
+      <a:fillRef idx="3">
+        <a:scrgbClr r="0" g="0" b="0"/>
+      </a:fillRef>
+      <a:effectRef idx="3">
+        <a:scrgbClr r="0" g="0" b="0"/>
+      </a:effectRef>
+      <a:fontRef idx="minor">
+        <a:schemeClr val="lt1"/>
+      </a:fontRef>
+    </dgm:style>
+  </dgm:styleLbl>
+  <dgm:styleLbl name="node4">
+    <dgm:scene3d>
+      <a:camera prst="orthographicFront"/>
+      <a:lightRig rig="threePt" dir="t"/>
+    </dgm:scene3d>
+    <dgm:sp3d/>
+    <dgm:txPr/>
+    <dgm:style>
+      <a:lnRef idx="0">
+        <a:scrgbClr r="0" g="0" b="0"/>
+      </a:lnRef>
+      <a:fillRef idx="3">
+        <a:scrgbClr r="0" g="0" b="0"/>
+      </a:fillRef>
+      <a:effectRef idx="3">
+        <a:scrgbClr r="0" g="0" b="0"/>
+      </a:effectRef>
+      <a:fontRef idx="minor">
+        <a:schemeClr val="lt1"/>
+      </a:fontRef>
+    </dgm:style>
+  </dgm:styleLbl>
+  <dgm:styleLbl name="fgImgPlace1">
+    <dgm:scene3d>
+      <a:camera prst="orthographicFront"/>
+      <a:lightRig rig="threePt" dir="t"/>
+    </dgm:scene3d>
+    <dgm:sp3d/>
+    <dgm:txPr/>
+    <dgm:style>
+      <a:lnRef idx="0">
+        <a:scrgbClr r="0" g="0" b="0"/>
+      </a:lnRef>
+      <a:fillRef idx="1">
+        <a:scrgbClr r="0" g="0" b="0"/>
+      </a:fillRef>
+      <a:effectRef idx="3">
+        <a:scrgbClr r="0" g="0" b="0"/>
+      </a:effectRef>
+      <a:fontRef idx="minor"/>
+    </dgm:style>
+  </dgm:styleLbl>
+  <dgm:styleLbl name="alignImgPlace1">
+    <dgm:scene3d>
+      <a:camera prst="orthographicFront"/>
+      <a:lightRig rig="threePt" dir="t"/>
+    </dgm:scene3d>
+    <dgm:sp3d/>
+    <dgm:txPr/>
+    <dgm:style>
+      <a:lnRef idx="0">
+        <a:scrgbClr r="0" g="0" b="0"/>
+      </a:lnRef>
+      <a:fillRef idx="1">
+        <a:scrgbClr r="0" g="0" b="0"/>
+      </a:fillRef>
+      <a:effectRef idx="3">
+        <a:scrgbClr r="0" g="0" b="0"/>
+      </a:effectRef>
+      <a:fontRef idx="minor"/>
+    </dgm:style>
+  </dgm:styleLbl>
+  <dgm:styleLbl name="bgImgPlace1">
+    <dgm:scene3d>
+      <a:camera prst="orthographicFront"/>
+      <a:lightRig rig="threePt" dir="t"/>
+    </dgm:scene3d>
+    <dgm:sp3d/>
+    <dgm:txPr/>
+    <dgm:style>
+      <a:lnRef idx="0">
+        <a:scrgbClr r="0" g="0" b="0"/>
+      </a:lnRef>
+      <a:fillRef idx="1">
+        <a:scrgbClr r="0" g="0" b="0"/>
+      </a:fillRef>
+      <a:effectRef idx="3">
+        <a:scrgbClr r="0" g="0" b="0"/>
+      </a:effectRef>
+      <a:fontRef idx="minor"/>
+    </dgm:style>
+  </dgm:styleLbl>
+  <dgm:styleLbl name="sibTrans2D1">
+    <dgm:scene3d>
+      <a:camera prst="orthographicFront"/>
+      <a:lightRig rig="threePt" dir="t"/>
+    </dgm:scene3d>
+    <dgm:sp3d/>
+    <dgm:txPr/>
+    <dgm:style>
+      <a:lnRef idx="0">
+        <a:scrgbClr r="0" g="0" b="0"/>
+      </a:lnRef>
+      <a:fillRef idx="3">
+        <a:scrgbClr r="0" g="0" b="0"/>
+      </a:fillRef>
+      <a:effectRef idx="3">
+        <a:scrgbClr r="0" g="0" b="0"/>
+      </a:effectRef>
+      <a:fontRef idx="minor">
+        <a:schemeClr val="lt1"/>
+      </a:fontRef>
+    </dgm:style>
+  </dgm:styleLbl>
+  <dgm:styleLbl name="fgSibTrans2D1">
+    <dgm:scene3d>
+      <a:camera prst="orthographicFront"/>
+      <a:lightRig rig="threePt" dir="t"/>
+    </dgm:scene3d>
+    <dgm:sp3d/>
+    <dgm:txPr/>
+    <dgm:style>
+      <a:lnRef idx="0">
+        <a:scrgbClr r="0" g="0" b="0"/>
+      </a:lnRef>
+      <a:fillRef idx="3">
+        <a:scrgbClr r="0" g="0" b="0"/>
+      </a:fillRef>
+      <a:effectRef idx="3">
+        <a:scrgbClr r="0" g="0" b="0"/>
+      </a:effectRef>
+      <a:fontRef idx="minor">
+        <a:schemeClr val="lt1"/>
+      </a:fontRef>
+    </dgm:style>
+  </dgm:styleLbl>
+  <dgm:styleLbl name="bgSibTrans2D1">
+    <dgm:scene3d>
+      <a:camera prst="orthographicFront"/>
+      <a:lightRig rig="threePt" dir="t"/>
+    </dgm:scene3d>
+    <dgm:sp3d/>
+    <dgm:txPr/>
+    <dgm:style>
+      <a:lnRef idx="0">
+        <a:scrgbClr r="0" g="0" b="0"/>
+      </a:lnRef>
+      <a:fillRef idx="3">
+        <a:scrgbClr r="0" g="0" b="0"/>
+      </a:fillRef>
+      <a:effectRef idx="3">
+        <a:scrgbClr r="0" g="0" b="0"/>
+      </a:effectRef>
+      <a:fontRef idx="minor">
+        <a:schemeClr val="lt1"/>
+      </a:fontRef>
+    </dgm:style>
+  </dgm:styleLbl>
+  <dgm:styleLbl name="sibTrans1D1">
+    <dgm:scene3d>
+      <a:camera prst="orthographicFront"/>
+      <a:lightRig rig="threePt" dir="t"/>
+    </dgm:scene3d>
+    <dgm:sp3d/>
+    <dgm:txPr/>
+    <dgm:style>
+      <a:lnRef idx="1">
+        <a:scrgbClr r="0" g="0" b="0"/>
+      </a:lnRef>
+      <a:fillRef idx="0">
+        <a:scrgbClr r="0" g="0" b="0"/>
+      </a:fillRef>
+      <a:effectRef idx="0">
+        <a:scrgbClr r="0" g="0" b="0"/>
+      </a:effectRef>
+      <a:fontRef idx="minor"/>
+    </dgm:style>
+  </dgm:styleLbl>
+  <dgm:styleLbl name="callout">
+    <dgm:scene3d>
+      <a:camera prst="orthographicFront"/>
+      <a:lightRig rig="threePt" dir="t"/>
+    </dgm:scene3d>
+    <dgm:sp3d/>
+    <dgm:txPr/>
+    <dgm:style>
+      <a:lnRef idx="1">
+        <a:scrgbClr r="0" g="0" b="0"/>
+      </a:lnRef>
+      <a:fillRef idx="0">
+        <a:scrgbClr r="0" g="0" b="0"/>
+      </a:fillRef>
+      <a:effectRef idx="1">
+        <a:scrgbClr r="0" g="0" b="0"/>
+      </a:effectRef>
+      <a:fontRef idx="minor"/>
+    </dgm:style>
+  </dgm:styleLbl>
+  <dgm:styleLbl name="asst0">
+    <dgm:scene3d>
+      <a:camera prst="orthographicFront"/>
+      <a:lightRig rig="threePt" dir="t"/>
+    </dgm:scene3d>
+    <dgm:sp3d/>
+    <dgm:txPr/>
+    <dgm:style>
+      <a:lnRef idx="0">
+        <a:scrgbClr r="0" g="0" b="0"/>
+      </a:lnRef>
+      <a:fillRef idx="3">
+        <a:scrgbClr r="0" g="0" b="0"/>
+      </a:fillRef>
+      <a:effectRef idx="3">
+        <a:scrgbClr r="0" g="0" b="0"/>
+      </a:effectRef>
+      <a:fontRef idx="minor">
+        <a:schemeClr val="lt1"/>
+      </a:fontRef>
+    </dgm:style>
+  </dgm:styleLbl>
+  <dgm:styleLbl name="asst1">
+    <dgm:scene3d>
+      <a:camera prst="orthographicFront"/>
+      <a:lightRig rig="threePt" dir="t"/>
+    </dgm:scene3d>
+    <dgm:sp3d/>
+    <dgm:txPr/>
+    <dgm:style>
+      <a:lnRef idx="0">
+        <a:scrgbClr r="0" g="0" b="0"/>
+      </a:lnRef>
+      <a:fillRef idx="3">
+        <a:scrgbClr r="0" g="0" b="0"/>
+      </a:fillRef>
+      <a:effectRef idx="3">
+        <a:scrgbClr r="0" g="0" b="0"/>
+      </a:effectRef>
+      <a:fontRef idx="minor">
+        <a:schemeClr val="lt1"/>
+      </a:fontRef>
+    </dgm:style>
+  </dgm:styleLbl>
+  <dgm:styleLbl name="asst2">
+    <dgm:scene3d>
+      <a:camera prst="orthographicFront"/>
+      <a:lightRig rig="threePt" dir="t"/>
+    </dgm:scene3d>
+    <dgm:sp3d/>
+    <dgm:txPr/>
+    <dgm:style>
+      <a:lnRef idx="0">
+        <a:scrgbClr r="0" g="0" b="0"/>
+      </a:lnRef>
+      <a:fillRef idx="3">
+        <a:scrgbClr r="0" g="0" b="0"/>
+      </a:fillRef>
+      <a:effectRef idx="3">
+        <a:scrgbClr r="0" g="0" b="0"/>
+      </a:effectRef>
+      <a:fontRef idx="minor">
+        <a:schemeClr val="lt1"/>
+      </a:fontRef>
+    </dgm:style>
+  </dgm:styleLbl>
+  <dgm:styleLbl name="asst3">
+    <dgm:scene3d>
+      <a:camera prst="orthographicFront"/>
+      <a:lightRig rig="threePt" dir="t"/>
+    </dgm:scene3d>
+    <dgm:sp3d/>
+    <dgm:txPr/>
+    <dgm:style>
+      <a:lnRef idx="0">
+        <a:scrgbClr r="0" g="0" b="0"/>
+      </a:lnRef>
+      <a:fillRef idx="3">
+        <a:scrgbClr r="0" g="0" b="0"/>
+      </a:fillRef>
+      <a:effectRef idx="3">
+        <a:scrgbClr r="0" g="0" b="0"/>
+      </a:effectRef>
+      <a:fontRef idx="minor">
+        <a:schemeClr val="lt1"/>
+      </a:fontRef>
+    </dgm:style>
+  </dgm:styleLbl>
+  <dgm:styleLbl name="asst4">
+    <dgm:scene3d>
+      <a:camera prst="orthographicFront"/>
+      <a:lightRig rig="threePt" dir="t"/>
+    </dgm:scene3d>
+    <dgm:sp3d/>
+    <dgm:txPr/>
+    <dgm:style>
+      <a:lnRef idx="0">
+        <a:scrgbClr r="0" g="0" b="0"/>
+      </a:lnRef>
+      <a:fillRef idx="3">
+        <a:scrgbClr r="0" g="0" b="0"/>
+      </a:fillRef>
+      <a:effectRef idx="3">
+        <a:scrgbClr r="0" g="0" b="0"/>
+      </a:effectRef>
+      <a:fontRef idx="minor">
+        <a:schemeClr val="lt1"/>
+      </a:fontRef>
+    </dgm:style>
+  </dgm:styleLbl>
+  <dgm:styleLbl name="parChTrans2D1">
+    <dgm:scene3d>
+      <a:camera prst="orthographicFront"/>
+      <a:lightRig rig="threePt" dir="t"/>
+    </dgm:scene3d>
+    <dgm:sp3d/>
+    <dgm:txPr/>
+    <dgm:style>
+      <a:lnRef idx="0">
+        <a:scrgbClr r="0" g="0" b="0"/>
+      </a:lnRef>
+      <a:fillRef idx="3">
+        <a:scrgbClr r="0" g="0" b="0"/>
+      </a:fillRef>
+      <a:effectRef idx="3">
+        <a:scrgbClr r="0" g="0" b="0"/>
+      </a:effectRef>
+      <a:fontRef idx="minor">
+        <a:schemeClr val="lt1"/>
+      </a:fontRef>
+    </dgm:style>
+  </dgm:styleLbl>
+  <dgm:styleLbl name="parChTrans2D2">
+    <dgm:scene3d>
+      <a:camera prst="orthographicFront"/>
+      <a:lightRig rig="threePt" dir="t"/>
+    </dgm:scene3d>
+    <dgm:sp3d/>
+    <dgm:txPr/>
+    <dgm:style>
+      <a:lnRef idx="0">
+        <a:scrgbClr r="0" g="0" b="0"/>
+      </a:lnRef>
+      <a:fillRef idx="3">
+        <a:scrgbClr r="0" g="0" b="0"/>
+      </a:fillRef>
+      <a:effectRef idx="3">
+        <a:scrgbClr r="0" g="0" b="0"/>
+      </a:effectRef>
+      <a:fontRef idx="minor">
+        <a:schemeClr val="lt1"/>
+      </a:fontRef>
+    </dgm:style>
+  </dgm:styleLbl>
+  <dgm:styleLbl name="parChTrans2D3">
+    <dgm:scene3d>
+      <a:camera prst="orthographicFront"/>
+      <a:lightRig rig="threePt" dir="t"/>
+    </dgm:scene3d>
+    <dgm:sp3d/>
+    <dgm:txPr/>
+    <dgm:style>
+      <a:lnRef idx="0">
+        <a:scrgbClr r="0" g="0" b="0"/>
+      </a:lnRef>
+      <a:fillRef idx="3">
+        <a:scrgbClr r="0" g="0" b="0"/>
+      </a:fillRef>
+      <a:effectRef idx="3">
+        <a:scrgbClr r="0" g="0" b="0"/>
+      </a:effectRef>
+      <a:fontRef idx="minor">
+        <a:schemeClr val="lt1"/>
+      </a:fontRef>
+    </dgm:style>
+  </dgm:styleLbl>
+  <dgm:styleLbl name="parChTrans2D4">
+    <dgm:scene3d>
+      <a:camera prst="orthographicFront"/>
+      <a:lightRig rig="threePt" dir="t"/>
+    </dgm:scene3d>
+    <dgm:sp3d/>
+    <dgm:txPr/>
+    <dgm:style>
+      <a:lnRef idx="0">
+        <a:scrgbClr r="0" g="0" b="0"/>
+      </a:lnRef>
+      <a:fillRef idx="3">
+        <a:scrgbClr r="0" g="0" b="0"/>
+      </a:fillRef>
+      <a:effectRef idx="3">
+        <a:scrgbClr r="0" g="0" b="0"/>
+      </a:effectRef>
+      <a:fontRef idx="minor">
+        <a:schemeClr val="lt1"/>
+      </a:fontRef>
+    </dgm:style>
+  </dgm:styleLbl>
+  <dgm:styleLbl name="parChTrans1D1">
+    <dgm:scene3d>
+      <a:camera prst="orthographicFront"/>
+      <a:lightRig rig="threePt" dir="t"/>
+    </dgm:scene3d>
+    <dgm:sp3d/>
+    <dgm:txPr/>
+    <dgm:style>
+      <a:lnRef idx="2">
+        <a:scrgbClr r="0" g="0" b="0"/>
+      </a:lnRef>
+      <a:fillRef idx="0">
+        <a:scrgbClr r="0" g="0" b="0"/>
+      </a:fillRef>
+      <a:effectRef idx="0">
+        <a:scrgbClr r="0" g="0" b="0"/>
+      </a:effectRef>
+      <a:fontRef idx="minor"/>
+    </dgm:style>
+  </dgm:styleLbl>
+  <dgm:styleLbl name="parChTrans1D2">
+    <dgm:scene3d>
+      <a:camera prst="orthographicFront"/>
+      <a:lightRig rig="threePt" dir="t"/>
+    </dgm:scene3d>
+    <dgm:sp3d/>
+    <dgm:txPr/>
+    <dgm:style>
+      <a:lnRef idx="2">
+        <a:scrgbClr r="0" g="0" b="0"/>
+      </a:lnRef>
+      <a:fillRef idx="0">
+        <a:scrgbClr r="0" g="0" b="0"/>
+      </a:fillRef>
+      <a:effectRef idx="0">
+        <a:scrgbClr r="0" g="0" b="0"/>
+      </a:effectRef>
+      <a:fontRef idx="minor"/>
+    </dgm:style>
+  </dgm:styleLbl>
+  <dgm:styleLbl name="parChTrans1D3">
+    <dgm:scene3d>
+      <a:camera prst="orthographicFront"/>
+      <a:lightRig rig="threePt" dir="t"/>
+    </dgm:scene3d>
+    <dgm:sp3d/>
+    <dgm:txPr/>
+    <dgm:style>
+      <a:lnRef idx="2">
+        <a:scrgbClr r="0" g="0" b="0"/>
+      </a:lnRef>
+      <a:fillRef idx="0">
+        <a:scrgbClr r="0" g="0" b="0"/>
+      </a:fillRef>
+      <a:effectRef idx="0">
+        <a:scrgbClr r="0" g="0" b="0"/>
+      </a:effectRef>
+      <a:fontRef idx="minor"/>
+    </dgm:style>
+  </dgm:styleLbl>
+  <dgm:styleLbl name="parChTrans1D4">
+    <dgm:scene3d>
+      <a:camera prst="orthographicFront"/>
+      <a:lightRig rig="threePt" dir="t"/>
+    </dgm:scene3d>
+    <dgm:sp3d/>
+    <dgm:txPr/>
+    <dgm:style>
+      <a:lnRef idx="2">
+        <a:scrgbClr r="0" g="0" b="0"/>
+      </a:lnRef>
+      <a:fillRef idx="0">
+        <a:scrgbClr r="0" g="0" b="0"/>
+      </a:fillRef>
+      <a:effectRef idx="0">
+        <a:scrgbClr r="0" g="0" b="0"/>
+      </a:effectRef>
+      <a:fontRef idx="minor"/>
+    </dgm:style>
+  </dgm:styleLbl>
+  <dgm:styleLbl name="fgAcc1">
+    <dgm:scene3d>
+      <a:camera prst="orthographicFront"/>
+      <a:lightRig rig="threePt" dir="t"/>
+    </dgm:scene3d>
+    <dgm:sp3d/>
+    <dgm:txPr/>
+    <dgm:style>
+      <a:lnRef idx="1">
+        <a:scrgbClr r="0" g="0" b="0"/>
+      </a:lnRef>
+      <a:fillRef idx="1">
+        <a:scrgbClr r="0" g="0" b="0"/>
+      </a:fillRef>
+      <a:effectRef idx="2">
+        <a:scrgbClr r="0" g="0" b="0"/>
+      </a:effectRef>
+      <a:fontRef idx="minor"/>
+    </dgm:style>
+  </dgm:styleLbl>
+  <dgm:styleLbl name="conFgAcc1">
+    <dgm:scene3d>
+      <a:camera prst="orthographicFront"/>
+      <a:lightRig rig="threePt" dir="t"/>
+    </dgm:scene3d>
+    <dgm:sp3d/>
+    <dgm:txPr/>
+    <dgm:style>
+      <a:lnRef idx="1">
+        <a:scrgbClr r="0" g="0" b="0"/>
+      </a:lnRef>
+      <a:fillRef idx="1">
+        <a:scrgbClr r="0" g="0" b="0"/>
+      </a:fillRef>
+      <a:effectRef idx="2">
+        <a:scrgbClr r="0" g="0" b="0"/>
+      </a:effectRef>
+      <a:fontRef idx="minor"/>
+    </dgm:style>
+  </dgm:styleLbl>
+  <dgm:styleLbl name="alignAcc1">
+    <dgm:scene3d>
+      <a:camera prst="orthographicFront"/>
+      <a:lightRig rig="threePt" dir="t"/>
+    </dgm:scene3d>
+    <dgm:sp3d/>
+    <dgm:txPr/>
+    <dgm:style>
+      <a:lnRef idx="1">
+        <a:scrgbClr r="0" g="0" b="0"/>
+      </a:lnRef>
+      <a:fillRef idx="1">
+        <a:scrgbClr r="0" g="0" b="0"/>
+      </a:fillRef>
+      <a:effectRef idx="2">
+        <a:scrgbClr r="0" g="0" b="0"/>
+      </a:effectRef>
+      <a:fontRef idx="minor"/>
+    </dgm:style>
+  </dgm:styleLbl>
+  <dgm:styleLbl name="trAlignAcc1">
+    <dgm:scene3d>
+      <a:camera prst="orthographicFront"/>
+      <a:lightRig rig="threePt" dir="t"/>
+    </dgm:scene3d>
+    <dgm:sp3d/>
+    <dgm:txPr/>
+    <dgm:style>
+      <a:lnRef idx="1">
+        <a:scrgbClr r="0" g="0" b="0"/>
+      </a:lnRef>
+      <a:fillRef idx="1">
+        <a:scrgbClr r="0" g="0" b="0"/>
+      </a:fillRef>
+      <a:effectRef idx="0">
+        <a:scrgbClr r="0" g="0" b="0"/>
+      </a:effectRef>
+      <a:fontRef idx="minor"/>
+    </dgm:style>
+  </dgm:styleLbl>
+  <dgm:styleLbl name="bgAcc1">
+    <dgm:scene3d>
+      <a:camera prst="orthographicFront"/>
+      <a:lightRig rig="threePt" dir="t"/>
+    </dgm:scene3d>
+    <dgm:sp3d/>
+    <dgm:txPr/>
+    <dgm:style>
+      <a:lnRef idx="1">
+        <a:scrgbClr r="0" g="0" b="0"/>
+      </a:lnRef>
+      <a:fillRef idx="1">
+        <a:scrgbClr r="0" g="0" b="0"/>
+      </a:fillRef>
+      <a:effectRef idx="2">
+        <a:scrgbClr r="0" g="0" b="0"/>
+      </a:effectRef>
+      <a:fontRef idx="minor"/>
+    </dgm:style>
+  </dgm:styleLbl>
+  <dgm:styleLbl name="solidFgAcc1">
+    <dgm:scene3d>
+      <a:camera prst="orthographicFront"/>
+      <a:lightRig rig="threePt" dir="t"/>
+    </dgm:scene3d>
+    <dgm:sp3d/>
+    <dgm:txPr/>
+    <dgm:style>
+      <a:lnRef idx="1">
+        <a:scrgbClr r="0" g="0" b="0"/>
+      </a:lnRef>
+      <a:fillRef idx="1">
+        <a:scrgbClr r="0" g="0" b="0"/>
+      </a:fillRef>
+      <a:effectRef idx="2">
+        <a:scrgbClr r="0" g="0" b="0"/>
+      </a:effectRef>
+      <a:fontRef idx="minor"/>
+    </dgm:style>
+  </dgm:styleLbl>
+  <dgm:styleLbl name="solidAlignAcc1">
+    <dgm:scene3d>
+      <a:camera prst="orthographicFront"/>
+      <a:lightRig rig="threePt" dir="t"/>
+    </dgm:scene3d>
+    <dgm:sp3d/>
+    <dgm:txPr/>
+    <dgm:style>
+      <a:lnRef idx="1">
+        <a:scrgbClr r="0" g="0" b="0"/>
+      </a:lnRef>
+      <a:fillRef idx="1">
+        <a:scrgbClr r="0" g="0" b="0"/>
+      </a:fillRef>
+      <a:effectRef idx="3">
+        <a:scrgbClr r="0" g="0" b="0"/>
+      </a:effectRef>
+      <a:fontRef idx="minor"/>
+    </dgm:style>
+  </dgm:styleLbl>
+  <dgm:styleLbl name="solidBgAcc1">
+    <dgm:scene3d>
+      <a:camera prst="orthographicFront"/>
+      <a:lightRig rig="threePt" dir="t"/>
+    </dgm:scene3d>
+    <dgm:sp3d/>
+    <dgm:txPr/>
+    <dgm:style>
+      <a:lnRef idx="1">
+        <a:scrgbClr r="0" g="0" b="0"/>
+      </a:lnRef>
+      <a:fillRef idx="1">
+        <a:scrgbClr r="0" g="0" b="0"/>
+      </a:fillRef>
+      <a:effectRef idx="3">
+        <a:scrgbClr r="0" g="0" b="0"/>
+      </a:effectRef>
+      <a:fontRef idx="minor"/>
+    </dgm:style>
+  </dgm:styleLbl>
+  <dgm:styleLbl name="fgAccFollowNode1">
+    <dgm:scene3d>
+      <a:camera prst="orthographicFront"/>
+      <a:lightRig rig="threePt" dir="t"/>
+    </dgm:scene3d>
+    <dgm:sp3d/>
+    <dgm:txPr/>
+    <dgm:style>
+      <a:lnRef idx="1">
+        <a:scrgbClr r="0" g="0" b="0"/>
+      </a:lnRef>
+      <a:fillRef idx="1">
+        <a:scrgbClr r="0" g="0" b="0"/>
+      </a:fillRef>
+      <a:effectRef idx="2">
+        <a:scrgbClr r="0" g="0" b="0"/>
+      </a:effectRef>
+      <a:fontRef idx="minor"/>
+    </dgm:style>
+  </dgm:styleLbl>
+  <dgm:styleLbl name="alignAccFollowNode1">
+    <dgm:scene3d>
+      <a:camera prst="orthographicFront"/>
+      <a:lightRig rig="threePt" dir="t"/>
+    </dgm:scene3d>
+    <dgm:sp3d/>
+    <dgm:txPr/>
+    <dgm:style>
+      <a:lnRef idx="1">
+        <a:scrgbClr r="0" g="0" b="0"/>
+      </a:lnRef>
+      <a:fillRef idx="1">
+        <a:scrgbClr r="0" g="0" b="0"/>
+      </a:fillRef>
+      <a:effectRef idx="2">
+        <a:scrgbClr r="0" g="0" b="0"/>
+      </a:effectRef>
+      <a:fontRef idx="minor"/>
+    </dgm:style>
+  </dgm:styleLbl>
+  <dgm:styleLbl name="bgAccFollowNode1">
+    <dgm:scene3d>
+      <a:camera prst="orthographicFront"/>
+      <a:lightRig rig="threePt" dir="t"/>
+    </dgm:scene3d>
+    <dgm:sp3d/>
+    <dgm:txPr/>
+    <dgm:style>
+      <a:lnRef idx="1">
+        <a:scrgbClr r="0" g="0" b="0"/>
+      </a:lnRef>
+      <a:fillRef idx="1">
+        <a:scrgbClr r="0" g="0" b="0"/>
+      </a:fillRef>
+      <a:effectRef idx="2">
+        <a:scrgbClr r="0" g="0" b="0"/>
+      </a:effectRef>
+      <a:fontRef idx="minor"/>
+    </dgm:style>
+  </dgm:styleLbl>
+  <dgm:styleLbl name="fgAcc0">
+    <dgm:scene3d>
+      <a:camera prst="orthographicFront"/>
+      <a:lightRig rig="threePt" dir="t"/>
+    </dgm:scene3d>
+    <dgm:sp3d/>
+    <dgm:txPr/>
+    <dgm:style>
+      <a:lnRef idx="1">
+        <a:scrgbClr r="0" g="0" b="0"/>
+      </a:lnRef>
+      <a:fillRef idx="1">
+        <a:scrgbClr r="0" g="0" b="0"/>
+      </a:fillRef>
+      <a:effectRef idx="2">
+        <a:scrgbClr r="0" g="0" b="0"/>
+      </a:effectRef>
+      <a:fontRef idx="minor"/>
+    </dgm:style>
+  </dgm:styleLbl>
+  <dgm:styleLbl name="fgAcc2">
+    <dgm:scene3d>
+      <a:camera prst="orthographicFront"/>
+      <a:lightRig rig="threePt" dir="t"/>
+    </dgm:scene3d>
+    <dgm:sp3d/>
+    <dgm:txPr/>
+    <dgm:style>
+      <a:lnRef idx="1">
+        <a:scrgbClr r="0" g="0" b="0"/>
+      </a:lnRef>
+      <a:fillRef idx="1">
+        <a:scrgbClr r="0" g="0" b="0"/>
+      </a:fillRef>
+      <a:effectRef idx="2">
+        <a:scrgbClr r="0" g="0" b="0"/>
+      </a:effectRef>
+      <a:fontRef idx="minor"/>
+    </dgm:style>
+  </dgm:styleLbl>
+  <dgm:styleLbl name="fgAcc3">
+    <dgm:scene3d>
+      <a:camera prst="orthographicFront"/>
+      <a:lightRig rig="threePt" dir="t"/>
+    </dgm:scene3d>
+    <dgm:sp3d/>
+    <dgm:txPr/>
+    <dgm:style>
+      <a:lnRef idx="1">
+        <a:scrgbClr r="0" g="0" b="0"/>
+      </a:lnRef>
+      <a:fillRef idx="1">
+        <a:scrgbClr r="0" g="0" b="0"/>
+      </a:fillRef>
+      <a:effectRef idx="2">
+        <a:scrgbClr r="0" g="0" b="0"/>
+      </a:effectRef>
+      <a:fontRef idx="minor"/>
+    </dgm:style>
+  </dgm:styleLbl>
+  <dgm:styleLbl name="fgAcc4">
+    <dgm:scene3d>
+      <a:camera prst="orthographicFront"/>
+      <a:lightRig rig="threePt" dir="t"/>
+    </dgm:scene3d>
+    <dgm:sp3d/>
+    <dgm:txPr/>
+    <dgm:style>
+      <a:lnRef idx="1">
+        <a:scrgbClr r="0" g="0" b="0"/>
+      </a:lnRef>
+      <a:fillRef idx="1">
+        <a:scrgbClr r="0" g="0" b="0"/>
+      </a:fillRef>
+      <a:effectRef idx="2">
+        <a:scrgbClr r="0" g="0" b="0"/>
+      </a:effectRef>
+      <a:fontRef idx="minor"/>
+    </dgm:style>
+  </dgm:styleLbl>
+  <dgm:styleLbl name="bgShp">
+    <dgm:scene3d>
+      <a:camera prst="orthographicFront"/>
+      <a:lightRig rig="threePt" dir="t"/>
+    </dgm:scene3d>
+    <dgm:sp3d/>
+    <dgm:txPr/>
+    <dgm:style>
+      <a:lnRef idx="0">
+        <a:scrgbClr r="0" g="0" b="0"/>
+      </a:lnRef>
+      <a:fillRef idx="1">
+        <a:scrgbClr r="0" g="0" b="0"/>
+      </a:fillRef>
+      <a:effectRef idx="2">
+        <a:scrgbClr r="0" g="0" b="0"/>
+      </a:effectRef>
+      <a:fontRef idx="minor"/>
+    </dgm:style>
+  </dgm:styleLbl>
+  <dgm:styleLbl name="dkBgShp">
+    <dgm:scene3d>
+      <a:camera prst="orthographicFront"/>
+      <a:lightRig rig="threePt" dir="t"/>
+    </dgm:scene3d>
+    <dgm:sp3d/>
+    <dgm:txPr/>
+    <dgm:style>
+      <a:lnRef idx="0">
+        <a:scrgbClr r="0" g="0" b="0"/>
+      </a:lnRef>
+      <a:fillRef idx="1">
+        <a:scrgbClr r="0" g="0" b="0"/>
+      </a:fillRef>
+      <a:effectRef idx="3">
+        <a:scrgbClr r="0" g="0" b="0"/>
+      </a:effectRef>
+      <a:fontRef idx="minor"/>
+    </dgm:style>
+  </dgm:styleLbl>
+  <dgm:styleLbl name="trBgShp">
+    <dgm:scene3d>
+      <a:camera prst="orthographicFront"/>
+      <a:lightRig rig="threePt" dir="t"/>
+    </dgm:scene3d>
+    <dgm:sp3d/>
+    <dgm:txPr/>
+    <dgm:style>
+      <a:lnRef idx="0">
+        <a:scrgbClr r="0" g="0" b="0"/>
+      </a:lnRef>
+      <a:fillRef idx="1">
+        <a:scrgbClr r="0" g="0" b="0"/>
+      </a:fillRef>
+      <a:effectRef idx="0">
+        <a:scrgbClr r="0" g="0" b="0"/>
+      </a:effectRef>
+      <a:fontRef idx="minor"/>
+    </dgm:style>
+  </dgm:styleLbl>
+  <dgm:styleLbl name="fgShp">
+    <dgm:scene3d>
+      <a:camera prst="orthographicFront"/>
+      <a:lightRig rig="threePt" dir="t"/>
+    </dgm:scene3d>
+    <dgm:sp3d/>
+    <dgm:txPr/>
+    <dgm:style>
+      <a:lnRef idx="0">
+        <a:scrgbClr r="0" g="0" b="0"/>
+      </a:lnRef>
+      <a:fillRef idx="3">
+        <a:scrgbClr r="0" g="0" b="0"/>
+      </a:fillRef>
+      <a:effectRef idx="3">
+        <a:scrgbClr r="0" g="0" b="0"/>
+      </a:effectRef>
+      <a:fontRef idx="minor"/>
+    </dgm:style>
+  </dgm:styleLbl>
+  <dgm:styleLbl name="revTx">
+    <dgm:scene3d>
+      <a:camera prst="orthographicFront"/>
+      <a:lightRig rig="threePt" dir="t"/>
+    </dgm:scene3d>
+    <dgm:sp3d/>
+    <dgm:txPr/>
+    <dgm:style>
+      <a:lnRef idx="0">
+        <a:scrgbClr r="0" g="0" b="0"/>
+      </a:lnRef>
+      <a:fillRef idx="0">
+        <a:scrgbClr r="0" g="0" b="0"/>
+      </a:fillRef>
+      <a:effectRef idx="0">
+        <a:scrgbClr r="0" g="0" b="0"/>
+      </a:effectRef>
+      <a:fontRef idx="minor"/>
+    </dgm:style>
+  </dgm:styleLbl>
+</dgm:styleDef>
+</file>
+
+<file path=ppt/diagrams/quickStyle5.xml><?xml version="1.0" encoding="utf-8"?>
 <dgm:styleDef xmlns:dgm="http://schemas.openxmlformats.org/drawingml/2006/diagram" xmlns:a="http://schemas.openxmlformats.org/drawingml/2006/main" uniqueId="urn:microsoft.com/office/officeart/2005/8/quickstyle/simple1">
   <dgm:title val=""/>
   <dgm:desc val=""/>
@@ -30616,1040 +31741,6 @@
         <a:scrgbClr r="0" g="0" b="0"/>
       </a:fillRef>
       <a:effectRef idx="0">
-        <a:scrgbClr r="0" g="0" b="0"/>
-      </a:effectRef>
-      <a:fontRef idx="minor"/>
-    </dgm:style>
-  </dgm:styleLbl>
-  <dgm:styleLbl name="revTx">
-    <dgm:scene3d>
-      <a:camera prst="orthographicFront"/>
-      <a:lightRig rig="threePt" dir="t"/>
-    </dgm:scene3d>
-    <dgm:sp3d/>
-    <dgm:txPr/>
-    <dgm:style>
-      <a:lnRef idx="0">
-        <a:scrgbClr r="0" g="0" b="0"/>
-      </a:lnRef>
-      <a:fillRef idx="0">
-        <a:scrgbClr r="0" g="0" b="0"/>
-      </a:fillRef>
-      <a:effectRef idx="0">
-        <a:scrgbClr r="0" g="0" b="0"/>
-      </a:effectRef>
-      <a:fontRef idx="minor"/>
-    </dgm:style>
-  </dgm:styleLbl>
-</dgm:styleDef>
-</file>
-
-<file path=ppt/diagrams/quickStyle5.xml><?xml version="1.0" encoding="utf-8"?>
-<dgm:styleDef xmlns:dgm="http://schemas.openxmlformats.org/drawingml/2006/diagram" xmlns:a="http://schemas.openxmlformats.org/drawingml/2006/main" uniqueId="urn:microsoft.com/office/officeart/2005/8/quickstyle/simple5">
-  <dgm:title val=""/>
-  <dgm:desc val=""/>
-  <dgm:catLst>
-    <dgm:cat type="simple" pri="10500"/>
-  </dgm:catLst>
-  <dgm:scene3d>
-    <a:camera prst="orthographicFront"/>
-    <a:lightRig rig="threePt" dir="t"/>
-  </dgm:scene3d>
-  <dgm:styleLbl name="node0">
-    <dgm:scene3d>
-      <a:camera prst="orthographicFront"/>
-      <a:lightRig rig="threePt" dir="t"/>
-    </dgm:scene3d>
-    <dgm:sp3d/>
-    <dgm:txPr/>
-    <dgm:style>
-      <a:lnRef idx="0">
-        <a:scrgbClr r="0" g="0" b="0"/>
-      </a:lnRef>
-      <a:fillRef idx="3">
-        <a:scrgbClr r="0" g="0" b="0"/>
-      </a:fillRef>
-      <a:effectRef idx="3">
-        <a:scrgbClr r="0" g="0" b="0"/>
-      </a:effectRef>
-      <a:fontRef idx="minor">
-        <a:schemeClr val="lt1"/>
-      </a:fontRef>
-    </dgm:style>
-  </dgm:styleLbl>
-  <dgm:styleLbl name="lnNode1">
-    <dgm:scene3d>
-      <a:camera prst="orthographicFront"/>
-      <a:lightRig rig="threePt" dir="t"/>
-    </dgm:scene3d>
-    <dgm:sp3d/>
-    <dgm:txPr/>
-    <dgm:style>
-      <a:lnRef idx="0">
-        <a:scrgbClr r="0" g="0" b="0"/>
-      </a:lnRef>
-      <a:fillRef idx="3">
-        <a:scrgbClr r="0" g="0" b="0"/>
-      </a:fillRef>
-      <a:effectRef idx="3">
-        <a:scrgbClr r="0" g="0" b="0"/>
-      </a:effectRef>
-      <a:fontRef idx="minor">
-        <a:schemeClr val="lt1"/>
-      </a:fontRef>
-    </dgm:style>
-  </dgm:styleLbl>
-  <dgm:styleLbl name="vennNode1">
-    <dgm:scene3d>
-      <a:camera prst="orthographicFront"/>
-      <a:lightRig rig="threePt" dir="t"/>
-    </dgm:scene3d>
-    <dgm:sp3d/>
-    <dgm:txPr/>
-    <dgm:style>
-      <a:lnRef idx="0">
-        <a:scrgbClr r="0" g="0" b="0"/>
-      </a:lnRef>
-      <a:fillRef idx="3">
-        <a:scrgbClr r="0" g="0" b="0"/>
-      </a:fillRef>
-      <a:effectRef idx="3">
-        <a:scrgbClr r="0" g="0" b="0"/>
-      </a:effectRef>
-      <a:fontRef idx="minor">
-        <a:schemeClr val="tx1"/>
-      </a:fontRef>
-    </dgm:style>
-  </dgm:styleLbl>
-  <dgm:styleLbl name="alignNode1">
-    <dgm:scene3d>
-      <a:camera prst="orthographicFront"/>
-      <a:lightRig rig="threePt" dir="t"/>
-    </dgm:scene3d>
-    <dgm:sp3d/>
-    <dgm:txPr/>
-    <dgm:style>
-      <a:lnRef idx="1">
-        <a:scrgbClr r="0" g="0" b="0"/>
-      </a:lnRef>
-      <a:fillRef idx="3">
-        <a:scrgbClr r="0" g="0" b="0"/>
-      </a:fillRef>
-      <a:effectRef idx="3">
-        <a:scrgbClr r="0" g="0" b="0"/>
-      </a:effectRef>
-      <a:fontRef idx="minor">
-        <a:schemeClr val="lt1"/>
-      </a:fontRef>
-    </dgm:style>
-  </dgm:styleLbl>
-  <dgm:styleLbl name="node1">
-    <dgm:scene3d>
-      <a:camera prst="orthographicFront"/>
-      <a:lightRig rig="threePt" dir="t"/>
-    </dgm:scene3d>
-    <dgm:sp3d/>
-    <dgm:txPr/>
-    <dgm:style>
-      <a:lnRef idx="0">
-        <a:scrgbClr r="0" g="0" b="0"/>
-      </a:lnRef>
-      <a:fillRef idx="3">
-        <a:scrgbClr r="0" g="0" b="0"/>
-      </a:fillRef>
-      <a:effectRef idx="3">
-        <a:scrgbClr r="0" g="0" b="0"/>
-      </a:effectRef>
-      <a:fontRef idx="minor">
-        <a:schemeClr val="lt1"/>
-      </a:fontRef>
-    </dgm:style>
-  </dgm:styleLbl>
-  <dgm:styleLbl name="node2">
-    <dgm:scene3d>
-      <a:camera prst="orthographicFront"/>
-      <a:lightRig rig="threePt" dir="t"/>
-    </dgm:scene3d>
-    <dgm:sp3d/>
-    <dgm:txPr/>
-    <dgm:style>
-      <a:lnRef idx="0">
-        <a:scrgbClr r="0" g="0" b="0"/>
-      </a:lnRef>
-      <a:fillRef idx="3">
-        <a:scrgbClr r="0" g="0" b="0"/>
-      </a:fillRef>
-      <a:effectRef idx="3">
-        <a:scrgbClr r="0" g="0" b="0"/>
-      </a:effectRef>
-      <a:fontRef idx="minor">
-        <a:schemeClr val="lt1"/>
-      </a:fontRef>
-    </dgm:style>
-  </dgm:styleLbl>
-  <dgm:styleLbl name="node3">
-    <dgm:scene3d>
-      <a:camera prst="orthographicFront"/>
-      <a:lightRig rig="threePt" dir="t"/>
-    </dgm:scene3d>
-    <dgm:sp3d/>
-    <dgm:txPr/>
-    <dgm:style>
-      <a:lnRef idx="0">
-        <a:scrgbClr r="0" g="0" b="0"/>
-      </a:lnRef>
-      <a:fillRef idx="3">
-        <a:scrgbClr r="0" g="0" b="0"/>
-      </a:fillRef>
-      <a:effectRef idx="3">
-        <a:scrgbClr r="0" g="0" b="0"/>
-      </a:effectRef>
-      <a:fontRef idx="minor">
-        <a:schemeClr val="lt1"/>
-      </a:fontRef>
-    </dgm:style>
-  </dgm:styleLbl>
-  <dgm:styleLbl name="node4">
-    <dgm:scene3d>
-      <a:camera prst="orthographicFront"/>
-      <a:lightRig rig="threePt" dir="t"/>
-    </dgm:scene3d>
-    <dgm:sp3d/>
-    <dgm:txPr/>
-    <dgm:style>
-      <a:lnRef idx="0">
-        <a:scrgbClr r="0" g="0" b="0"/>
-      </a:lnRef>
-      <a:fillRef idx="3">
-        <a:scrgbClr r="0" g="0" b="0"/>
-      </a:fillRef>
-      <a:effectRef idx="3">
-        <a:scrgbClr r="0" g="0" b="0"/>
-      </a:effectRef>
-      <a:fontRef idx="minor">
-        <a:schemeClr val="lt1"/>
-      </a:fontRef>
-    </dgm:style>
-  </dgm:styleLbl>
-  <dgm:styleLbl name="fgImgPlace1">
-    <dgm:scene3d>
-      <a:camera prst="orthographicFront"/>
-      <a:lightRig rig="threePt" dir="t"/>
-    </dgm:scene3d>
-    <dgm:sp3d/>
-    <dgm:txPr/>
-    <dgm:style>
-      <a:lnRef idx="0">
-        <a:scrgbClr r="0" g="0" b="0"/>
-      </a:lnRef>
-      <a:fillRef idx="1">
-        <a:scrgbClr r="0" g="0" b="0"/>
-      </a:fillRef>
-      <a:effectRef idx="3">
-        <a:scrgbClr r="0" g="0" b="0"/>
-      </a:effectRef>
-      <a:fontRef idx="minor"/>
-    </dgm:style>
-  </dgm:styleLbl>
-  <dgm:styleLbl name="alignImgPlace1">
-    <dgm:scene3d>
-      <a:camera prst="orthographicFront"/>
-      <a:lightRig rig="threePt" dir="t"/>
-    </dgm:scene3d>
-    <dgm:sp3d/>
-    <dgm:txPr/>
-    <dgm:style>
-      <a:lnRef idx="0">
-        <a:scrgbClr r="0" g="0" b="0"/>
-      </a:lnRef>
-      <a:fillRef idx="1">
-        <a:scrgbClr r="0" g="0" b="0"/>
-      </a:fillRef>
-      <a:effectRef idx="3">
-        <a:scrgbClr r="0" g="0" b="0"/>
-      </a:effectRef>
-      <a:fontRef idx="minor"/>
-    </dgm:style>
-  </dgm:styleLbl>
-  <dgm:styleLbl name="bgImgPlace1">
-    <dgm:scene3d>
-      <a:camera prst="orthographicFront"/>
-      <a:lightRig rig="threePt" dir="t"/>
-    </dgm:scene3d>
-    <dgm:sp3d/>
-    <dgm:txPr/>
-    <dgm:style>
-      <a:lnRef idx="0">
-        <a:scrgbClr r="0" g="0" b="0"/>
-      </a:lnRef>
-      <a:fillRef idx="1">
-        <a:scrgbClr r="0" g="0" b="0"/>
-      </a:fillRef>
-      <a:effectRef idx="3">
-        <a:scrgbClr r="0" g="0" b="0"/>
-      </a:effectRef>
-      <a:fontRef idx="minor"/>
-    </dgm:style>
-  </dgm:styleLbl>
-  <dgm:styleLbl name="sibTrans2D1">
-    <dgm:scene3d>
-      <a:camera prst="orthographicFront"/>
-      <a:lightRig rig="threePt" dir="t"/>
-    </dgm:scene3d>
-    <dgm:sp3d/>
-    <dgm:txPr/>
-    <dgm:style>
-      <a:lnRef idx="0">
-        <a:scrgbClr r="0" g="0" b="0"/>
-      </a:lnRef>
-      <a:fillRef idx="3">
-        <a:scrgbClr r="0" g="0" b="0"/>
-      </a:fillRef>
-      <a:effectRef idx="3">
-        <a:scrgbClr r="0" g="0" b="0"/>
-      </a:effectRef>
-      <a:fontRef idx="minor">
-        <a:schemeClr val="lt1"/>
-      </a:fontRef>
-    </dgm:style>
-  </dgm:styleLbl>
-  <dgm:styleLbl name="fgSibTrans2D1">
-    <dgm:scene3d>
-      <a:camera prst="orthographicFront"/>
-      <a:lightRig rig="threePt" dir="t"/>
-    </dgm:scene3d>
-    <dgm:sp3d/>
-    <dgm:txPr/>
-    <dgm:style>
-      <a:lnRef idx="0">
-        <a:scrgbClr r="0" g="0" b="0"/>
-      </a:lnRef>
-      <a:fillRef idx="3">
-        <a:scrgbClr r="0" g="0" b="0"/>
-      </a:fillRef>
-      <a:effectRef idx="3">
-        <a:scrgbClr r="0" g="0" b="0"/>
-      </a:effectRef>
-      <a:fontRef idx="minor">
-        <a:schemeClr val="lt1"/>
-      </a:fontRef>
-    </dgm:style>
-  </dgm:styleLbl>
-  <dgm:styleLbl name="bgSibTrans2D1">
-    <dgm:scene3d>
-      <a:camera prst="orthographicFront"/>
-      <a:lightRig rig="threePt" dir="t"/>
-    </dgm:scene3d>
-    <dgm:sp3d/>
-    <dgm:txPr/>
-    <dgm:style>
-      <a:lnRef idx="0">
-        <a:scrgbClr r="0" g="0" b="0"/>
-      </a:lnRef>
-      <a:fillRef idx="3">
-        <a:scrgbClr r="0" g="0" b="0"/>
-      </a:fillRef>
-      <a:effectRef idx="3">
-        <a:scrgbClr r="0" g="0" b="0"/>
-      </a:effectRef>
-      <a:fontRef idx="minor">
-        <a:schemeClr val="lt1"/>
-      </a:fontRef>
-    </dgm:style>
-  </dgm:styleLbl>
-  <dgm:styleLbl name="sibTrans1D1">
-    <dgm:scene3d>
-      <a:camera prst="orthographicFront"/>
-      <a:lightRig rig="threePt" dir="t"/>
-    </dgm:scene3d>
-    <dgm:sp3d/>
-    <dgm:txPr/>
-    <dgm:style>
-      <a:lnRef idx="1">
-        <a:scrgbClr r="0" g="0" b="0"/>
-      </a:lnRef>
-      <a:fillRef idx="0">
-        <a:scrgbClr r="0" g="0" b="0"/>
-      </a:fillRef>
-      <a:effectRef idx="0">
-        <a:scrgbClr r="0" g="0" b="0"/>
-      </a:effectRef>
-      <a:fontRef idx="minor"/>
-    </dgm:style>
-  </dgm:styleLbl>
-  <dgm:styleLbl name="callout">
-    <dgm:scene3d>
-      <a:camera prst="orthographicFront"/>
-      <a:lightRig rig="threePt" dir="t"/>
-    </dgm:scene3d>
-    <dgm:sp3d/>
-    <dgm:txPr/>
-    <dgm:style>
-      <a:lnRef idx="1">
-        <a:scrgbClr r="0" g="0" b="0"/>
-      </a:lnRef>
-      <a:fillRef idx="0">
-        <a:scrgbClr r="0" g="0" b="0"/>
-      </a:fillRef>
-      <a:effectRef idx="1">
-        <a:scrgbClr r="0" g="0" b="0"/>
-      </a:effectRef>
-      <a:fontRef idx="minor"/>
-    </dgm:style>
-  </dgm:styleLbl>
-  <dgm:styleLbl name="asst0">
-    <dgm:scene3d>
-      <a:camera prst="orthographicFront"/>
-      <a:lightRig rig="threePt" dir="t"/>
-    </dgm:scene3d>
-    <dgm:sp3d/>
-    <dgm:txPr/>
-    <dgm:style>
-      <a:lnRef idx="0">
-        <a:scrgbClr r="0" g="0" b="0"/>
-      </a:lnRef>
-      <a:fillRef idx="3">
-        <a:scrgbClr r="0" g="0" b="0"/>
-      </a:fillRef>
-      <a:effectRef idx="3">
-        <a:scrgbClr r="0" g="0" b="0"/>
-      </a:effectRef>
-      <a:fontRef idx="minor">
-        <a:schemeClr val="lt1"/>
-      </a:fontRef>
-    </dgm:style>
-  </dgm:styleLbl>
-  <dgm:styleLbl name="asst1">
-    <dgm:scene3d>
-      <a:camera prst="orthographicFront"/>
-      <a:lightRig rig="threePt" dir="t"/>
-    </dgm:scene3d>
-    <dgm:sp3d/>
-    <dgm:txPr/>
-    <dgm:style>
-      <a:lnRef idx="0">
-        <a:scrgbClr r="0" g="0" b="0"/>
-      </a:lnRef>
-      <a:fillRef idx="3">
-        <a:scrgbClr r="0" g="0" b="0"/>
-      </a:fillRef>
-      <a:effectRef idx="3">
-        <a:scrgbClr r="0" g="0" b="0"/>
-      </a:effectRef>
-      <a:fontRef idx="minor">
-        <a:schemeClr val="lt1"/>
-      </a:fontRef>
-    </dgm:style>
-  </dgm:styleLbl>
-  <dgm:styleLbl name="asst2">
-    <dgm:scene3d>
-      <a:camera prst="orthographicFront"/>
-      <a:lightRig rig="threePt" dir="t"/>
-    </dgm:scene3d>
-    <dgm:sp3d/>
-    <dgm:txPr/>
-    <dgm:style>
-      <a:lnRef idx="0">
-        <a:scrgbClr r="0" g="0" b="0"/>
-      </a:lnRef>
-      <a:fillRef idx="3">
-        <a:scrgbClr r="0" g="0" b="0"/>
-      </a:fillRef>
-      <a:effectRef idx="3">
-        <a:scrgbClr r="0" g="0" b="0"/>
-      </a:effectRef>
-      <a:fontRef idx="minor">
-        <a:schemeClr val="lt1"/>
-      </a:fontRef>
-    </dgm:style>
-  </dgm:styleLbl>
-  <dgm:styleLbl name="asst3">
-    <dgm:scene3d>
-      <a:camera prst="orthographicFront"/>
-      <a:lightRig rig="threePt" dir="t"/>
-    </dgm:scene3d>
-    <dgm:sp3d/>
-    <dgm:txPr/>
-    <dgm:style>
-      <a:lnRef idx="0">
-        <a:scrgbClr r="0" g="0" b="0"/>
-      </a:lnRef>
-      <a:fillRef idx="3">
-        <a:scrgbClr r="0" g="0" b="0"/>
-      </a:fillRef>
-      <a:effectRef idx="3">
-        <a:scrgbClr r="0" g="0" b="0"/>
-      </a:effectRef>
-      <a:fontRef idx="minor">
-        <a:schemeClr val="lt1"/>
-      </a:fontRef>
-    </dgm:style>
-  </dgm:styleLbl>
-  <dgm:styleLbl name="asst4">
-    <dgm:scene3d>
-      <a:camera prst="orthographicFront"/>
-      <a:lightRig rig="threePt" dir="t"/>
-    </dgm:scene3d>
-    <dgm:sp3d/>
-    <dgm:txPr/>
-    <dgm:style>
-      <a:lnRef idx="0">
-        <a:scrgbClr r="0" g="0" b="0"/>
-      </a:lnRef>
-      <a:fillRef idx="3">
-        <a:scrgbClr r="0" g="0" b="0"/>
-      </a:fillRef>
-      <a:effectRef idx="3">
-        <a:scrgbClr r="0" g="0" b="0"/>
-      </a:effectRef>
-      <a:fontRef idx="minor">
-        <a:schemeClr val="lt1"/>
-      </a:fontRef>
-    </dgm:style>
-  </dgm:styleLbl>
-  <dgm:styleLbl name="parChTrans2D1">
-    <dgm:scene3d>
-      <a:camera prst="orthographicFront"/>
-      <a:lightRig rig="threePt" dir="t"/>
-    </dgm:scene3d>
-    <dgm:sp3d/>
-    <dgm:txPr/>
-    <dgm:style>
-      <a:lnRef idx="0">
-        <a:scrgbClr r="0" g="0" b="0"/>
-      </a:lnRef>
-      <a:fillRef idx="3">
-        <a:scrgbClr r="0" g="0" b="0"/>
-      </a:fillRef>
-      <a:effectRef idx="3">
-        <a:scrgbClr r="0" g="0" b="0"/>
-      </a:effectRef>
-      <a:fontRef idx="minor">
-        <a:schemeClr val="lt1"/>
-      </a:fontRef>
-    </dgm:style>
-  </dgm:styleLbl>
-  <dgm:styleLbl name="parChTrans2D2">
-    <dgm:scene3d>
-      <a:camera prst="orthographicFront"/>
-      <a:lightRig rig="threePt" dir="t"/>
-    </dgm:scene3d>
-    <dgm:sp3d/>
-    <dgm:txPr/>
-    <dgm:style>
-      <a:lnRef idx="0">
-        <a:scrgbClr r="0" g="0" b="0"/>
-      </a:lnRef>
-      <a:fillRef idx="3">
-        <a:scrgbClr r="0" g="0" b="0"/>
-      </a:fillRef>
-      <a:effectRef idx="3">
-        <a:scrgbClr r="0" g="0" b="0"/>
-      </a:effectRef>
-      <a:fontRef idx="minor">
-        <a:schemeClr val="lt1"/>
-      </a:fontRef>
-    </dgm:style>
-  </dgm:styleLbl>
-  <dgm:styleLbl name="parChTrans2D3">
-    <dgm:scene3d>
-      <a:camera prst="orthographicFront"/>
-      <a:lightRig rig="threePt" dir="t"/>
-    </dgm:scene3d>
-    <dgm:sp3d/>
-    <dgm:txPr/>
-    <dgm:style>
-      <a:lnRef idx="0">
-        <a:scrgbClr r="0" g="0" b="0"/>
-      </a:lnRef>
-      <a:fillRef idx="3">
-        <a:scrgbClr r="0" g="0" b="0"/>
-      </a:fillRef>
-      <a:effectRef idx="3">
-        <a:scrgbClr r="0" g="0" b="0"/>
-      </a:effectRef>
-      <a:fontRef idx="minor">
-        <a:schemeClr val="lt1"/>
-      </a:fontRef>
-    </dgm:style>
-  </dgm:styleLbl>
-  <dgm:styleLbl name="parChTrans2D4">
-    <dgm:scene3d>
-      <a:camera prst="orthographicFront"/>
-      <a:lightRig rig="threePt" dir="t"/>
-    </dgm:scene3d>
-    <dgm:sp3d/>
-    <dgm:txPr/>
-    <dgm:style>
-      <a:lnRef idx="0">
-        <a:scrgbClr r="0" g="0" b="0"/>
-      </a:lnRef>
-      <a:fillRef idx="3">
-        <a:scrgbClr r="0" g="0" b="0"/>
-      </a:fillRef>
-      <a:effectRef idx="3">
-        <a:scrgbClr r="0" g="0" b="0"/>
-      </a:effectRef>
-      <a:fontRef idx="minor">
-        <a:schemeClr val="lt1"/>
-      </a:fontRef>
-    </dgm:style>
-  </dgm:styleLbl>
-  <dgm:styleLbl name="parChTrans1D1">
-    <dgm:scene3d>
-      <a:camera prst="orthographicFront"/>
-      <a:lightRig rig="threePt" dir="t"/>
-    </dgm:scene3d>
-    <dgm:sp3d/>
-    <dgm:txPr/>
-    <dgm:style>
-      <a:lnRef idx="2">
-        <a:scrgbClr r="0" g="0" b="0"/>
-      </a:lnRef>
-      <a:fillRef idx="0">
-        <a:scrgbClr r="0" g="0" b="0"/>
-      </a:fillRef>
-      <a:effectRef idx="0">
-        <a:scrgbClr r="0" g="0" b="0"/>
-      </a:effectRef>
-      <a:fontRef idx="minor"/>
-    </dgm:style>
-  </dgm:styleLbl>
-  <dgm:styleLbl name="parChTrans1D2">
-    <dgm:scene3d>
-      <a:camera prst="orthographicFront"/>
-      <a:lightRig rig="threePt" dir="t"/>
-    </dgm:scene3d>
-    <dgm:sp3d/>
-    <dgm:txPr/>
-    <dgm:style>
-      <a:lnRef idx="2">
-        <a:scrgbClr r="0" g="0" b="0"/>
-      </a:lnRef>
-      <a:fillRef idx="0">
-        <a:scrgbClr r="0" g="0" b="0"/>
-      </a:fillRef>
-      <a:effectRef idx="0">
-        <a:scrgbClr r="0" g="0" b="0"/>
-      </a:effectRef>
-      <a:fontRef idx="minor"/>
-    </dgm:style>
-  </dgm:styleLbl>
-  <dgm:styleLbl name="parChTrans1D3">
-    <dgm:scene3d>
-      <a:camera prst="orthographicFront"/>
-      <a:lightRig rig="threePt" dir="t"/>
-    </dgm:scene3d>
-    <dgm:sp3d/>
-    <dgm:txPr/>
-    <dgm:style>
-      <a:lnRef idx="2">
-        <a:scrgbClr r="0" g="0" b="0"/>
-      </a:lnRef>
-      <a:fillRef idx="0">
-        <a:scrgbClr r="0" g="0" b="0"/>
-      </a:fillRef>
-      <a:effectRef idx="0">
-        <a:scrgbClr r="0" g="0" b="0"/>
-      </a:effectRef>
-      <a:fontRef idx="minor"/>
-    </dgm:style>
-  </dgm:styleLbl>
-  <dgm:styleLbl name="parChTrans1D4">
-    <dgm:scene3d>
-      <a:camera prst="orthographicFront"/>
-      <a:lightRig rig="threePt" dir="t"/>
-    </dgm:scene3d>
-    <dgm:sp3d/>
-    <dgm:txPr/>
-    <dgm:style>
-      <a:lnRef idx="2">
-        <a:scrgbClr r="0" g="0" b="0"/>
-      </a:lnRef>
-      <a:fillRef idx="0">
-        <a:scrgbClr r="0" g="0" b="0"/>
-      </a:fillRef>
-      <a:effectRef idx="0">
-        <a:scrgbClr r="0" g="0" b="0"/>
-      </a:effectRef>
-      <a:fontRef idx="minor"/>
-    </dgm:style>
-  </dgm:styleLbl>
-  <dgm:styleLbl name="fgAcc1">
-    <dgm:scene3d>
-      <a:camera prst="orthographicFront"/>
-      <a:lightRig rig="threePt" dir="t"/>
-    </dgm:scene3d>
-    <dgm:sp3d/>
-    <dgm:txPr/>
-    <dgm:style>
-      <a:lnRef idx="1">
-        <a:scrgbClr r="0" g="0" b="0"/>
-      </a:lnRef>
-      <a:fillRef idx="1">
-        <a:scrgbClr r="0" g="0" b="0"/>
-      </a:fillRef>
-      <a:effectRef idx="2">
-        <a:scrgbClr r="0" g="0" b="0"/>
-      </a:effectRef>
-      <a:fontRef idx="minor"/>
-    </dgm:style>
-  </dgm:styleLbl>
-  <dgm:styleLbl name="conFgAcc1">
-    <dgm:scene3d>
-      <a:camera prst="orthographicFront"/>
-      <a:lightRig rig="threePt" dir="t"/>
-    </dgm:scene3d>
-    <dgm:sp3d/>
-    <dgm:txPr/>
-    <dgm:style>
-      <a:lnRef idx="1">
-        <a:scrgbClr r="0" g="0" b="0"/>
-      </a:lnRef>
-      <a:fillRef idx="1">
-        <a:scrgbClr r="0" g="0" b="0"/>
-      </a:fillRef>
-      <a:effectRef idx="2">
-        <a:scrgbClr r="0" g="0" b="0"/>
-      </a:effectRef>
-      <a:fontRef idx="minor"/>
-    </dgm:style>
-  </dgm:styleLbl>
-  <dgm:styleLbl name="alignAcc1">
-    <dgm:scene3d>
-      <a:camera prst="orthographicFront"/>
-      <a:lightRig rig="threePt" dir="t"/>
-    </dgm:scene3d>
-    <dgm:sp3d/>
-    <dgm:txPr/>
-    <dgm:style>
-      <a:lnRef idx="1">
-        <a:scrgbClr r="0" g="0" b="0"/>
-      </a:lnRef>
-      <a:fillRef idx="1">
-        <a:scrgbClr r="0" g="0" b="0"/>
-      </a:fillRef>
-      <a:effectRef idx="2">
-        <a:scrgbClr r="0" g="0" b="0"/>
-      </a:effectRef>
-      <a:fontRef idx="minor"/>
-    </dgm:style>
-  </dgm:styleLbl>
-  <dgm:styleLbl name="trAlignAcc1">
-    <dgm:scene3d>
-      <a:camera prst="orthographicFront"/>
-      <a:lightRig rig="threePt" dir="t"/>
-    </dgm:scene3d>
-    <dgm:sp3d/>
-    <dgm:txPr/>
-    <dgm:style>
-      <a:lnRef idx="1">
-        <a:scrgbClr r="0" g="0" b="0"/>
-      </a:lnRef>
-      <a:fillRef idx="1">
-        <a:scrgbClr r="0" g="0" b="0"/>
-      </a:fillRef>
-      <a:effectRef idx="0">
-        <a:scrgbClr r="0" g="0" b="0"/>
-      </a:effectRef>
-      <a:fontRef idx="minor"/>
-    </dgm:style>
-  </dgm:styleLbl>
-  <dgm:styleLbl name="bgAcc1">
-    <dgm:scene3d>
-      <a:camera prst="orthographicFront"/>
-      <a:lightRig rig="threePt" dir="t"/>
-    </dgm:scene3d>
-    <dgm:sp3d/>
-    <dgm:txPr/>
-    <dgm:style>
-      <a:lnRef idx="1">
-        <a:scrgbClr r="0" g="0" b="0"/>
-      </a:lnRef>
-      <a:fillRef idx="1">
-        <a:scrgbClr r="0" g="0" b="0"/>
-      </a:fillRef>
-      <a:effectRef idx="2">
-        <a:scrgbClr r="0" g="0" b="0"/>
-      </a:effectRef>
-      <a:fontRef idx="minor"/>
-    </dgm:style>
-  </dgm:styleLbl>
-  <dgm:styleLbl name="solidFgAcc1">
-    <dgm:scene3d>
-      <a:camera prst="orthographicFront"/>
-      <a:lightRig rig="threePt" dir="t"/>
-    </dgm:scene3d>
-    <dgm:sp3d/>
-    <dgm:txPr/>
-    <dgm:style>
-      <a:lnRef idx="1">
-        <a:scrgbClr r="0" g="0" b="0"/>
-      </a:lnRef>
-      <a:fillRef idx="1">
-        <a:scrgbClr r="0" g="0" b="0"/>
-      </a:fillRef>
-      <a:effectRef idx="2">
-        <a:scrgbClr r="0" g="0" b="0"/>
-      </a:effectRef>
-      <a:fontRef idx="minor"/>
-    </dgm:style>
-  </dgm:styleLbl>
-  <dgm:styleLbl name="solidAlignAcc1">
-    <dgm:scene3d>
-      <a:camera prst="orthographicFront"/>
-      <a:lightRig rig="threePt" dir="t"/>
-    </dgm:scene3d>
-    <dgm:sp3d/>
-    <dgm:txPr/>
-    <dgm:style>
-      <a:lnRef idx="1">
-        <a:scrgbClr r="0" g="0" b="0"/>
-      </a:lnRef>
-      <a:fillRef idx="1">
-        <a:scrgbClr r="0" g="0" b="0"/>
-      </a:fillRef>
-      <a:effectRef idx="3">
-        <a:scrgbClr r="0" g="0" b="0"/>
-      </a:effectRef>
-      <a:fontRef idx="minor"/>
-    </dgm:style>
-  </dgm:styleLbl>
-  <dgm:styleLbl name="solidBgAcc1">
-    <dgm:scene3d>
-      <a:camera prst="orthographicFront"/>
-      <a:lightRig rig="threePt" dir="t"/>
-    </dgm:scene3d>
-    <dgm:sp3d/>
-    <dgm:txPr/>
-    <dgm:style>
-      <a:lnRef idx="1">
-        <a:scrgbClr r="0" g="0" b="0"/>
-      </a:lnRef>
-      <a:fillRef idx="1">
-        <a:scrgbClr r="0" g="0" b="0"/>
-      </a:fillRef>
-      <a:effectRef idx="3">
-        <a:scrgbClr r="0" g="0" b="0"/>
-      </a:effectRef>
-      <a:fontRef idx="minor"/>
-    </dgm:style>
-  </dgm:styleLbl>
-  <dgm:styleLbl name="fgAccFollowNode1">
-    <dgm:scene3d>
-      <a:camera prst="orthographicFront"/>
-      <a:lightRig rig="threePt" dir="t"/>
-    </dgm:scene3d>
-    <dgm:sp3d/>
-    <dgm:txPr/>
-    <dgm:style>
-      <a:lnRef idx="1">
-        <a:scrgbClr r="0" g="0" b="0"/>
-      </a:lnRef>
-      <a:fillRef idx="1">
-        <a:scrgbClr r="0" g="0" b="0"/>
-      </a:fillRef>
-      <a:effectRef idx="2">
-        <a:scrgbClr r="0" g="0" b="0"/>
-      </a:effectRef>
-      <a:fontRef idx="minor"/>
-    </dgm:style>
-  </dgm:styleLbl>
-  <dgm:styleLbl name="alignAccFollowNode1">
-    <dgm:scene3d>
-      <a:camera prst="orthographicFront"/>
-      <a:lightRig rig="threePt" dir="t"/>
-    </dgm:scene3d>
-    <dgm:sp3d/>
-    <dgm:txPr/>
-    <dgm:style>
-      <a:lnRef idx="1">
-        <a:scrgbClr r="0" g="0" b="0"/>
-      </a:lnRef>
-      <a:fillRef idx="1">
-        <a:scrgbClr r="0" g="0" b="0"/>
-      </a:fillRef>
-      <a:effectRef idx="2">
-        <a:scrgbClr r="0" g="0" b="0"/>
-      </a:effectRef>
-      <a:fontRef idx="minor"/>
-    </dgm:style>
-  </dgm:styleLbl>
-  <dgm:styleLbl name="bgAccFollowNode1">
-    <dgm:scene3d>
-      <a:camera prst="orthographicFront"/>
-      <a:lightRig rig="threePt" dir="t"/>
-    </dgm:scene3d>
-    <dgm:sp3d/>
-    <dgm:txPr/>
-    <dgm:style>
-      <a:lnRef idx="1">
-        <a:scrgbClr r="0" g="0" b="0"/>
-      </a:lnRef>
-      <a:fillRef idx="1">
-        <a:scrgbClr r="0" g="0" b="0"/>
-      </a:fillRef>
-      <a:effectRef idx="2">
-        <a:scrgbClr r="0" g="0" b="0"/>
-      </a:effectRef>
-      <a:fontRef idx="minor"/>
-    </dgm:style>
-  </dgm:styleLbl>
-  <dgm:styleLbl name="fgAcc0">
-    <dgm:scene3d>
-      <a:camera prst="orthographicFront"/>
-      <a:lightRig rig="threePt" dir="t"/>
-    </dgm:scene3d>
-    <dgm:sp3d/>
-    <dgm:txPr/>
-    <dgm:style>
-      <a:lnRef idx="1">
-        <a:scrgbClr r="0" g="0" b="0"/>
-      </a:lnRef>
-      <a:fillRef idx="1">
-        <a:scrgbClr r="0" g="0" b="0"/>
-      </a:fillRef>
-      <a:effectRef idx="2">
-        <a:scrgbClr r="0" g="0" b="0"/>
-      </a:effectRef>
-      <a:fontRef idx="minor"/>
-    </dgm:style>
-  </dgm:styleLbl>
-  <dgm:styleLbl name="fgAcc2">
-    <dgm:scene3d>
-      <a:camera prst="orthographicFront"/>
-      <a:lightRig rig="threePt" dir="t"/>
-    </dgm:scene3d>
-    <dgm:sp3d/>
-    <dgm:txPr/>
-    <dgm:style>
-      <a:lnRef idx="1">
-        <a:scrgbClr r="0" g="0" b="0"/>
-      </a:lnRef>
-      <a:fillRef idx="1">
-        <a:scrgbClr r="0" g="0" b="0"/>
-      </a:fillRef>
-      <a:effectRef idx="2">
-        <a:scrgbClr r="0" g="0" b="0"/>
-      </a:effectRef>
-      <a:fontRef idx="minor"/>
-    </dgm:style>
-  </dgm:styleLbl>
-  <dgm:styleLbl name="fgAcc3">
-    <dgm:scene3d>
-      <a:camera prst="orthographicFront"/>
-      <a:lightRig rig="threePt" dir="t"/>
-    </dgm:scene3d>
-    <dgm:sp3d/>
-    <dgm:txPr/>
-    <dgm:style>
-      <a:lnRef idx="1">
-        <a:scrgbClr r="0" g="0" b="0"/>
-      </a:lnRef>
-      <a:fillRef idx="1">
-        <a:scrgbClr r="0" g="0" b="0"/>
-      </a:fillRef>
-      <a:effectRef idx="2">
-        <a:scrgbClr r="0" g="0" b="0"/>
-      </a:effectRef>
-      <a:fontRef idx="minor"/>
-    </dgm:style>
-  </dgm:styleLbl>
-  <dgm:styleLbl name="fgAcc4">
-    <dgm:scene3d>
-      <a:camera prst="orthographicFront"/>
-      <a:lightRig rig="threePt" dir="t"/>
-    </dgm:scene3d>
-    <dgm:sp3d/>
-    <dgm:txPr/>
-    <dgm:style>
-      <a:lnRef idx="1">
-        <a:scrgbClr r="0" g="0" b="0"/>
-      </a:lnRef>
-      <a:fillRef idx="1">
-        <a:scrgbClr r="0" g="0" b="0"/>
-      </a:fillRef>
-      <a:effectRef idx="2">
-        <a:scrgbClr r="0" g="0" b="0"/>
-      </a:effectRef>
-      <a:fontRef idx="minor"/>
-    </dgm:style>
-  </dgm:styleLbl>
-  <dgm:styleLbl name="bgShp">
-    <dgm:scene3d>
-      <a:camera prst="orthographicFront"/>
-      <a:lightRig rig="threePt" dir="t"/>
-    </dgm:scene3d>
-    <dgm:sp3d/>
-    <dgm:txPr/>
-    <dgm:style>
-      <a:lnRef idx="0">
-        <a:scrgbClr r="0" g="0" b="0"/>
-      </a:lnRef>
-      <a:fillRef idx="1">
-        <a:scrgbClr r="0" g="0" b="0"/>
-      </a:fillRef>
-      <a:effectRef idx="2">
-        <a:scrgbClr r="0" g="0" b="0"/>
-      </a:effectRef>
-      <a:fontRef idx="minor"/>
-    </dgm:style>
-  </dgm:styleLbl>
-  <dgm:styleLbl name="dkBgShp">
-    <dgm:scene3d>
-      <a:camera prst="orthographicFront"/>
-      <a:lightRig rig="threePt" dir="t"/>
-    </dgm:scene3d>
-    <dgm:sp3d/>
-    <dgm:txPr/>
-    <dgm:style>
-      <a:lnRef idx="0">
-        <a:scrgbClr r="0" g="0" b="0"/>
-      </a:lnRef>
-      <a:fillRef idx="1">
-        <a:scrgbClr r="0" g="0" b="0"/>
-      </a:fillRef>
-      <a:effectRef idx="3">
-        <a:scrgbClr r="0" g="0" b="0"/>
-      </a:effectRef>
-      <a:fontRef idx="minor"/>
-    </dgm:style>
-  </dgm:styleLbl>
-  <dgm:styleLbl name="trBgShp">
-    <dgm:scene3d>
-      <a:camera prst="orthographicFront"/>
-      <a:lightRig rig="threePt" dir="t"/>
-    </dgm:scene3d>
-    <dgm:sp3d/>
-    <dgm:txPr/>
-    <dgm:style>
-      <a:lnRef idx="0">
-        <a:scrgbClr r="0" g="0" b="0"/>
-      </a:lnRef>
-      <a:fillRef idx="1">
-        <a:scrgbClr r="0" g="0" b="0"/>
-      </a:fillRef>
-      <a:effectRef idx="0">
-        <a:scrgbClr r="0" g="0" b="0"/>
-      </a:effectRef>
-      <a:fontRef idx="minor"/>
-    </dgm:style>
-  </dgm:styleLbl>
-  <dgm:styleLbl name="fgShp">
-    <dgm:scene3d>
-      <a:camera prst="orthographicFront"/>
-      <a:lightRig rig="threePt" dir="t"/>
-    </dgm:scene3d>
-    <dgm:sp3d/>
-    <dgm:txPr/>
-    <dgm:style>
-      <a:lnRef idx="0">
-        <a:scrgbClr r="0" g="0" b="0"/>
-      </a:lnRef>
-      <a:fillRef idx="3">
-        <a:scrgbClr r="0" g="0" b="0"/>
-      </a:fillRef>
-      <a:effectRef idx="3">
         <a:scrgbClr r="0" g="0" b="0"/>
       </a:effectRef>
       <a:fontRef idx="minor"/>
@@ -34862,7 +34953,7 @@
           <a:p>
             <a:fld id="{F4F3E3F0-3738-40B3-BB75-B01505274B42}" type="datetimeFigureOut">
               <a:rPr lang="zh-CN" altLang="en-US" smtClean="0"/>
-              <a:t>2016/11/24</a:t>
+              <a:t>2016-11-25</a:t>
             </a:fld>
             <a:endParaRPr lang="zh-CN" altLang="en-US"/>
           </a:p>
@@ -35407,22 +35498,14 @@
           <a:p>
             <a:r>
               <a:rPr lang="zh-CN" altLang="en-US" dirty="0" smtClean="0"/>
-              <a:t>系统架构中提到，本模块主要是</a:t>
-            </a:r>
-            <a:r>
-              <a:rPr lang="zh-CN" altLang="en-US" dirty="0" smtClean="0"/>
-              <a:t>维护基础信息，列举</a:t>
+              <a:t>系统架构中提到，本模块主要是维护基础信息，列举</a:t>
             </a:r>
             <a:endParaRPr lang="en-US" altLang="zh-CN" dirty="0" smtClean="0"/>
           </a:p>
           <a:p>
             <a:r>
               <a:rPr lang="zh-CN" altLang="en-US" dirty="0" smtClean="0"/>
-              <a:t>两新组织：</a:t>
-            </a:r>
-            <a:r>
-              <a:rPr lang="zh-CN" altLang="en-US" dirty="0" smtClean="0"/>
-              <a:t>新经济组织和新社会组织，企业和社会团体的基本信息</a:t>
+              <a:t>两新组织：新经济组织和新社会组织，企业和社会团体的基本信息</a:t>
             </a:r>
             <a:endParaRPr lang="en-US" altLang="zh-CN" dirty="0" smtClean="0"/>
           </a:p>
@@ -35773,100 +35856,6 @@
           <a:p>
             <a:r>
               <a:rPr lang="zh-CN" altLang="en-US" dirty="0" smtClean="0"/>
-              <a:t>考核流程</a:t>
-            </a:r>
-            <a:endParaRPr lang="en-US" altLang="zh-CN" dirty="0" smtClean="0"/>
-          </a:p>
-          <a:p>
-            <a:r>
-              <a:rPr lang="en-US" altLang="zh-CN" dirty="0" smtClean="0"/>
-              <a:t>	</a:t>
-            </a:r>
-          </a:p>
-        </p:txBody>
-      </p:sp>
-      <p:sp>
-        <p:nvSpPr>
-          <p:cNvPr id="4" name="灯片编号占位符 3"/>
-          <p:cNvSpPr>
-            <a:spLocks noGrp="1"/>
-          </p:cNvSpPr>
-          <p:nvPr>
-            <p:ph type="sldNum" sz="quarter" idx="10"/>
-          </p:nvPr>
-        </p:nvSpPr>
-        <p:spPr/>
-        <p:txBody>
-          <a:bodyPr/>
-          <a:lstStyle/>
-          <a:p>
-            <a:fld id="{D5572702-26BE-4491-9F3D-BE3D32A74B71}" type="slidenum">
-              <a:rPr lang="zh-CN" altLang="en-US" smtClean="0"/>
-              <a:t>5</a:t>
-            </a:fld>
-            <a:endParaRPr lang="zh-CN" altLang="en-US"/>
-          </a:p>
-        </p:txBody>
-      </p:sp>
-    </p:spTree>
-    <p:extLst>
-      <p:ext uri="{BB962C8B-B14F-4D97-AF65-F5344CB8AC3E}">
-        <p14:creationId xmlns:p14="http://schemas.microsoft.com/office/powerpoint/2010/main" val="1340075796"/>
-      </p:ext>
-    </p:extLst>
-  </p:cSld>
-  <p:clrMapOvr>
-    <a:masterClrMapping/>
-  </p:clrMapOvr>
-</p:notes>
-</file>
-
-<file path=ppt/notesSlides/notesSlide6.xml><?xml version="1.0" encoding="utf-8"?>
-<p:notes xmlns:a="http://schemas.openxmlformats.org/drawingml/2006/main" xmlns:r="http://schemas.openxmlformats.org/officeDocument/2006/relationships" xmlns:p="http://schemas.openxmlformats.org/presentationml/2006/main">
-  <p:cSld>
-    <p:spTree>
-      <p:nvGrpSpPr>
-        <p:cNvPr id="1" name=""/>
-        <p:cNvGrpSpPr/>
-        <p:nvPr/>
-      </p:nvGrpSpPr>
-      <p:grpSpPr>
-        <a:xfrm>
-          <a:off x="0" y="0"/>
-          <a:ext cx="0" cy="0"/>
-          <a:chOff x="0" y="0"/>
-          <a:chExt cx="0" cy="0"/>
-        </a:xfrm>
-      </p:grpSpPr>
-      <p:sp>
-        <p:nvSpPr>
-          <p:cNvPr id="2" name="幻灯片图像占位符 1"/>
-          <p:cNvSpPr>
-            <a:spLocks noGrp="1" noRot="1" noChangeAspect="1"/>
-          </p:cNvSpPr>
-          <p:nvPr>
-            <p:ph type="sldImg"/>
-          </p:nvPr>
-        </p:nvSpPr>
-        <p:spPr/>
-      </p:sp>
-      <p:sp>
-        <p:nvSpPr>
-          <p:cNvPr id="3" name="备注占位符 2"/>
-          <p:cNvSpPr>
-            <a:spLocks noGrp="1"/>
-          </p:cNvSpPr>
-          <p:nvPr>
-            <p:ph type="body" idx="1"/>
-          </p:nvPr>
-        </p:nvSpPr>
-        <p:spPr/>
-        <p:txBody>
-          <a:bodyPr/>
-          <a:lstStyle/>
-          <a:p>
-            <a:r>
-              <a:rPr lang="zh-CN" altLang="en-US" dirty="0" smtClean="0"/>
               <a:t>考核管理：</a:t>
             </a:r>
             <a:endParaRPr lang="en-US" altLang="zh-CN" dirty="0" smtClean="0"/>
@@ -35968,6 +35957,100 @@
           <a:p>
             <a:fld id="{D5572702-26BE-4491-9F3D-BE3D32A74B71}" type="slidenum">
               <a:rPr lang="zh-CN" altLang="en-US" smtClean="0"/>
+              <a:t>5</a:t>
+            </a:fld>
+            <a:endParaRPr lang="zh-CN" altLang="en-US"/>
+          </a:p>
+        </p:txBody>
+      </p:sp>
+    </p:spTree>
+    <p:extLst>
+      <p:ext uri="{BB962C8B-B14F-4D97-AF65-F5344CB8AC3E}">
+        <p14:creationId xmlns:p14="http://schemas.microsoft.com/office/powerpoint/2010/main" val="2467998663"/>
+      </p:ext>
+    </p:extLst>
+  </p:cSld>
+  <p:clrMapOvr>
+    <a:masterClrMapping/>
+  </p:clrMapOvr>
+</p:notes>
+</file>
+
+<file path=ppt/notesSlides/notesSlide6.xml><?xml version="1.0" encoding="utf-8"?>
+<p:notes xmlns:a="http://schemas.openxmlformats.org/drawingml/2006/main" xmlns:r="http://schemas.openxmlformats.org/officeDocument/2006/relationships" xmlns:p="http://schemas.openxmlformats.org/presentationml/2006/main">
+  <p:cSld>
+    <p:spTree>
+      <p:nvGrpSpPr>
+        <p:cNvPr id="1" name=""/>
+        <p:cNvGrpSpPr/>
+        <p:nvPr/>
+      </p:nvGrpSpPr>
+      <p:grpSpPr>
+        <a:xfrm>
+          <a:off x="0" y="0"/>
+          <a:ext cx="0" cy="0"/>
+          <a:chOff x="0" y="0"/>
+          <a:chExt cx="0" cy="0"/>
+        </a:xfrm>
+      </p:grpSpPr>
+      <p:sp>
+        <p:nvSpPr>
+          <p:cNvPr id="2" name="幻灯片图像占位符 1"/>
+          <p:cNvSpPr>
+            <a:spLocks noGrp="1" noRot="1" noChangeAspect="1"/>
+          </p:cNvSpPr>
+          <p:nvPr>
+            <p:ph type="sldImg"/>
+          </p:nvPr>
+        </p:nvSpPr>
+        <p:spPr/>
+      </p:sp>
+      <p:sp>
+        <p:nvSpPr>
+          <p:cNvPr id="3" name="备注占位符 2"/>
+          <p:cNvSpPr>
+            <a:spLocks noGrp="1"/>
+          </p:cNvSpPr>
+          <p:nvPr>
+            <p:ph type="body" idx="1"/>
+          </p:nvPr>
+        </p:nvSpPr>
+        <p:spPr/>
+        <p:txBody>
+          <a:bodyPr/>
+          <a:lstStyle/>
+          <a:p>
+            <a:r>
+              <a:rPr lang="zh-CN" altLang="en-US" dirty="0" smtClean="0"/>
+              <a:t>考核流程</a:t>
+            </a:r>
+            <a:endParaRPr lang="en-US" altLang="zh-CN" dirty="0" smtClean="0"/>
+          </a:p>
+          <a:p>
+            <a:r>
+              <a:rPr lang="en-US" altLang="zh-CN" dirty="0" smtClean="0"/>
+              <a:t>	</a:t>
+            </a:r>
+          </a:p>
+        </p:txBody>
+      </p:sp>
+      <p:sp>
+        <p:nvSpPr>
+          <p:cNvPr id="4" name="灯片编号占位符 3"/>
+          <p:cNvSpPr>
+            <a:spLocks noGrp="1"/>
+          </p:cNvSpPr>
+          <p:nvPr>
+            <p:ph type="sldNum" sz="quarter" idx="10"/>
+          </p:nvPr>
+        </p:nvSpPr>
+        <p:spPr/>
+        <p:txBody>
+          <a:bodyPr/>
+          <a:lstStyle/>
+          <a:p>
+            <a:fld id="{D5572702-26BE-4491-9F3D-BE3D32A74B71}" type="slidenum">
+              <a:rPr lang="zh-CN" altLang="en-US" smtClean="0"/>
               <a:t>6</a:t>
             </a:fld>
             <a:endParaRPr lang="zh-CN" altLang="en-US"/>
@@ -35977,7 +36060,7 @@
     </p:spTree>
     <p:extLst>
       <p:ext uri="{BB962C8B-B14F-4D97-AF65-F5344CB8AC3E}">
-        <p14:creationId xmlns:p14="http://schemas.microsoft.com/office/powerpoint/2010/main" val="2467998663"/>
+        <p14:creationId xmlns:p14="http://schemas.microsoft.com/office/powerpoint/2010/main" val="1340075796"/>
       </p:ext>
     </p:extLst>
   </p:cSld>
@@ -36229,11 +36312,7 @@
           <a:p>
             <a:r>
               <a:rPr lang="zh-CN" altLang="en-US" dirty="0" smtClean="0"/>
-              <a:t>党内生活：</a:t>
-            </a:r>
-            <a:r>
-              <a:rPr lang="zh-CN" altLang="en-US" dirty="0" smtClean="0"/>
-              <a:t>党课、支部党员大会、支部委员会等会记录的展示，也可以拍照或短视频上传</a:t>
+              <a:t>党内生活：党课、支部党员大会、支部委员会等会记录的展示，也可以拍照或短视频上传</a:t>
             </a:r>
             <a:endParaRPr lang="zh-CN" altLang="en-US" dirty="0"/>
           </a:p>
@@ -36380,15 +36459,7 @@
             </a:r>
             <a:r>
               <a:rPr lang="zh-CN" altLang="en-US" dirty="0" smtClean="0"/>
-              <a:t>、任</a:t>
-            </a:r>
-            <a:r>
-              <a:rPr lang="zh-CN" altLang="en-US" dirty="0" smtClean="0"/>
-              <a:t>务完成情况查</a:t>
-            </a:r>
-            <a:r>
-              <a:rPr lang="zh-CN" altLang="en-US" dirty="0" smtClean="0"/>
-              <a:t>看（任何阶段，发布党组织和接收党组织都可以查看任务状态）</a:t>
+              <a:t>、任务完成情况查看（任何阶段，发布党组织和接收党组织都可以查看任务状态）</a:t>
             </a:r>
             <a:endParaRPr lang="zh-CN" altLang="en-US" dirty="0"/>
           </a:p>
@@ -36561,7 +36632,7 @@
           <a:p>
             <a:fld id="{4B3EB891-9F7D-452E-9078-7A84DC06F331}" type="datetimeFigureOut">
               <a:rPr lang="zh-CN" altLang="en-US" smtClean="0"/>
-              <a:t>2016/11/24</a:t>
+              <a:t>2016-11-25</a:t>
             </a:fld>
             <a:endParaRPr lang="zh-CN" altLang="en-US"/>
           </a:p>
@@ -36731,7 +36802,7 @@
           <a:p>
             <a:fld id="{4B3EB891-9F7D-452E-9078-7A84DC06F331}" type="datetimeFigureOut">
               <a:rPr lang="zh-CN" altLang="en-US" smtClean="0"/>
-              <a:t>2016/11/24</a:t>
+              <a:t>2016-11-25</a:t>
             </a:fld>
             <a:endParaRPr lang="zh-CN" altLang="en-US"/>
           </a:p>
@@ -36911,7 +36982,7 @@
           <a:p>
             <a:fld id="{4B3EB891-9F7D-452E-9078-7A84DC06F331}" type="datetimeFigureOut">
               <a:rPr lang="zh-CN" altLang="en-US" smtClean="0"/>
-              <a:t>2016/11/24</a:t>
+              <a:t>2016-11-25</a:t>
             </a:fld>
             <a:endParaRPr lang="zh-CN" altLang="en-US"/>
           </a:p>
@@ -37081,7 +37152,7 @@
           <a:p>
             <a:fld id="{4B3EB891-9F7D-452E-9078-7A84DC06F331}" type="datetimeFigureOut">
               <a:rPr lang="zh-CN" altLang="en-US" smtClean="0"/>
-              <a:t>2016/11/24</a:t>
+              <a:t>2016-11-25</a:t>
             </a:fld>
             <a:endParaRPr lang="zh-CN" altLang="en-US"/>
           </a:p>
@@ -37327,7 +37398,7 @@
           <a:p>
             <a:fld id="{4B3EB891-9F7D-452E-9078-7A84DC06F331}" type="datetimeFigureOut">
               <a:rPr lang="zh-CN" altLang="en-US" smtClean="0"/>
-              <a:t>2016/11/24</a:t>
+              <a:t>2016-11-25</a:t>
             </a:fld>
             <a:endParaRPr lang="zh-CN" altLang="en-US"/>
           </a:p>
@@ -37559,7 +37630,7 @@
           <a:p>
             <a:fld id="{4B3EB891-9F7D-452E-9078-7A84DC06F331}" type="datetimeFigureOut">
               <a:rPr lang="zh-CN" altLang="en-US" smtClean="0"/>
-              <a:t>2016/11/24</a:t>
+              <a:t>2016-11-25</a:t>
             </a:fld>
             <a:endParaRPr lang="zh-CN" altLang="en-US"/>
           </a:p>
@@ -37926,7 +37997,7 @@
           <a:p>
             <a:fld id="{4B3EB891-9F7D-452E-9078-7A84DC06F331}" type="datetimeFigureOut">
               <a:rPr lang="zh-CN" altLang="en-US" smtClean="0"/>
-              <a:t>2016/11/24</a:t>
+              <a:t>2016-11-25</a:t>
             </a:fld>
             <a:endParaRPr lang="zh-CN" altLang="en-US"/>
           </a:p>
@@ -38044,7 +38115,7 @@
           <a:p>
             <a:fld id="{4B3EB891-9F7D-452E-9078-7A84DC06F331}" type="datetimeFigureOut">
               <a:rPr lang="zh-CN" altLang="en-US" smtClean="0"/>
-              <a:t>2016/11/24</a:t>
+              <a:t>2016-11-25</a:t>
             </a:fld>
             <a:endParaRPr lang="zh-CN" altLang="en-US"/>
           </a:p>
@@ -38139,7 +38210,7 @@
           <a:p>
             <a:fld id="{4B3EB891-9F7D-452E-9078-7A84DC06F331}" type="datetimeFigureOut">
               <a:rPr lang="zh-CN" altLang="en-US" smtClean="0"/>
-              <a:t>2016/11/24</a:t>
+              <a:t>2016-11-25</a:t>
             </a:fld>
             <a:endParaRPr lang="zh-CN" altLang="en-US"/>
           </a:p>
@@ -38416,7 +38487,7 @@
           <a:p>
             <a:fld id="{4B3EB891-9F7D-452E-9078-7A84DC06F331}" type="datetimeFigureOut">
               <a:rPr lang="zh-CN" altLang="en-US" smtClean="0"/>
-              <a:t>2016/11/24</a:t>
+              <a:t>2016-11-25</a:t>
             </a:fld>
             <a:endParaRPr lang="zh-CN" altLang="en-US"/>
           </a:p>
@@ -38669,7 +38740,7 @@
           <a:p>
             <a:fld id="{4B3EB891-9F7D-452E-9078-7A84DC06F331}" type="datetimeFigureOut">
               <a:rPr lang="zh-CN" altLang="en-US" smtClean="0"/>
-              <a:t>2016/11/24</a:t>
+              <a:t>2016-11-25</a:t>
             </a:fld>
             <a:endParaRPr lang="zh-CN" altLang="en-US"/>
           </a:p>
@@ -38891,7 +38962,7 @@
           <a:p>
             <a:fld id="{4B3EB891-9F7D-452E-9078-7A84DC06F331}" type="datetimeFigureOut">
               <a:rPr lang="zh-CN" altLang="en-US" smtClean="0"/>
-              <a:t>2016/11/24</a:t>
+              <a:t>2016-11-25</a:t>
             </a:fld>
             <a:endParaRPr lang="zh-CN" altLang="en-US"/>
           </a:p>
@@ -39319,27 +39390,7 @@
                 <a:latin typeface="楷体" panose="02010609060101010101" pitchFamily="49" charset="-122"/>
                 <a:ea typeface="楷体" panose="02010609060101010101" pitchFamily="49" charset="-122"/>
               </a:rPr>
-              <a:t>党</a:t>
-            </a:r>
-            <a:r>
-              <a:rPr lang="zh-CN" altLang="en-US" dirty="0" smtClean="0">
-                <a:solidFill>
-                  <a:srgbClr val="C00000"/>
-                </a:solidFill>
-                <a:latin typeface="楷体" panose="02010609060101010101" pitchFamily="49" charset="-122"/>
-                <a:ea typeface="楷体" panose="02010609060101010101" pitchFamily="49" charset="-122"/>
-              </a:rPr>
-              <a:t>建工作信</a:t>
-            </a:r>
-            <a:r>
-              <a:rPr lang="zh-CN" altLang="en-US" dirty="0" smtClean="0">
-                <a:solidFill>
-                  <a:srgbClr val="C00000"/>
-                </a:solidFill>
-                <a:latin typeface="楷体" panose="02010609060101010101" pitchFamily="49" charset="-122"/>
-                <a:ea typeface="楷体" panose="02010609060101010101" pitchFamily="49" charset="-122"/>
-              </a:rPr>
-              <a:t>息化管理平台</a:t>
+              <a:t>党建工作信息化管理平台</a:t>
             </a:r>
             <a:endParaRPr lang="zh-CN" altLang="en-US" dirty="0">
               <a:solidFill>
@@ -39368,7 +39419,23 @@
           <a:p>
             <a:r>
               <a:rPr lang="zh-CN" altLang="en-US" i="1" dirty="0" smtClean="0"/>
-              <a:t>山东东方红信息技术有限公司</a:t>
+              <a:t>山东东方红信</a:t>
+            </a:r>
+            <a:r>
+              <a:rPr lang="zh-CN" altLang="en-US" i="1" dirty="0" smtClean="0"/>
+              <a:t>息</a:t>
+            </a:r>
+            <a:r>
+              <a:rPr lang="zh-CN" altLang="en-US" i="1" dirty="0"/>
+              <a:t>科技</a:t>
+            </a:r>
+            <a:r>
+              <a:rPr lang="zh-CN" altLang="en-US" i="1" dirty="0" smtClean="0"/>
+              <a:t>有</a:t>
+            </a:r>
+            <a:r>
+              <a:rPr lang="zh-CN" altLang="en-US" i="1" dirty="0" smtClean="0"/>
+              <a:t>限公司</a:t>
             </a:r>
             <a:endParaRPr lang="zh-CN" altLang="en-US" i="1" dirty="0"/>
           </a:p>
@@ -39619,14 +39686,14 @@
               <a:t>	</a:t>
             </a:r>
             <a:r>
-              <a:rPr lang="zh-CN" altLang="en-US" dirty="0" smtClean="0">
+              <a:rPr lang="zh-CN" altLang="en-US" dirty="0">
                 <a:solidFill>
                   <a:srgbClr val="C00000"/>
                 </a:solidFill>
                 <a:latin typeface="楷体" panose="02010609060101010101" pitchFamily="49" charset="-122"/>
                 <a:ea typeface="楷体" panose="02010609060101010101" pitchFamily="49" charset="-122"/>
               </a:rPr>
-              <a:t>系统架构</a:t>
+              <a:t>功能模块</a:t>
             </a:r>
             <a:endParaRPr lang="zh-CN" altLang="en-US" dirty="0">
               <a:solidFill>
@@ -39648,7 +39715,7 @@
             <p:ph idx="1"/>
             <p:extLst>
               <p:ext uri="{D42A27DB-BD31-4B8C-83A1-F6EECF244321}">
-                <p14:modId xmlns:p14="http://schemas.microsoft.com/office/powerpoint/2010/main" val="3970032398"/>
+                <p14:modId xmlns:p14="http://schemas.microsoft.com/office/powerpoint/2010/main" val="3393085582"/>
               </p:ext>
             </p:extLst>
           </p:nvPr>
@@ -39898,7 +39965,17 @@
                 <a:latin typeface="楷体" panose="02010609060101010101" pitchFamily="49" charset="-122"/>
                 <a:ea typeface="楷体" panose="02010609060101010101" pitchFamily="49" charset="-122"/>
               </a:rPr>
-              <a:t>党组织管理</a:t>
+              <a:t>一、党</a:t>
+            </a:r>
+            <a:r>
+              <a:rPr lang="zh-CN" altLang="en-US" dirty="0" smtClean="0">
+                <a:solidFill>
+                  <a:srgbClr val="C00000"/>
+                </a:solidFill>
+                <a:latin typeface="楷体" panose="02010609060101010101" pitchFamily="49" charset="-122"/>
+                <a:ea typeface="楷体" panose="02010609060101010101" pitchFamily="49" charset="-122"/>
+              </a:rPr>
+              <a:t>组织管理</a:t>
             </a:r>
             <a:endParaRPr lang="zh-CN" altLang="en-US" dirty="0">
               <a:solidFill>
@@ -39920,7 +39997,7 @@
             <p:ph idx="1"/>
             <p:extLst>
               <p:ext uri="{D42A27DB-BD31-4B8C-83A1-F6EECF244321}">
-                <p14:modId xmlns:p14="http://schemas.microsoft.com/office/powerpoint/2010/main" val="2166076732"/>
+                <p14:modId xmlns:p14="http://schemas.microsoft.com/office/powerpoint/2010/main" val="711781647"/>
               </p:ext>
             </p:extLst>
           </p:nvPr>
@@ -40065,7 +40142,17 @@
                 <a:latin typeface="楷体" panose="02010609060101010101" pitchFamily="49" charset="-122"/>
                 <a:ea typeface="楷体" panose="02010609060101010101" pitchFamily="49" charset="-122"/>
               </a:rPr>
-              <a:t>日常管理</a:t>
+              <a:t>二、日</a:t>
+            </a:r>
+            <a:r>
+              <a:rPr lang="zh-CN" altLang="en-US" dirty="0" smtClean="0">
+                <a:solidFill>
+                  <a:srgbClr val="C00000"/>
+                </a:solidFill>
+                <a:latin typeface="楷体" panose="02010609060101010101" pitchFamily="49" charset="-122"/>
+                <a:ea typeface="楷体" panose="02010609060101010101" pitchFamily="49" charset="-122"/>
+              </a:rPr>
+              <a:t>常管理</a:t>
             </a:r>
             <a:endParaRPr lang="zh-CN" altLang="en-US" dirty="0">
               <a:solidFill>
@@ -40225,6 +40312,16 @@
               <a:t>	</a:t>
             </a:r>
             <a:r>
+              <a:rPr lang="zh-CN" altLang="en-US" dirty="0" smtClean="0">
+                <a:solidFill>
+                  <a:srgbClr val="C00000"/>
+                </a:solidFill>
+                <a:latin typeface="楷体" panose="02010609060101010101" pitchFamily="49" charset="-122"/>
+                <a:ea typeface="楷体" panose="02010609060101010101" pitchFamily="49" charset="-122"/>
+              </a:rPr>
+              <a:t>三、考</a:t>
+            </a:r>
+            <a:r>
               <a:rPr lang="zh-CN" altLang="en-US" dirty="0">
                 <a:solidFill>
                   <a:srgbClr val="C00000"/>
@@ -40232,7 +40329,7 @@
                 <a:latin typeface="楷体" panose="02010609060101010101" pitchFamily="49" charset="-122"/>
                 <a:ea typeface="楷体" panose="02010609060101010101" pitchFamily="49" charset="-122"/>
               </a:rPr>
-              <a:t>考核</a:t>
+              <a:t>核</a:t>
             </a:r>
             <a:r>
               <a:rPr lang="zh-CN" altLang="en-US" dirty="0" smtClean="0">
@@ -40242,7 +40339,73 @@
                 <a:latin typeface="楷体" panose="02010609060101010101" pitchFamily="49" charset="-122"/>
                 <a:ea typeface="楷体" panose="02010609060101010101" pitchFamily="49" charset="-122"/>
               </a:rPr>
-              <a:t>管</a:t>
+              <a:t>管理</a:t>
+            </a:r>
+            <a:endParaRPr lang="zh-CN" altLang="en-US" dirty="0">
+              <a:solidFill>
+                <a:srgbClr val="C00000"/>
+              </a:solidFill>
+              <a:latin typeface="楷体" panose="02010609060101010101" pitchFamily="49" charset="-122"/>
+              <a:ea typeface="楷体" panose="02010609060101010101" pitchFamily="49" charset="-122"/>
+            </a:endParaRPr>
+          </a:p>
+        </p:txBody>
+      </p:sp>
+      <p:graphicFrame>
+        <p:nvGraphicFramePr>
+          <p:cNvPr id="6" name="内容占位符 5"/>
+          <p:cNvGraphicFramePr>
+            <a:graphicFrameLocks noGrp="1"/>
+          </p:cNvGraphicFramePr>
+          <p:nvPr>
+            <p:ph idx="1"/>
+            <p:extLst>
+              <p:ext uri="{D42A27DB-BD31-4B8C-83A1-F6EECF244321}">
+                <p14:modId xmlns:p14="http://schemas.microsoft.com/office/powerpoint/2010/main" val="1018322050"/>
+              </p:ext>
+            </p:extLst>
+          </p:nvPr>
+        </p:nvGraphicFramePr>
+        <p:xfrm>
+          <a:off x="838200" y="1825625"/>
+          <a:ext cx="10515600" cy="4345432"/>
+        </p:xfrm>
+        <a:graphic>
+          <a:graphicData uri="http://schemas.openxmlformats.org/drawingml/2006/diagram">
+            <dgm:relIds xmlns:dgm="http://schemas.openxmlformats.org/drawingml/2006/diagram" xmlns:r="http://schemas.openxmlformats.org/officeDocument/2006/relationships" r:dm="rId3" r:lo="rId4" r:qs="rId5" r:cs="rId6"/>
+          </a:graphicData>
+        </a:graphic>
+      </p:graphicFrame>
+      <p:sp>
+        <p:nvSpPr>
+          <p:cNvPr id="5" name="矩形 4"/>
+          <p:cNvSpPr/>
+          <p:nvPr/>
+        </p:nvSpPr>
+        <p:spPr>
+          <a:xfrm>
+            <a:off x="1385142" y="499766"/>
+            <a:ext cx="2723823" cy="369332"/>
+          </a:xfrm>
+          <a:prstGeom prst="rect">
+            <a:avLst/>
+          </a:prstGeom>
+        </p:spPr>
+        <p:txBody>
+          <a:bodyPr wrap="none">
+            <a:spAutoFit/>
+          </a:bodyPr>
+          <a:lstStyle/>
+          <a:p>
+            <a:r>
+              <a:rPr lang="zh-CN" altLang="en-US" dirty="0">
+                <a:solidFill>
+                  <a:srgbClr val="C00000"/>
+                </a:solidFill>
+                <a:latin typeface="楷体" panose="02010609060101010101" pitchFamily="49" charset="-122"/>
+                <a:ea typeface="楷体" panose="02010609060101010101" pitchFamily="49" charset="-122"/>
+              </a:rPr>
+              <a:t>党</a:t>
             </a:r>
             <a:r>
               <a:rPr lang="zh-CN" altLang="en-US" dirty="0" smtClean="0">
@@ -40252,7 +40415,118 @@
                 <a:latin typeface="楷体" panose="02010609060101010101" pitchFamily="49" charset="-122"/>
                 <a:ea typeface="楷体" panose="02010609060101010101" pitchFamily="49" charset="-122"/>
               </a:rPr>
-              <a:t>理</a:t>
+              <a:t>建工作信</a:t>
+            </a:r>
+            <a:r>
+              <a:rPr lang="zh-CN" altLang="en-US" dirty="0">
+                <a:solidFill>
+                  <a:srgbClr val="C00000"/>
+                </a:solidFill>
+                <a:latin typeface="楷体" panose="02010609060101010101" pitchFamily="49" charset="-122"/>
+                <a:ea typeface="楷体" panose="02010609060101010101" pitchFamily="49" charset="-122"/>
+              </a:rPr>
+              <a:t>息化管理平台</a:t>
+            </a:r>
+            <a:endParaRPr lang="zh-CN" altLang="en-US" dirty="0"/>
+          </a:p>
+        </p:txBody>
+      </p:sp>
+    </p:spTree>
+    <p:extLst>
+      <p:ext uri="{BB962C8B-B14F-4D97-AF65-F5344CB8AC3E}">
+        <p14:creationId xmlns:p14="http://schemas.microsoft.com/office/powerpoint/2010/main" val="49785276"/>
+      </p:ext>
+    </p:extLst>
+  </p:cSld>
+  <p:clrMapOvr>
+    <a:masterClrMapping/>
+  </p:clrMapOvr>
+  <p:timing>
+    <p:tnLst>
+      <p:par>
+        <p:cTn id="1" dur="indefinite" restart="never" nodeType="tmRoot"/>
+      </p:par>
+    </p:tnLst>
+  </p:timing>
+</p:sld>
+</file>
+
+<file path=ppt/slides/slide6.xml><?xml version="1.0" encoding="utf-8"?>
+<p:sld xmlns:a="http://schemas.openxmlformats.org/drawingml/2006/main" xmlns:r="http://schemas.openxmlformats.org/officeDocument/2006/relationships" xmlns:p="http://schemas.openxmlformats.org/presentationml/2006/main">
+  <p:cSld>
+    <p:spTree>
+      <p:nvGrpSpPr>
+        <p:cNvPr id="1" name=""/>
+        <p:cNvGrpSpPr/>
+        <p:nvPr/>
+      </p:nvGrpSpPr>
+      <p:grpSpPr>
+        <a:xfrm>
+          <a:off x="0" y="0"/>
+          <a:ext cx="0" cy="0"/>
+          <a:chOff x="0" y="0"/>
+          <a:chExt cx="0" cy="0"/>
+        </a:xfrm>
+      </p:grpSpPr>
+      <p:sp>
+        <p:nvSpPr>
+          <p:cNvPr id="2" name="标题 1"/>
+          <p:cNvSpPr>
+            <a:spLocks noGrp="1"/>
+          </p:cNvSpPr>
+          <p:nvPr>
+            <p:ph type="title"/>
+          </p:nvPr>
+        </p:nvSpPr>
+        <p:spPr>
+          <a:xfrm>
+            <a:off x="838200" y="875211"/>
+            <a:ext cx="10515600" cy="815477"/>
+          </a:xfrm>
+        </p:spPr>
+        <p:txBody>
+          <a:bodyPr/>
+          <a:lstStyle/>
+          <a:p>
+            <a:r>
+              <a:rPr lang="en-US" altLang="zh-CN" dirty="0">
+                <a:solidFill>
+                  <a:srgbClr val="C00000"/>
+                </a:solidFill>
+                <a:latin typeface="楷体" panose="02010609060101010101" pitchFamily="49" charset="-122"/>
+                <a:ea typeface="楷体" panose="02010609060101010101" pitchFamily="49" charset="-122"/>
+              </a:rPr>
+              <a:t>	</a:t>
+            </a:r>
+            <a:r>
+              <a:rPr lang="zh-CN" altLang="en-US" dirty="0" smtClean="0">
+                <a:solidFill>
+                  <a:srgbClr val="C00000"/>
+                </a:solidFill>
+                <a:latin typeface="楷体" panose="02010609060101010101" pitchFamily="49" charset="-122"/>
+                <a:ea typeface="楷体" panose="02010609060101010101" pitchFamily="49" charset="-122"/>
+              </a:rPr>
+              <a:t>三、考</a:t>
+            </a:r>
+            <a:r>
+              <a:rPr lang="zh-CN" altLang="en-US" dirty="0">
+                <a:solidFill>
+                  <a:srgbClr val="C00000"/>
+                </a:solidFill>
+                <a:latin typeface="楷体" panose="02010609060101010101" pitchFamily="49" charset="-122"/>
+                <a:ea typeface="楷体" panose="02010609060101010101" pitchFamily="49" charset="-122"/>
+              </a:rPr>
+              <a:t>核</a:t>
+            </a:r>
+            <a:r>
+              <a:rPr lang="zh-CN" altLang="en-US" dirty="0" smtClean="0">
+                <a:solidFill>
+                  <a:srgbClr val="C00000"/>
+                </a:solidFill>
+                <a:latin typeface="楷体" panose="02010609060101010101" pitchFamily="49" charset="-122"/>
+                <a:ea typeface="楷体" panose="02010609060101010101" pitchFamily="49" charset="-122"/>
+              </a:rPr>
+              <a:t>管理</a:t>
             </a:r>
             <a:r>
               <a:rPr lang="en-US" altLang="zh-CN" dirty="0" smtClean="0">
@@ -40294,7 +40568,7 @@
             <p:ph idx="1"/>
             <p:extLst>
               <p:ext uri="{D42A27DB-BD31-4B8C-83A1-F6EECF244321}">
-                <p14:modId xmlns:p14="http://schemas.microsoft.com/office/powerpoint/2010/main" val="813929903"/>
+                <p14:modId xmlns:p14="http://schemas.microsoft.com/office/powerpoint/2010/main" val="704121701"/>
               </p:ext>
             </p:extLst>
           </p:nvPr>
@@ -40494,183 +40768,6 @@
 </p:sld>
 </file>
 
-<file path=ppt/slides/slide6.xml><?xml version="1.0" encoding="utf-8"?>
-<p:sld xmlns:a="http://schemas.openxmlformats.org/drawingml/2006/main" xmlns:r="http://schemas.openxmlformats.org/officeDocument/2006/relationships" xmlns:p="http://schemas.openxmlformats.org/presentationml/2006/main">
-  <p:cSld>
-    <p:spTree>
-      <p:nvGrpSpPr>
-        <p:cNvPr id="1" name=""/>
-        <p:cNvGrpSpPr/>
-        <p:nvPr/>
-      </p:nvGrpSpPr>
-      <p:grpSpPr>
-        <a:xfrm>
-          <a:off x="0" y="0"/>
-          <a:ext cx="0" cy="0"/>
-          <a:chOff x="0" y="0"/>
-          <a:chExt cx="0" cy="0"/>
-        </a:xfrm>
-      </p:grpSpPr>
-      <p:sp>
-        <p:nvSpPr>
-          <p:cNvPr id="2" name="标题 1"/>
-          <p:cNvSpPr>
-            <a:spLocks noGrp="1"/>
-          </p:cNvSpPr>
-          <p:nvPr>
-            <p:ph type="title"/>
-          </p:nvPr>
-        </p:nvSpPr>
-        <p:spPr>
-          <a:xfrm>
-            <a:off x="838200" y="875211"/>
-            <a:ext cx="10515600" cy="815477"/>
-          </a:xfrm>
-        </p:spPr>
-        <p:txBody>
-          <a:bodyPr/>
-          <a:lstStyle/>
-          <a:p>
-            <a:r>
-              <a:rPr lang="en-US" altLang="zh-CN" dirty="0">
-                <a:solidFill>
-                  <a:srgbClr val="C00000"/>
-                </a:solidFill>
-                <a:latin typeface="楷体" panose="02010609060101010101" pitchFamily="49" charset="-122"/>
-                <a:ea typeface="楷体" panose="02010609060101010101" pitchFamily="49" charset="-122"/>
-              </a:rPr>
-              <a:t>	</a:t>
-            </a:r>
-            <a:r>
-              <a:rPr lang="zh-CN" altLang="en-US" dirty="0">
-                <a:solidFill>
-                  <a:srgbClr val="C00000"/>
-                </a:solidFill>
-                <a:latin typeface="楷体" panose="02010609060101010101" pitchFamily="49" charset="-122"/>
-                <a:ea typeface="楷体" panose="02010609060101010101" pitchFamily="49" charset="-122"/>
-              </a:rPr>
-              <a:t>考核</a:t>
-            </a:r>
-            <a:r>
-              <a:rPr lang="zh-CN" altLang="en-US" dirty="0" smtClean="0">
-                <a:solidFill>
-                  <a:srgbClr val="C00000"/>
-                </a:solidFill>
-                <a:latin typeface="楷体" panose="02010609060101010101" pitchFamily="49" charset="-122"/>
-                <a:ea typeface="楷体" panose="02010609060101010101" pitchFamily="49" charset="-122"/>
-              </a:rPr>
-              <a:t>管理</a:t>
-            </a:r>
-            <a:endParaRPr lang="zh-CN" altLang="en-US" dirty="0">
-              <a:solidFill>
-                <a:srgbClr val="C00000"/>
-              </a:solidFill>
-              <a:latin typeface="楷体" panose="02010609060101010101" pitchFamily="49" charset="-122"/>
-              <a:ea typeface="楷体" panose="02010609060101010101" pitchFamily="49" charset="-122"/>
-            </a:endParaRPr>
-          </a:p>
-        </p:txBody>
-      </p:sp>
-      <p:graphicFrame>
-        <p:nvGraphicFramePr>
-          <p:cNvPr id="6" name="内容占位符 5"/>
-          <p:cNvGraphicFramePr>
-            <a:graphicFrameLocks noGrp="1"/>
-          </p:cNvGraphicFramePr>
-          <p:nvPr>
-            <p:ph idx="1"/>
-            <p:extLst>
-              <p:ext uri="{D42A27DB-BD31-4B8C-83A1-F6EECF244321}">
-                <p14:modId xmlns:p14="http://schemas.microsoft.com/office/powerpoint/2010/main" val="1018322050"/>
-              </p:ext>
-            </p:extLst>
-          </p:nvPr>
-        </p:nvGraphicFramePr>
-        <p:xfrm>
-          <a:off x="838200" y="1825625"/>
-          <a:ext cx="10515600" cy="4345432"/>
-        </p:xfrm>
-        <a:graphic>
-          <a:graphicData uri="http://schemas.openxmlformats.org/drawingml/2006/diagram">
-            <dgm:relIds xmlns:dgm="http://schemas.openxmlformats.org/drawingml/2006/diagram" xmlns:r="http://schemas.openxmlformats.org/officeDocument/2006/relationships" r:dm="rId3" r:lo="rId4" r:qs="rId5" r:cs="rId6"/>
-          </a:graphicData>
-        </a:graphic>
-      </p:graphicFrame>
-      <p:sp>
-        <p:nvSpPr>
-          <p:cNvPr id="5" name="矩形 4"/>
-          <p:cNvSpPr/>
-          <p:nvPr/>
-        </p:nvSpPr>
-        <p:spPr>
-          <a:xfrm>
-            <a:off x="1385142" y="499766"/>
-            <a:ext cx="2723823" cy="369332"/>
-          </a:xfrm>
-          <a:prstGeom prst="rect">
-            <a:avLst/>
-          </a:prstGeom>
-        </p:spPr>
-        <p:txBody>
-          <a:bodyPr wrap="none">
-            <a:spAutoFit/>
-          </a:bodyPr>
-          <a:lstStyle/>
-          <a:p>
-            <a:r>
-              <a:rPr lang="zh-CN" altLang="en-US" dirty="0">
-                <a:solidFill>
-                  <a:srgbClr val="C00000"/>
-                </a:solidFill>
-                <a:latin typeface="楷体" panose="02010609060101010101" pitchFamily="49" charset="-122"/>
-                <a:ea typeface="楷体" panose="02010609060101010101" pitchFamily="49" charset="-122"/>
-              </a:rPr>
-              <a:t>党</a:t>
-            </a:r>
-            <a:r>
-              <a:rPr lang="zh-CN" altLang="en-US" dirty="0" smtClean="0">
-                <a:solidFill>
-                  <a:srgbClr val="C00000"/>
-                </a:solidFill>
-                <a:latin typeface="楷体" panose="02010609060101010101" pitchFamily="49" charset="-122"/>
-                <a:ea typeface="楷体" panose="02010609060101010101" pitchFamily="49" charset="-122"/>
-              </a:rPr>
-              <a:t>建工作信</a:t>
-            </a:r>
-            <a:r>
-              <a:rPr lang="zh-CN" altLang="en-US" dirty="0">
-                <a:solidFill>
-                  <a:srgbClr val="C00000"/>
-                </a:solidFill>
-                <a:latin typeface="楷体" panose="02010609060101010101" pitchFamily="49" charset="-122"/>
-                <a:ea typeface="楷体" panose="02010609060101010101" pitchFamily="49" charset="-122"/>
-              </a:rPr>
-              <a:t>息化管理平台</a:t>
-            </a:r>
-            <a:endParaRPr lang="zh-CN" altLang="en-US" dirty="0"/>
-          </a:p>
-        </p:txBody>
-      </p:sp>
-    </p:spTree>
-    <p:extLst>
-      <p:ext uri="{BB962C8B-B14F-4D97-AF65-F5344CB8AC3E}">
-        <p14:creationId xmlns:p14="http://schemas.microsoft.com/office/powerpoint/2010/main" val="49785276"/>
-      </p:ext>
-    </p:extLst>
-  </p:cSld>
-  <p:clrMapOvr>
-    <a:masterClrMapping/>
-  </p:clrMapOvr>
-  <p:timing>
-    <p:tnLst>
-      <p:par>
-        <p:cTn id="1" dur="indefinite" restart="never" nodeType="tmRoot"/>
-      </p:par>
-    </p:tnLst>
-  </p:timing>
-</p:sld>
-</file>
-
 <file path=ppt/slides/slide7.xml><?xml version="1.0" encoding="utf-8"?>
 <p:sld xmlns:a="http://schemas.openxmlformats.org/drawingml/2006/main" xmlns:r="http://schemas.openxmlformats.org/officeDocument/2006/relationships" xmlns:p="http://schemas.openxmlformats.org/presentationml/2006/main">
   <p:cSld>
@@ -40719,6 +40816,16 @@
               <a:t>	</a:t>
             </a:r>
             <a:r>
+              <a:rPr lang="zh-CN" altLang="en-US" dirty="0" smtClean="0">
+                <a:solidFill>
+                  <a:srgbClr val="C00000"/>
+                </a:solidFill>
+                <a:latin typeface="楷体" panose="02010609060101010101" pitchFamily="49" charset="-122"/>
+                <a:ea typeface="楷体" panose="02010609060101010101" pitchFamily="49" charset="-122"/>
+              </a:rPr>
+              <a:t>四、党</a:t>
+            </a:r>
+            <a:r>
               <a:rPr lang="zh-CN" altLang="en-US" dirty="0">
                 <a:solidFill>
                   <a:srgbClr val="C00000"/>
@@ -40726,7 +40833,7 @@
                 <a:latin typeface="楷体" panose="02010609060101010101" pitchFamily="49" charset="-122"/>
                 <a:ea typeface="楷体" panose="02010609060101010101" pitchFamily="49" charset="-122"/>
               </a:rPr>
-              <a:t>党建学习</a:t>
+              <a:t>建学习</a:t>
             </a:r>
           </a:p>
         </p:txBody>
@@ -40886,7 +40993,17 @@
                 <a:latin typeface="楷体" panose="02010609060101010101" pitchFamily="49" charset="-122"/>
                 <a:ea typeface="楷体" panose="02010609060101010101" pitchFamily="49" charset="-122"/>
               </a:rPr>
-              <a:t>手机</a:t>
+              <a:t>五、手</a:t>
+            </a:r>
+            <a:r>
+              <a:rPr lang="zh-CN" altLang="en-US" dirty="0" smtClean="0">
+                <a:solidFill>
+                  <a:srgbClr val="C00000"/>
+                </a:solidFill>
+                <a:latin typeface="楷体" panose="02010609060101010101" pitchFamily="49" charset="-122"/>
+                <a:ea typeface="楷体" panose="02010609060101010101" pitchFamily="49" charset="-122"/>
+              </a:rPr>
+              <a:t>机</a:t>
             </a:r>
             <a:r>
               <a:rPr lang="en-US" altLang="zh-CN" dirty="0" smtClean="0">
@@ -41058,6 +41175,16 @@
               <a:t>	</a:t>
             </a:r>
             <a:r>
+              <a:rPr lang="zh-CN" altLang="en-US" dirty="0" smtClean="0">
+                <a:solidFill>
+                  <a:srgbClr val="C00000"/>
+                </a:solidFill>
+                <a:latin typeface="楷体" panose="02010609060101010101" pitchFamily="49" charset="-122"/>
+                <a:ea typeface="楷体" panose="02010609060101010101" pitchFamily="49" charset="-122"/>
+              </a:rPr>
+              <a:t>六、</a:t>
+            </a:r>
+            <a:r>
               <a:rPr lang="zh-CN" altLang="en-US" sz="2700" dirty="0" smtClean="0">
                 <a:solidFill>
                   <a:srgbClr val="C00000"/>
@@ -41065,7 +41192,17 @@
                 <a:latin typeface="楷体" panose="02010609060101010101" pitchFamily="49" charset="-122"/>
                 <a:ea typeface="楷体" panose="02010609060101010101" pitchFamily="49" charset="-122"/>
               </a:rPr>
-              <a:t>流程演示</a:t>
+              <a:t>流</a:t>
+            </a:r>
+            <a:r>
+              <a:rPr lang="zh-CN" altLang="en-US" sz="2700" dirty="0" smtClean="0">
+                <a:solidFill>
+                  <a:srgbClr val="C00000"/>
+                </a:solidFill>
+                <a:latin typeface="楷体" panose="02010609060101010101" pitchFamily="49" charset="-122"/>
+                <a:ea typeface="楷体" panose="02010609060101010101" pitchFamily="49" charset="-122"/>
+              </a:rPr>
+              <a:t>程演示</a:t>
             </a:r>
             <a:r>
               <a:rPr lang="en-US" altLang="zh-CN" sz="2700" dirty="0" smtClean="0">
@@ -41168,15 +41305,7 @@
             <a:pPr algn="ctr"/>
             <a:r>
               <a:rPr lang="zh-CN" altLang="en-US" sz="1500" dirty="0" smtClean="0"/>
-              <a:t>任</a:t>
-            </a:r>
-            <a:r>
-              <a:rPr lang="zh-CN" altLang="en-US" sz="1500" dirty="0" smtClean="0"/>
-              <a:t>务状态提醒、查</a:t>
-            </a:r>
-            <a:r>
-              <a:rPr lang="zh-CN" altLang="en-US" sz="1500" dirty="0" smtClean="0"/>
-              <a:t>看</a:t>
+              <a:t>任务状态提醒、查看</a:t>
             </a:r>
             <a:endParaRPr lang="zh-CN" altLang="en-US" sz="1500" dirty="0"/>
           </a:p>
